--- a/slides/lec09_congestion.pptx
+++ b/slides/lec09_congestion.pptx
@@ -17359,7 +17359,12 @@
             <p:ph type="title"/>
           </p:nvPr>
         </p:nvSpPr>
-        <p:spPr/>
+        <p:spPr>
+          <a:xfrm>
+            <a:off x="623888" y="1709739"/>
+            <a:ext cx="8520112" cy="2852737"/>
+          </a:xfrm>
+        </p:spPr>
         <p:txBody>
           <a:bodyPr/>
           <a:lstStyle/>
@@ -19797,7 +19802,7 @@
           <a:graphicData uri="http://schemas.openxmlformats.org/presentationml/2006/ole">
             <mc:AlternateContent xmlns:mc="http://schemas.openxmlformats.org/markup-compatibility/2006">
               <mc:Choice xmlns:v="urn:schemas-microsoft-com:vml" Requires="v">
-                <p:oleObj spid="_x0000_s3117" name="Equation" r:id="rId3" imgW="317362" imgH="228501" progId="Equation.3">
+                <p:oleObj spid="_x0000_s3125" name="Equation" r:id="rId3" imgW="317362" imgH="228501" progId="Equation.3">
                   <p:embed/>
                 </p:oleObj>
               </mc:Choice>
@@ -19892,7 +19897,7 @@
           <a:graphicData uri="http://schemas.openxmlformats.org/presentationml/2006/ole">
             <mc:AlternateContent xmlns:mc="http://schemas.openxmlformats.org/markup-compatibility/2006">
               <mc:Choice xmlns:v="urn:schemas-microsoft-com:vml" Requires="v">
-                <p:oleObj spid="_x0000_s3118" name="Equation" r:id="rId5" imgW="355292" imgH="393359" progId="Equation.3">
+                <p:oleObj spid="_x0000_s3126" name="Equation" r:id="rId5" imgW="355292" imgH="393359" progId="Equation.3">
                   <p:embed/>
                 </p:oleObj>
               </mc:Choice>
@@ -21999,7 +22004,7 @@
           <a:graphicData uri="http://schemas.openxmlformats.org/presentationml/2006/ole">
             <mc:AlternateContent xmlns:mc="http://schemas.openxmlformats.org/markup-compatibility/2006">
               <mc:Choice xmlns:v="urn:schemas-microsoft-com:vml" Requires="v">
-                <p:oleObj spid="_x0000_s4161" name="Equation" r:id="rId3" imgW="317362" imgH="228501" progId="Equation.3">
+                <p:oleObj spid="_x0000_s4172" name="Equation" r:id="rId3" imgW="317362" imgH="228501" progId="Equation.3">
                   <p:embed/>
                 </p:oleObj>
               </mc:Choice>
@@ -22094,7 +22099,7 @@
           <a:graphicData uri="http://schemas.openxmlformats.org/presentationml/2006/ole">
             <mc:AlternateContent xmlns:mc="http://schemas.openxmlformats.org/markup-compatibility/2006">
               <mc:Choice xmlns:v="urn:schemas-microsoft-com:vml" Requires="v">
-                <p:oleObj spid="_x0000_s4162" name="Equation" r:id="rId5" imgW="355292" imgH="393359" progId="Equation.3">
+                <p:oleObj spid="_x0000_s4173" name="Equation" r:id="rId5" imgW="355292" imgH="393359" progId="Equation.3">
                   <p:embed/>
                 </p:oleObj>
               </mc:Choice>
@@ -22191,7 +22196,7 @@
           <a:graphicData uri="http://schemas.openxmlformats.org/presentationml/2006/ole">
             <mc:AlternateContent xmlns:mc="http://schemas.openxmlformats.org/markup-compatibility/2006">
               <mc:Choice xmlns:v="urn:schemas-microsoft-com:vml" Requires="v">
-                <p:oleObj spid="_x0000_s4163" name="Equation" r:id="rId7" imgW="2717800" imgH="1511300" progId="Equation.3">
+                <p:oleObj spid="_x0000_s4174" name="Equation" r:id="rId7" imgW="2717800" imgH="1511300" progId="Equation.3">
                   <p:embed/>
                 </p:oleObj>
               </mc:Choice>
@@ -22978,7 +22983,7 @@
           <a:graphicData uri="http://schemas.openxmlformats.org/presentationml/2006/ole">
             <mc:AlternateContent xmlns:mc="http://schemas.openxmlformats.org/markup-compatibility/2006">
               <mc:Choice xmlns:v="urn:schemas-microsoft-com:vml" Requires="v">
-                <p:oleObj spid="_x0000_s5145" name="Equation" r:id="rId3" imgW="1663700" imgH="469900" progId="Equation.3">
+                <p:oleObj spid="_x0000_s5150" name="Equation" r:id="rId3" imgW="1663700" imgH="469900" progId="Equation.3">
                   <p:embed/>
                 </p:oleObj>
               </mc:Choice>
@@ -24193,7 +24198,7 @@
           <a:graphicData uri="http://schemas.openxmlformats.org/presentationml/2006/ole">
             <mc:AlternateContent xmlns:mc="http://schemas.openxmlformats.org/markup-compatibility/2006">
               <mc:Choice xmlns:v="urn:schemas-microsoft-com:vml" Requires="v">
-                <p:oleObj spid="_x0000_s6169" name="Equation" r:id="rId3" imgW="1663700" imgH="469900" progId="Equation.3">
+                <p:oleObj spid="_x0000_s6174" name="Equation" r:id="rId3" imgW="1663700" imgH="469900" progId="Equation.3">
                   <p:embed/>
                 </p:oleObj>
               </mc:Choice>
@@ -25045,7 +25050,7 @@
           <a:graphicData uri="http://schemas.openxmlformats.org/presentationml/2006/ole">
             <mc:AlternateContent xmlns:mc="http://schemas.openxmlformats.org/markup-compatibility/2006">
               <mc:Choice xmlns:v="urn:schemas-microsoft-com:vml" Requires="v">
-                <p:oleObj spid="_x0000_s7193" name="Equation" r:id="rId3" imgW="1663700" imgH="469900" progId="Equation.3">
+                <p:oleObj spid="_x0000_s7198" name="Equation" r:id="rId3" imgW="1663700" imgH="469900" progId="Equation.3">
                   <p:embed/>
                 </p:oleObj>
               </mc:Choice>

--- a/slides/lec09_congestion.pptx
+++ b/slides/lec09_congestion.pptx
@@ -250,7 +250,7 @@
           <a:p>
             <a:fld id="{26C21ED3-A5B8-0F43-BEC8-3BB1C1D7A737}" type="datetimeFigureOut">
               <a:rPr lang="en-US" smtClean="0"/>
-              <a:t>3/6/19</a:t>
+              <a:t>3/11/19</a:t>
             </a:fld>
             <a:endParaRPr lang="en-US"/>
           </a:p>
@@ -1000,14 +1000,14 @@
           <a:ln/>
           <a:extLst>
             <a:ext uri="{909E8E84-426E-40dd-AFC4-6F175D3DCCD1}">
-              <a14:hiddenFill xmlns:a14="http://schemas.microsoft.com/office/drawing/2010/main" xmlns="">
+              <a14:hiddenFill xmlns="" xmlns:a14="http://schemas.microsoft.com/office/drawing/2010/main">
                 <a:solidFill>
                   <a:srgbClr val="FFFFFF"/>
                 </a:solidFill>
               </a14:hiddenFill>
             </a:ext>
             <a:ext uri="{91240B29-F687-4f45-9708-019B960494DF}">
-              <a14:hiddenLine xmlns:a14="http://schemas.microsoft.com/office/drawing/2010/main" xmlns="" w="9525">
+              <a14:hiddenLine xmlns="" xmlns:a14="http://schemas.microsoft.com/office/drawing/2010/main" w="9525">
                 <a:solidFill>
                   <a:srgbClr val="000000"/>
                 </a:solidFill>
@@ -1604,7 +1604,7 @@
           <a:p>
             <a:fld id="{ECF56177-CEF1-0141-836F-3867E7E9C1D8}" type="datetime1">
               <a:rPr lang="en-US" smtClean="0"/>
-              <a:t>3/6/19</a:t>
+              <a:t>3/11/19</a:t>
             </a:fld>
             <a:endParaRPr lang="en-US"/>
           </a:p>
@@ -1774,7 +1774,7 @@
           <a:p>
             <a:fld id="{4CDC8FB9-92E9-4C40-A76A-6D1CDAB665BB}" type="datetime1">
               <a:rPr lang="en-US" smtClean="0"/>
-              <a:t>3/6/19</a:t>
+              <a:t>3/11/19</a:t>
             </a:fld>
             <a:endParaRPr lang="en-US"/>
           </a:p>
@@ -1954,7 +1954,7 @@
           <a:p>
             <a:fld id="{F8F03505-CCE7-CA4C-B4F1-35193B6B5156}" type="datetime1">
               <a:rPr lang="en-US" smtClean="0"/>
-              <a:t>3/6/19</a:t>
+              <a:t>3/11/19</a:t>
             </a:fld>
             <a:endParaRPr lang="en-US"/>
           </a:p>
@@ -2124,7 +2124,7 @@
           <a:p>
             <a:fld id="{A02E57FB-CD21-0942-A714-152EC4568E9D}" type="datetime1">
               <a:rPr lang="en-US" smtClean="0"/>
-              <a:t>3/6/19</a:t>
+              <a:t>3/11/19</a:t>
             </a:fld>
             <a:endParaRPr lang="en-US"/>
           </a:p>
@@ -2368,7 +2368,7 @@
           <a:p>
             <a:fld id="{77AD2927-A654-D74D-A6C0-BF96EF7229C7}" type="datetime1">
               <a:rPr lang="en-US" smtClean="0"/>
-              <a:t>3/6/19</a:t>
+              <a:t>3/11/19</a:t>
             </a:fld>
             <a:endParaRPr lang="en-US"/>
           </a:p>
@@ -2600,7 +2600,7 @@
           <a:p>
             <a:fld id="{37B554B6-7788-2348-9289-7CAD598A9555}" type="datetime1">
               <a:rPr lang="en-US" smtClean="0"/>
-              <a:t>3/6/19</a:t>
+              <a:t>3/11/19</a:t>
             </a:fld>
             <a:endParaRPr lang="en-US"/>
           </a:p>
@@ -2967,7 +2967,7 @@
           <a:p>
             <a:fld id="{CCE331CB-FA13-3243-AD80-8733E43C7C1F}" type="datetime1">
               <a:rPr lang="en-US" smtClean="0"/>
-              <a:t>3/6/19</a:t>
+              <a:t>3/11/19</a:t>
             </a:fld>
             <a:endParaRPr lang="en-US"/>
           </a:p>
@@ -3085,7 +3085,7 @@
           <a:p>
             <a:fld id="{C0172A9A-4F1F-854A-9B1E-96AFCC4A9B03}" type="datetime1">
               <a:rPr lang="en-US" smtClean="0"/>
-              <a:t>3/6/19</a:t>
+              <a:t>3/11/19</a:t>
             </a:fld>
             <a:endParaRPr lang="en-US"/>
           </a:p>
@@ -3180,7 +3180,7 @@
           <a:p>
             <a:fld id="{2D504595-1B90-0F4A-A1D0-6609637EC4CD}" type="datetime1">
               <a:rPr lang="en-US" smtClean="0"/>
-              <a:t>3/6/19</a:t>
+              <a:t>3/11/19</a:t>
             </a:fld>
             <a:endParaRPr lang="en-US"/>
           </a:p>
@@ -3457,7 +3457,7 @@
           <a:p>
             <a:fld id="{F48EB26F-796F-BD4B-9EC5-A039FE9C305B}" type="datetime1">
               <a:rPr lang="en-US" smtClean="0"/>
-              <a:t>3/6/19</a:t>
+              <a:t>3/11/19</a:t>
             </a:fld>
             <a:endParaRPr lang="en-US"/>
           </a:p>
@@ -3714,7 +3714,7 @@
           <a:p>
             <a:fld id="{CDC2C28A-C946-0143-970B-84B8FE5654F4}" type="datetime1">
               <a:rPr lang="en-US" smtClean="0"/>
-              <a:t>3/6/19</a:t>
+              <a:t>3/11/19</a:t>
             </a:fld>
             <a:endParaRPr lang="en-US"/>
           </a:p>
@@ -3927,7 +3927,7 @@
           <a:p>
             <a:fld id="{A831EFE4-169C-9248-BC74-4797ECDAE130}" type="datetime1">
               <a:rPr lang="en-US" smtClean="0"/>
-              <a:t>3/6/19</a:t>
+              <a:t>3/11/19</a:t>
             </a:fld>
             <a:endParaRPr lang="en-US"/>
           </a:p>
@@ -5400,7 +5400,11 @@
             </a:r>
             <a:r>
               <a:rPr lang="en-US" sz="2000" dirty="0" smtClean="0"/>
-              <a:t>=5 + 1/5 (no </a:t>
+              <a:t>=5 </a:t>
+            </a:r>
+            <a:r>
+              <a:rPr lang="en-US" sz="2000" dirty="0" smtClean="0"/>
+              <a:t>(no </a:t>
             </a:r>
             <a:r>
               <a:rPr lang="en-US" sz="2000" dirty="0" err="1" smtClean="0"/>
@@ -5422,7 +5426,15 @@
             </a:r>
             <a:r>
               <a:rPr lang="en-US" sz="2000" dirty="0" smtClean="0"/>
-              <a:t>=5 + 2/5 (no </a:t>
+              <a:t>=5 </a:t>
+            </a:r>
+            <a:r>
+              <a:rPr lang="en-US" sz="2000" dirty="0" smtClean="0"/>
+              <a:t>(</a:t>
+            </a:r>
+            <a:r>
+              <a:rPr lang="en-US" sz="2000" dirty="0" smtClean="0"/>
+              <a:t>no </a:t>
             </a:r>
             <a:r>
               <a:rPr lang="en-US" sz="2000" dirty="0" err="1" smtClean="0"/>
@@ -5444,7 +5456,11 @@
             </a:r>
             <a:r>
               <a:rPr lang="en-US" sz="2000" dirty="0" smtClean="0"/>
-              <a:t>=5 + 3/5 (no </a:t>
+              <a:t>=5 </a:t>
+            </a:r>
+            <a:r>
+              <a:rPr lang="en-US" sz="2000" dirty="0" smtClean="0"/>
+              <a:t>(no </a:t>
             </a:r>
             <a:r>
               <a:rPr lang="en-US" sz="2000" dirty="0" err="1" smtClean="0"/>
@@ -5466,7 +5482,11 @@
             </a:r>
             <a:r>
               <a:rPr lang="en-US" sz="2000" dirty="0" smtClean="0"/>
-              <a:t>=5 + 4/5 (no </a:t>
+              <a:t>=5 </a:t>
+            </a:r>
+            <a:r>
+              <a:rPr lang="en-US" sz="2000" dirty="0" smtClean="0"/>
+              <a:t>(no </a:t>
             </a:r>
             <a:r>
               <a:rPr lang="en-US" sz="2000" dirty="0" err="1" smtClean="0"/>
@@ -5488,7 +5508,11 @@
             </a:r>
             <a:r>
               <a:rPr lang="en-US" sz="2000" dirty="0" smtClean="0"/>
-              <a:t>=5 + 5/5 (no </a:t>
+              <a:t>=5 </a:t>
+            </a:r>
+            <a:r>
+              <a:rPr lang="en-US" sz="2000" dirty="0" smtClean="0"/>
+              <a:t>(no </a:t>
             </a:r>
             <a:r>
               <a:rPr lang="en-US" sz="2000" dirty="0" err="1" smtClean="0"/>
@@ -5510,7 +5534,23 @@
             </a:r>
             <a:r>
               <a:rPr lang="en-US" sz="2000" dirty="0" smtClean="0"/>
-              <a:t>=6 + 1/6 (no </a:t>
+              <a:t>=</a:t>
+            </a:r>
+            <a:r>
+              <a:rPr lang="zh-CN" altLang="en-US" sz="2000" dirty="0" smtClean="0"/>
+              <a:t> </a:t>
+            </a:r>
+            <a:r>
+              <a:rPr lang="en-US" altLang="zh-CN" sz="2000" dirty="0" smtClean="0"/>
+              <a:t>5</a:t>
+            </a:r>
+            <a:r>
+              <a:rPr lang="en-US" sz="2000" dirty="0" smtClean="0"/>
+              <a:t> </a:t>
+            </a:r>
+            <a:r>
+              <a:rPr lang="en-US" sz="2000" dirty="0" smtClean="0"/>
+              <a:t>(no </a:t>
             </a:r>
             <a:r>
               <a:rPr lang="en-US" sz="2000" dirty="0" err="1" smtClean="0"/>
@@ -17661,7 +17701,7 @@
           </a:ln>
           <a:extLst>
             <a:ext uri="{909E8E84-426E-40dd-AFC4-6F175D3DCCD1}">
-              <a14:hiddenFill xmlns:a14="http://schemas.microsoft.com/office/drawing/2010/main" xmlns="">
+              <a14:hiddenFill xmlns="" xmlns:a14="http://schemas.microsoft.com/office/drawing/2010/main">
                 <a:solidFill>
                   <a:srgbClr val="FFFFFF"/>
                 </a:solidFill>
@@ -17704,7 +17744,7 @@
           </a:ln>
           <a:extLst>
             <a:ext uri="{909E8E84-426E-40dd-AFC4-6F175D3DCCD1}">
-              <a14:hiddenFill xmlns:a14="http://schemas.microsoft.com/office/drawing/2010/main" xmlns="">
+              <a14:hiddenFill xmlns="" xmlns:a14="http://schemas.microsoft.com/office/drawing/2010/main">
                 <a:noFill/>
               </a14:hiddenFill>
             </a:ext>
@@ -17740,14 +17780,14 @@
           </a:ln>
           <a:extLst>
             <a:ext uri="{909E8E84-426E-40dd-AFC4-6F175D3DCCD1}">
-              <a14:hiddenFill xmlns:a14="http://schemas.microsoft.com/office/drawing/2010/main" xmlns="">
+              <a14:hiddenFill xmlns="" xmlns:a14="http://schemas.microsoft.com/office/drawing/2010/main">
                 <a:solidFill>
                   <a:srgbClr val="FFFFFF"/>
                 </a:solidFill>
               </a14:hiddenFill>
             </a:ext>
             <a:ext uri="{91240B29-F687-4f45-9708-019B960494DF}">
-              <a14:hiddenLine xmlns:a14="http://schemas.microsoft.com/office/drawing/2010/main" xmlns="" w="9525">
+              <a14:hiddenLine xmlns="" xmlns:a14="http://schemas.microsoft.com/office/drawing/2010/main" w="9525">
                 <a:solidFill>
                   <a:srgbClr val="000000"/>
                 </a:solidFill>
@@ -17974,7 +18014,7 @@
           </a:ln>
           <a:extLst>
             <a:ext uri="{909E8E84-426E-40dd-AFC4-6F175D3DCCD1}">
-              <a14:hiddenFill xmlns:a14="http://schemas.microsoft.com/office/drawing/2010/main" xmlns="">
+              <a14:hiddenFill xmlns="" xmlns:a14="http://schemas.microsoft.com/office/drawing/2010/main">
                 <a:solidFill>
                   <a:srgbClr val="FFFFFF"/>
                 </a:solidFill>
@@ -18012,14 +18052,14 @@
           </a:ln>
           <a:extLst>
             <a:ext uri="{909E8E84-426E-40dd-AFC4-6F175D3DCCD1}">
-              <a14:hiddenFill xmlns:a14="http://schemas.microsoft.com/office/drawing/2010/main" xmlns="">
+              <a14:hiddenFill xmlns="" xmlns:a14="http://schemas.microsoft.com/office/drawing/2010/main">
                 <a:solidFill>
                   <a:srgbClr val="FFFFFF"/>
                 </a:solidFill>
               </a14:hiddenFill>
             </a:ext>
             <a:ext uri="{91240B29-F687-4f45-9708-019B960494DF}">
-              <a14:hiddenLine xmlns:a14="http://schemas.microsoft.com/office/drawing/2010/main" xmlns="" w="9525">
+              <a14:hiddenLine xmlns="" xmlns:a14="http://schemas.microsoft.com/office/drawing/2010/main" w="9525">
                 <a:solidFill>
                   <a:srgbClr val="000000"/>
                 </a:solidFill>
@@ -18178,14 +18218,14 @@
           </a:ln>
           <a:extLst>
             <a:ext uri="{909E8E84-426E-40dd-AFC4-6F175D3DCCD1}">
-              <a14:hiddenFill xmlns:a14="http://schemas.microsoft.com/office/drawing/2010/main" xmlns="">
+              <a14:hiddenFill xmlns="" xmlns:a14="http://schemas.microsoft.com/office/drawing/2010/main">
                 <a:solidFill>
                   <a:srgbClr val="FFFFFF"/>
                 </a:solidFill>
               </a14:hiddenFill>
             </a:ext>
             <a:ext uri="{91240B29-F687-4f45-9708-019B960494DF}">
-              <a14:hiddenLine xmlns:a14="http://schemas.microsoft.com/office/drawing/2010/main" xmlns="" w="9525">
+              <a14:hiddenLine xmlns="" xmlns:a14="http://schemas.microsoft.com/office/drawing/2010/main" w="9525">
                 <a:solidFill>
                   <a:srgbClr val="000000"/>
                 </a:solidFill>
@@ -18387,7 +18427,7 @@
           </a:ln>
           <a:extLst>
             <a:ext uri="{909E8E84-426E-40dd-AFC4-6F175D3DCCD1}">
-              <a14:hiddenFill xmlns:a14="http://schemas.microsoft.com/office/drawing/2010/main" xmlns="">
+              <a14:hiddenFill xmlns="" xmlns:a14="http://schemas.microsoft.com/office/drawing/2010/main">
                 <a:solidFill>
                   <a:srgbClr val="FFFFFF"/>
                 </a:solidFill>
@@ -18471,7 +18511,7 @@
           </a:ln>
           <a:extLst>
             <a:ext uri="{909E8E84-426E-40dd-AFC4-6F175D3DCCD1}">
-              <a14:hiddenFill xmlns:a14="http://schemas.microsoft.com/office/drawing/2010/main" xmlns="">
+              <a14:hiddenFill xmlns="" xmlns:a14="http://schemas.microsoft.com/office/drawing/2010/main">
                 <a:solidFill>
                   <a:srgbClr val="FFFFFF"/>
                 </a:solidFill>
@@ -18555,7 +18595,7 @@
           </a:ln>
           <a:extLst>
             <a:ext uri="{909E8E84-426E-40dd-AFC4-6F175D3DCCD1}">
-              <a14:hiddenFill xmlns:a14="http://schemas.microsoft.com/office/drawing/2010/main" xmlns="">
+              <a14:hiddenFill xmlns="" xmlns:a14="http://schemas.microsoft.com/office/drawing/2010/main">
                 <a:solidFill>
                   <a:srgbClr val="FFFFFF"/>
                 </a:solidFill>
@@ -18598,7 +18638,7 @@
           </a:ln>
           <a:extLst>
             <a:ext uri="{909E8E84-426E-40dd-AFC4-6F175D3DCCD1}">
-              <a14:hiddenFill xmlns:a14="http://schemas.microsoft.com/office/drawing/2010/main" xmlns="">
+              <a14:hiddenFill xmlns="" xmlns:a14="http://schemas.microsoft.com/office/drawing/2010/main">
                 <a:noFill/>
               </a14:hiddenFill>
             </a:ext>
@@ -18639,7 +18679,7 @@
           </a:ln>
           <a:extLst>
             <a:ext uri="{909E8E84-426E-40dd-AFC4-6F175D3DCCD1}">
-              <a14:hiddenFill xmlns:a14="http://schemas.microsoft.com/office/drawing/2010/main" xmlns="">
+              <a14:hiddenFill xmlns="" xmlns:a14="http://schemas.microsoft.com/office/drawing/2010/main">
                 <a:noFill/>
               </a14:hiddenFill>
             </a:ext>
@@ -18680,7 +18720,7 @@
           </a:ln>
           <a:extLst>
             <a:ext uri="{909E8E84-426E-40dd-AFC4-6F175D3DCCD1}">
-              <a14:hiddenFill xmlns:a14="http://schemas.microsoft.com/office/drawing/2010/main" xmlns="">
+              <a14:hiddenFill xmlns="" xmlns:a14="http://schemas.microsoft.com/office/drawing/2010/main">
                 <a:noFill/>
               </a14:hiddenFill>
             </a:ext>
@@ -18723,7 +18763,7 @@
           </a:ln>
           <a:extLst>
             <a:ext uri="{909E8E84-426E-40dd-AFC4-6F175D3DCCD1}">
-              <a14:hiddenFill xmlns:a14="http://schemas.microsoft.com/office/drawing/2010/main" xmlns="">
+              <a14:hiddenFill xmlns="" xmlns:a14="http://schemas.microsoft.com/office/drawing/2010/main">
                 <a:noFill/>
               </a14:hiddenFill>
             </a:ext>
@@ -18758,7 +18798,7 @@
           </a:ln>
           <a:extLst>
             <a:ext uri="{909E8E84-426E-40dd-AFC4-6F175D3DCCD1}">
-              <a14:hiddenFill xmlns:a14="http://schemas.microsoft.com/office/drawing/2010/main" xmlns="">
+              <a14:hiddenFill xmlns="" xmlns:a14="http://schemas.microsoft.com/office/drawing/2010/main">
                 <a:noFill/>
               </a14:hiddenFill>
             </a:ext>
@@ -18794,7 +18834,7 @@
           </a:ln>
           <a:extLst>
             <a:ext uri="{909E8E84-426E-40dd-AFC4-6F175D3DCCD1}">
-              <a14:hiddenFill xmlns:a14="http://schemas.microsoft.com/office/drawing/2010/main" xmlns="">
+              <a14:hiddenFill xmlns="" xmlns:a14="http://schemas.microsoft.com/office/drawing/2010/main">
                 <a:noFill/>
               </a14:hiddenFill>
             </a:ext>
@@ -18829,7 +18869,7 @@
           </a:ln>
           <a:extLst>
             <a:ext uri="{909E8E84-426E-40dd-AFC4-6F175D3DCCD1}">
-              <a14:hiddenFill xmlns:a14="http://schemas.microsoft.com/office/drawing/2010/main" xmlns="">
+              <a14:hiddenFill xmlns="" xmlns:a14="http://schemas.microsoft.com/office/drawing/2010/main">
                 <a:noFill/>
               </a14:hiddenFill>
             </a:ext>
@@ -18879,7 +18919,7 @@
             </a:ln>
             <a:extLst>
               <a:ext uri="{909E8E84-426E-40dd-AFC4-6F175D3DCCD1}">
-                <a14:hiddenFill xmlns:a14="http://schemas.microsoft.com/office/drawing/2010/main" xmlns="">
+                <a14:hiddenFill xmlns="" xmlns:a14="http://schemas.microsoft.com/office/drawing/2010/main">
                   <a:solidFill>
                     <a:srgbClr val="FFFFFF"/>
                   </a:solidFill>
@@ -18924,7 +18964,7 @@
             </a:ln>
             <a:extLst>
               <a:ext uri="{909E8E84-426E-40dd-AFC4-6F175D3DCCD1}">
-                <a14:hiddenFill xmlns:a14="http://schemas.microsoft.com/office/drawing/2010/main" xmlns="">
+                <a14:hiddenFill xmlns="" xmlns:a14="http://schemas.microsoft.com/office/drawing/2010/main">
                   <a:noFill/>
                 </a14:hiddenFill>
               </a:ext>
@@ -19069,7 +19109,7 @@
               </a:ln>
               <a:extLst>
                 <a:ext uri="{909E8E84-426E-40dd-AFC4-6F175D3DCCD1}">
-                  <a14:hiddenFill xmlns:a14="http://schemas.microsoft.com/office/drawing/2010/main" xmlns="">
+                  <a14:hiddenFill xmlns="" xmlns:a14="http://schemas.microsoft.com/office/drawing/2010/main">
                     <a:solidFill>
                       <a:srgbClr val="FFFFFF"/>
                     </a:solidFill>
@@ -19171,7 +19211,7 @@
               </a:ln>
               <a:extLst>
                 <a:ext uri="{909E8E84-426E-40dd-AFC4-6F175D3DCCD1}">
-                  <a14:hiddenFill xmlns:a14="http://schemas.microsoft.com/office/drawing/2010/main" xmlns="">
+                  <a14:hiddenFill xmlns="" xmlns:a14="http://schemas.microsoft.com/office/drawing/2010/main">
                     <a:solidFill>
                       <a:srgbClr val="FFFFFF"/>
                     </a:solidFill>
@@ -19273,7 +19313,7 @@
               </a:ln>
               <a:extLst>
                 <a:ext uri="{909E8E84-426E-40dd-AFC4-6F175D3DCCD1}">
-                  <a14:hiddenFill xmlns:a14="http://schemas.microsoft.com/office/drawing/2010/main" xmlns="">
+                  <a14:hiddenFill xmlns="" xmlns:a14="http://schemas.microsoft.com/office/drawing/2010/main">
                     <a:solidFill>
                       <a:srgbClr val="FFFFFF"/>
                     </a:solidFill>
@@ -19375,7 +19415,7 @@
               </a:ln>
               <a:extLst>
                 <a:ext uri="{909E8E84-426E-40dd-AFC4-6F175D3DCCD1}">
-                  <a14:hiddenFill xmlns:a14="http://schemas.microsoft.com/office/drawing/2010/main" xmlns="">
+                  <a14:hiddenFill xmlns="" xmlns:a14="http://schemas.microsoft.com/office/drawing/2010/main">
                     <a:solidFill>
                       <a:srgbClr val="FFFFFF"/>
                     </a:solidFill>
@@ -19413,14 +19453,14 @@
               </a:ln>
               <a:extLst>
                 <a:ext uri="{909E8E84-426E-40dd-AFC4-6F175D3DCCD1}">
-                  <a14:hiddenFill xmlns:a14="http://schemas.microsoft.com/office/drawing/2010/main" xmlns="">
+                  <a14:hiddenFill xmlns="" xmlns:a14="http://schemas.microsoft.com/office/drawing/2010/main">
                     <a:solidFill>
                       <a:srgbClr val="FFFFFF"/>
                     </a:solidFill>
                   </a14:hiddenFill>
                 </a:ext>
                 <a:ext uri="{91240B29-F687-4f45-9708-019B960494DF}">
-                  <a14:hiddenLine xmlns:a14="http://schemas.microsoft.com/office/drawing/2010/main" xmlns="" w="9525">
+                  <a14:hiddenLine xmlns="" xmlns:a14="http://schemas.microsoft.com/office/drawing/2010/main" w="9525">
                     <a:solidFill>
                       <a:srgbClr val="000000"/>
                     </a:solidFill>
@@ -19574,14 +19614,14 @@
               </a:ln>
               <a:extLst>
                 <a:ext uri="{909E8E84-426E-40dd-AFC4-6F175D3DCCD1}">
-                  <a14:hiddenFill xmlns:a14="http://schemas.microsoft.com/office/drawing/2010/main" xmlns="">
+                  <a14:hiddenFill xmlns="" xmlns:a14="http://schemas.microsoft.com/office/drawing/2010/main">
                     <a:solidFill>
                       <a:srgbClr val="FFFFFF"/>
                     </a:solidFill>
                   </a14:hiddenFill>
                 </a:ext>
                 <a:ext uri="{91240B29-F687-4f45-9708-019B960494DF}">
-                  <a14:hiddenLine xmlns:a14="http://schemas.microsoft.com/office/drawing/2010/main" xmlns="" w="9525">
+                  <a14:hiddenLine xmlns="" xmlns:a14="http://schemas.microsoft.com/office/drawing/2010/main" w="9525">
                     <a:solidFill>
                       <a:srgbClr val="000000"/>
                     </a:solidFill>
@@ -19743,7 +19783,7 @@
               </a:ln>
               <a:extLst>
                 <a:ext uri="{909E8E84-426E-40dd-AFC4-6F175D3DCCD1}">
-                  <a14:hiddenFill xmlns:a14="http://schemas.microsoft.com/office/drawing/2010/main" xmlns="">
+                  <a14:hiddenFill xmlns="" xmlns:a14="http://schemas.microsoft.com/office/drawing/2010/main">
                     <a:noFill/>
                   </a14:hiddenFill>
                 </a:ext>
@@ -19777,7 +19817,7 @@
               </a:ln>
               <a:extLst>
                 <a:ext uri="{909E8E84-426E-40dd-AFC4-6F175D3DCCD1}">
-                  <a14:hiddenFill xmlns:a14="http://schemas.microsoft.com/office/drawing/2010/main" xmlns="">
+                  <a14:hiddenFill xmlns="" xmlns:a14="http://schemas.microsoft.com/office/drawing/2010/main">
                     <a:noFill/>
                   </a14:hiddenFill>
                 </a:ext>
@@ -19802,7 +19842,7 @@
           <a:graphicData uri="http://schemas.openxmlformats.org/presentationml/2006/ole">
             <mc:AlternateContent xmlns:mc="http://schemas.openxmlformats.org/markup-compatibility/2006">
               <mc:Choice xmlns:v="urn:schemas-microsoft-com:vml" Requires="v">
-                <p:oleObj spid="_x0000_s3125" name="Equation" r:id="rId3" imgW="317362" imgH="228501" progId="Equation.3">
+                <p:oleObj spid="_x0000_s3130" name="Equation" r:id="rId3" imgW="317362" imgH="228501" progId="Equation.3">
                   <p:embed/>
                 </p:oleObj>
               </mc:Choice>
@@ -19845,14 +19885,14 @@
                       <a:effectLst/>
                       <a:extLst>
                         <a:ext uri="{909E8E84-426E-40dd-AFC4-6F175D3DCCD1}">
-                          <a14:hiddenFill xmlns:a14="http://schemas.microsoft.com/office/drawing/2010/main" xmlns="">
+                          <a14:hiddenFill xmlns="" xmlns:a14="http://schemas.microsoft.com/office/drawing/2010/main">
                             <a:solidFill>
                               <a:srgbClr val="FFFFFF"/>
                             </a:solidFill>
                           </a14:hiddenFill>
                         </a:ext>
                         <a:ext uri="{91240B29-F687-4f45-9708-019B960494DF}">
-                          <a14:hiddenLine xmlns:a14="http://schemas.microsoft.com/office/drawing/2010/main" xmlns="" w="9525">
+                          <a14:hiddenLine xmlns="" xmlns:a14="http://schemas.microsoft.com/office/drawing/2010/main" w="9525">
                             <a:solidFill>
                               <a:srgbClr val="000000"/>
                             </a:solidFill>
@@ -19862,7 +19902,7 @@
                           </a14:hiddenLine>
                         </a:ext>
                         <a:ext uri="{AF507438-7753-43e0-B8FC-AC1667EBCBE1}">
-                          <a14:hiddenEffects xmlns:a14="http://schemas.microsoft.com/office/drawing/2010/main" xmlns="">
+                          <a14:hiddenEffects xmlns="" xmlns:a14="http://schemas.microsoft.com/office/drawing/2010/main">
                             <a:effectLst>
                               <a:outerShdw blurRad="63500" dist="38099" dir="2700000" algn="ctr" rotWithShape="0">
                                 <a:srgbClr val="000000">
@@ -19897,7 +19937,7 @@
           <a:graphicData uri="http://schemas.openxmlformats.org/presentationml/2006/ole">
             <mc:AlternateContent xmlns:mc="http://schemas.openxmlformats.org/markup-compatibility/2006">
               <mc:Choice xmlns:v="urn:schemas-microsoft-com:vml" Requires="v">
-                <p:oleObj spid="_x0000_s3126" name="Equation" r:id="rId5" imgW="355292" imgH="393359" progId="Equation.3">
+                <p:oleObj spid="_x0000_s3131" name="Equation" r:id="rId5" imgW="355292" imgH="393359" progId="Equation.3">
                   <p:embed/>
                 </p:oleObj>
               </mc:Choice>
@@ -19940,14 +19980,14 @@
                       <a:effectLst/>
                       <a:extLst>
                         <a:ext uri="{909E8E84-426E-40dd-AFC4-6F175D3DCCD1}">
-                          <a14:hiddenFill xmlns:a14="http://schemas.microsoft.com/office/drawing/2010/main" xmlns="">
+                          <a14:hiddenFill xmlns="" xmlns:a14="http://schemas.microsoft.com/office/drawing/2010/main">
                             <a:solidFill>
                               <a:srgbClr val="FFFFFF"/>
                             </a:solidFill>
                           </a14:hiddenFill>
                         </a:ext>
                         <a:ext uri="{91240B29-F687-4f45-9708-019B960494DF}">
-                          <a14:hiddenLine xmlns:a14="http://schemas.microsoft.com/office/drawing/2010/main" xmlns="" w="9525">
+                          <a14:hiddenLine xmlns="" xmlns:a14="http://schemas.microsoft.com/office/drawing/2010/main" w="9525">
                             <a:solidFill>
                               <a:srgbClr val="000000"/>
                             </a:solidFill>
@@ -19957,7 +19997,7 @@
                           </a14:hiddenLine>
                         </a:ext>
                         <a:ext uri="{AF507438-7753-43e0-B8FC-AC1667EBCBE1}">
-                          <a14:hiddenEffects xmlns:a14="http://schemas.microsoft.com/office/drawing/2010/main" xmlns="">
+                          <a14:hiddenEffects xmlns="" xmlns:a14="http://schemas.microsoft.com/office/drawing/2010/main">
                             <a:effectLst>
                               <a:outerShdw blurRad="63500" dist="38099" dir="2700000" algn="ctr" rotWithShape="0">
                                 <a:srgbClr val="000000">
@@ -20810,7 +20850,7 @@
           </a:ln>
           <a:extLst>
             <a:ext uri="{909E8E84-426E-40dd-AFC4-6F175D3DCCD1}">
-              <a14:hiddenFill xmlns:a14="http://schemas.microsoft.com/office/drawing/2010/main" xmlns="">
+              <a14:hiddenFill xmlns="" xmlns:a14="http://schemas.microsoft.com/office/drawing/2010/main">
                 <a:solidFill>
                   <a:srgbClr val="FFFFFF"/>
                 </a:solidFill>
@@ -20853,7 +20893,7 @@
           </a:ln>
           <a:extLst>
             <a:ext uri="{909E8E84-426E-40dd-AFC4-6F175D3DCCD1}">
-              <a14:hiddenFill xmlns:a14="http://schemas.microsoft.com/office/drawing/2010/main" xmlns="">
+              <a14:hiddenFill xmlns="" xmlns:a14="http://schemas.microsoft.com/office/drawing/2010/main">
                 <a:noFill/>
               </a14:hiddenFill>
             </a:ext>
@@ -20889,14 +20929,14 @@
           </a:ln>
           <a:extLst>
             <a:ext uri="{909E8E84-426E-40dd-AFC4-6F175D3DCCD1}">
-              <a14:hiddenFill xmlns:a14="http://schemas.microsoft.com/office/drawing/2010/main" xmlns="">
+              <a14:hiddenFill xmlns="" xmlns:a14="http://schemas.microsoft.com/office/drawing/2010/main">
                 <a:solidFill>
                   <a:srgbClr val="FFFFFF"/>
                 </a:solidFill>
               </a14:hiddenFill>
             </a:ext>
             <a:ext uri="{91240B29-F687-4f45-9708-019B960494DF}">
-              <a14:hiddenLine xmlns:a14="http://schemas.microsoft.com/office/drawing/2010/main" xmlns="" w="9525">
+              <a14:hiddenLine xmlns="" xmlns:a14="http://schemas.microsoft.com/office/drawing/2010/main" w="9525">
                 <a:solidFill>
                   <a:srgbClr val="000000"/>
                 </a:solidFill>
@@ -21123,7 +21163,7 @@
           </a:ln>
           <a:extLst>
             <a:ext uri="{909E8E84-426E-40dd-AFC4-6F175D3DCCD1}">
-              <a14:hiddenFill xmlns:a14="http://schemas.microsoft.com/office/drawing/2010/main" xmlns="">
+              <a14:hiddenFill xmlns="" xmlns:a14="http://schemas.microsoft.com/office/drawing/2010/main">
                 <a:solidFill>
                   <a:srgbClr val="FFFFFF"/>
                 </a:solidFill>
@@ -21161,14 +21201,14 @@
           </a:ln>
           <a:extLst>
             <a:ext uri="{909E8E84-426E-40dd-AFC4-6F175D3DCCD1}">
-              <a14:hiddenFill xmlns:a14="http://schemas.microsoft.com/office/drawing/2010/main" xmlns="">
+              <a14:hiddenFill xmlns="" xmlns:a14="http://schemas.microsoft.com/office/drawing/2010/main">
                 <a:solidFill>
                   <a:srgbClr val="FFFFFF"/>
                 </a:solidFill>
               </a14:hiddenFill>
             </a:ext>
             <a:ext uri="{91240B29-F687-4f45-9708-019B960494DF}">
-              <a14:hiddenLine xmlns:a14="http://schemas.microsoft.com/office/drawing/2010/main" xmlns="" w="9525">
+              <a14:hiddenLine xmlns="" xmlns:a14="http://schemas.microsoft.com/office/drawing/2010/main" w="9525">
                 <a:solidFill>
                   <a:srgbClr val="000000"/>
                 </a:solidFill>
@@ -21327,14 +21367,14 @@
           </a:ln>
           <a:extLst>
             <a:ext uri="{909E8E84-426E-40dd-AFC4-6F175D3DCCD1}">
-              <a14:hiddenFill xmlns:a14="http://schemas.microsoft.com/office/drawing/2010/main" xmlns="">
+              <a14:hiddenFill xmlns="" xmlns:a14="http://schemas.microsoft.com/office/drawing/2010/main">
                 <a:solidFill>
                   <a:srgbClr val="FFFFFF"/>
                 </a:solidFill>
               </a14:hiddenFill>
             </a:ext>
             <a:ext uri="{91240B29-F687-4f45-9708-019B960494DF}">
-              <a14:hiddenLine xmlns:a14="http://schemas.microsoft.com/office/drawing/2010/main" xmlns="" w="9525">
+              <a14:hiddenLine xmlns="" xmlns:a14="http://schemas.microsoft.com/office/drawing/2010/main" w="9525">
                 <a:solidFill>
                   <a:srgbClr val="000000"/>
                 </a:solidFill>
@@ -21539,7 +21579,7 @@
           </a:ln>
           <a:extLst>
             <a:ext uri="{909E8E84-426E-40dd-AFC4-6F175D3DCCD1}">
-              <a14:hiddenFill xmlns:a14="http://schemas.microsoft.com/office/drawing/2010/main" xmlns="">
+              <a14:hiddenFill xmlns="" xmlns:a14="http://schemas.microsoft.com/office/drawing/2010/main">
                 <a:solidFill>
                   <a:srgbClr val="FFFFFF"/>
                 </a:solidFill>
@@ -21623,7 +21663,7 @@
           </a:ln>
           <a:extLst>
             <a:ext uri="{909E8E84-426E-40dd-AFC4-6F175D3DCCD1}">
-              <a14:hiddenFill xmlns:a14="http://schemas.microsoft.com/office/drawing/2010/main" xmlns="">
+              <a14:hiddenFill xmlns="" xmlns:a14="http://schemas.microsoft.com/office/drawing/2010/main">
                 <a:solidFill>
                   <a:srgbClr val="FFFFFF"/>
                 </a:solidFill>
@@ -21707,7 +21747,7 @@
           </a:ln>
           <a:extLst>
             <a:ext uri="{909E8E84-426E-40dd-AFC4-6F175D3DCCD1}">
-              <a14:hiddenFill xmlns:a14="http://schemas.microsoft.com/office/drawing/2010/main" xmlns="">
+              <a14:hiddenFill xmlns="" xmlns:a14="http://schemas.microsoft.com/office/drawing/2010/main">
                 <a:solidFill>
                   <a:srgbClr val="FFFFFF"/>
                 </a:solidFill>
@@ -21750,7 +21790,7 @@
           </a:ln>
           <a:extLst>
             <a:ext uri="{909E8E84-426E-40dd-AFC4-6F175D3DCCD1}">
-              <a14:hiddenFill xmlns:a14="http://schemas.microsoft.com/office/drawing/2010/main" xmlns="">
+              <a14:hiddenFill xmlns="" xmlns:a14="http://schemas.microsoft.com/office/drawing/2010/main">
                 <a:noFill/>
               </a14:hiddenFill>
             </a:ext>
@@ -21791,7 +21831,7 @@
           </a:ln>
           <a:extLst>
             <a:ext uri="{909E8E84-426E-40dd-AFC4-6F175D3DCCD1}">
-              <a14:hiddenFill xmlns:a14="http://schemas.microsoft.com/office/drawing/2010/main" xmlns="">
+              <a14:hiddenFill xmlns="" xmlns:a14="http://schemas.microsoft.com/office/drawing/2010/main">
                 <a:noFill/>
               </a14:hiddenFill>
             </a:ext>
@@ -21832,7 +21872,7 @@
           </a:ln>
           <a:extLst>
             <a:ext uri="{909E8E84-426E-40dd-AFC4-6F175D3DCCD1}">
-              <a14:hiddenFill xmlns:a14="http://schemas.microsoft.com/office/drawing/2010/main" xmlns="">
+              <a14:hiddenFill xmlns="" xmlns:a14="http://schemas.microsoft.com/office/drawing/2010/main">
                 <a:noFill/>
               </a14:hiddenFill>
             </a:ext>
@@ -21875,7 +21915,7 @@
           </a:ln>
           <a:extLst>
             <a:ext uri="{909E8E84-426E-40dd-AFC4-6F175D3DCCD1}">
-              <a14:hiddenFill xmlns:a14="http://schemas.microsoft.com/office/drawing/2010/main" xmlns="">
+              <a14:hiddenFill xmlns="" xmlns:a14="http://schemas.microsoft.com/office/drawing/2010/main">
                 <a:noFill/>
               </a14:hiddenFill>
             </a:ext>
@@ -21910,7 +21950,7 @@
           </a:ln>
           <a:extLst>
             <a:ext uri="{909E8E84-426E-40dd-AFC4-6F175D3DCCD1}">
-              <a14:hiddenFill xmlns:a14="http://schemas.microsoft.com/office/drawing/2010/main" xmlns="">
+              <a14:hiddenFill xmlns="" xmlns:a14="http://schemas.microsoft.com/office/drawing/2010/main">
                 <a:noFill/>
               </a14:hiddenFill>
             </a:ext>
@@ -21946,7 +21986,7 @@
           </a:ln>
           <a:extLst>
             <a:ext uri="{909E8E84-426E-40dd-AFC4-6F175D3DCCD1}">
-              <a14:hiddenFill xmlns:a14="http://schemas.microsoft.com/office/drawing/2010/main" xmlns="">
+              <a14:hiddenFill xmlns="" xmlns:a14="http://schemas.microsoft.com/office/drawing/2010/main">
                 <a:noFill/>
               </a14:hiddenFill>
             </a:ext>
@@ -21981,7 +22021,7 @@
           </a:ln>
           <a:extLst>
             <a:ext uri="{909E8E84-426E-40dd-AFC4-6F175D3DCCD1}">
-              <a14:hiddenFill xmlns:a14="http://schemas.microsoft.com/office/drawing/2010/main" xmlns="">
+              <a14:hiddenFill xmlns="" xmlns:a14="http://schemas.microsoft.com/office/drawing/2010/main">
                 <a:noFill/>
               </a14:hiddenFill>
             </a:ext>
@@ -22004,7 +22044,7 @@
           <a:graphicData uri="http://schemas.openxmlformats.org/presentationml/2006/ole">
             <mc:AlternateContent xmlns:mc="http://schemas.openxmlformats.org/markup-compatibility/2006">
               <mc:Choice xmlns:v="urn:schemas-microsoft-com:vml" Requires="v">
-                <p:oleObj spid="_x0000_s4172" name="Equation" r:id="rId3" imgW="317362" imgH="228501" progId="Equation.3">
+                <p:oleObj spid="_x0000_s4179" name="Equation" r:id="rId3" imgW="317362" imgH="228501" progId="Equation.3">
                   <p:embed/>
                 </p:oleObj>
               </mc:Choice>
@@ -22047,14 +22087,14 @@
                       <a:effectLst/>
                       <a:extLst>
                         <a:ext uri="{909E8E84-426E-40dd-AFC4-6F175D3DCCD1}">
-                          <a14:hiddenFill xmlns:a14="http://schemas.microsoft.com/office/drawing/2010/main" xmlns="">
+                          <a14:hiddenFill xmlns="" xmlns:a14="http://schemas.microsoft.com/office/drawing/2010/main">
                             <a:solidFill>
                               <a:srgbClr val="FFFFFF"/>
                             </a:solidFill>
                           </a14:hiddenFill>
                         </a:ext>
                         <a:ext uri="{91240B29-F687-4f45-9708-019B960494DF}">
-                          <a14:hiddenLine xmlns:a14="http://schemas.microsoft.com/office/drawing/2010/main" xmlns="" w="9525">
+                          <a14:hiddenLine xmlns="" xmlns:a14="http://schemas.microsoft.com/office/drawing/2010/main" w="9525">
                             <a:solidFill>
                               <a:srgbClr val="000000"/>
                             </a:solidFill>
@@ -22064,7 +22104,7 @@
                           </a14:hiddenLine>
                         </a:ext>
                         <a:ext uri="{AF507438-7753-43e0-B8FC-AC1667EBCBE1}">
-                          <a14:hiddenEffects xmlns:a14="http://schemas.microsoft.com/office/drawing/2010/main" xmlns="">
+                          <a14:hiddenEffects xmlns="" xmlns:a14="http://schemas.microsoft.com/office/drawing/2010/main">
                             <a:effectLst>
                               <a:outerShdw blurRad="63500" dist="38099" dir="2700000" algn="ctr" rotWithShape="0">
                                 <a:srgbClr val="000000">
@@ -22099,7 +22139,7 @@
           <a:graphicData uri="http://schemas.openxmlformats.org/presentationml/2006/ole">
             <mc:AlternateContent xmlns:mc="http://schemas.openxmlformats.org/markup-compatibility/2006">
               <mc:Choice xmlns:v="urn:schemas-microsoft-com:vml" Requires="v">
-                <p:oleObj spid="_x0000_s4173" name="Equation" r:id="rId5" imgW="355292" imgH="393359" progId="Equation.3">
+                <p:oleObj spid="_x0000_s4180" name="Equation" r:id="rId5" imgW="355292" imgH="393359" progId="Equation.3">
                   <p:embed/>
                 </p:oleObj>
               </mc:Choice>
@@ -22142,14 +22182,14 @@
                       <a:effectLst/>
                       <a:extLst>
                         <a:ext uri="{909E8E84-426E-40dd-AFC4-6F175D3DCCD1}">
-                          <a14:hiddenFill xmlns:a14="http://schemas.microsoft.com/office/drawing/2010/main" xmlns="">
+                          <a14:hiddenFill xmlns="" xmlns:a14="http://schemas.microsoft.com/office/drawing/2010/main">
                             <a:solidFill>
                               <a:srgbClr val="FFFFFF"/>
                             </a:solidFill>
                           </a14:hiddenFill>
                         </a:ext>
                         <a:ext uri="{91240B29-F687-4f45-9708-019B960494DF}">
-                          <a14:hiddenLine xmlns:a14="http://schemas.microsoft.com/office/drawing/2010/main" xmlns="" w="9525">
+                          <a14:hiddenLine xmlns="" xmlns:a14="http://schemas.microsoft.com/office/drawing/2010/main" w="9525">
                             <a:solidFill>
                               <a:srgbClr val="000000"/>
                             </a:solidFill>
@@ -22159,7 +22199,7 @@
                           </a14:hiddenLine>
                         </a:ext>
                         <a:ext uri="{AF507438-7753-43e0-B8FC-AC1667EBCBE1}">
-                          <a14:hiddenEffects xmlns:a14="http://schemas.microsoft.com/office/drawing/2010/main" xmlns="">
+                          <a14:hiddenEffects xmlns="" xmlns:a14="http://schemas.microsoft.com/office/drawing/2010/main">
                             <a:effectLst>
                               <a:outerShdw blurRad="63500" dist="38099" dir="2700000" algn="ctr" rotWithShape="0">
                                 <a:srgbClr val="000000">
@@ -22196,7 +22236,7 @@
           <a:graphicData uri="http://schemas.openxmlformats.org/presentationml/2006/ole">
             <mc:AlternateContent xmlns:mc="http://schemas.openxmlformats.org/markup-compatibility/2006">
               <mc:Choice xmlns:v="urn:schemas-microsoft-com:vml" Requires="v">
-                <p:oleObj spid="_x0000_s4174" name="Equation" r:id="rId7" imgW="2717800" imgH="1511300" progId="Equation.3">
+                <p:oleObj spid="_x0000_s4181" name="Equation" r:id="rId7" imgW="2717800" imgH="1511300" progId="Equation.3">
                   <p:embed/>
                 </p:oleObj>
               </mc:Choice>
@@ -22983,7 +23023,7 @@
           <a:graphicData uri="http://schemas.openxmlformats.org/presentationml/2006/ole">
             <mc:AlternateContent xmlns:mc="http://schemas.openxmlformats.org/markup-compatibility/2006">
               <mc:Choice xmlns:v="urn:schemas-microsoft-com:vml" Requires="v">
-                <p:oleObj spid="_x0000_s5150" name="Equation" r:id="rId3" imgW="1663700" imgH="469900" progId="Equation.3">
+                <p:oleObj spid="_x0000_s5153" name="Equation" r:id="rId3" imgW="1663700" imgH="469900" progId="Equation.3">
                   <p:embed/>
                 </p:oleObj>
               </mc:Choice>
@@ -23070,12 +23110,12 @@
             <a:effectLst/>
             <a:extLst>
               <a:ext uri="{909E8E84-426E-40dd-AFC4-6F175D3DCCD1}">
-                <a14:hiddenFill xmlns:a14="http://schemas.microsoft.com/office/drawing/2010/main" xmlns="">
+                <a14:hiddenFill xmlns="" xmlns:a14="http://schemas.microsoft.com/office/drawing/2010/main">
                   <a:noFill/>
                 </a14:hiddenFill>
               </a:ext>
               <a:ext uri="{AF507438-7753-43e0-B8FC-AC1667EBCBE1}">
-                <a14:hiddenEffects xmlns:a14="http://schemas.microsoft.com/office/drawing/2010/main" xmlns="">
+                <a14:hiddenEffects xmlns="" xmlns:a14="http://schemas.microsoft.com/office/drawing/2010/main">
                   <a:effectLst>
                     <a:outerShdw blurRad="63500" dist="38099" dir="2700000" algn="ctr" rotWithShape="0">
                       <a:schemeClr val="bg2">
@@ -23118,14 +23158,14 @@
             <a:effectLst/>
             <a:extLst>
               <a:ext uri="{909E8E84-426E-40dd-AFC4-6F175D3DCCD1}">
-                <a14:hiddenFill xmlns:a14="http://schemas.microsoft.com/office/drawing/2010/main" xmlns="">
+                <a14:hiddenFill xmlns="" xmlns:a14="http://schemas.microsoft.com/office/drawing/2010/main">
                   <a:solidFill>
                     <a:schemeClr val="accent1"/>
                   </a:solidFill>
                 </a14:hiddenFill>
               </a:ext>
               <a:ext uri="{91240B29-F687-4f45-9708-019B960494DF}">
-                <a14:hiddenLine xmlns:a14="http://schemas.microsoft.com/office/drawing/2010/main" xmlns="" w="9525">
+                <a14:hiddenLine xmlns="" xmlns:a14="http://schemas.microsoft.com/office/drawing/2010/main" w="9525">
                   <a:solidFill>
                     <a:schemeClr val="tx1"/>
                   </a:solidFill>
@@ -23135,7 +23175,7 @@
                 </a14:hiddenLine>
               </a:ext>
               <a:ext uri="{AF507438-7753-43e0-B8FC-AC1667EBCBE1}">
-                <a14:hiddenEffects xmlns:a14="http://schemas.microsoft.com/office/drawing/2010/main" xmlns="">
+                <a14:hiddenEffects xmlns="" xmlns:a14="http://schemas.microsoft.com/office/drawing/2010/main">
                   <a:effectLst>
                     <a:outerShdw blurRad="63500" dist="38099" dir="2700000" algn="ctr" rotWithShape="0">
                       <a:schemeClr val="bg2">
@@ -23188,7 +23228,7 @@
             <a:effectLst/>
             <a:extLst>
               <a:ext uri="{AF507438-7753-43e0-B8FC-AC1667EBCBE1}">
-                <a14:hiddenEffects xmlns:a14="http://schemas.microsoft.com/office/drawing/2010/main" xmlns="">
+                <a14:hiddenEffects xmlns="" xmlns:a14="http://schemas.microsoft.com/office/drawing/2010/main">
                   <a:effectLst>
                     <a:outerShdw blurRad="63500" dist="38099" dir="2700000" algn="ctr" rotWithShape="0">
                       <a:schemeClr val="bg2">
@@ -23244,7 +23284,7 @@
             <a:effectLst/>
             <a:extLst>
               <a:ext uri="{AF507438-7753-43e0-B8FC-AC1667EBCBE1}">
-                <a14:hiddenEffects xmlns:a14="http://schemas.microsoft.com/office/drawing/2010/main" xmlns="">
+                <a14:hiddenEffects xmlns="" xmlns:a14="http://schemas.microsoft.com/office/drawing/2010/main">
                   <a:effectLst>
                     <a:outerShdw blurRad="63500" dist="38099" dir="2700000" algn="ctr" rotWithShape="0">
                       <a:schemeClr val="bg2">
@@ -23303,7 +23343,7 @@
             <a:effectLst/>
             <a:extLst>
               <a:ext uri="{AF507438-7753-43e0-B8FC-AC1667EBCBE1}">
-                <a14:hiddenEffects xmlns:a14="http://schemas.microsoft.com/office/drawing/2010/main" xmlns="">
+                <a14:hiddenEffects xmlns="" xmlns:a14="http://schemas.microsoft.com/office/drawing/2010/main">
                   <a:effectLst>
                     <a:outerShdw blurRad="63500" dist="38099" dir="2700000" algn="ctr" rotWithShape="0">
                       <a:schemeClr val="bg2">
@@ -23362,7 +23402,7 @@
             <a:effectLst/>
             <a:extLst>
               <a:ext uri="{AF507438-7753-43e0-B8FC-AC1667EBCBE1}">
-                <a14:hiddenEffects xmlns:a14="http://schemas.microsoft.com/office/drawing/2010/main" xmlns="">
+                <a14:hiddenEffects xmlns="" xmlns:a14="http://schemas.microsoft.com/office/drawing/2010/main">
                   <a:effectLst>
                     <a:outerShdw blurRad="63500" dist="38099" dir="2700000" algn="ctr" rotWithShape="0">
                       <a:schemeClr val="bg2">
@@ -23417,12 +23457,12 @@
             <a:effectLst/>
             <a:extLst>
               <a:ext uri="{909E8E84-426E-40dd-AFC4-6F175D3DCCD1}">
-                <a14:hiddenFill xmlns:a14="http://schemas.microsoft.com/office/drawing/2010/main" xmlns="">
+                <a14:hiddenFill xmlns="" xmlns:a14="http://schemas.microsoft.com/office/drawing/2010/main">
                   <a:noFill/>
                 </a14:hiddenFill>
               </a:ext>
               <a:ext uri="{AF507438-7753-43e0-B8FC-AC1667EBCBE1}">
-                <a14:hiddenEffects xmlns:a14="http://schemas.microsoft.com/office/drawing/2010/main" xmlns="">
+                <a14:hiddenEffects xmlns="" xmlns:a14="http://schemas.microsoft.com/office/drawing/2010/main">
                   <a:effectLst>
                     <a:outerShdw blurRad="63500" dist="38099" dir="2700000" algn="ctr" rotWithShape="0">
                       <a:schemeClr val="bg2">
@@ -23479,14 +23519,14 @@
           <a:effectLst/>
           <a:extLst>
             <a:ext uri="{909E8E84-426E-40dd-AFC4-6F175D3DCCD1}">
-              <a14:hiddenFill xmlns:a14="http://schemas.microsoft.com/office/drawing/2010/main" xmlns="">
+              <a14:hiddenFill xmlns="" xmlns:a14="http://schemas.microsoft.com/office/drawing/2010/main">
                 <a:solidFill>
                   <a:schemeClr val="accent1"/>
                 </a:solidFill>
               </a14:hiddenFill>
             </a:ext>
             <a:ext uri="{91240B29-F687-4f45-9708-019B960494DF}">
-              <a14:hiddenLine xmlns:a14="http://schemas.microsoft.com/office/drawing/2010/main" xmlns="" w="9525">
+              <a14:hiddenLine xmlns="" xmlns:a14="http://schemas.microsoft.com/office/drawing/2010/main" w="9525">
                 <a:solidFill>
                   <a:schemeClr val="tx1"/>
                 </a:solidFill>
@@ -23496,7 +23536,7 @@
               </a14:hiddenLine>
             </a:ext>
             <a:ext uri="{AF507438-7753-43e0-B8FC-AC1667EBCBE1}">
-              <a14:hiddenEffects xmlns:a14="http://schemas.microsoft.com/office/drawing/2010/main" xmlns="">
+              <a14:hiddenEffects xmlns="" xmlns:a14="http://schemas.microsoft.com/office/drawing/2010/main">
                 <a:effectLst>
                   <a:outerShdw blurRad="63500" dist="38099" dir="2700000" algn="ctr" rotWithShape="0">
                     <a:schemeClr val="bg2">
@@ -23545,14 +23585,14 @@
           <a:effectLst/>
           <a:extLst>
             <a:ext uri="{909E8E84-426E-40dd-AFC4-6F175D3DCCD1}">
-              <a14:hiddenFill xmlns:a14="http://schemas.microsoft.com/office/drawing/2010/main" xmlns="">
+              <a14:hiddenFill xmlns="" xmlns:a14="http://schemas.microsoft.com/office/drawing/2010/main">
                 <a:solidFill>
                   <a:schemeClr val="accent1"/>
                 </a:solidFill>
               </a14:hiddenFill>
             </a:ext>
             <a:ext uri="{91240B29-F687-4f45-9708-019B960494DF}">
-              <a14:hiddenLine xmlns:a14="http://schemas.microsoft.com/office/drawing/2010/main" xmlns="" w="9525">
+              <a14:hiddenLine xmlns="" xmlns:a14="http://schemas.microsoft.com/office/drawing/2010/main" w="9525">
                 <a:solidFill>
                   <a:schemeClr val="tx1"/>
                 </a:solidFill>
@@ -23562,7 +23602,7 @@
               </a14:hiddenLine>
             </a:ext>
             <a:ext uri="{AF507438-7753-43e0-B8FC-AC1667EBCBE1}">
-              <a14:hiddenEffects xmlns:a14="http://schemas.microsoft.com/office/drawing/2010/main" xmlns="">
+              <a14:hiddenEffects xmlns="" xmlns:a14="http://schemas.microsoft.com/office/drawing/2010/main">
                 <a:effectLst>
                   <a:outerShdw blurRad="63500" dist="38099" dir="2700000" algn="ctr" rotWithShape="0">
                     <a:schemeClr val="bg2">
@@ -24198,7 +24238,7 @@
           <a:graphicData uri="http://schemas.openxmlformats.org/presentationml/2006/ole">
             <mc:AlternateContent xmlns:mc="http://schemas.openxmlformats.org/markup-compatibility/2006">
               <mc:Choice xmlns:v="urn:schemas-microsoft-com:vml" Requires="v">
-                <p:oleObj spid="_x0000_s6174" name="Equation" r:id="rId3" imgW="1663700" imgH="469900" progId="Equation.3">
+                <p:oleObj spid="_x0000_s6177" name="Equation" r:id="rId3" imgW="1663700" imgH="469900" progId="Equation.3">
                   <p:embed/>
                 </p:oleObj>
               </mc:Choice>
@@ -25050,7 +25090,7 @@
           <a:graphicData uri="http://schemas.openxmlformats.org/presentationml/2006/ole">
             <mc:AlternateContent xmlns:mc="http://schemas.openxmlformats.org/markup-compatibility/2006">
               <mc:Choice xmlns:v="urn:schemas-microsoft-com:vml" Requires="v">
-                <p:oleObj spid="_x0000_s7198" name="Equation" r:id="rId3" imgW="1663700" imgH="469900" progId="Equation.3">
+                <p:oleObj spid="_x0000_s7201" name="Equation" r:id="rId3" imgW="1663700" imgH="469900" progId="Equation.3">
                   <p:embed/>
                 </p:oleObj>
               </mc:Choice>
@@ -27634,14 +27674,14 @@
           </a:ln>
           <a:extLst>
             <a:ext uri="{909E8E84-426E-40dd-AFC4-6F175D3DCCD1}">
-              <a14:hiddenFill xmlns:a14="http://schemas.microsoft.com/office/drawing/2010/main" xmlns="">
+              <a14:hiddenFill xmlns="" xmlns:a14="http://schemas.microsoft.com/office/drawing/2010/main">
                 <a:solidFill>
                   <a:srgbClr val="FFFFFF"/>
                 </a:solidFill>
               </a14:hiddenFill>
             </a:ext>
             <a:ext uri="{91240B29-F687-4f45-9708-019B960494DF}">
-              <a14:hiddenLine xmlns:a14="http://schemas.microsoft.com/office/drawing/2010/main" xmlns="" w="9525">
+              <a14:hiddenLine xmlns="" xmlns:a14="http://schemas.microsoft.com/office/drawing/2010/main" w="9525">
                 <a:solidFill>
                   <a:srgbClr val="000000"/>
                 </a:solidFill>
@@ -27706,7 +27746,7 @@
             <a:effectLst/>
             <a:extLst>
               <a:ext uri="{AF507438-7753-43e0-B8FC-AC1667EBCBE1}">
-                <a14:hiddenEffects xmlns:a14="http://schemas.microsoft.com/office/drawing/2010/main" xmlns="">
+                <a14:hiddenEffects xmlns="" xmlns:a14="http://schemas.microsoft.com/office/drawing/2010/main">
                   <a:effectLst>
                     <a:outerShdw blurRad="63500" dist="38099" dir="2700000" algn="ctr" rotWithShape="0">
                       <a:schemeClr val="bg2">
@@ -27765,7 +27805,7 @@
             <a:effectLst/>
             <a:extLst>
               <a:ext uri="{AF507438-7753-43e0-B8FC-AC1667EBCBE1}">
-                <a14:hiddenEffects xmlns:a14="http://schemas.microsoft.com/office/drawing/2010/main" xmlns="">
+                <a14:hiddenEffects xmlns="" xmlns:a14="http://schemas.microsoft.com/office/drawing/2010/main">
                   <a:effectLst>
                     <a:outerShdw blurRad="63500" dist="38099" dir="2700000" algn="ctr" rotWithShape="0">
                       <a:schemeClr val="bg2">
@@ -27820,7 +27860,7 @@
             <a:effectLst/>
             <a:extLst>
               <a:ext uri="{AF507438-7753-43e0-B8FC-AC1667EBCBE1}">
-                <a14:hiddenEffects xmlns:a14="http://schemas.microsoft.com/office/drawing/2010/main" xmlns="">
+                <a14:hiddenEffects xmlns="" xmlns:a14="http://schemas.microsoft.com/office/drawing/2010/main">
                   <a:effectLst>
                     <a:outerShdw blurRad="63500" dist="38099" dir="2700000" algn="ctr" rotWithShape="0">
                       <a:schemeClr val="bg2">
@@ -27877,12 +27917,12 @@
             <a:effectLst/>
             <a:extLst>
               <a:ext uri="{909E8E84-426E-40dd-AFC4-6F175D3DCCD1}">
-                <a14:hiddenFill xmlns:a14="http://schemas.microsoft.com/office/drawing/2010/main" xmlns="">
+                <a14:hiddenFill xmlns="" xmlns:a14="http://schemas.microsoft.com/office/drawing/2010/main">
                   <a:noFill/>
                 </a14:hiddenFill>
               </a:ext>
               <a:ext uri="{AF507438-7753-43e0-B8FC-AC1667EBCBE1}">
-                <a14:hiddenEffects xmlns:a14="http://schemas.microsoft.com/office/drawing/2010/main" xmlns="">
+                <a14:hiddenEffects xmlns="" xmlns:a14="http://schemas.microsoft.com/office/drawing/2010/main">
                   <a:effectLst>
                     <a:outerShdw blurRad="63500" dist="38099" dir="2700000" algn="ctr" rotWithShape="0">
                       <a:schemeClr val="bg2">
@@ -27935,12 +27975,12 @@
             <a:effectLst/>
             <a:extLst>
               <a:ext uri="{909E8E84-426E-40dd-AFC4-6F175D3DCCD1}">
-                <a14:hiddenFill xmlns:a14="http://schemas.microsoft.com/office/drawing/2010/main" xmlns="">
+                <a14:hiddenFill xmlns="" xmlns:a14="http://schemas.microsoft.com/office/drawing/2010/main">
                   <a:noFill/>
                 </a14:hiddenFill>
               </a:ext>
               <a:ext uri="{AF507438-7753-43e0-B8FC-AC1667EBCBE1}">
-                <a14:hiddenEffects xmlns:a14="http://schemas.microsoft.com/office/drawing/2010/main" xmlns="">
+                <a14:hiddenEffects xmlns="" xmlns:a14="http://schemas.microsoft.com/office/drawing/2010/main">
                   <a:effectLst>
                     <a:outerShdw blurRad="63500" dist="38099" dir="2700000" algn="ctr" rotWithShape="0">
                       <a:schemeClr val="bg2">
@@ -27988,14 +28028,14 @@
             <a:effectLst/>
             <a:extLst>
               <a:ext uri="{909E8E84-426E-40dd-AFC4-6F175D3DCCD1}">
-                <a14:hiddenFill xmlns:a14="http://schemas.microsoft.com/office/drawing/2010/main" xmlns="">
+                <a14:hiddenFill xmlns="" xmlns:a14="http://schemas.microsoft.com/office/drawing/2010/main">
                   <a:solidFill>
                     <a:schemeClr val="accent1"/>
                   </a:solidFill>
                 </a14:hiddenFill>
               </a:ext>
               <a:ext uri="{91240B29-F687-4f45-9708-019B960494DF}">
-                <a14:hiddenLine xmlns:a14="http://schemas.microsoft.com/office/drawing/2010/main" xmlns="" w="9525">
+                <a14:hiddenLine xmlns="" xmlns:a14="http://schemas.microsoft.com/office/drawing/2010/main" w="9525">
                   <a:solidFill>
                     <a:schemeClr val="tx1"/>
                   </a:solidFill>
@@ -28005,7 +28045,7 @@
                 </a14:hiddenLine>
               </a:ext>
               <a:ext uri="{AF507438-7753-43e0-B8FC-AC1667EBCBE1}">
-                <a14:hiddenEffects xmlns:a14="http://schemas.microsoft.com/office/drawing/2010/main" xmlns="">
+                <a14:hiddenEffects xmlns="" xmlns:a14="http://schemas.microsoft.com/office/drawing/2010/main">
                   <a:effectLst>
                     <a:outerShdw blurRad="63500" dist="38099" dir="2700000" algn="ctr" rotWithShape="0">
                       <a:schemeClr val="bg2">
@@ -28160,14 +28200,14 @@
             <a:effectLst/>
             <a:extLst>
               <a:ext uri="{909E8E84-426E-40dd-AFC4-6F175D3DCCD1}">
-                <a14:hiddenFill xmlns:a14="http://schemas.microsoft.com/office/drawing/2010/main" xmlns="">
+                <a14:hiddenFill xmlns="" xmlns:a14="http://schemas.microsoft.com/office/drawing/2010/main">
                   <a:solidFill>
                     <a:schemeClr val="accent1"/>
                   </a:solidFill>
                 </a14:hiddenFill>
               </a:ext>
               <a:ext uri="{91240B29-F687-4f45-9708-019B960494DF}">
-                <a14:hiddenLine xmlns:a14="http://schemas.microsoft.com/office/drawing/2010/main" xmlns="" w="9525">
+                <a14:hiddenLine xmlns="" xmlns:a14="http://schemas.microsoft.com/office/drawing/2010/main" w="9525">
                   <a:solidFill>
                     <a:schemeClr val="tx1"/>
                   </a:solidFill>
@@ -28177,7 +28217,7 @@
                 </a14:hiddenLine>
               </a:ext>
               <a:ext uri="{AF507438-7753-43e0-B8FC-AC1667EBCBE1}">
-                <a14:hiddenEffects xmlns:a14="http://schemas.microsoft.com/office/drawing/2010/main" xmlns="">
+                <a14:hiddenEffects xmlns="" xmlns:a14="http://schemas.microsoft.com/office/drawing/2010/main">
                   <a:effectLst>
                     <a:outerShdw blurRad="63500" dist="38099" dir="2700000" algn="ctr" rotWithShape="0">
                       <a:schemeClr val="bg2">
@@ -28345,7 +28385,7 @@
             <a:effectLst/>
             <a:extLst>
               <a:ext uri="{AF507438-7753-43e0-B8FC-AC1667EBCBE1}">
-                <a14:hiddenEffects xmlns:a14="http://schemas.microsoft.com/office/drawing/2010/main" xmlns="">
+                <a14:hiddenEffects xmlns="" xmlns:a14="http://schemas.microsoft.com/office/drawing/2010/main">
                   <a:effectLst>
                     <a:outerShdw blurRad="63500" dist="38099" dir="2700000" algn="ctr" rotWithShape="0">
                       <a:schemeClr val="bg2">
@@ -28404,7 +28444,7 @@
             <a:effectLst/>
             <a:extLst>
               <a:ext uri="{AF507438-7753-43e0-B8FC-AC1667EBCBE1}">
-                <a14:hiddenEffects xmlns:a14="http://schemas.microsoft.com/office/drawing/2010/main" xmlns="">
+                <a14:hiddenEffects xmlns="" xmlns:a14="http://schemas.microsoft.com/office/drawing/2010/main">
                   <a:effectLst>
                     <a:outerShdw blurRad="63500" dist="38099" dir="2700000" algn="ctr" rotWithShape="0">
                       <a:schemeClr val="bg2">
@@ -28461,12 +28501,12 @@
             <a:effectLst/>
             <a:extLst>
               <a:ext uri="{909E8E84-426E-40dd-AFC4-6F175D3DCCD1}">
-                <a14:hiddenFill xmlns:a14="http://schemas.microsoft.com/office/drawing/2010/main" xmlns="">
+                <a14:hiddenFill xmlns="" xmlns:a14="http://schemas.microsoft.com/office/drawing/2010/main">
                   <a:noFill/>
                 </a14:hiddenFill>
               </a:ext>
               <a:ext uri="{AF507438-7753-43e0-B8FC-AC1667EBCBE1}">
-                <a14:hiddenEffects xmlns:a14="http://schemas.microsoft.com/office/drawing/2010/main" xmlns="">
+                <a14:hiddenEffects xmlns="" xmlns:a14="http://schemas.microsoft.com/office/drawing/2010/main">
                   <a:effectLst>
                     <a:outerShdw blurRad="63500" dist="38099" dir="2700000" algn="ctr" rotWithShape="0">
                       <a:schemeClr val="bg2">
@@ -28519,12 +28559,12 @@
             <a:effectLst/>
             <a:extLst>
               <a:ext uri="{909E8E84-426E-40dd-AFC4-6F175D3DCCD1}">
-                <a14:hiddenFill xmlns:a14="http://schemas.microsoft.com/office/drawing/2010/main" xmlns="">
+                <a14:hiddenFill xmlns="" xmlns:a14="http://schemas.microsoft.com/office/drawing/2010/main">
                   <a:noFill/>
                 </a14:hiddenFill>
               </a:ext>
               <a:ext uri="{AF507438-7753-43e0-B8FC-AC1667EBCBE1}">
-                <a14:hiddenEffects xmlns:a14="http://schemas.microsoft.com/office/drawing/2010/main" xmlns="">
+                <a14:hiddenEffects xmlns="" xmlns:a14="http://schemas.microsoft.com/office/drawing/2010/main">
                   <a:effectLst>
                     <a:outerShdw blurRad="63500" dist="38099" dir="2700000" algn="ctr" rotWithShape="0">
                       <a:schemeClr val="bg2">
@@ -28572,14 +28612,14 @@
             <a:effectLst/>
             <a:extLst>
               <a:ext uri="{909E8E84-426E-40dd-AFC4-6F175D3DCCD1}">
-                <a14:hiddenFill xmlns:a14="http://schemas.microsoft.com/office/drawing/2010/main" xmlns="">
+                <a14:hiddenFill xmlns="" xmlns:a14="http://schemas.microsoft.com/office/drawing/2010/main">
                   <a:solidFill>
                     <a:schemeClr val="accent1"/>
                   </a:solidFill>
                 </a14:hiddenFill>
               </a:ext>
               <a:ext uri="{91240B29-F687-4f45-9708-019B960494DF}">
-                <a14:hiddenLine xmlns:a14="http://schemas.microsoft.com/office/drawing/2010/main" xmlns="" w="9525">
+                <a14:hiddenLine xmlns="" xmlns:a14="http://schemas.microsoft.com/office/drawing/2010/main" w="9525">
                   <a:solidFill>
                     <a:schemeClr val="tx1"/>
                   </a:solidFill>
@@ -28589,7 +28629,7 @@
                 </a14:hiddenLine>
               </a:ext>
               <a:ext uri="{AF507438-7753-43e0-B8FC-AC1667EBCBE1}">
-                <a14:hiddenEffects xmlns:a14="http://schemas.microsoft.com/office/drawing/2010/main" xmlns="">
+                <a14:hiddenEffects xmlns="" xmlns:a14="http://schemas.microsoft.com/office/drawing/2010/main">
                   <a:effectLst>
                     <a:outerShdw blurRad="63500" dist="38099" dir="2700000" algn="ctr" rotWithShape="0">
                       <a:schemeClr val="bg2">
@@ -28744,14 +28784,14 @@
             <a:effectLst/>
             <a:extLst>
               <a:ext uri="{909E8E84-426E-40dd-AFC4-6F175D3DCCD1}">
-                <a14:hiddenFill xmlns:a14="http://schemas.microsoft.com/office/drawing/2010/main" xmlns="">
+                <a14:hiddenFill xmlns="" xmlns:a14="http://schemas.microsoft.com/office/drawing/2010/main">
                   <a:solidFill>
                     <a:schemeClr val="accent1"/>
                   </a:solidFill>
                 </a14:hiddenFill>
               </a:ext>
               <a:ext uri="{91240B29-F687-4f45-9708-019B960494DF}">
-                <a14:hiddenLine xmlns:a14="http://schemas.microsoft.com/office/drawing/2010/main" xmlns="" w="9525">
+                <a14:hiddenLine xmlns="" xmlns:a14="http://schemas.microsoft.com/office/drawing/2010/main" w="9525">
                   <a:solidFill>
                     <a:schemeClr val="tx1"/>
                   </a:solidFill>
@@ -28761,7 +28801,7 @@
                 </a14:hiddenLine>
               </a:ext>
               <a:ext uri="{AF507438-7753-43e0-B8FC-AC1667EBCBE1}">
-                <a14:hiddenEffects xmlns:a14="http://schemas.microsoft.com/office/drawing/2010/main" xmlns="">
+                <a14:hiddenEffects xmlns="" xmlns:a14="http://schemas.microsoft.com/office/drawing/2010/main">
                   <a:effectLst>
                     <a:outerShdw blurRad="63500" dist="38099" dir="2700000" algn="ctr" rotWithShape="0">
                       <a:schemeClr val="bg2">
@@ -33620,7 +33660,7 @@
           </a:ln>
           <a:extLst>
             <a:ext uri="{909E8E84-426E-40dd-AFC4-6F175D3DCCD1}">
-              <a14:hiddenFill xmlns:a14="http://schemas.microsoft.com/office/drawing/2010/main" xmlns="">
+              <a14:hiddenFill xmlns="" xmlns:a14="http://schemas.microsoft.com/office/drawing/2010/main">
                 <a:solidFill>
                   <a:srgbClr val="FFFFFF"/>
                 </a:solidFill>
@@ -33730,7 +33770,7 @@
           </a:ln>
           <a:extLst>
             <a:ext uri="{909E8E84-426E-40dd-AFC4-6F175D3DCCD1}">
-              <a14:hiddenFill xmlns:a14="http://schemas.microsoft.com/office/drawing/2010/main" xmlns="">
+              <a14:hiddenFill xmlns="" xmlns:a14="http://schemas.microsoft.com/office/drawing/2010/main">
                 <a:solidFill>
                   <a:srgbClr val="FFFFFF"/>
                 </a:solidFill>
@@ -33768,14 +33808,14 @@
           </a:ln>
           <a:extLst>
             <a:ext uri="{909E8E84-426E-40dd-AFC4-6F175D3DCCD1}">
-              <a14:hiddenFill xmlns:a14="http://schemas.microsoft.com/office/drawing/2010/main" xmlns="">
+              <a14:hiddenFill xmlns="" xmlns:a14="http://schemas.microsoft.com/office/drawing/2010/main">
                 <a:solidFill>
                   <a:srgbClr val="FFFFFF"/>
                 </a:solidFill>
               </a14:hiddenFill>
             </a:ext>
             <a:ext uri="{91240B29-F687-4f45-9708-019B960494DF}">
-              <a14:hiddenLine xmlns:a14="http://schemas.microsoft.com/office/drawing/2010/main" xmlns="" w="9525">
+              <a14:hiddenLine xmlns="" xmlns:a14="http://schemas.microsoft.com/office/drawing/2010/main" w="9525">
                 <a:solidFill>
                   <a:srgbClr val="000000"/>
                 </a:solidFill>
@@ -33931,14 +33971,14 @@
           </a:ln>
           <a:extLst>
             <a:ext uri="{909E8E84-426E-40dd-AFC4-6F175D3DCCD1}">
-              <a14:hiddenFill xmlns:a14="http://schemas.microsoft.com/office/drawing/2010/main" xmlns="">
+              <a14:hiddenFill xmlns="" xmlns:a14="http://schemas.microsoft.com/office/drawing/2010/main">
                 <a:solidFill>
                   <a:srgbClr val="FFFFFF"/>
                 </a:solidFill>
               </a14:hiddenFill>
             </a:ext>
             <a:ext uri="{91240B29-F687-4f45-9708-019B960494DF}">
-              <a14:hiddenLine xmlns:a14="http://schemas.microsoft.com/office/drawing/2010/main" xmlns="" w="9525">
+              <a14:hiddenLine xmlns="" xmlns:a14="http://schemas.microsoft.com/office/drawing/2010/main" w="9525">
                 <a:solidFill>
                   <a:srgbClr val="000000"/>
                 </a:solidFill>
@@ -34094,14 +34134,14 @@
           </a:ln>
           <a:extLst>
             <a:ext uri="{909E8E84-426E-40dd-AFC4-6F175D3DCCD1}">
-              <a14:hiddenFill xmlns:a14="http://schemas.microsoft.com/office/drawing/2010/main" xmlns="">
+              <a14:hiddenFill xmlns="" xmlns:a14="http://schemas.microsoft.com/office/drawing/2010/main">
                 <a:solidFill>
                   <a:srgbClr val="FFFFFF"/>
                 </a:solidFill>
               </a14:hiddenFill>
             </a:ext>
             <a:ext uri="{91240B29-F687-4f45-9708-019B960494DF}">
-              <a14:hiddenLine xmlns:a14="http://schemas.microsoft.com/office/drawing/2010/main" xmlns="" w="9525">
+              <a14:hiddenLine xmlns="" xmlns:a14="http://schemas.microsoft.com/office/drawing/2010/main" w="9525">
                 <a:solidFill>
                   <a:srgbClr val="000000"/>
                 </a:solidFill>
@@ -34342,7 +34382,7 @@
           </a:ln>
           <a:extLst>
             <a:ext uri="{909E8E84-426E-40dd-AFC4-6F175D3DCCD1}">
-              <a14:hiddenFill xmlns:a14="http://schemas.microsoft.com/office/drawing/2010/main" xmlns="">
+              <a14:hiddenFill xmlns="" xmlns:a14="http://schemas.microsoft.com/office/drawing/2010/main">
                 <a:solidFill>
                   <a:srgbClr val="FFFFFF"/>
                 </a:solidFill>
@@ -34385,7 +34425,7 @@
           </a:ln>
           <a:extLst>
             <a:ext uri="{909E8E84-426E-40dd-AFC4-6F175D3DCCD1}">
-              <a14:hiddenFill xmlns:a14="http://schemas.microsoft.com/office/drawing/2010/main" xmlns="">
+              <a14:hiddenFill xmlns="" xmlns:a14="http://schemas.microsoft.com/office/drawing/2010/main">
                 <a:noFill/>
               </a14:hiddenFill>
             </a:ext>
@@ -34509,7 +34549,7 @@
             </a:ln>
             <a:extLst>
               <a:ext uri="{909E8E84-426E-40dd-AFC4-6F175D3DCCD1}">
-                <a14:hiddenFill xmlns:a14="http://schemas.microsoft.com/office/drawing/2010/main" xmlns="">
+                <a14:hiddenFill xmlns="" xmlns:a14="http://schemas.microsoft.com/office/drawing/2010/main">
                   <a:solidFill>
                     <a:srgbClr val="FFFFFF"/>
                   </a:solidFill>
@@ -34702,7 +34742,7 @@
             </a:ln>
             <a:extLst>
               <a:ext uri="{909E8E84-426E-40dd-AFC4-6F175D3DCCD1}">
-                <a14:hiddenFill xmlns:a14="http://schemas.microsoft.com/office/drawing/2010/main" xmlns="">
+                <a14:hiddenFill xmlns="" xmlns:a14="http://schemas.microsoft.com/office/drawing/2010/main">
                   <a:solidFill>
                     <a:srgbClr val="FFFFFF"/>
                   </a:solidFill>
@@ -34745,7 +34785,7 @@
             </a:ln>
             <a:extLst>
               <a:ext uri="{909E8E84-426E-40dd-AFC4-6F175D3DCCD1}">
-                <a14:hiddenFill xmlns:a14="http://schemas.microsoft.com/office/drawing/2010/main" xmlns="">
+                <a14:hiddenFill xmlns="" xmlns:a14="http://schemas.microsoft.com/office/drawing/2010/main">
                   <a:noFill/>
                 </a14:hiddenFill>
               </a:ext>
@@ -34786,7 +34826,7 @@
             </a:ln>
             <a:extLst>
               <a:ext uri="{909E8E84-426E-40dd-AFC4-6F175D3DCCD1}">
-                <a14:hiddenFill xmlns:a14="http://schemas.microsoft.com/office/drawing/2010/main" xmlns="">
+                <a14:hiddenFill xmlns="" xmlns:a14="http://schemas.microsoft.com/office/drawing/2010/main">
                   <a:noFill/>
                 </a14:hiddenFill>
               </a:ext>
@@ -34844,7 +34884,7 @@
             </a:ln>
             <a:extLst>
               <a:ext uri="{909E8E84-426E-40dd-AFC4-6F175D3DCCD1}">
-                <a14:hiddenFill xmlns:a14="http://schemas.microsoft.com/office/drawing/2010/main" xmlns="">
+                <a14:hiddenFill xmlns="" xmlns:a14="http://schemas.microsoft.com/office/drawing/2010/main">
                   <a:noFill/>
                 </a14:hiddenFill>
               </a:ext>
@@ -34880,14 +34920,14 @@
             </a:ln>
             <a:extLst>
               <a:ext uri="{909E8E84-426E-40dd-AFC4-6F175D3DCCD1}">
-                <a14:hiddenFill xmlns:a14="http://schemas.microsoft.com/office/drawing/2010/main" xmlns="">
+                <a14:hiddenFill xmlns="" xmlns:a14="http://schemas.microsoft.com/office/drawing/2010/main">
                   <a:solidFill>
                     <a:srgbClr val="FFFFFF"/>
                   </a:solidFill>
                 </a14:hiddenFill>
               </a:ext>
               <a:ext uri="{91240B29-F687-4f45-9708-019B960494DF}">
-                <a14:hiddenLine xmlns:a14="http://schemas.microsoft.com/office/drawing/2010/main" xmlns="" w="38100">
+                <a14:hiddenLine xmlns="" xmlns:a14="http://schemas.microsoft.com/office/drawing/2010/main" w="38100">
                   <a:solidFill>
                     <a:srgbClr val="000000"/>
                   </a:solidFill>
@@ -35048,7 +35088,7 @@
             </a:ln>
             <a:extLst>
               <a:ext uri="{909E8E84-426E-40dd-AFC4-6F175D3DCCD1}">
-                <a14:hiddenFill xmlns:a14="http://schemas.microsoft.com/office/drawing/2010/main" xmlns="">
+                <a14:hiddenFill xmlns="" xmlns:a14="http://schemas.microsoft.com/office/drawing/2010/main">
                   <a:noFill/>
                 </a14:hiddenFill>
               </a:ext>
@@ -35101,14 +35141,14 @@
             </a:ln>
             <a:extLst>
               <a:ext uri="{909E8E84-426E-40dd-AFC4-6F175D3DCCD1}">
-                <a14:hiddenFill xmlns:a14="http://schemas.microsoft.com/office/drawing/2010/main" xmlns="">
+                <a14:hiddenFill xmlns="" xmlns:a14="http://schemas.microsoft.com/office/drawing/2010/main">
                   <a:solidFill>
                     <a:srgbClr val="FFFFFF"/>
                   </a:solidFill>
                 </a14:hiddenFill>
               </a:ext>
               <a:ext uri="{91240B29-F687-4f45-9708-019B960494DF}">
-                <a14:hiddenLine xmlns:a14="http://schemas.microsoft.com/office/drawing/2010/main" xmlns="" w="38100">
+                <a14:hiddenLine xmlns="" xmlns:a14="http://schemas.microsoft.com/office/drawing/2010/main" w="38100">
                   <a:solidFill>
                     <a:srgbClr val="000000"/>
                   </a:solidFill>
@@ -35271,7 +35311,7 @@
             </a:ln>
             <a:extLst>
               <a:ext uri="{909E8E84-426E-40dd-AFC4-6F175D3DCCD1}">
-                <a14:hiddenFill xmlns:a14="http://schemas.microsoft.com/office/drawing/2010/main" xmlns="">
+                <a14:hiddenFill xmlns="" xmlns:a14="http://schemas.microsoft.com/office/drawing/2010/main">
                   <a:noFill/>
                 </a14:hiddenFill>
               </a:ext>
@@ -35307,7 +35347,7 @@
             </a:ln>
             <a:extLst>
               <a:ext uri="{909E8E84-426E-40dd-AFC4-6F175D3DCCD1}">
-                <a14:hiddenFill xmlns:a14="http://schemas.microsoft.com/office/drawing/2010/main" xmlns="">
+                <a14:hiddenFill xmlns="" xmlns:a14="http://schemas.microsoft.com/office/drawing/2010/main">
                   <a:noFill/>
                 </a14:hiddenFill>
               </a:ext>
@@ -35358,7 +35398,7 @@
             </a:ln>
             <a:extLst>
               <a:ext uri="{909E8E84-426E-40dd-AFC4-6F175D3DCCD1}">
-                <a14:hiddenFill xmlns:a14="http://schemas.microsoft.com/office/drawing/2010/main" xmlns="">
+                <a14:hiddenFill xmlns="" xmlns:a14="http://schemas.microsoft.com/office/drawing/2010/main">
                   <a:noFill/>
                 </a14:hiddenFill>
               </a:ext>
@@ -35394,14 +35434,14 @@
             </a:ln>
             <a:extLst>
               <a:ext uri="{909E8E84-426E-40dd-AFC4-6F175D3DCCD1}">
-                <a14:hiddenFill xmlns:a14="http://schemas.microsoft.com/office/drawing/2010/main" xmlns="">
+                <a14:hiddenFill xmlns="" xmlns:a14="http://schemas.microsoft.com/office/drawing/2010/main">
                   <a:solidFill>
                     <a:srgbClr val="FFFFFF"/>
                   </a:solidFill>
                 </a14:hiddenFill>
               </a:ext>
               <a:ext uri="{91240B29-F687-4f45-9708-019B960494DF}">
-                <a14:hiddenLine xmlns:a14="http://schemas.microsoft.com/office/drawing/2010/main" xmlns="" w="38100">
+                <a14:hiddenLine xmlns="" xmlns:a14="http://schemas.microsoft.com/office/drawing/2010/main" w="38100">
                   <a:solidFill>
                     <a:srgbClr val="000000"/>
                   </a:solidFill>

--- a/slides/lec09_congestion.pptx
+++ b/slides/lec09_congestion.pptx
@@ -5,7 +5,7 @@
     <p:sldMasterId id="2147483660" r:id="rId1"/>
   </p:sldMasterIdLst>
   <p:notesMasterIdLst>
-    <p:notesMasterId r:id="rId42"/>
+    <p:notesMasterId r:id="rId43"/>
   </p:notesMasterIdLst>
   <p:sldIdLst>
     <p:sldId id="256" r:id="rId2"/>
@@ -46,8 +46,9 @@
     <p:sldId id="497" r:id="rId37"/>
     <p:sldId id="498" r:id="rId38"/>
     <p:sldId id="499" r:id="rId39"/>
-    <p:sldId id="500" r:id="rId40"/>
-    <p:sldId id="460" r:id="rId41"/>
+    <p:sldId id="593" r:id="rId40"/>
+    <p:sldId id="500" r:id="rId41"/>
+    <p:sldId id="460" r:id="rId42"/>
   </p:sldIdLst>
   <p:sldSz cx="9144000" cy="6858000" type="screen4x3"/>
   <p:notesSz cx="6858000" cy="9144000"/>
@@ -250,7 +251,7 @@
           <a:p>
             <a:fld id="{26C21ED3-A5B8-0F43-BEC8-3BB1C1D7A737}" type="datetimeFigureOut">
               <a:rPr lang="en-US" smtClean="0"/>
-              <a:t>3/11/19</a:t>
+              <a:t>10/1/20</a:t>
             </a:fld>
             <a:endParaRPr lang="en-US"/>
           </a:p>
@@ -314,38 +315,37 @@
           <a:p>
             <a:pPr lvl="0"/>
             <a:r>
-              <a:rPr lang="en-US" smtClean="0"/>
+              <a:rPr lang="en-US"/>
               <a:t>Click to edit Master text styles</a:t>
             </a:r>
           </a:p>
           <a:p>
             <a:pPr lvl="1"/>
             <a:r>
-              <a:rPr lang="en-US" smtClean="0"/>
+              <a:rPr lang="en-US"/>
               <a:t>Second level</a:t>
             </a:r>
           </a:p>
           <a:p>
             <a:pPr lvl="2"/>
             <a:r>
-              <a:rPr lang="en-US" smtClean="0"/>
+              <a:rPr lang="en-US"/>
               <a:t>Third level</a:t>
             </a:r>
           </a:p>
           <a:p>
             <a:pPr lvl="3"/>
             <a:r>
-              <a:rPr lang="en-US" smtClean="0"/>
+              <a:rPr lang="en-US"/>
               <a:t>Fourth level</a:t>
             </a:r>
           </a:p>
           <a:p>
             <a:pPr lvl="4"/>
             <a:r>
-              <a:rPr lang="en-US" smtClean="0"/>
+              <a:rPr lang="en-US"/>
               <a:t>Fifth level</a:t>
             </a:r>
-            <a:endParaRPr lang="en-US"/>
           </a:p>
         </p:txBody>
       </p:sp>
@@ -563,19 +563,19 @@
           <a:lstStyle/>
           <a:p>
             <a:r>
-              <a:rPr lang="en-US" dirty="0" smtClean="0"/>
+              <a:rPr lang="en-US" dirty="0"/>
               <a:t>Slides</a:t>
             </a:r>
             <a:r>
-              <a:rPr lang="en-US" baseline="0" dirty="0" smtClean="0"/>
+              <a:rPr lang="en-US" baseline="0" dirty="0"/>
               <a:t> a</a:t>
             </a:r>
             <a:r>
-              <a:rPr lang="en-US" dirty="0" smtClean="0"/>
+              <a:rPr lang="en-US" dirty="0"/>
               <a:t>dapted from similar courses at Princeton,</a:t>
             </a:r>
             <a:r>
-              <a:rPr lang="en-US" baseline="0" dirty="0" smtClean="0"/>
+              <a:rPr lang="en-US" baseline="0" dirty="0"/>
               <a:t> Stanford, UC Berkeley, University of Michigan, etc.</a:t>
             </a:r>
             <a:endParaRPr lang="en-US" dirty="0"/>
@@ -1185,7 +1185,7 @@
           </a:ln>
           <a:extLst>
             <a:ext uri="{FAA26D3D-D897-4be2-8F04-BA451C77F1D7}">
-              <ma14:placeholderFlag xmlns:ma14="http://schemas.microsoft.com/office/mac/drawingml/2011/main" val="1"/>
+              <ma14:placeholderFlag xmlns="" xmlns:ma14="http://schemas.microsoft.com/office/mac/drawingml/2011/main" val="1"/>
             </a:ext>
           </a:extLst>
         </p:spPr>
@@ -1515,7 +1515,7 @@
           </a:lstStyle>
           <a:p>
             <a:r>
-              <a:rPr lang="en-US" smtClean="0"/>
+              <a:rPr lang="en-US"/>
               <a:t>Click to edit Master title style</a:t>
             </a:r>
             <a:endParaRPr lang="en-US" dirty="0"/>
@@ -1580,7 +1580,7 @@
           </a:lstStyle>
           <a:p>
             <a:r>
-              <a:rPr lang="en-US" smtClean="0"/>
+              <a:rPr lang="en-US"/>
               <a:t>Click to edit Master subtitle style</a:t>
             </a:r>
             <a:endParaRPr lang="en-US" dirty="0"/>
@@ -1604,7 +1604,7 @@
           <a:p>
             <a:fld id="{ECF56177-CEF1-0141-836F-3867E7E9C1D8}" type="datetime1">
               <a:rPr lang="en-US" smtClean="0"/>
-              <a:t>3/11/19</a:t>
+              <a:t>10/1/20</a:t>
             </a:fld>
             <a:endParaRPr lang="en-US"/>
           </a:p>
@@ -1698,7 +1698,7 @@
           <a:lstStyle/>
           <a:p>
             <a:r>
-              <a:rPr lang="en-US" smtClean="0"/>
+              <a:rPr lang="en-US"/>
               <a:t>Click to edit Master title style</a:t>
             </a:r>
             <a:endParaRPr lang="en-US" dirty="0"/>
@@ -1722,35 +1722,35 @@
           <a:p>
             <a:pPr lvl="0"/>
             <a:r>
-              <a:rPr lang="en-US" smtClean="0"/>
+              <a:rPr lang="en-US"/>
               <a:t>Click to edit Master text styles</a:t>
             </a:r>
           </a:p>
           <a:p>
             <a:pPr lvl="1"/>
             <a:r>
-              <a:rPr lang="en-US" smtClean="0"/>
+              <a:rPr lang="en-US"/>
               <a:t>Second level</a:t>
             </a:r>
           </a:p>
           <a:p>
             <a:pPr lvl="2"/>
             <a:r>
-              <a:rPr lang="en-US" smtClean="0"/>
+              <a:rPr lang="en-US"/>
               <a:t>Third level</a:t>
             </a:r>
           </a:p>
           <a:p>
             <a:pPr lvl="3"/>
             <a:r>
-              <a:rPr lang="en-US" smtClean="0"/>
+              <a:rPr lang="en-US"/>
               <a:t>Fourth level</a:t>
             </a:r>
           </a:p>
           <a:p>
             <a:pPr lvl="4"/>
             <a:r>
-              <a:rPr lang="en-US" smtClean="0"/>
+              <a:rPr lang="en-US"/>
               <a:t>Fifth level</a:t>
             </a:r>
             <a:endParaRPr lang="en-US" dirty="0"/>
@@ -1774,7 +1774,7 @@
           <a:p>
             <a:fld id="{4CDC8FB9-92E9-4C40-A76A-6D1CDAB665BB}" type="datetime1">
               <a:rPr lang="en-US" smtClean="0"/>
-              <a:t>3/11/19</a:t>
+              <a:t>10/1/20</a:t>
             </a:fld>
             <a:endParaRPr lang="en-US"/>
           </a:p>
@@ -1873,7 +1873,7 @@
           <a:lstStyle/>
           <a:p>
             <a:r>
-              <a:rPr lang="en-US" smtClean="0"/>
+              <a:rPr lang="en-US"/>
               <a:t>Click to edit Master title style</a:t>
             </a:r>
             <a:endParaRPr lang="en-US" dirty="0"/>
@@ -1902,35 +1902,35 @@
           <a:p>
             <a:pPr lvl="0"/>
             <a:r>
-              <a:rPr lang="en-US" smtClean="0"/>
+              <a:rPr lang="en-US"/>
               <a:t>Click to edit Master text styles</a:t>
             </a:r>
           </a:p>
           <a:p>
             <a:pPr lvl="1"/>
             <a:r>
-              <a:rPr lang="en-US" smtClean="0"/>
+              <a:rPr lang="en-US"/>
               <a:t>Second level</a:t>
             </a:r>
           </a:p>
           <a:p>
             <a:pPr lvl="2"/>
             <a:r>
-              <a:rPr lang="en-US" smtClean="0"/>
+              <a:rPr lang="en-US"/>
               <a:t>Third level</a:t>
             </a:r>
           </a:p>
           <a:p>
             <a:pPr lvl="3"/>
             <a:r>
-              <a:rPr lang="en-US" smtClean="0"/>
+              <a:rPr lang="en-US"/>
               <a:t>Fourth level</a:t>
             </a:r>
           </a:p>
           <a:p>
             <a:pPr lvl="4"/>
             <a:r>
-              <a:rPr lang="en-US" smtClean="0"/>
+              <a:rPr lang="en-US"/>
               <a:t>Fifth level</a:t>
             </a:r>
             <a:endParaRPr lang="en-US" dirty="0"/>
@@ -1954,7 +1954,7 @@
           <a:p>
             <a:fld id="{F8F03505-CCE7-CA4C-B4F1-35193B6B5156}" type="datetime1">
               <a:rPr lang="en-US" smtClean="0"/>
-              <a:t>3/11/19</a:t>
+              <a:t>10/1/20</a:t>
             </a:fld>
             <a:endParaRPr lang="en-US"/>
           </a:p>
@@ -2048,7 +2048,7 @@
           <a:lstStyle/>
           <a:p>
             <a:r>
-              <a:rPr lang="en-US" smtClean="0"/>
+              <a:rPr lang="en-US"/>
               <a:t>Click to edit Master title style</a:t>
             </a:r>
             <a:endParaRPr lang="en-US" dirty="0"/>
@@ -2072,35 +2072,35 @@
           <a:p>
             <a:pPr lvl="0"/>
             <a:r>
-              <a:rPr lang="en-US" smtClean="0"/>
+              <a:rPr lang="en-US"/>
               <a:t>Click to edit Master text styles</a:t>
             </a:r>
           </a:p>
           <a:p>
             <a:pPr lvl="1"/>
             <a:r>
-              <a:rPr lang="en-US" smtClean="0"/>
+              <a:rPr lang="en-US"/>
               <a:t>Second level</a:t>
             </a:r>
           </a:p>
           <a:p>
             <a:pPr lvl="2"/>
             <a:r>
-              <a:rPr lang="en-US" smtClean="0"/>
+              <a:rPr lang="en-US"/>
               <a:t>Third level</a:t>
             </a:r>
           </a:p>
           <a:p>
             <a:pPr lvl="3"/>
             <a:r>
-              <a:rPr lang="en-US" smtClean="0"/>
+              <a:rPr lang="en-US"/>
               <a:t>Fourth level</a:t>
             </a:r>
           </a:p>
           <a:p>
             <a:pPr lvl="4"/>
             <a:r>
-              <a:rPr lang="en-US" smtClean="0"/>
+              <a:rPr lang="en-US"/>
               <a:t>Fifth level</a:t>
             </a:r>
             <a:endParaRPr lang="en-US" dirty="0"/>
@@ -2124,7 +2124,7 @@
           <a:p>
             <a:fld id="{A02E57FB-CD21-0942-A714-152EC4568E9D}" type="datetime1">
               <a:rPr lang="en-US" smtClean="0"/>
-              <a:t>3/11/19</a:t>
+              <a:t>10/1/20</a:t>
             </a:fld>
             <a:endParaRPr lang="en-US"/>
           </a:p>
@@ -2227,7 +2227,7 @@
           </a:lstStyle>
           <a:p>
             <a:r>
-              <a:rPr lang="en-US" smtClean="0"/>
+              <a:rPr lang="en-US"/>
               <a:t>Click to edit Master title style</a:t>
             </a:r>
             <a:endParaRPr lang="en-US" dirty="0"/>
@@ -2345,7 +2345,7 @@
           <a:p>
             <a:pPr lvl="0"/>
             <a:r>
-              <a:rPr lang="en-US" smtClean="0"/>
+              <a:rPr lang="en-US"/>
               <a:t>Click to edit Master text styles</a:t>
             </a:r>
           </a:p>
@@ -2368,7 +2368,7 @@
           <a:p>
             <a:fld id="{77AD2927-A654-D74D-A6C0-BF96EF7229C7}" type="datetime1">
               <a:rPr lang="en-US" smtClean="0"/>
-              <a:t>3/11/19</a:t>
+              <a:t>10/1/20</a:t>
             </a:fld>
             <a:endParaRPr lang="en-US"/>
           </a:p>
@@ -2462,7 +2462,7 @@
           <a:lstStyle/>
           <a:p>
             <a:r>
-              <a:rPr lang="en-US" smtClean="0"/>
+              <a:rPr lang="en-US"/>
               <a:t>Click to edit Master title style</a:t>
             </a:r>
             <a:endParaRPr lang="en-US" dirty="0"/>
@@ -2491,35 +2491,35 @@
           <a:p>
             <a:pPr lvl="0"/>
             <a:r>
-              <a:rPr lang="en-US" smtClean="0"/>
+              <a:rPr lang="en-US"/>
               <a:t>Click to edit Master text styles</a:t>
             </a:r>
           </a:p>
           <a:p>
             <a:pPr lvl="1"/>
             <a:r>
-              <a:rPr lang="en-US" smtClean="0"/>
+              <a:rPr lang="en-US"/>
               <a:t>Second level</a:t>
             </a:r>
           </a:p>
           <a:p>
             <a:pPr lvl="2"/>
             <a:r>
-              <a:rPr lang="en-US" smtClean="0"/>
+              <a:rPr lang="en-US"/>
               <a:t>Third level</a:t>
             </a:r>
           </a:p>
           <a:p>
             <a:pPr lvl="3"/>
             <a:r>
-              <a:rPr lang="en-US" smtClean="0"/>
+              <a:rPr lang="en-US"/>
               <a:t>Fourth level</a:t>
             </a:r>
           </a:p>
           <a:p>
             <a:pPr lvl="4"/>
             <a:r>
-              <a:rPr lang="en-US" smtClean="0"/>
+              <a:rPr lang="en-US"/>
               <a:t>Fifth level</a:t>
             </a:r>
             <a:endParaRPr lang="en-US" dirty="0"/>
@@ -2548,35 +2548,35 @@
           <a:p>
             <a:pPr lvl="0"/>
             <a:r>
-              <a:rPr lang="en-US" smtClean="0"/>
+              <a:rPr lang="en-US"/>
               <a:t>Click to edit Master text styles</a:t>
             </a:r>
           </a:p>
           <a:p>
             <a:pPr lvl="1"/>
             <a:r>
-              <a:rPr lang="en-US" smtClean="0"/>
+              <a:rPr lang="en-US"/>
               <a:t>Second level</a:t>
             </a:r>
           </a:p>
           <a:p>
             <a:pPr lvl="2"/>
             <a:r>
-              <a:rPr lang="en-US" smtClean="0"/>
+              <a:rPr lang="en-US"/>
               <a:t>Third level</a:t>
             </a:r>
           </a:p>
           <a:p>
             <a:pPr lvl="3"/>
             <a:r>
-              <a:rPr lang="en-US" smtClean="0"/>
+              <a:rPr lang="en-US"/>
               <a:t>Fourth level</a:t>
             </a:r>
           </a:p>
           <a:p>
             <a:pPr lvl="4"/>
             <a:r>
-              <a:rPr lang="en-US" smtClean="0"/>
+              <a:rPr lang="en-US"/>
               <a:t>Fifth level</a:t>
             </a:r>
             <a:endParaRPr lang="en-US" dirty="0"/>
@@ -2600,7 +2600,7 @@
           <a:p>
             <a:fld id="{37B554B6-7788-2348-9289-7CAD598A9555}" type="datetime1">
               <a:rPr lang="en-US" smtClean="0"/>
-              <a:t>3/11/19</a:t>
+              <a:t>10/1/20</a:t>
             </a:fld>
             <a:endParaRPr lang="en-US"/>
           </a:p>
@@ -2699,7 +2699,7 @@
           <a:lstStyle/>
           <a:p>
             <a:r>
-              <a:rPr lang="en-US" smtClean="0"/>
+              <a:rPr lang="en-US"/>
               <a:t>Click to edit Master title style</a:t>
             </a:r>
             <a:endParaRPr lang="en-US" dirty="0"/>
@@ -2765,7 +2765,7 @@
           <a:p>
             <a:pPr lvl="0"/>
             <a:r>
-              <a:rPr lang="en-US" smtClean="0"/>
+              <a:rPr lang="en-US"/>
               <a:t>Click to edit Master text styles</a:t>
             </a:r>
           </a:p>
@@ -2793,35 +2793,35 @@
           <a:p>
             <a:pPr lvl="0"/>
             <a:r>
-              <a:rPr lang="en-US" smtClean="0"/>
+              <a:rPr lang="en-US"/>
               <a:t>Click to edit Master text styles</a:t>
             </a:r>
           </a:p>
           <a:p>
             <a:pPr lvl="1"/>
             <a:r>
-              <a:rPr lang="en-US" smtClean="0"/>
+              <a:rPr lang="en-US"/>
               <a:t>Second level</a:t>
             </a:r>
           </a:p>
           <a:p>
             <a:pPr lvl="2"/>
             <a:r>
-              <a:rPr lang="en-US" smtClean="0"/>
+              <a:rPr lang="en-US"/>
               <a:t>Third level</a:t>
             </a:r>
           </a:p>
           <a:p>
             <a:pPr lvl="3"/>
             <a:r>
-              <a:rPr lang="en-US" smtClean="0"/>
+              <a:rPr lang="en-US"/>
               <a:t>Fourth level</a:t>
             </a:r>
           </a:p>
           <a:p>
             <a:pPr lvl="4"/>
             <a:r>
-              <a:rPr lang="en-US" smtClean="0"/>
+              <a:rPr lang="en-US"/>
               <a:t>Fifth level</a:t>
             </a:r>
             <a:endParaRPr lang="en-US" dirty="0"/>
@@ -2887,7 +2887,7 @@
           <a:p>
             <a:pPr lvl="0"/>
             <a:r>
-              <a:rPr lang="en-US" smtClean="0"/>
+              <a:rPr lang="en-US"/>
               <a:t>Click to edit Master text styles</a:t>
             </a:r>
           </a:p>
@@ -2915,35 +2915,35 @@
           <a:p>
             <a:pPr lvl="0"/>
             <a:r>
-              <a:rPr lang="en-US" smtClean="0"/>
+              <a:rPr lang="en-US"/>
               <a:t>Click to edit Master text styles</a:t>
             </a:r>
           </a:p>
           <a:p>
             <a:pPr lvl="1"/>
             <a:r>
-              <a:rPr lang="en-US" smtClean="0"/>
+              <a:rPr lang="en-US"/>
               <a:t>Second level</a:t>
             </a:r>
           </a:p>
           <a:p>
             <a:pPr lvl="2"/>
             <a:r>
-              <a:rPr lang="en-US" smtClean="0"/>
+              <a:rPr lang="en-US"/>
               <a:t>Third level</a:t>
             </a:r>
           </a:p>
           <a:p>
             <a:pPr lvl="3"/>
             <a:r>
-              <a:rPr lang="en-US" smtClean="0"/>
+              <a:rPr lang="en-US"/>
               <a:t>Fourth level</a:t>
             </a:r>
           </a:p>
           <a:p>
             <a:pPr lvl="4"/>
             <a:r>
-              <a:rPr lang="en-US" smtClean="0"/>
+              <a:rPr lang="en-US"/>
               <a:t>Fifth level</a:t>
             </a:r>
             <a:endParaRPr lang="en-US" dirty="0"/>
@@ -2967,7 +2967,7 @@
           <a:p>
             <a:fld id="{CCE331CB-FA13-3243-AD80-8733E43C7C1F}" type="datetime1">
               <a:rPr lang="en-US" smtClean="0"/>
-              <a:t>3/11/19</a:t>
+              <a:t>10/1/20</a:t>
             </a:fld>
             <a:endParaRPr lang="en-US"/>
           </a:p>
@@ -3061,7 +3061,7 @@
           <a:lstStyle/>
           <a:p>
             <a:r>
-              <a:rPr lang="en-US" smtClean="0"/>
+              <a:rPr lang="en-US"/>
               <a:t>Click to edit Master title style</a:t>
             </a:r>
             <a:endParaRPr lang="en-US" dirty="0"/>
@@ -3085,7 +3085,7 @@
           <a:p>
             <a:fld id="{C0172A9A-4F1F-854A-9B1E-96AFCC4A9B03}" type="datetime1">
               <a:rPr lang="en-US" smtClean="0"/>
-              <a:t>3/11/19</a:t>
+              <a:t>10/1/20</a:t>
             </a:fld>
             <a:endParaRPr lang="en-US"/>
           </a:p>
@@ -3180,7 +3180,7 @@
           <a:p>
             <a:fld id="{2D504595-1B90-0F4A-A1D0-6609637EC4CD}" type="datetime1">
               <a:rPr lang="en-US" smtClean="0"/>
-              <a:t>3/11/19</a:t>
+              <a:t>10/1/20</a:t>
             </a:fld>
             <a:endParaRPr lang="en-US"/>
           </a:p>
@@ -3283,7 +3283,7 @@
           </a:lstStyle>
           <a:p>
             <a:r>
-              <a:rPr lang="en-US" smtClean="0"/>
+              <a:rPr lang="en-US"/>
               <a:t>Click to edit Master title style</a:t>
             </a:r>
             <a:endParaRPr lang="en-US" dirty="0"/>
@@ -3340,35 +3340,35 @@
           <a:p>
             <a:pPr lvl="0"/>
             <a:r>
-              <a:rPr lang="en-US" smtClean="0"/>
+              <a:rPr lang="en-US"/>
               <a:t>Click to edit Master text styles</a:t>
             </a:r>
           </a:p>
           <a:p>
             <a:pPr lvl="1"/>
             <a:r>
-              <a:rPr lang="en-US" smtClean="0"/>
+              <a:rPr lang="en-US"/>
               <a:t>Second level</a:t>
             </a:r>
           </a:p>
           <a:p>
             <a:pPr lvl="2"/>
             <a:r>
-              <a:rPr lang="en-US" smtClean="0"/>
+              <a:rPr lang="en-US"/>
               <a:t>Third level</a:t>
             </a:r>
           </a:p>
           <a:p>
             <a:pPr lvl="3"/>
             <a:r>
-              <a:rPr lang="en-US" smtClean="0"/>
+              <a:rPr lang="en-US"/>
               <a:t>Fourth level</a:t>
             </a:r>
           </a:p>
           <a:p>
             <a:pPr lvl="4"/>
             <a:r>
-              <a:rPr lang="en-US" smtClean="0"/>
+              <a:rPr lang="en-US"/>
               <a:t>Fifth level</a:t>
             </a:r>
             <a:endParaRPr lang="en-US" dirty="0"/>
@@ -3434,7 +3434,7 @@
           <a:p>
             <a:pPr lvl="0"/>
             <a:r>
-              <a:rPr lang="en-US" smtClean="0"/>
+              <a:rPr lang="en-US"/>
               <a:t>Click to edit Master text styles</a:t>
             </a:r>
           </a:p>
@@ -3457,7 +3457,7 @@
           <a:p>
             <a:fld id="{F48EB26F-796F-BD4B-9EC5-A039FE9C305B}" type="datetime1">
               <a:rPr lang="en-US" smtClean="0"/>
-              <a:t>3/11/19</a:t>
+              <a:t>10/1/20</a:t>
             </a:fld>
             <a:endParaRPr lang="en-US"/>
           </a:p>
@@ -3560,7 +3560,7 @@
           </a:lstStyle>
           <a:p>
             <a:r>
-              <a:rPr lang="en-US" smtClean="0"/>
+              <a:rPr lang="en-US"/>
               <a:t>Click to edit Master title style</a:t>
             </a:r>
             <a:endParaRPr lang="en-US" dirty="0"/>
@@ -3625,7 +3625,7 @@
           </a:lstStyle>
           <a:p>
             <a:r>
-              <a:rPr lang="en-US" smtClean="0"/>
+              <a:rPr lang="en-US"/>
               <a:t>Drag picture to placeholder or click icon to add</a:t>
             </a:r>
             <a:endParaRPr lang="en-US" dirty="0"/>
@@ -3691,7 +3691,7 @@
           <a:p>
             <a:pPr lvl="0"/>
             <a:r>
-              <a:rPr lang="en-US" smtClean="0"/>
+              <a:rPr lang="en-US"/>
               <a:t>Click to edit Master text styles</a:t>
             </a:r>
           </a:p>
@@ -3714,7 +3714,7 @@
           <a:p>
             <a:fld id="{CDC2C28A-C946-0143-970B-84B8FE5654F4}" type="datetime1">
               <a:rPr lang="en-US" smtClean="0"/>
-              <a:t>3/11/19</a:t>
+              <a:t>10/1/20</a:t>
             </a:fld>
             <a:endParaRPr lang="en-US"/>
           </a:p>
@@ -3823,10 +3823,9 @@
           <a:lstStyle/>
           <a:p>
             <a:r>
-              <a:rPr lang="en-US" dirty="0" smtClean="0"/>
+              <a:rPr lang="en-US" dirty="0"/>
               <a:t>Click to edit Master title style</a:t>
             </a:r>
-            <a:endParaRPr lang="en-US" dirty="0"/>
           </a:p>
         </p:txBody>
       </p:sp>
@@ -3857,38 +3856,37 @@
           <a:p>
             <a:pPr lvl="0"/>
             <a:r>
-              <a:rPr lang="en-US" dirty="0" smtClean="0"/>
+              <a:rPr lang="en-US" dirty="0"/>
               <a:t>Click to edit Master text styles</a:t>
             </a:r>
           </a:p>
           <a:p>
             <a:pPr lvl="1"/>
             <a:r>
-              <a:rPr lang="en-US" dirty="0" smtClean="0"/>
+              <a:rPr lang="en-US" dirty="0"/>
               <a:t>Second level</a:t>
             </a:r>
           </a:p>
           <a:p>
             <a:pPr lvl="2"/>
             <a:r>
-              <a:rPr lang="en-US" dirty="0" smtClean="0"/>
+              <a:rPr lang="en-US" dirty="0"/>
               <a:t>Third level</a:t>
             </a:r>
           </a:p>
           <a:p>
             <a:pPr lvl="3"/>
             <a:r>
-              <a:rPr lang="en-US" dirty="0" smtClean="0"/>
+              <a:rPr lang="en-US" dirty="0"/>
               <a:t>Fourth level</a:t>
             </a:r>
           </a:p>
           <a:p>
             <a:pPr lvl="4"/>
             <a:r>
-              <a:rPr lang="en-US" dirty="0" smtClean="0"/>
+              <a:rPr lang="en-US" dirty="0"/>
               <a:t>Fifth level</a:t>
             </a:r>
-            <a:endParaRPr lang="en-US" dirty="0"/>
           </a:p>
         </p:txBody>
       </p:sp>
@@ -3927,7 +3925,7 @@
           <a:p>
             <a:fld id="{A831EFE4-169C-9248-BC74-4797ECDAE130}" type="datetime1">
               <a:rPr lang="en-US" smtClean="0"/>
-              <a:t>3/11/19</a:t>
+              <a:t>10/1/20</a:t>
             </a:fld>
             <a:endParaRPr lang="en-US"/>
           </a:p>
@@ -4355,14 +4353,30 @@
           <a:lstStyle/>
           <a:p>
             <a:r>
-              <a:rPr lang="en-US" b="0" dirty="0" smtClean="0"/>
+              <a:rPr lang="en-US" b="0" dirty="0"/>
               <a:t>Xin Jin</a:t>
             </a:r>
           </a:p>
           <a:p>
             <a:r>
               <a:rPr lang="en-US" b="0" dirty="0"/>
-              <a:t>Spring 2019 (MW 3:00-4:15pm in Shaffer 301)</a:t>
+              <a:t>Fall 20</a:t>
+            </a:r>
+            <a:r>
+              <a:rPr lang="en-US" altLang="zh-CN" b="0" dirty="0"/>
+              <a:t>20</a:t>
+            </a:r>
+            <a:r>
+              <a:rPr lang="en-US" b="0" dirty="0"/>
+              <a:t> (</a:t>
+            </a:r>
+            <a:r>
+              <a:rPr lang="en-US" b="0" dirty="0" err="1"/>
+              <a:t>TuTh</a:t>
+            </a:r>
+            <a:r>
+              <a:rPr lang="en-US" b="0" dirty="0"/>
+              <a:t> 1:30-2:45pm on Zoom)</a:t>
             </a:r>
           </a:p>
         </p:txBody>
@@ -4578,26 +4592,25 @@
           </a:lstStyle>
           <a:p>
             <a:r>
-              <a:rPr lang="en-US" b="0" dirty="0" smtClean="0"/>
+              <a:rPr lang="en-US" b="0" dirty="0"/>
               <a:t>https://</a:t>
             </a:r>
             <a:r>
-              <a:rPr lang="en-US" b="0" dirty="0" err="1" smtClean="0"/>
+              <a:rPr lang="en-US" b="0" dirty="0" err="1"/>
               <a:t>github.com</a:t>
             </a:r>
             <a:r>
-              <a:rPr lang="en-US" b="0" dirty="0" smtClean="0"/>
+              <a:rPr lang="en-US" b="0" dirty="0"/>
               <a:t>/</a:t>
             </a:r>
             <a:r>
-              <a:rPr lang="en-US" b="0" dirty="0" err="1" smtClean="0"/>
+              <a:rPr lang="en-US" b="0" dirty="0" err="1"/>
               <a:t>xinjin</a:t>
             </a:r>
             <a:r>
-              <a:rPr lang="en-US" b="0" dirty="0" smtClean="0"/>
+              <a:rPr lang="en-US" b="0" dirty="0"/>
               <a:t>/course-net</a:t>
             </a:r>
-            <a:endParaRPr lang="en-US" b="0" dirty="0"/>
           </a:p>
         </p:txBody>
       </p:sp>
@@ -4647,36 +4660,32 @@
           <a:lstStyle/>
           <a:p>
             <a:r>
-              <a:rPr lang="en-US" sz="4800" dirty="0" smtClean="0"/>
+              <a:rPr lang="en-US" sz="4800" dirty="0"/>
               <a:t>EN.601.414/614</a:t>
             </a:r>
             <a:br>
-              <a:rPr lang="en-US" sz="4800" dirty="0" smtClean="0"/>
+              <a:rPr lang="en-US" sz="4800" dirty="0"/>
             </a:br>
             <a:r>
-              <a:rPr lang="en-US" sz="4800" dirty="0" smtClean="0"/>
+              <a:rPr lang="en-US" sz="4800" dirty="0"/>
               <a:t>Computer Networks</a:t>
             </a:r>
             <a:br>
-              <a:rPr lang="en-US" sz="4800" dirty="0" smtClean="0"/>
+              <a:rPr lang="en-US" sz="4800" dirty="0"/>
             </a:br>
-            <a:r>
-              <a:rPr lang="en-US" sz="4800" dirty="0" smtClean="0"/>
-              <a:t/>
-            </a:r>
             <a:br>
-              <a:rPr lang="en-US" sz="4800" dirty="0" smtClean="0"/>
+              <a:rPr lang="en-US" sz="4800" dirty="0"/>
             </a:br>
             <a:r>
-              <a:rPr lang="en-US" altLang="zh-CN" sz="4800" dirty="0" smtClean="0"/>
+              <a:rPr lang="en-US" altLang="zh-CN" sz="4800" dirty="0"/>
               <a:t>Congestion</a:t>
             </a:r>
             <a:r>
-              <a:rPr lang="zh-CN" altLang="en-US" sz="4800" dirty="0" smtClean="0"/>
+              <a:rPr lang="zh-CN" altLang="en-US" sz="4800" dirty="0"/>
               <a:t> </a:t>
             </a:r>
             <a:r>
-              <a:rPr lang="en-US" altLang="zh-CN" sz="4800" dirty="0" smtClean="0"/>
+              <a:rPr lang="en-US" altLang="zh-CN" sz="4800" dirty="0"/>
               <a:t>Control</a:t>
             </a:r>
             <a:endParaRPr lang="en-US" sz="4800" dirty="0"/>
@@ -4693,13 +4702,6 @@
   <p:clrMapOvr>
     <a:masterClrMapping/>
   </p:clrMapOvr>
-  <p:timing>
-    <p:tnLst>
-      <p:par>
-        <p:cTn id="1" dur="indefinite" restart="never" nodeType="tmRoot"/>
-      </p:par>
-    </p:tnLst>
-  </p:timing>
 </p:sld>
 </file>
 
@@ -4736,10 +4738,9 @@
           <a:lstStyle/>
           <a:p>
             <a:r>
-              <a:rPr lang="en-US" dirty="0" smtClean="0"/>
+              <a:rPr lang="en-US" dirty="0"/>
               <a:t>Not done yet!</a:t>
             </a:r>
-            <a:endParaRPr lang="en-US" dirty="0"/>
           </a:p>
         </p:txBody>
       </p:sp>
@@ -4759,7 +4760,7 @@
           <a:lstStyle/>
           <a:p>
             <a:r>
-              <a:rPr lang="en-US" dirty="0" smtClean="0">
+              <a:rPr lang="en-US" dirty="0">
                 <a:solidFill>
                   <a:schemeClr val="accent5"/>
                 </a:solidFill>
@@ -4767,10 +4768,9 @@
               <a:t>Problem</a:t>
             </a:r>
             <a:r>
-              <a:rPr lang="en-US" dirty="0" smtClean="0"/>
+              <a:rPr lang="en-US" dirty="0"/>
               <a:t>: congestion avoidance too slow in recovering from an isolated loss </a:t>
             </a:r>
-            <a:endParaRPr lang="en-US" dirty="0"/>
           </a:p>
         </p:txBody>
       </p:sp>
@@ -4808,13 +4808,6 @@
   <p:clrMapOvr>
     <a:masterClrMapping/>
   </p:clrMapOvr>
-  <p:timing>
-    <p:tnLst>
-      <p:par>
-        <p:cTn id="1" dur="indefinite" restart="never" nodeType="tmRoot"/>
-      </p:par>
-    </p:tnLst>
-  </p:timing>
 </p:sld>
 </file>
 
@@ -4851,7 +4844,7 @@
           <a:lstStyle/>
           <a:p>
             <a:r>
-              <a:rPr lang="en-US" smtClean="0"/>
+              <a:rPr lang="en-US"/>
               <a:t>Example</a:t>
             </a:r>
             <a:endParaRPr lang="en-US" dirty="0"/>
@@ -4874,41 +4867,41 @@
           <a:lstStyle/>
           <a:p>
             <a:r>
-              <a:rPr lang="en-US" dirty="0" smtClean="0"/>
+              <a:rPr lang="en-US" dirty="0"/>
               <a:t>Consider a TCP connection with:</a:t>
             </a:r>
           </a:p>
           <a:p>
             <a:pPr lvl="1"/>
             <a:r>
-              <a:rPr lang="en-US" dirty="0" smtClean="0"/>
+              <a:rPr lang="en-US" dirty="0"/>
               <a:t>CWND=10 packets</a:t>
             </a:r>
           </a:p>
           <a:p>
             <a:pPr lvl="1"/>
             <a:r>
-              <a:rPr lang="en-US" dirty="0" smtClean="0"/>
+              <a:rPr lang="en-US" dirty="0"/>
               <a:t>Last ACK was for packet # 101</a:t>
             </a:r>
           </a:p>
           <a:p>
             <a:pPr lvl="2"/>
             <a:r>
-              <a:rPr lang="en-US" dirty="0" smtClean="0"/>
+              <a:rPr lang="en-US" dirty="0"/>
               <a:t>i.e., receiver expecting next packet to have seq. no. 101</a:t>
             </a:r>
           </a:p>
           <a:p>
             <a:r>
-              <a:rPr lang="en-US" dirty="0" smtClean="0"/>
+              <a:rPr lang="en-US" dirty="0"/>
               <a:t>10 packets [101, 102, 103,…, 110] are in flight</a:t>
             </a:r>
           </a:p>
           <a:p>
             <a:pPr lvl="1"/>
             <a:r>
-              <a:rPr lang="en-US" dirty="0" smtClean="0"/>
+              <a:rPr lang="en-US" dirty="0"/>
               <a:t>Packet 101 is dropped</a:t>
             </a:r>
           </a:p>
@@ -5252,15 +5245,7 @@
             </a:r>
             <a:r>
               <a:rPr lang="en-US" dirty="0"/>
-              <a:t>, </a:t>
-            </a:r>
-            <a:r>
-              <a:rPr lang="en-US" dirty="0" smtClean="0"/>
-              <a:t>102, …, </a:t>
-            </a:r>
-            <a:r>
-              <a:rPr lang="en-US" dirty="0"/>
-              <a:t>110]</a:t>
+              <a:t>, 102, …, 110]</a:t>
             </a:r>
           </a:p>
         </p:txBody>
@@ -5283,73 +5268,73 @@
           <a:lstStyle/>
           <a:p>
             <a:r>
-              <a:rPr lang="en-US" sz="2000" dirty="0" smtClean="0"/>
+              <a:rPr lang="en-US" sz="2000" dirty="0"/>
               <a:t>ACK 101 (due to 102)  </a:t>
             </a:r>
             <a:r>
-              <a:rPr lang="en-US" sz="2000" dirty="0" err="1" smtClean="0"/>
+              <a:rPr lang="en-US" sz="2000" dirty="0" err="1"/>
               <a:t>cwnd</a:t>
             </a:r>
             <a:r>
-              <a:rPr lang="en-US" sz="2000" dirty="0" smtClean="0"/>
+              <a:rPr lang="en-US" sz="2000" dirty="0"/>
               <a:t>=10  dupACK#1 (no </a:t>
             </a:r>
             <a:r>
-              <a:rPr lang="en-US" sz="2000" dirty="0" err="1" smtClean="0"/>
+              <a:rPr lang="en-US" sz="2000" dirty="0" err="1"/>
               <a:t>xmit</a:t>
             </a:r>
             <a:r>
-              <a:rPr lang="en-US" sz="2000" dirty="0" smtClean="0"/>
+              <a:rPr lang="en-US" sz="2000" dirty="0"/>
               <a:t>)</a:t>
             </a:r>
           </a:p>
           <a:p>
             <a:r>
-              <a:rPr lang="en-US" sz="2000" dirty="0" smtClean="0"/>
+              <a:rPr lang="en-US" sz="2000" dirty="0"/>
               <a:t>ACK 101 (due to 103)  </a:t>
             </a:r>
             <a:r>
-              <a:rPr lang="en-US" sz="2000" dirty="0" err="1" smtClean="0"/>
+              <a:rPr lang="en-US" sz="2000" dirty="0" err="1"/>
               <a:t>cwnd</a:t>
             </a:r>
             <a:r>
-              <a:rPr lang="en-US" sz="2000" dirty="0" smtClean="0"/>
+              <a:rPr lang="en-US" sz="2000" dirty="0"/>
               <a:t>=10  dupACK#2 (no </a:t>
             </a:r>
             <a:r>
-              <a:rPr lang="en-US" sz="2000" dirty="0" err="1" smtClean="0"/>
+              <a:rPr lang="en-US" sz="2000" dirty="0" err="1"/>
               <a:t>xmit</a:t>
             </a:r>
             <a:r>
-              <a:rPr lang="en-US" sz="2000" dirty="0" smtClean="0"/>
+              <a:rPr lang="en-US" sz="2000" dirty="0"/>
               <a:t>)</a:t>
             </a:r>
           </a:p>
           <a:p>
             <a:r>
-              <a:rPr lang="en-US" sz="2000" dirty="0" smtClean="0"/>
+              <a:rPr lang="en-US" sz="2000" dirty="0"/>
               <a:t>ACK 101 (due to 104)  </a:t>
             </a:r>
             <a:r>
-              <a:rPr lang="en-US" sz="2000" dirty="0" err="1" smtClean="0"/>
+              <a:rPr lang="en-US" sz="2000" dirty="0" err="1"/>
               <a:t>cwnd</a:t>
             </a:r>
             <a:r>
-              <a:rPr lang="en-US" sz="2000" dirty="0" smtClean="0"/>
+              <a:rPr lang="en-US" sz="2000" dirty="0"/>
               <a:t>=10  dupACK#3 (no </a:t>
             </a:r>
             <a:r>
-              <a:rPr lang="en-US" sz="2000" dirty="0" err="1" smtClean="0"/>
+              <a:rPr lang="en-US" sz="2000" dirty="0" err="1"/>
               <a:t>xmit</a:t>
             </a:r>
             <a:r>
-              <a:rPr lang="en-US" sz="2000" dirty="0" smtClean="0"/>
+              <a:rPr lang="en-US" sz="2000" dirty="0"/>
               <a:t>)</a:t>
             </a:r>
           </a:p>
           <a:p>
             <a:r>
-              <a:rPr lang="en-US" sz="2000" dirty="0" smtClean="0">
+              <a:rPr lang="en-US" sz="2000" dirty="0">
                 <a:solidFill>
                   <a:schemeClr val="accent5"/>
                 </a:solidFill>
@@ -5357,7 +5342,7 @@
               <a:t>RETRANSMIT 101 </a:t>
             </a:r>
             <a:r>
-              <a:rPr lang="en-US" sz="2000" dirty="0" err="1" smtClean="0">
+              <a:rPr lang="en-US" sz="2000" dirty="0" err="1">
                 <a:solidFill>
                   <a:schemeClr val="accent5"/>
                 </a:solidFill>
@@ -5365,7 +5350,7 @@
               <a:t>ssthresh</a:t>
             </a:r>
             <a:r>
-              <a:rPr lang="en-US" sz="2000" dirty="0" smtClean="0">
+              <a:rPr lang="en-US" sz="2000" dirty="0">
                 <a:solidFill>
                   <a:schemeClr val="accent5"/>
                 </a:solidFill>
@@ -5373,7 +5358,7 @@
               <a:t>=5  </a:t>
             </a:r>
             <a:r>
-              <a:rPr lang="en-US" sz="2000" dirty="0" err="1" smtClean="0">
+              <a:rPr lang="en-US" sz="2000" dirty="0" err="1">
                 <a:solidFill>
                   <a:schemeClr val="accent5"/>
                 </a:solidFill>
@@ -5381,7 +5366,7 @@
               <a:t>cwnd</a:t>
             </a:r>
             <a:r>
-              <a:rPr lang="en-US" sz="2000" dirty="0" smtClean="0">
+              <a:rPr lang="en-US" sz="2000" dirty="0">
                 <a:solidFill>
                   <a:schemeClr val="accent5"/>
                 </a:solidFill>
@@ -5391,179 +5376,151 @@
           </a:p>
           <a:p>
             <a:r>
-              <a:rPr lang="en-US" sz="2000" dirty="0" smtClean="0"/>
+              <a:rPr lang="en-US" sz="2000" dirty="0"/>
               <a:t>ACK 101 (due to 105)  </a:t>
             </a:r>
             <a:r>
-              <a:rPr lang="en-US" sz="2000" dirty="0" err="1" smtClean="0"/>
+              <a:rPr lang="en-US" sz="2000" dirty="0" err="1"/>
               <a:t>cwnd</a:t>
             </a:r>
             <a:r>
-              <a:rPr lang="en-US" sz="2000" dirty="0" smtClean="0"/>
-              <a:t>=5 </a:t>
-            </a:r>
-            <a:r>
-              <a:rPr lang="en-US" sz="2000" dirty="0" smtClean="0"/>
-              <a:t>(no </a:t>
-            </a:r>
-            <a:r>
-              <a:rPr lang="en-US" sz="2000" dirty="0" err="1" smtClean="0"/>
+              <a:rPr lang="en-US" sz="2000" dirty="0"/>
+              <a:t>=5 (no </a:t>
+            </a:r>
+            <a:r>
+              <a:rPr lang="en-US" sz="2000" dirty="0" err="1"/>
               <a:t>xmit</a:t>
             </a:r>
             <a:r>
-              <a:rPr lang="en-US" sz="2000" dirty="0" smtClean="0"/>
+              <a:rPr lang="en-US" sz="2000" dirty="0"/>
               <a:t>)</a:t>
             </a:r>
           </a:p>
           <a:p>
             <a:r>
-              <a:rPr lang="en-US" sz="2000" dirty="0" smtClean="0"/>
+              <a:rPr lang="en-US" sz="2000" dirty="0"/>
               <a:t>ACK 101 (due to 106)  </a:t>
             </a:r>
             <a:r>
-              <a:rPr lang="en-US" sz="2000" dirty="0" err="1" smtClean="0"/>
+              <a:rPr lang="en-US" sz="2000" dirty="0" err="1"/>
               <a:t>cwnd</a:t>
             </a:r>
             <a:r>
-              <a:rPr lang="en-US" sz="2000" dirty="0" smtClean="0"/>
-              <a:t>=5 </a:t>
-            </a:r>
-            <a:r>
-              <a:rPr lang="en-US" sz="2000" dirty="0" smtClean="0"/>
-              <a:t>(</a:t>
-            </a:r>
-            <a:r>
-              <a:rPr lang="en-US" sz="2000" dirty="0" smtClean="0"/>
-              <a:t>no </a:t>
-            </a:r>
-            <a:r>
-              <a:rPr lang="en-US" sz="2000" dirty="0" err="1" smtClean="0"/>
+              <a:rPr lang="en-US" sz="2000" dirty="0"/>
+              <a:t>=5 (no </a:t>
+            </a:r>
+            <a:r>
+              <a:rPr lang="en-US" sz="2000" dirty="0" err="1"/>
               <a:t>xmit</a:t>
             </a:r>
             <a:r>
-              <a:rPr lang="en-US" sz="2000" dirty="0" smtClean="0"/>
+              <a:rPr lang="en-US" sz="2000" dirty="0"/>
               <a:t>)</a:t>
             </a:r>
           </a:p>
           <a:p>
             <a:r>
-              <a:rPr lang="en-US" sz="2000" dirty="0" smtClean="0"/>
+              <a:rPr lang="en-US" sz="2000" dirty="0"/>
               <a:t>ACK 101 (due to 107)  </a:t>
             </a:r>
             <a:r>
-              <a:rPr lang="en-US" sz="2000" dirty="0" err="1" smtClean="0"/>
+              <a:rPr lang="en-US" sz="2000" dirty="0" err="1"/>
               <a:t>cwnd</a:t>
             </a:r>
             <a:r>
-              <a:rPr lang="en-US" sz="2000" dirty="0" smtClean="0"/>
-              <a:t>=5 </a:t>
-            </a:r>
-            <a:r>
-              <a:rPr lang="en-US" sz="2000" dirty="0" smtClean="0"/>
-              <a:t>(no </a:t>
-            </a:r>
-            <a:r>
-              <a:rPr lang="en-US" sz="2000" dirty="0" err="1" smtClean="0"/>
+              <a:rPr lang="en-US" sz="2000" dirty="0"/>
+              <a:t>=5 (no </a:t>
+            </a:r>
+            <a:r>
+              <a:rPr lang="en-US" sz="2000" dirty="0" err="1"/>
               <a:t>xmit</a:t>
             </a:r>
             <a:r>
-              <a:rPr lang="en-US" sz="2000" dirty="0" smtClean="0"/>
+              <a:rPr lang="en-US" sz="2000" dirty="0"/>
               <a:t>)</a:t>
             </a:r>
           </a:p>
           <a:p>
             <a:r>
-              <a:rPr lang="en-US" sz="2000" dirty="0" smtClean="0"/>
+              <a:rPr lang="en-US" sz="2000" dirty="0"/>
               <a:t>ACK 101 (due to 108)  </a:t>
             </a:r>
             <a:r>
-              <a:rPr lang="en-US" sz="2000" dirty="0" err="1" smtClean="0"/>
+              <a:rPr lang="en-US" sz="2000" dirty="0" err="1"/>
               <a:t>cwnd</a:t>
             </a:r>
             <a:r>
-              <a:rPr lang="en-US" sz="2000" dirty="0" smtClean="0"/>
-              <a:t>=5 </a:t>
-            </a:r>
-            <a:r>
-              <a:rPr lang="en-US" sz="2000" dirty="0" smtClean="0"/>
-              <a:t>(no </a:t>
-            </a:r>
-            <a:r>
-              <a:rPr lang="en-US" sz="2000" dirty="0" err="1" smtClean="0"/>
+              <a:rPr lang="en-US" sz="2000" dirty="0"/>
+              <a:t>=5 (no </a:t>
+            </a:r>
+            <a:r>
+              <a:rPr lang="en-US" sz="2000" dirty="0" err="1"/>
               <a:t>xmit</a:t>
             </a:r>
             <a:r>
-              <a:rPr lang="en-US" sz="2000" dirty="0" smtClean="0"/>
+              <a:rPr lang="en-US" sz="2000" dirty="0"/>
               <a:t>)</a:t>
             </a:r>
           </a:p>
           <a:p>
             <a:r>
-              <a:rPr lang="en-US" sz="2000" dirty="0" smtClean="0"/>
+              <a:rPr lang="en-US" sz="2000" dirty="0"/>
               <a:t>ACK 101 (due to 109)  </a:t>
             </a:r>
             <a:r>
-              <a:rPr lang="en-US" sz="2000" dirty="0" err="1" smtClean="0"/>
+              <a:rPr lang="en-US" sz="2000" dirty="0" err="1"/>
               <a:t>cwnd</a:t>
             </a:r>
             <a:r>
-              <a:rPr lang="en-US" sz="2000" dirty="0" smtClean="0"/>
-              <a:t>=5 </a:t>
-            </a:r>
-            <a:r>
-              <a:rPr lang="en-US" sz="2000" dirty="0" smtClean="0"/>
-              <a:t>(no </a:t>
-            </a:r>
-            <a:r>
-              <a:rPr lang="en-US" sz="2000" dirty="0" err="1" smtClean="0"/>
+              <a:rPr lang="en-US" sz="2000" dirty="0"/>
+              <a:t>=5 (no </a:t>
+            </a:r>
+            <a:r>
+              <a:rPr lang="en-US" sz="2000" dirty="0" err="1"/>
               <a:t>xmit</a:t>
             </a:r>
             <a:r>
-              <a:rPr lang="en-US" sz="2000" dirty="0" smtClean="0"/>
+              <a:rPr lang="en-US" sz="2000" dirty="0"/>
               <a:t>)</a:t>
             </a:r>
           </a:p>
           <a:p>
             <a:r>
-              <a:rPr lang="en-US" sz="2000" dirty="0" smtClean="0"/>
+              <a:rPr lang="en-US" sz="2000" dirty="0"/>
               <a:t>ACK 101 (due to 110)  </a:t>
             </a:r>
             <a:r>
-              <a:rPr lang="en-US" sz="2000" dirty="0" err="1" smtClean="0"/>
+              <a:rPr lang="en-US" sz="2000" dirty="0" err="1"/>
               <a:t>cwnd</a:t>
             </a:r>
             <a:r>
-              <a:rPr lang="en-US" sz="2000" dirty="0" smtClean="0"/>
+              <a:rPr lang="en-US" sz="2000" dirty="0"/>
               <a:t>=</a:t>
             </a:r>
             <a:r>
-              <a:rPr lang="zh-CN" altLang="en-US" sz="2000" dirty="0" smtClean="0"/>
+              <a:rPr lang="zh-CN" altLang="en-US" sz="2000" dirty="0"/>
               <a:t> </a:t>
             </a:r>
             <a:r>
-              <a:rPr lang="en-US" altLang="zh-CN" sz="2000" dirty="0" smtClean="0"/>
+              <a:rPr lang="en-US" altLang="zh-CN" sz="2000" dirty="0"/>
               <a:t>5</a:t>
             </a:r>
             <a:r>
-              <a:rPr lang="en-US" sz="2000" dirty="0" smtClean="0"/>
-              <a:t> </a:t>
-            </a:r>
-            <a:r>
-              <a:rPr lang="en-US" sz="2000" dirty="0" smtClean="0"/>
-              <a:t>(no </a:t>
-            </a:r>
-            <a:r>
-              <a:rPr lang="en-US" sz="2000" dirty="0" err="1" smtClean="0"/>
+              <a:rPr lang="en-US" sz="2000" dirty="0"/>
+              <a:t> (no </a:t>
+            </a:r>
+            <a:r>
+              <a:rPr lang="en-US" sz="2000" dirty="0" err="1"/>
               <a:t>xmit</a:t>
             </a:r>
             <a:r>
-              <a:rPr lang="en-US" sz="2000" dirty="0" smtClean="0"/>
+              <a:rPr lang="en-US" sz="2000" dirty="0"/>
               <a:t>)</a:t>
             </a:r>
           </a:p>
           <a:p>
             <a:r>
-              <a:rPr lang="en-US" sz="2000" dirty="0" smtClean="0">
+              <a:rPr lang="en-US" sz="2000" dirty="0">
                 <a:solidFill>
                   <a:schemeClr val="accent5"/>
                 </a:solidFill>
@@ -5571,7 +5528,7 @@
               <a:t>ACK 111 (due to 101)  </a:t>
             </a:r>
             <a:r>
-              <a:rPr lang="en-US" sz="2000" dirty="0" smtClean="0">
+              <a:rPr lang="en-US" sz="2000" dirty="0">
                 <a:solidFill>
                   <a:schemeClr val="accent5"/>
                 </a:solidFill>
@@ -5582,7 +5539,7 @@
           </a:p>
           <a:p>
             <a:r>
-              <a:rPr lang="en-US" sz="2000" dirty="0" smtClean="0">
+              <a:rPr lang="en-US" sz="2000" dirty="0">
                 <a:solidFill>
                   <a:schemeClr val="accent5"/>
                 </a:solidFill>
@@ -5641,7 +5598,7 @@
           <a:p>
             <a:pPr algn="ctr"/>
             <a:r>
-              <a:rPr lang="en-US" sz="6000" dirty="0" smtClean="0">
+              <a:rPr lang="en-US" sz="6000" dirty="0">
                 <a:solidFill>
                   <a:srgbClr val="FF0000"/>
                 </a:solidFill>
@@ -6278,7 +6235,7 @@
           <a:lstStyle/>
           <a:p>
             <a:r>
-              <a:rPr lang="en-US" smtClean="0"/>
+              <a:rPr lang="en-US"/>
               <a:t>Solution: Fast recovery</a:t>
             </a:r>
             <a:endParaRPr lang="en-US" dirty="0"/>
@@ -6301,37 +6258,22 @@
           <a:lstStyle/>
           <a:p>
             <a:r>
-              <a:rPr lang="en-US" dirty="0" smtClean="0"/>
+              <a:rPr lang="en-US" dirty="0"/>
               <a:t>Idea: Grant the sender temporary “credit” for each dupACK so as to keep packets in flight</a:t>
             </a:r>
           </a:p>
           <a:p>
             <a:r>
-              <a:rPr lang="en-US" dirty="0" smtClean="0"/>
+              <a:rPr lang="en-US" dirty="0"/>
               <a:t>If </a:t>
             </a:r>
             <a:r>
-              <a:rPr lang="en-US" dirty="0" err="1" smtClean="0"/>
+              <a:rPr lang="en-US" dirty="0" err="1"/>
               <a:t>dupACKcount</a:t>
             </a:r>
             <a:r>
-              <a:rPr lang="en-US" dirty="0" smtClean="0"/>
+              <a:rPr lang="en-US" dirty="0"/>
               <a:t> = 3 </a:t>
-            </a:r>
-          </a:p>
-          <a:p>
-            <a:pPr lvl="1"/>
-            <a:r>
-              <a:rPr lang="en-US" dirty="0" smtClean="0"/>
-              <a:t> </a:t>
-            </a:r>
-            <a:r>
-              <a:rPr lang="en-US" dirty="0" err="1" smtClean="0"/>
-              <a:t>ssthresh</a:t>
-            </a:r>
-            <a:r>
-              <a:rPr lang="en-US" dirty="0" smtClean="0"/>
-              <a:t> = CWND/2</a:t>
             </a:r>
           </a:p>
           <a:p>
@@ -6341,15 +6283,26 @@
               <a:t> </a:t>
             </a:r>
             <a:r>
-              <a:rPr lang="en-US" dirty="0" smtClean="0"/>
-              <a:t>CWND = </a:t>
-            </a:r>
-            <a:r>
-              <a:rPr lang="en-US" dirty="0" err="1" smtClean="0"/>
+              <a:rPr lang="en-US" dirty="0" err="1"/>
               <a:t>ssthresh</a:t>
             </a:r>
             <a:r>
-              <a:rPr lang="en-US" dirty="0" smtClean="0">
+              <a:rPr lang="en-US" dirty="0"/>
+              <a:t> = CWND/2</a:t>
+            </a:r>
+          </a:p>
+          <a:p>
+            <a:pPr lvl="1"/>
+            <a:r>
+              <a:rPr lang="en-US" dirty="0"/>
+              <a:t> CWND = </a:t>
+            </a:r>
+            <a:r>
+              <a:rPr lang="en-US" dirty="0" err="1"/>
+              <a:t>ssthresh</a:t>
+            </a:r>
+            <a:r>
+              <a:rPr lang="en-US" dirty="0">
                 <a:solidFill>
                   <a:srgbClr val="0000FF"/>
                 </a:solidFill>
@@ -6357,7 +6310,7 @@
               <a:t> </a:t>
             </a:r>
             <a:r>
-              <a:rPr lang="en-US" dirty="0" smtClean="0">
+              <a:rPr lang="en-US" dirty="0">
                 <a:solidFill>
                   <a:schemeClr val="accent5"/>
                 </a:solidFill>
@@ -6367,7 +6320,7 @@
           </a:p>
           <a:p>
             <a:r>
-              <a:rPr lang="en-US" dirty="0" smtClean="0">
+              <a:rPr lang="en-US" dirty="0">
                 <a:solidFill>
                   <a:schemeClr val="accent5"/>
                 </a:solidFill>
@@ -6378,21 +6331,13 @@
           <a:p>
             <a:pPr lvl="1"/>
             <a:r>
-              <a:rPr lang="en-US" dirty="0" smtClean="0"/>
-              <a:t>CWND </a:t>
-            </a:r>
-            <a:r>
               <a:rPr lang="en-US" dirty="0"/>
-              <a:t>= CWND </a:t>
-            </a:r>
-            <a:r>
-              <a:rPr lang="en-US" dirty="0" smtClean="0"/>
-              <a:t>+ 1 for each additional dupACK</a:t>
-            </a:r>
-          </a:p>
-          <a:p>
-            <a:r>
-              <a:rPr lang="en-US" dirty="0" smtClean="0">
+              <a:t>CWND = CWND + 1 for each additional dupACK</a:t>
+            </a:r>
+          </a:p>
+          <a:p>
+            <a:r>
+              <a:rPr lang="en-US" dirty="0">
                 <a:solidFill>
                   <a:schemeClr val="accent5"/>
                 </a:solidFill>
@@ -6400,18 +6345,18 @@
               <a:t>Exit fast recovery </a:t>
             </a:r>
             <a:r>
-              <a:rPr lang="en-US" dirty="0" smtClean="0"/>
+              <a:rPr lang="en-US" dirty="0"/>
               <a:t>after receiving new ACK</a:t>
             </a:r>
           </a:p>
           <a:p>
             <a:pPr lvl="1"/>
             <a:r>
-              <a:rPr lang="en-US" dirty="0" smtClean="0"/>
+              <a:rPr lang="en-US" dirty="0"/>
               <a:t>set CWND = </a:t>
             </a:r>
             <a:r>
-              <a:rPr lang="en-US" dirty="0" err="1" smtClean="0"/>
+              <a:rPr lang="en-US" dirty="0" err="1"/>
               <a:t>ssthresh</a:t>
             </a:r>
             <a:endParaRPr lang="en-US" dirty="0"/>
@@ -6841,7 +6786,7 @@
           <a:lstStyle/>
           <a:p>
             <a:r>
-              <a:rPr lang="en-US" smtClean="0"/>
+              <a:rPr lang="en-US"/>
               <a:t>Example</a:t>
             </a:r>
             <a:endParaRPr lang="en-US" dirty="0"/>
@@ -6864,41 +6809,41 @@
           <a:lstStyle/>
           <a:p>
             <a:r>
-              <a:rPr lang="en-US" dirty="0" smtClean="0"/>
+              <a:rPr lang="en-US" dirty="0"/>
               <a:t>Consider a TCP connection with:</a:t>
             </a:r>
           </a:p>
           <a:p>
             <a:pPr lvl="1"/>
             <a:r>
-              <a:rPr lang="en-US" dirty="0" smtClean="0"/>
+              <a:rPr lang="en-US" dirty="0"/>
               <a:t>CWND=10 packets</a:t>
             </a:r>
           </a:p>
           <a:p>
             <a:pPr lvl="1"/>
             <a:r>
-              <a:rPr lang="en-US" dirty="0" smtClean="0"/>
+              <a:rPr lang="en-US" dirty="0"/>
               <a:t>Last ACK was for packet # 101</a:t>
             </a:r>
           </a:p>
           <a:p>
             <a:pPr lvl="2"/>
             <a:r>
-              <a:rPr lang="en-US" dirty="0" smtClean="0"/>
+              <a:rPr lang="en-US" dirty="0"/>
               <a:t>i.e., receiver expecting next packet to have seq. no. 101</a:t>
             </a:r>
           </a:p>
           <a:p>
             <a:r>
-              <a:rPr lang="en-US" dirty="0" smtClean="0"/>
+              <a:rPr lang="en-US" dirty="0"/>
               <a:t>10 packets [101, 102, 103,…, 110] are in flight</a:t>
             </a:r>
           </a:p>
           <a:p>
             <a:pPr lvl="1"/>
             <a:r>
-              <a:rPr lang="en-US" dirty="0" smtClean="0"/>
+              <a:rPr lang="en-US" dirty="0"/>
               <a:t>Packet 101 is dropped</a:t>
             </a:r>
           </a:p>
@@ -6938,13 +6883,6 @@
   <p:clrMapOvr>
     <a:masterClrMapping/>
   </p:clrMapOvr>
-  <p:timing>
-    <p:tnLst>
-      <p:par>
-        <p:cTn id="1" dur="indefinite" restart="never" nodeType="tmRoot"/>
-      </p:par>
-    </p:tnLst>
-  </p:timing>
 </p:sld>
 </file>
 
@@ -7017,43 +6955,43 @@
           <a:lstStyle/>
           <a:p>
             <a:r>
-              <a:rPr lang="en-US" sz="2000" dirty="0" smtClean="0"/>
+              <a:rPr lang="en-US" sz="2000" dirty="0"/>
               <a:t>ACK 101 (due to 102)  </a:t>
             </a:r>
             <a:r>
-              <a:rPr lang="en-US" sz="2000" dirty="0" err="1" smtClean="0"/>
+              <a:rPr lang="en-US" sz="2000" dirty="0" err="1"/>
               <a:t>cwnd</a:t>
             </a:r>
             <a:r>
-              <a:rPr lang="en-US" sz="2000" dirty="0" smtClean="0"/>
+              <a:rPr lang="en-US" sz="2000" dirty="0"/>
               <a:t>=10  dup#1</a:t>
             </a:r>
           </a:p>
           <a:p>
             <a:r>
-              <a:rPr lang="en-US" sz="2000" dirty="0" smtClean="0"/>
+              <a:rPr lang="en-US" sz="2000" dirty="0"/>
               <a:t>ACK 101 (due to 103)  </a:t>
             </a:r>
             <a:r>
-              <a:rPr lang="en-US" sz="2000" dirty="0" err="1" smtClean="0"/>
+              <a:rPr lang="en-US" sz="2000" dirty="0" err="1"/>
               <a:t>cwnd</a:t>
             </a:r>
             <a:r>
-              <a:rPr lang="en-US" sz="2000" dirty="0" smtClean="0"/>
+              <a:rPr lang="en-US" sz="2000" dirty="0"/>
               <a:t>=10  dup#2</a:t>
             </a:r>
           </a:p>
           <a:p>
             <a:r>
-              <a:rPr lang="en-US" sz="2000" dirty="0" smtClean="0"/>
+              <a:rPr lang="en-US" sz="2000" dirty="0"/>
               <a:t>ACK 101 (due to 104)  </a:t>
             </a:r>
             <a:r>
-              <a:rPr lang="en-US" sz="2000" dirty="0" err="1" smtClean="0"/>
+              <a:rPr lang="en-US" sz="2000" dirty="0" err="1"/>
               <a:t>cwnd</a:t>
             </a:r>
             <a:r>
-              <a:rPr lang="en-US" sz="2000" dirty="0" smtClean="0"/>
+              <a:rPr lang="en-US" sz="2000" dirty="0"/>
               <a:t>=10  dup#3</a:t>
             </a:r>
           </a:p>
@@ -7101,19 +7039,19 @@
           </a:p>
           <a:p>
             <a:r>
-              <a:rPr lang="en-US" sz="2000" dirty="0" smtClean="0"/>
+              <a:rPr lang="en-US" sz="2000" dirty="0"/>
               <a:t>ACK 101 (due to 105)  </a:t>
             </a:r>
             <a:r>
-              <a:rPr lang="en-US" sz="2000" dirty="0" err="1" smtClean="0"/>
+              <a:rPr lang="en-US" sz="2000" dirty="0" err="1"/>
               <a:t>cwnd</a:t>
             </a:r>
             <a:r>
-              <a:rPr lang="en-US" sz="2000" dirty="0" smtClean="0"/>
+              <a:rPr lang="en-US" sz="2000" dirty="0"/>
               <a:t>= 9</a:t>
             </a:r>
             <a:r>
-              <a:rPr lang="en-US" sz="2000" dirty="0" smtClean="0">
+              <a:rPr lang="en-US" sz="2000" dirty="0">
                 <a:solidFill>
                   <a:srgbClr val="FF0000"/>
                 </a:solidFill>
@@ -7121,131 +7059,131 @@
               <a:t> </a:t>
             </a:r>
             <a:r>
-              <a:rPr lang="en-US" sz="2000" dirty="0" smtClean="0"/>
+              <a:rPr lang="en-US" sz="2000" dirty="0"/>
               <a:t>(no </a:t>
             </a:r>
             <a:r>
-              <a:rPr lang="en-US" sz="2000" dirty="0" err="1" smtClean="0"/>
+              <a:rPr lang="en-US" sz="2000" dirty="0" err="1"/>
               <a:t>xmit</a:t>
             </a:r>
             <a:r>
-              <a:rPr lang="en-US" sz="2000" dirty="0" smtClean="0"/>
+              <a:rPr lang="en-US" sz="2000" dirty="0"/>
               <a:t>)</a:t>
             </a:r>
           </a:p>
           <a:p>
             <a:r>
-              <a:rPr lang="en-US" sz="2000" dirty="0" smtClean="0"/>
+              <a:rPr lang="en-US" sz="2000" dirty="0"/>
               <a:t>ACK 101 (due to 106)  </a:t>
             </a:r>
             <a:r>
-              <a:rPr lang="en-US" sz="2000" dirty="0" err="1" smtClean="0"/>
+              <a:rPr lang="en-US" sz="2000" dirty="0" err="1"/>
               <a:t>cwnd</a:t>
             </a:r>
             <a:r>
-              <a:rPr lang="en-US" sz="2000" dirty="0" smtClean="0"/>
+              <a:rPr lang="en-US" sz="2000" dirty="0"/>
               <a:t>=10 (no </a:t>
             </a:r>
             <a:r>
-              <a:rPr lang="en-US" sz="2000" dirty="0" err="1" smtClean="0"/>
+              <a:rPr lang="en-US" sz="2000" dirty="0" err="1"/>
               <a:t>xmit</a:t>
             </a:r>
             <a:r>
-              <a:rPr lang="en-US" sz="2000" dirty="0" smtClean="0"/>
+              <a:rPr lang="en-US" sz="2000" dirty="0"/>
               <a:t>)</a:t>
             </a:r>
           </a:p>
           <a:p>
             <a:r>
-              <a:rPr lang="en-US" sz="2000" dirty="0" smtClean="0"/>
+              <a:rPr lang="en-US" sz="2000" dirty="0"/>
               <a:t>ACK 101 (due to 107)  </a:t>
             </a:r>
             <a:r>
-              <a:rPr lang="en-US" sz="2000" dirty="0" err="1" smtClean="0"/>
+              <a:rPr lang="en-US" sz="2000" dirty="0" err="1"/>
               <a:t>cwnd</a:t>
             </a:r>
             <a:r>
-              <a:rPr lang="en-US" sz="2000" dirty="0" smtClean="0"/>
+              <a:rPr lang="en-US" sz="2000" dirty="0"/>
               <a:t>=11 (</a:t>
             </a:r>
             <a:r>
-              <a:rPr lang="en-US" sz="2000" dirty="0" err="1" smtClean="0"/>
+              <a:rPr lang="en-US" sz="2000" dirty="0" err="1"/>
               <a:t>xmit</a:t>
             </a:r>
             <a:r>
-              <a:rPr lang="en-US" sz="2000" dirty="0" smtClean="0"/>
+              <a:rPr lang="en-US" sz="2000" dirty="0"/>
               <a:t> 111)</a:t>
             </a:r>
           </a:p>
           <a:p>
             <a:r>
-              <a:rPr lang="en-US" sz="2000" dirty="0" smtClean="0"/>
+              <a:rPr lang="en-US" sz="2000" dirty="0"/>
               <a:t>ACK 101 (due to 108)  </a:t>
             </a:r>
             <a:r>
-              <a:rPr lang="en-US" sz="2000" dirty="0" err="1" smtClean="0"/>
+              <a:rPr lang="en-US" sz="2000" dirty="0" err="1"/>
               <a:t>cwnd</a:t>
             </a:r>
             <a:r>
-              <a:rPr lang="en-US" sz="2000" dirty="0" smtClean="0"/>
+              <a:rPr lang="en-US" sz="2000" dirty="0"/>
               <a:t>=12 (</a:t>
             </a:r>
             <a:r>
-              <a:rPr lang="en-US" sz="2000" dirty="0" err="1" smtClean="0"/>
+              <a:rPr lang="en-US" sz="2000" dirty="0" err="1"/>
               <a:t>xmit</a:t>
             </a:r>
             <a:r>
-              <a:rPr lang="en-US" sz="2000" dirty="0" smtClean="0"/>
+              <a:rPr lang="en-US" sz="2000" dirty="0"/>
               <a:t> 112)</a:t>
             </a:r>
           </a:p>
           <a:p>
             <a:r>
-              <a:rPr lang="en-US" sz="2000" dirty="0" smtClean="0"/>
+              <a:rPr lang="en-US" sz="2000" dirty="0"/>
               <a:t>ACK 101 (due to 109)  </a:t>
             </a:r>
             <a:r>
-              <a:rPr lang="en-US" sz="2000" dirty="0" err="1" smtClean="0"/>
+              <a:rPr lang="en-US" sz="2000" dirty="0" err="1"/>
               <a:t>cwnd</a:t>
             </a:r>
             <a:r>
-              <a:rPr lang="en-US" sz="2000" dirty="0" smtClean="0"/>
+              <a:rPr lang="en-US" sz="2000" dirty="0"/>
               <a:t>=13 (</a:t>
             </a:r>
             <a:r>
-              <a:rPr lang="en-US" sz="2000" dirty="0" err="1" smtClean="0"/>
+              <a:rPr lang="en-US" sz="2000" dirty="0" err="1"/>
               <a:t>xmit</a:t>
             </a:r>
             <a:r>
-              <a:rPr lang="en-US" sz="2000" dirty="0" smtClean="0"/>
+              <a:rPr lang="en-US" sz="2000" dirty="0"/>
               <a:t> 113)</a:t>
             </a:r>
           </a:p>
           <a:p>
             <a:r>
-              <a:rPr lang="en-US" sz="2000" dirty="0" smtClean="0"/>
+              <a:rPr lang="en-US" sz="2000" dirty="0"/>
               <a:t>ACK 101 (due to 110)  </a:t>
             </a:r>
             <a:r>
-              <a:rPr lang="en-US" sz="2000" dirty="0" err="1" smtClean="0"/>
+              <a:rPr lang="en-US" sz="2000" dirty="0" err="1"/>
               <a:t>cwnd</a:t>
             </a:r>
             <a:r>
-              <a:rPr lang="en-US" sz="2000" dirty="0" smtClean="0"/>
+              <a:rPr lang="en-US" sz="2000" dirty="0"/>
               <a:t>=14 (</a:t>
             </a:r>
             <a:r>
-              <a:rPr lang="en-US" sz="2000" dirty="0" err="1" smtClean="0"/>
+              <a:rPr lang="en-US" sz="2000" dirty="0" err="1"/>
               <a:t>xmit</a:t>
             </a:r>
             <a:r>
-              <a:rPr lang="en-US" sz="2000" dirty="0" smtClean="0"/>
+              <a:rPr lang="en-US" sz="2000" dirty="0"/>
               <a:t> 114)</a:t>
             </a:r>
           </a:p>
           <a:p>
             <a:r>
-              <a:rPr lang="en-US" sz="2000" dirty="0" smtClean="0">
+              <a:rPr lang="en-US" sz="2000" dirty="0">
                 <a:solidFill>
                   <a:schemeClr val="accent5"/>
                 </a:solidFill>
@@ -7253,7 +7191,7 @@
               <a:t>ACK 111 (due to 101) </a:t>
             </a:r>
             <a:r>
-              <a:rPr lang="en-US" sz="2000" dirty="0" err="1" smtClean="0">
+              <a:rPr lang="en-US" sz="2000" dirty="0" err="1">
                 <a:solidFill>
                   <a:schemeClr val="accent5"/>
                 </a:solidFill>
@@ -7261,7 +7199,7 @@
               <a:t>cwnd</a:t>
             </a:r>
             <a:r>
-              <a:rPr lang="en-US" sz="2000" dirty="0" smtClean="0">
+              <a:rPr lang="en-US" sz="2000" dirty="0">
                 <a:solidFill>
                   <a:schemeClr val="accent5"/>
                 </a:solidFill>
@@ -7269,7 +7207,7 @@
               <a:t> = 5 (</a:t>
             </a:r>
             <a:r>
-              <a:rPr lang="en-US" sz="2000" dirty="0" err="1" smtClean="0">
+              <a:rPr lang="en-US" sz="2000" dirty="0" err="1">
                 <a:solidFill>
                   <a:schemeClr val="accent5"/>
                 </a:solidFill>
@@ -7277,7 +7215,7 @@
               <a:t>xmit</a:t>
             </a:r>
             <a:r>
-              <a:rPr lang="en-US" sz="2000" dirty="0" smtClean="0">
+              <a:rPr lang="en-US" sz="2000" dirty="0">
                 <a:solidFill>
                   <a:schemeClr val="accent5"/>
                 </a:solidFill>
@@ -7285,7 +7223,7 @@
               <a:t> 115)  </a:t>
             </a:r>
             <a:r>
-              <a:rPr lang="en-US" sz="2000" dirty="0" smtClean="0">
+              <a:rPr lang="en-US" sz="2000" dirty="0">
                 <a:solidFill>
                   <a:schemeClr val="accent5"/>
                 </a:solidFill>
@@ -7296,7 +7234,7 @@
           </a:p>
           <a:p>
             <a:r>
-              <a:rPr lang="en-US" sz="2000" dirty="0" smtClean="0">
+              <a:rPr lang="en-US" sz="2000" dirty="0">
                 <a:solidFill>
                   <a:schemeClr val="accent5"/>
                 </a:solidFill>
@@ -7307,44 +7245,44 @@
           </a:p>
           <a:p>
             <a:r>
-              <a:rPr lang="en-US" sz="2000" dirty="0" smtClean="0">
+              <a:rPr lang="en-US" sz="2000" dirty="0">
                 <a:sym typeface="Wingdings"/>
               </a:rPr>
               <a:t>ACK 112 (due to 111) </a:t>
             </a:r>
             <a:r>
-              <a:rPr lang="en-US" sz="2000" dirty="0" err="1" smtClean="0">
+              <a:rPr lang="en-US" sz="2000" dirty="0" err="1">
                 <a:sym typeface="Wingdings"/>
               </a:rPr>
               <a:t>cwnd</a:t>
             </a:r>
             <a:r>
-              <a:rPr lang="en-US" sz="2000" dirty="0" smtClean="0">
+              <a:rPr lang="en-US" sz="2000" dirty="0">
                 <a:sym typeface="Wingdings"/>
               </a:rPr>
               <a:t> = 5 + 1/5   back in cong</a:t>
             </a:r>
             <a:r>
-              <a:rPr lang="en-US" altLang="zh-CN" sz="2000" dirty="0" smtClean="0">
+              <a:rPr lang="en-US" altLang="zh-CN" sz="2000" dirty="0">
                 <a:sym typeface="Wingdings"/>
               </a:rPr>
               <a:t>estion</a:t>
             </a:r>
             <a:r>
-              <a:rPr lang="en-US" sz="2000" dirty="0" smtClean="0">
+              <a:rPr lang="en-US" sz="2000" dirty="0">
                 <a:sym typeface="Wingdings"/>
               </a:rPr>
               <a:t> avoidance</a:t>
             </a:r>
           </a:p>
           <a:p>
-            <a:endParaRPr lang="en-US" sz="2000" dirty="0" smtClean="0"/>
-          </a:p>
-          <a:p>
-            <a:endParaRPr lang="en-US" sz="2000" dirty="0" smtClean="0"/>
-          </a:p>
-          <a:p>
-            <a:endParaRPr lang="en-US" sz="2000" dirty="0" smtClean="0"/>
+            <a:endParaRPr lang="en-US" sz="2000" dirty="0"/>
+          </a:p>
+          <a:p>
+            <a:endParaRPr lang="en-US" sz="2000" dirty="0"/>
+          </a:p>
+          <a:p>
+            <a:endParaRPr lang="en-US" sz="2000" dirty="0"/>
           </a:p>
         </p:txBody>
       </p:sp>
@@ -7396,7 +7334,7 @@
           <a:p>
             <a:pPr algn="ctr"/>
             <a:r>
-              <a:rPr lang="en-US" sz="6000" dirty="0" smtClean="0">
+              <a:rPr lang="en-US" sz="6000" dirty="0">
                 <a:solidFill>
                   <a:srgbClr val="FF0000"/>
                 </a:solidFill>
@@ -8082,10 +8020,9 @@
           <a:lstStyle/>
           <a:p>
             <a:r>
-              <a:rPr lang="en-US" dirty="0" smtClean="0"/>
+              <a:rPr lang="en-US" dirty="0"/>
               <a:t> TCP state machine</a:t>
             </a:r>
-            <a:endParaRPr lang="en-US" dirty="0"/>
           </a:p>
         </p:txBody>
       </p:sp>
@@ -8173,7 +8110,7 @@
               <a:t>S</a:t>
             </a:r>
             <a:r>
-              <a:rPr kumimoji="0" lang="en-US" sz="2000" i="0" u="none" strike="noStrike" cap="none" normalizeH="0" baseline="0" dirty="0" smtClean="0">
+              <a:rPr kumimoji="0" lang="en-US" sz="2000" i="0" u="none" strike="noStrike" cap="none" normalizeH="0" baseline="0" dirty="0">
                 <a:ln>
                   <a:noFill/>
                 </a:ln>
@@ -8187,7 +8124,7 @@
               <a:t>low </a:t>
             </a:r>
             <a:br>
-              <a:rPr kumimoji="0" lang="en-US" sz="2000" i="0" u="none" strike="noStrike" cap="none" normalizeH="0" baseline="0" dirty="0" smtClean="0">
+              <a:rPr kumimoji="0" lang="en-US" sz="2000" i="0" u="none" strike="noStrike" cap="none" normalizeH="0" baseline="0" dirty="0">
                 <a:ln>
                   <a:noFill/>
                 </a:ln>
@@ -8200,7 +8137,7 @@
               </a:rPr>
             </a:br>
             <a:r>
-              <a:rPr kumimoji="0" lang="en-US" sz="2000" i="0" u="none" strike="noStrike" cap="none" normalizeH="0" baseline="0" dirty="0" smtClean="0">
+              <a:rPr kumimoji="0" lang="en-US" sz="2000" i="0" u="none" strike="noStrike" cap="none" normalizeH="0" baseline="0" dirty="0">
                 <a:ln>
                   <a:noFill/>
                 </a:ln>
@@ -8213,17 +8150,6 @@
               </a:rPr>
               <a:t>Start</a:t>
             </a:r>
-            <a:endParaRPr kumimoji="0" lang="en-US" sz="2000" i="0" u="none" strike="noStrike" cap="none" normalizeH="0" baseline="0" dirty="0">
-              <a:ln>
-                <a:noFill/>
-              </a:ln>
-              <a:solidFill>
-                <a:schemeClr val="tx1"/>
-              </a:solidFill>
-              <a:effectLst/>
-              <a:ea typeface="Arial" charset="0"/>
-              <a:cs typeface="Arial" charset="0"/>
-            </a:endParaRPr>
           </a:p>
         </p:txBody>
       </p:sp>
@@ -8280,14 +8206,14 @@
               <a:tabLst/>
             </a:pPr>
             <a:r>
-              <a:rPr lang="en-US" sz="2000" dirty="0" smtClean="0">
+              <a:rPr lang="en-US" sz="2000" dirty="0">
                 <a:ea typeface="Arial" charset="0"/>
                 <a:cs typeface="Arial" charset="0"/>
               </a:rPr>
               <a:t>C</a:t>
             </a:r>
             <a:r>
-              <a:rPr kumimoji="0" lang="en-US" sz="2000" i="0" u="none" strike="noStrike" cap="none" normalizeH="0" baseline="0" dirty="0" smtClean="0">
+              <a:rPr kumimoji="0" lang="en-US" sz="2000" i="0" u="none" strike="noStrike" cap="none" normalizeH="0" baseline="0" dirty="0">
                 <a:ln>
                   <a:noFill/>
                 </a:ln>
@@ -8301,7 +8227,7 @@
               <a:t>ong. </a:t>
             </a:r>
             <a:br>
-              <a:rPr kumimoji="0" lang="en-US" sz="2000" i="0" u="none" strike="noStrike" cap="none" normalizeH="0" baseline="0" dirty="0" smtClean="0">
+              <a:rPr kumimoji="0" lang="en-US" sz="2000" i="0" u="none" strike="noStrike" cap="none" normalizeH="0" baseline="0" dirty="0">
                 <a:ln>
                   <a:noFill/>
                 </a:ln>
@@ -8314,7 +8240,7 @@
               </a:rPr>
             </a:br>
             <a:r>
-              <a:rPr kumimoji="0" lang="en-US" sz="2000" i="0" u="none" strike="noStrike" cap="none" normalizeH="0" baseline="0" dirty="0" smtClean="0">
+              <a:rPr kumimoji="0" lang="en-US" sz="2000" i="0" u="none" strike="noStrike" cap="none" normalizeH="0" baseline="0" dirty="0">
                 <a:ln>
                   <a:noFill/>
                 </a:ln>
@@ -8408,7 +8334,7 @@
               <a:t>F</a:t>
             </a:r>
             <a:r>
-              <a:rPr kumimoji="0" lang="en-US" sz="2000" i="0" u="none" strike="noStrike" cap="none" normalizeH="0" baseline="0" dirty="0" smtClean="0">
+              <a:rPr kumimoji="0" lang="en-US" sz="2000" i="0" u="none" strike="noStrike" cap="none" normalizeH="0" baseline="0" dirty="0">
                 <a:ln>
                   <a:noFill/>
                 </a:ln>
@@ -8422,7 +8348,7 @@
               <a:t>ast </a:t>
             </a:r>
             <a:br>
-              <a:rPr kumimoji="0" lang="en-US" sz="2000" i="0" u="none" strike="noStrike" cap="none" normalizeH="0" baseline="0" dirty="0" smtClean="0">
+              <a:rPr kumimoji="0" lang="en-US" sz="2000" i="0" u="none" strike="noStrike" cap="none" normalizeH="0" baseline="0" dirty="0">
                 <a:ln>
                   <a:noFill/>
                 </a:ln>
@@ -8435,7 +8361,7 @@
               </a:rPr>
             </a:br>
             <a:r>
-              <a:rPr kumimoji="0" lang="en-US" sz="2000" i="0" u="none" strike="noStrike" cap="none" normalizeH="0" baseline="0" dirty="0" smtClean="0">
+              <a:rPr kumimoji="0" lang="en-US" sz="2000" i="0" u="none" strike="noStrike" cap="none" normalizeH="0" baseline="0" dirty="0">
                 <a:ln>
                   <a:noFill/>
                 </a:ln>
@@ -8448,17 +8374,6 @@
               </a:rPr>
               <a:t>Recovery</a:t>
             </a:r>
-            <a:endParaRPr kumimoji="0" lang="en-US" sz="2000" i="0" u="none" strike="noStrike" cap="none" normalizeH="0" baseline="0" dirty="0">
-              <a:ln>
-                <a:noFill/>
-              </a:ln>
-              <a:solidFill>
-                <a:schemeClr val="tx1"/>
-              </a:solidFill>
-              <a:effectLst/>
-              <a:ea typeface="Arial" charset="0"/>
-              <a:cs typeface="Arial" charset="0"/>
-            </a:endParaRPr>
           </a:p>
         </p:txBody>
       </p:sp>
@@ -8515,13 +8430,13 @@
           <a:lstStyle/>
           <a:p>
             <a:r>
-              <a:rPr lang="en-US" b="0" i="1" dirty="0" smtClean="0">
+              <a:rPr lang="en-US" b="0" i="1" dirty="0">
                 <a:latin typeface="+mn-lt"/>
               </a:rPr>
               <a:t>CWND &gt; </a:t>
             </a:r>
             <a:r>
-              <a:rPr lang="en-US" b="0" i="1" dirty="0" err="1" smtClean="0">
+              <a:rPr lang="en-US" b="0" i="1" dirty="0" err="1">
                 <a:latin typeface="+mn-lt"/>
               </a:rPr>
               <a:t>ssthresh</a:t>
@@ -8555,14 +8470,11 @@
           <a:lstStyle/>
           <a:p>
             <a:r>
-              <a:rPr lang="en-US" b="0" i="1" dirty="0" smtClean="0">
+              <a:rPr lang="en-US" b="0" i="1" dirty="0">
                 <a:latin typeface="+mn-lt"/>
               </a:rPr>
               <a:t>timeout</a:t>
             </a:r>
-            <a:endParaRPr lang="en-US" b="0" i="1" dirty="0">
-              <a:latin typeface="+mn-lt"/>
-            </a:endParaRPr>
           </a:p>
         </p:txBody>
       </p:sp>
@@ -8726,20 +8638,17 @@
           <a:lstStyle/>
           <a:p>
             <a:r>
-              <a:rPr lang="en-US" b="0" i="1" dirty="0" err="1" smtClean="0">
+              <a:rPr lang="en-US" b="0" i="1" dirty="0" err="1">
                 <a:latin typeface="+mn-lt"/>
               </a:rPr>
               <a:t>dupACK</a:t>
             </a:r>
             <a:r>
-              <a:rPr lang="en-US" b="0" i="1" dirty="0" smtClean="0">
+              <a:rPr lang="en-US" b="0" i="1" dirty="0">
                 <a:latin typeface="+mn-lt"/>
               </a:rPr>
               <a:t>=3</a:t>
             </a:r>
-            <a:endParaRPr lang="en-US" b="0" i="1" dirty="0">
-              <a:latin typeface="+mn-lt"/>
-            </a:endParaRPr>
           </a:p>
         </p:txBody>
       </p:sp>
@@ -8766,14 +8675,11 @@
           <a:lstStyle/>
           <a:p>
             <a:r>
-              <a:rPr lang="en-US" b="0" i="1" dirty="0" smtClean="0">
+              <a:rPr lang="en-US" b="0" i="1" dirty="0">
                 <a:latin typeface="+mn-lt"/>
               </a:rPr>
               <a:t>timeout</a:t>
             </a:r>
-            <a:endParaRPr lang="en-US" b="0" i="1" dirty="0">
-              <a:latin typeface="+mn-lt"/>
-            </a:endParaRPr>
           </a:p>
         </p:txBody>
       </p:sp>
@@ -8800,20 +8706,17 @@
           <a:lstStyle/>
           <a:p>
             <a:r>
-              <a:rPr lang="en-US" b="0" i="1" dirty="0" err="1" smtClean="0">
+              <a:rPr lang="en-US" b="0" i="1" dirty="0" err="1">
                 <a:latin typeface="+mn-lt"/>
               </a:rPr>
               <a:t>dupACK</a:t>
             </a:r>
             <a:r>
-              <a:rPr lang="en-US" b="0" i="1" dirty="0" smtClean="0">
+              <a:rPr lang="en-US" b="0" i="1" dirty="0">
                 <a:latin typeface="+mn-lt"/>
               </a:rPr>
               <a:t>=3</a:t>
             </a:r>
-            <a:endParaRPr lang="en-US" b="0" i="1" dirty="0">
-              <a:latin typeface="+mn-lt"/>
-            </a:endParaRPr>
           </a:p>
         </p:txBody>
       </p:sp>
@@ -8840,14 +8743,11 @@
           <a:lstStyle/>
           <a:p>
             <a:r>
-              <a:rPr lang="en-US" b="0" i="1" dirty="0" smtClean="0">
+              <a:rPr lang="en-US" b="0" i="1" dirty="0">
                 <a:latin typeface="+mn-lt"/>
               </a:rPr>
               <a:t>new ACK</a:t>
             </a:r>
-            <a:endParaRPr lang="en-US" b="0" i="1" dirty="0">
-              <a:latin typeface="+mn-lt"/>
-            </a:endParaRPr>
           </a:p>
         </p:txBody>
       </p:sp>
@@ -8971,14 +8871,11 @@
           <a:lstStyle/>
           <a:p>
             <a:r>
-              <a:rPr lang="en-US" b="0" i="1" dirty="0" smtClean="0">
+              <a:rPr lang="en-US" b="0" i="1" dirty="0">
                 <a:latin typeface="+mn-lt"/>
               </a:rPr>
               <a:t>dupACK</a:t>
             </a:r>
-            <a:endParaRPr lang="en-US" b="0" i="1" dirty="0">
-              <a:latin typeface="+mn-lt"/>
-            </a:endParaRPr>
           </a:p>
         </p:txBody>
       </p:sp>
@@ -9102,14 +8999,11 @@
           <a:lstStyle/>
           <a:p>
             <a:r>
-              <a:rPr lang="en-US" b="0" i="1" dirty="0" smtClean="0">
+              <a:rPr lang="en-US" b="0" i="1" dirty="0">
                 <a:latin typeface="+mn-lt"/>
               </a:rPr>
               <a:t>new ACK</a:t>
             </a:r>
-            <a:endParaRPr lang="en-US" b="0" i="1" dirty="0">
-              <a:latin typeface="+mn-lt"/>
-            </a:endParaRPr>
           </a:p>
         </p:txBody>
       </p:sp>
@@ -9233,14 +9127,11 @@
           <a:lstStyle/>
           <a:p>
             <a:r>
-              <a:rPr lang="en-US" b="0" i="1" dirty="0" smtClean="0">
+              <a:rPr lang="en-US" b="0" i="1" dirty="0">
                 <a:latin typeface="+mn-lt"/>
               </a:rPr>
               <a:t>timeout</a:t>
             </a:r>
-            <a:endParaRPr lang="en-US" b="0" i="1" dirty="0">
-              <a:latin typeface="+mn-lt"/>
-            </a:endParaRPr>
           </a:p>
         </p:txBody>
       </p:sp>
@@ -9364,25 +9255,22 @@
           <a:lstStyle/>
           <a:p>
             <a:r>
-              <a:rPr lang="en-US" b="0" i="1" dirty="0" smtClean="0">
+              <a:rPr lang="en-US" b="0" i="1" dirty="0">
                 <a:latin typeface="+mn-lt"/>
               </a:rPr>
               <a:t>new </a:t>
             </a:r>
             <a:br>
-              <a:rPr lang="en-US" b="0" i="1" dirty="0" smtClean="0">
+              <a:rPr lang="en-US" b="0" i="1" dirty="0">
                 <a:latin typeface="+mn-lt"/>
               </a:rPr>
             </a:br>
             <a:r>
-              <a:rPr lang="en-US" b="0" i="1" dirty="0" smtClean="0">
+              <a:rPr lang="en-US" b="0" i="1" dirty="0">
                 <a:latin typeface="+mn-lt"/>
               </a:rPr>
               <a:t>ACK</a:t>
             </a:r>
-            <a:endParaRPr lang="en-US" b="0" i="1" dirty="0">
-              <a:latin typeface="+mn-lt"/>
-            </a:endParaRPr>
           </a:p>
         </p:txBody>
       </p:sp>
@@ -9506,7 +9394,7 @@
           <a:lstStyle/>
           <a:p>
             <a:r>
-              <a:rPr lang="en-US" b="0" i="1" smtClean="0">
+              <a:rPr lang="en-US" b="0" i="1">
                 <a:latin typeface="+mn-lt"/>
               </a:rPr>
               <a:t>dupACK</a:t>
@@ -9637,14 +9525,11 @@
           <a:lstStyle/>
           <a:p>
             <a:r>
-              <a:rPr lang="en-US" b="0" i="1" dirty="0" smtClean="0">
+              <a:rPr lang="en-US" b="0" i="1" dirty="0">
                 <a:latin typeface="+mn-lt"/>
               </a:rPr>
               <a:t>dupACK</a:t>
             </a:r>
-            <a:endParaRPr lang="en-US" b="0" i="1" dirty="0">
-              <a:latin typeface="+mn-lt"/>
-            </a:endParaRPr>
           </a:p>
         </p:txBody>
       </p:sp>
@@ -9658,13 +9543,6 @@
   <p:clrMapOvr>
     <a:masterClrMapping/>
   </p:clrMapOvr>
-  <p:timing>
-    <p:tnLst>
-      <p:par>
-        <p:cTn id="1" dur="indefinite" restart="never" nodeType="tmRoot"/>
-      </p:par>
-    </p:tnLst>
-  </p:timing>
 </p:sld>
 </file>
 
@@ -9701,10 +9579,9 @@
           <a:lstStyle/>
           <a:p>
             <a:r>
-              <a:rPr lang="en-US" dirty="0" smtClean="0"/>
+              <a:rPr lang="en-US" dirty="0"/>
               <a:t>Timeouts ➔ Slow Start</a:t>
             </a:r>
-            <a:endParaRPr lang="en-US" dirty="0"/>
           </a:p>
         </p:txBody>
       </p:sp>
@@ -9792,7 +9669,7 @@
               <a:t>S</a:t>
             </a:r>
             <a:r>
-              <a:rPr kumimoji="0" lang="en-US" sz="2000" i="0" u="none" strike="noStrike" cap="none" normalizeH="0" baseline="0" dirty="0" smtClean="0">
+              <a:rPr kumimoji="0" lang="en-US" sz="2000" i="0" u="none" strike="noStrike" cap="none" normalizeH="0" baseline="0" dirty="0">
                 <a:ln>
                   <a:noFill/>
                 </a:ln>
@@ -9806,7 +9683,7 @@
               <a:t>low </a:t>
             </a:r>
             <a:br>
-              <a:rPr kumimoji="0" lang="en-US" sz="2000" i="0" u="none" strike="noStrike" cap="none" normalizeH="0" baseline="0" dirty="0" smtClean="0">
+              <a:rPr kumimoji="0" lang="en-US" sz="2000" i="0" u="none" strike="noStrike" cap="none" normalizeH="0" baseline="0" dirty="0">
                 <a:ln>
                   <a:noFill/>
                 </a:ln>
@@ -9819,7 +9696,7 @@
               </a:rPr>
             </a:br>
             <a:r>
-              <a:rPr kumimoji="0" lang="en-US" sz="2000" i="0" u="none" strike="noStrike" cap="none" normalizeH="0" baseline="0" dirty="0" smtClean="0">
+              <a:rPr kumimoji="0" lang="en-US" sz="2000" i="0" u="none" strike="noStrike" cap="none" normalizeH="0" baseline="0" dirty="0">
                 <a:ln>
                   <a:noFill/>
                 </a:ln>
@@ -9832,17 +9709,6 @@
               </a:rPr>
               <a:t>Start</a:t>
             </a:r>
-            <a:endParaRPr kumimoji="0" lang="en-US" sz="2000" i="0" u="none" strike="noStrike" cap="none" normalizeH="0" baseline="0" dirty="0">
-              <a:ln>
-                <a:noFill/>
-              </a:ln>
-              <a:solidFill>
-                <a:schemeClr val="tx1"/>
-              </a:solidFill>
-              <a:effectLst/>
-              <a:ea typeface="Arial" charset="0"/>
-              <a:cs typeface="Arial" charset="0"/>
-            </a:endParaRPr>
           </a:p>
         </p:txBody>
       </p:sp>
@@ -9899,14 +9765,14 @@
               <a:tabLst/>
             </a:pPr>
             <a:r>
-              <a:rPr lang="en-US" sz="2000" dirty="0" smtClean="0">
+              <a:rPr lang="en-US" sz="2000" dirty="0">
                 <a:ea typeface="Arial" charset="0"/>
                 <a:cs typeface="Arial" charset="0"/>
               </a:rPr>
               <a:t>C</a:t>
             </a:r>
             <a:r>
-              <a:rPr kumimoji="0" lang="en-US" sz="2000" i="0" u="none" strike="noStrike" cap="none" normalizeH="0" baseline="0" dirty="0" smtClean="0">
+              <a:rPr kumimoji="0" lang="en-US" sz="2000" i="0" u="none" strike="noStrike" cap="none" normalizeH="0" baseline="0" dirty="0">
                 <a:ln>
                   <a:noFill/>
                 </a:ln>
@@ -9920,7 +9786,7 @@
               <a:t>ong. </a:t>
             </a:r>
             <a:br>
-              <a:rPr kumimoji="0" lang="en-US" sz="2000" i="0" u="none" strike="noStrike" cap="none" normalizeH="0" baseline="0" dirty="0" smtClean="0">
+              <a:rPr kumimoji="0" lang="en-US" sz="2000" i="0" u="none" strike="noStrike" cap="none" normalizeH="0" baseline="0" dirty="0">
                 <a:ln>
                   <a:noFill/>
                 </a:ln>
@@ -9933,7 +9799,7 @@
               </a:rPr>
             </a:br>
             <a:r>
-              <a:rPr kumimoji="0" lang="en-US" sz="2000" i="0" u="none" strike="noStrike" cap="none" normalizeH="0" baseline="0" dirty="0" smtClean="0">
+              <a:rPr kumimoji="0" lang="en-US" sz="2000" i="0" u="none" strike="noStrike" cap="none" normalizeH="0" baseline="0" dirty="0">
                 <a:ln>
                   <a:noFill/>
                 </a:ln>
@@ -10027,7 +9893,7 @@
               <a:t>F</a:t>
             </a:r>
             <a:r>
-              <a:rPr kumimoji="0" lang="en-US" sz="2000" i="0" u="none" strike="noStrike" cap="none" normalizeH="0" baseline="0" dirty="0" smtClean="0">
+              <a:rPr kumimoji="0" lang="en-US" sz="2000" i="0" u="none" strike="noStrike" cap="none" normalizeH="0" baseline="0" dirty="0">
                 <a:ln>
                   <a:noFill/>
                 </a:ln>
@@ -10041,7 +9907,7 @@
               <a:t>ast </a:t>
             </a:r>
             <a:br>
-              <a:rPr kumimoji="0" lang="en-US" sz="2000" i="0" u="none" strike="noStrike" cap="none" normalizeH="0" baseline="0" dirty="0" smtClean="0">
+              <a:rPr kumimoji="0" lang="en-US" sz="2000" i="0" u="none" strike="noStrike" cap="none" normalizeH="0" baseline="0" dirty="0">
                 <a:ln>
                   <a:noFill/>
                 </a:ln>
@@ -10054,7 +9920,7 @@
               </a:rPr>
             </a:br>
             <a:r>
-              <a:rPr kumimoji="0" lang="en-US" sz="2000" i="0" u="none" strike="noStrike" cap="none" normalizeH="0" baseline="0" dirty="0" smtClean="0">
+              <a:rPr kumimoji="0" lang="en-US" sz="2000" i="0" u="none" strike="noStrike" cap="none" normalizeH="0" baseline="0" dirty="0">
                 <a:ln>
                   <a:noFill/>
                 </a:ln>
@@ -10067,17 +9933,6 @@
               </a:rPr>
               <a:t>Recovery</a:t>
             </a:r>
-            <a:endParaRPr kumimoji="0" lang="en-US" sz="2000" i="0" u="none" strike="noStrike" cap="none" normalizeH="0" baseline="0" dirty="0">
-              <a:ln>
-                <a:noFill/>
-              </a:ln>
-              <a:solidFill>
-                <a:schemeClr val="tx1"/>
-              </a:solidFill>
-              <a:effectLst/>
-              <a:ea typeface="Arial" charset="0"/>
-              <a:cs typeface="Arial" charset="0"/>
-            </a:endParaRPr>
           </a:p>
         </p:txBody>
       </p:sp>
@@ -10134,13 +9989,13 @@
           <a:lstStyle/>
           <a:p>
             <a:r>
-              <a:rPr lang="en-US" b="0" i="1" dirty="0" smtClean="0">
+              <a:rPr lang="en-US" b="0" i="1" dirty="0">
                 <a:latin typeface="+mn-lt"/>
               </a:rPr>
               <a:t>CWND &gt; </a:t>
             </a:r>
             <a:r>
-              <a:rPr lang="en-US" b="0" i="1" dirty="0" err="1" smtClean="0">
+              <a:rPr lang="en-US" b="0" i="1" dirty="0" err="1">
                 <a:latin typeface="+mn-lt"/>
               </a:rPr>
               <a:t>ssthresh</a:t>
@@ -10174,7 +10029,7 @@
           <a:lstStyle/>
           <a:p>
             <a:r>
-              <a:rPr lang="en-US" i="1" dirty="0" smtClean="0">
+              <a:rPr lang="en-US" i="1" dirty="0">
                 <a:solidFill>
                   <a:schemeClr val="accent5"/>
                 </a:solidFill>
@@ -10182,12 +10037,6 @@
               </a:rPr>
               <a:t>timeout</a:t>
             </a:r>
-            <a:endParaRPr lang="en-US" i="1" dirty="0">
-              <a:solidFill>
-                <a:schemeClr val="accent5"/>
-              </a:solidFill>
-              <a:latin typeface="+mn-lt"/>
-            </a:endParaRPr>
           </a:p>
         </p:txBody>
       </p:sp>
@@ -10351,20 +10200,17 @@
           <a:lstStyle/>
           <a:p>
             <a:r>
-              <a:rPr lang="en-US" b="0" i="1" dirty="0" err="1" smtClean="0">
+              <a:rPr lang="en-US" b="0" i="1" dirty="0" err="1">
                 <a:latin typeface="+mn-lt"/>
               </a:rPr>
               <a:t>dupACK</a:t>
             </a:r>
             <a:r>
-              <a:rPr lang="en-US" b="0" i="1" dirty="0" smtClean="0">
+              <a:rPr lang="en-US" b="0" i="1" dirty="0">
                 <a:latin typeface="+mn-lt"/>
               </a:rPr>
               <a:t>=3</a:t>
             </a:r>
-            <a:endParaRPr lang="en-US" b="0" i="1" dirty="0">
-              <a:latin typeface="+mn-lt"/>
-            </a:endParaRPr>
           </a:p>
         </p:txBody>
       </p:sp>
@@ -10391,7 +10237,7 @@
           <a:lstStyle/>
           <a:p>
             <a:r>
-              <a:rPr lang="en-US" i="1" dirty="0" smtClean="0">
+              <a:rPr lang="en-US" i="1" dirty="0">
                 <a:solidFill>
                   <a:schemeClr val="accent5"/>
                 </a:solidFill>
@@ -10399,12 +10245,6 @@
               </a:rPr>
               <a:t>timeout</a:t>
             </a:r>
-            <a:endParaRPr lang="en-US" i="1" dirty="0">
-              <a:solidFill>
-                <a:schemeClr val="accent5"/>
-              </a:solidFill>
-              <a:latin typeface="+mn-lt"/>
-            </a:endParaRPr>
           </a:p>
         </p:txBody>
       </p:sp>
@@ -10431,20 +10271,17 @@
           <a:lstStyle/>
           <a:p>
             <a:r>
-              <a:rPr lang="en-US" b="0" i="1" dirty="0" err="1" smtClean="0">
+              <a:rPr lang="en-US" b="0" i="1" dirty="0" err="1">
                 <a:latin typeface="+mn-lt"/>
               </a:rPr>
               <a:t>dupACK</a:t>
             </a:r>
             <a:r>
-              <a:rPr lang="en-US" b="0" i="1" dirty="0" smtClean="0">
+              <a:rPr lang="en-US" b="0" i="1" dirty="0">
                 <a:latin typeface="+mn-lt"/>
               </a:rPr>
               <a:t>=3</a:t>
             </a:r>
-            <a:endParaRPr lang="en-US" b="0" i="1" dirty="0">
-              <a:latin typeface="+mn-lt"/>
-            </a:endParaRPr>
           </a:p>
         </p:txBody>
       </p:sp>
@@ -10471,14 +10308,11 @@
           <a:lstStyle/>
           <a:p>
             <a:r>
-              <a:rPr lang="en-US" b="0" i="1" dirty="0" smtClean="0">
+              <a:rPr lang="en-US" b="0" i="1" dirty="0">
                 <a:latin typeface="+mn-lt"/>
               </a:rPr>
               <a:t>new ACK</a:t>
             </a:r>
-            <a:endParaRPr lang="en-US" b="0" i="1" dirty="0">
-              <a:latin typeface="+mn-lt"/>
-            </a:endParaRPr>
           </a:p>
         </p:txBody>
       </p:sp>
@@ -10602,14 +10436,11 @@
           <a:lstStyle/>
           <a:p>
             <a:r>
-              <a:rPr lang="en-US" b="0" i="1" dirty="0" smtClean="0">
+              <a:rPr lang="en-US" b="0" i="1" dirty="0">
                 <a:latin typeface="+mn-lt"/>
               </a:rPr>
               <a:t>dupACK</a:t>
             </a:r>
-            <a:endParaRPr lang="en-US" b="0" i="1" dirty="0">
-              <a:latin typeface="+mn-lt"/>
-            </a:endParaRPr>
           </a:p>
         </p:txBody>
       </p:sp>
@@ -10733,14 +10564,11 @@
           <a:lstStyle/>
           <a:p>
             <a:r>
-              <a:rPr lang="en-US" b="0" i="1" dirty="0" smtClean="0">
+              <a:rPr lang="en-US" b="0" i="1" dirty="0">
                 <a:latin typeface="+mn-lt"/>
               </a:rPr>
               <a:t>new ACK</a:t>
             </a:r>
-            <a:endParaRPr lang="en-US" b="0" i="1" dirty="0">
-              <a:latin typeface="+mn-lt"/>
-            </a:endParaRPr>
           </a:p>
         </p:txBody>
       </p:sp>
@@ -10864,7 +10692,7 @@
           <a:lstStyle/>
           <a:p>
             <a:r>
-              <a:rPr lang="en-US" i="1" dirty="0" smtClean="0">
+              <a:rPr lang="en-US" i="1" dirty="0">
                 <a:solidFill>
                   <a:schemeClr val="accent5"/>
                 </a:solidFill>
@@ -10872,12 +10700,6 @@
               </a:rPr>
               <a:t>timeout</a:t>
             </a:r>
-            <a:endParaRPr lang="en-US" i="1" dirty="0">
-              <a:solidFill>
-                <a:schemeClr val="accent5"/>
-              </a:solidFill>
-              <a:latin typeface="+mn-lt"/>
-            </a:endParaRPr>
           </a:p>
         </p:txBody>
       </p:sp>
@@ -11001,25 +10823,22 @@
           <a:lstStyle/>
           <a:p>
             <a:r>
-              <a:rPr lang="en-US" b="0" i="1" dirty="0" smtClean="0">
+              <a:rPr lang="en-US" b="0" i="1" dirty="0">
                 <a:latin typeface="+mn-lt"/>
               </a:rPr>
               <a:t>new </a:t>
             </a:r>
             <a:br>
-              <a:rPr lang="en-US" b="0" i="1" dirty="0" smtClean="0">
+              <a:rPr lang="en-US" b="0" i="1" dirty="0">
                 <a:latin typeface="+mn-lt"/>
               </a:rPr>
             </a:br>
             <a:r>
-              <a:rPr lang="en-US" b="0" i="1" dirty="0" smtClean="0">
+              <a:rPr lang="en-US" b="0" i="1" dirty="0">
                 <a:latin typeface="+mn-lt"/>
               </a:rPr>
               <a:t>ACK</a:t>
             </a:r>
-            <a:endParaRPr lang="en-US" b="0" i="1" dirty="0">
-              <a:latin typeface="+mn-lt"/>
-            </a:endParaRPr>
           </a:p>
         </p:txBody>
       </p:sp>
@@ -11143,7 +10962,7 @@
           <a:lstStyle/>
           <a:p>
             <a:r>
-              <a:rPr lang="en-US" b="0" i="1" smtClean="0">
+              <a:rPr lang="en-US" b="0" i="1">
                 <a:latin typeface="+mn-lt"/>
               </a:rPr>
               <a:t>dupACK</a:t>
@@ -11274,14 +11093,11 @@
           <a:lstStyle/>
           <a:p>
             <a:r>
-              <a:rPr lang="en-US" b="0" i="1" dirty="0" smtClean="0">
+              <a:rPr lang="en-US" b="0" i="1" dirty="0">
                 <a:latin typeface="+mn-lt"/>
               </a:rPr>
               <a:t>dupACK</a:t>
             </a:r>
-            <a:endParaRPr lang="en-US" b="0" i="1" dirty="0">
-              <a:latin typeface="+mn-lt"/>
-            </a:endParaRPr>
           </a:p>
         </p:txBody>
       </p:sp>
@@ -11295,13 +11111,6 @@
   <p:clrMapOvr>
     <a:masterClrMapping/>
   </p:clrMapOvr>
-  <p:timing>
-    <p:tnLst>
-      <p:par>
-        <p:cTn id="1" dur="indefinite" restart="never" nodeType="tmRoot"/>
-      </p:par>
-    </p:tnLst>
-  </p:timing>
 </p:sld>
 </file>
 
@@ -11338,10 +11147,9 @@
           <a:lstStyle/>
           <a:p>
             <a:r>
-              <a:rPr lang="en-US" dirty="0" smtClean="0"/>
+              <a:rPr lang="en-US" dirty="0"/>
               <a:t>dupACKs ➔ Fast Recovery</a:t>
             </a:r>
-            <a:endParaRPr lang="en-US" dirty="0"/>
           </a:p>
         </p:txBody>
       </p:sp>
@@ -11429,7 +11237,7 @@
               <a:t>S</a:t>
             </a:r>
             <a:r>
-              <a:rPr kumimoji="0" lang="en-US" sz="2000" i="0" u="none" strike="noStrike" cap="none" normalizeH="0" baseline="0" dirty="0" smtClean="0">
+              <a:rPr kumimoji="0" lang="en-US" sz="2000" i="0" u="none" strike="noStrike" cap="none" normalizeH="0" baseline="0" dirty="0">
                 <a:ln>
                   <a:noFill/>
                 </a:ln>
@@ -11443,7 +11251,7 @@
               <a:t>low </a:t>
             </a:r>
             <a:br>
-              <a:rPr kumimoji="0" lang="en-US" sz="2000" i="0" u="none" strike="noStrike" cap="none" normalizeH="0" baseline="0" dirty="0" smtClean="0">
+              <a:rPr kumimoji="0" lang="en-US" sz="2000" i="0" u="none" strike="noStrike" cap="none" normalizeH="0" baseline="0" dirty="0">
                 <a:ln>
                   <a:noFill/>
                 </a:ln>
@@ -11456,7 +11264,7 @@
               </a:rPr>
             </a:br>
             <a:r>
-              <a:rPr kumimoji="0" lang="en-US" sz="2000" i="0" u="none" strike="noStrike" cap="none" normalizeH="0" baseline="0" dirty="0" smtClean="0">
+              <a:rPr kumimoji="0" lang="en-US" sz="2000" i="0" u="none" strike="noStrike" cap="none" normalizeH="0" baseline="0" dirty="0">
                 <a:ln>
                   <a:noFill/>
                 </a:ln>
@@ -11469,17 +11277,6 @@
               </a:rPr>
               <a:t>Start</a:t>
             </a:r>
-            <a:endParaRPr kumimoji="0" lang="en-US" sz="2000" i="0" u="none" strike="noStrike" cap="none" normalizeH="0" baseline="0" dirty="0">
-              <a:ln>
-                <a:noFill/>
-              </a:ln>
-              <a:solidFill>
-                <a:schemeClr val="tx1"/>
-              </a:solidFill>
-              <a:effectLst/>
-              <a:ea typeface="Arial" charset="0"/>
-              <a:cs typeface="Arial" charset="0"/>
-            </a:endParaRPr>
           </a:p>
         </p:txBody>
       </p:sp>
@@ -11536,14 +11333,14 @@
               <a:tabLst/>
             </a:pPr>
             <a:r>
-              <a:rPr lang="en-US" sz="2000" dirty="0" smtClean="0">
+              <a:rPr lang="en-US" sz="2000" dirty="0">
                 <a:ea typeface="Arial" charset="0"/>
                 <a:cs typeface="Arial" charset="0"/>
               </a:rPr>
               <a:t>C</a:t>
             </a:r>
             <a:r>
-              <a:rPr kumimoji="0" lang="en-US" sz="2000" i="0" u="none" strike="noStrike" cap="none" normalizeH="0" baseline="0" dirty="0" smtClean="0">
+              <a:rPr kumimoji="0" lang="en-US" sz="2000" i="0" u="none" strike="noStrike" cap="none" normalizeH="0" baseline="0" dirty="0">
                 <a:ln>
                   <a:noFill/>
                 </a:ln>
@@ -11557,7 +11354,7 @@
               <a:t>ong. </a:t>
             </a:r>
             <a:br>
-              <a:rPr kumimoji="0" lang="en-US" sz="2000" i="0" u="none" strike="noStrike" cap="none" normalizeH="0" baseline="0" dirty="0" smtClean="0">
+              <a:rPr kumimoji="0" lang="en-US" sz="2000" i="0" u="none" strike="noStrike" cap="none" normalizeH="0" baseline="0" dirty="0">
                 <a:ln>
                   <a:noFill/>
                 </a:ln>
@@ -11570,7 +11367,7 @@
               </a:rPr>
             </a:br>
             <a:r>
-              <a:rPr kumimoji="0" lang="en-US" sz="2000" i="0" u="none" strike="noStrike" cap="none" normalizeH="0" baseline="0" dirty="0" smtClean="0">
+              <a:rPr kumimoji="0" lang="en-US" sz="2000" i="0" u="none" strike="noStrike" cap="none" normalizeH="0" baseline="0" dirty="0">
                 <a:ln>
                   <a:noFill/>
                 </a:ln>
@@ -11664,7 +11461,7 @@
               <a:t>F</a:t>
             </a:r>
             <a:r>
-              <a:rPr kumimoji="0" lang="en-US" sz="2000" i="0" u="none" strike="noStrike" cap="none" normalizeH="0" baseline="0" dirty="0" smtClean="0">
+              <a:rPr kumimoji="0" lang="en-US" sz="2000" i="0" u="none" strike="noStrike" cap="none" normalizeH="0" baseline="0" dirty="0">
                 <a:ln>
                   <a:noFill/>
                 </a:ln>
@@ -11678,7 +11475,7 @@
               <a:t>ast </a:t>
             </a:r>
             <a:br>
-              <a:rPr kumimoji="0" lang="en-US" sz="2000" i="0" u="none" strike="noStrike" cap="none" normalizeH="0" baseline="0" dirty="0" smtClean="0">
+              <a:rPr kumimoji="0" lang="en-US" sz="2000" i="0" u="none" strike="noStrike" cap="none" normalizeH="0" baseline="0" dirty="0">
                 <a:ln>
                   <a:noFill/>
                 </a:ln>
@@ -11691,7 +11488,7 @@
               </a:rPr>
             </a:br>
             <a:r>
-              <a:rPr kumimoji="0" lang="en-US" sz="2000" i="0" u="none" strike="noStrike" cap="none" normalizeH="0" baseline="0" dirty="0" smtClean="0">
+              <a:rPr kumimoji="0" lang="en-US" sz="2000" i="0" u="none" strike="noStrike" cap="none" normalizeH="0" baseline="0" dirty="0">
                 <a:ln>
                   <a:noFill/>
                 </a:ln>
@@ -11704,17 +11501,6 @@
               </a:rPr>
               <a:t>Recovery</a:t>
             </a:r>
-            <a:endParaRPr kumimoji="0" lang="en-US" sz="2000" i="0" u="none" strike="noStrike" cap="none" normalizeH="0" baseline="0" dirty="0">
-              <a:ln>
-                <a:noFill/>
-              </a:ln>
-              <a:solidFill>
-                <a:schemeClr val="tx1"/>
-              </a:solidFill>
-              <a:effectLst/>
-              <a:ea typeface="Arial" charset="0"/>
-              <a:cs typeface="Arial" charset="0"/>
-            </a:endParaRPr>
           </a:p>
         </p:txBody>
       </p:sp>
@@ -11771,13 +11557,13 @@
           <a:lstStyle/>
           <a:p>
             <a:r>
-              <a:rPr lang="en-US" b="0" i="1" dirty="0" smtClean="0">
+              <a:rPr lang="en-US" b="0" i="1" dirty="0">
                 <a:latin typeface="+mn-lt"/>
               </a:rPr>
               <a:t>CWND &gt; </a:t>
             </a:r>
             <a:r>
-              <a:rPr lang="en-US" b="0" i="1" dirty="0" err="1" smtClean="0">
+              <a:rPr lang="en-US" b="0" i="1" dirty="0" err="1">
                 <a:latin typeface="+mn-lt"/>
               </a:rPr>
               <a:t>ssthresh</a:t>
@@ -11811,14 +11597,11 @@
           <a:lstStyle/>
           <a:p>
             <a:r>
-              <a:rPr lang="en-US" b="0" i="1" dirty="0" smtClean="0">
+              <a:rPr lang="en-US" b="0" i="1" dirty="0">
                 <a:latin typeface="+mn-lt"/>
               </a:rPr>
               <a:t>timeout</a:t>
             </a:r>
-            <a:endParaRPr lang="en-US" b="0" i="1" dirty="0">
-              <a:latin typeface="+mn-lt"/>
-            </a:endParaRPr>
           </a:p>
         </p:txBody>
       </p:sp>
@@ -11982,7 +11765,7 @@
           <a:lstStyle/>
           <a:p>
             <a:r>
-              <a:rPr lang="en-US" i="1" dirty="0" err="1" smtClean="0">
+              <a:rPr lang="en-US" i="1" dirty="0" err="1">
                 <a:solidFill>
                   <a:schemeClr val="accent5"/>
                 </a:solidFill>
@@ -11991,7 +11774,7 @@
               <a:t>dupACK</a:t>
             </a:r>
             <a:r>
-              <a:rPr lang="en-US" i="1" dirty="0" smtClean="0">
+              <a:rPr lang="en-US" i="1" dirty="0">
                 <a:solidFill>
                   <a:schemeClr val="accent5"/>
                 </a:solidFill>
@@ -11999,12 +11782,6 @@
               </a:rPr>
               <a:t>=3</a:t>
             </a:r>
-            <a:endParaRPr lang="en-US" i="1" dirty="0">
-              <a:solidFill>
-                <a:schemeClr val="accent5"/>
-              </a:solidFill>
-              <a:latin typeface="+mn-lt"/>
-            </a:endParaRPr>
           </a:p>
         </p:txBody>
       </p:sp>
@@ -12031,14 +11808,11 @@
           <a:lstStyle/>
           <a:p>
             <a:r>
-              <a:rPr lang="en-US" b="0" i="1" dirty="0" smtClean="0">
+              <a:rPr lang="en-US" b="0" i="1" dirty="0">
                 <a:latin typeface="+mn-lt"/>
               </a:rPr>
               <a:t>timeout</a:t>
             </a:r>
-            <a:endParaRPr lang="en-US" b="0" i="1" dirty="0">
-              <a:latin typeface="+mn-lt"/>
-            </a:endParaRPr>
           </a:p>
         </p:txBody>
       </p:sp>
@@ -12065,7 +11839,7 @@
           <a:lstStyle/>
           <a:p>
             <a:r>
-              <a:rPr lang="en-US" i="1" dirty="0" err="1" smtClean="0">
+              <a:rPr lang="en-US" i="1" dirty="0" err="1">
                 <a:solidFill>
                   <a:schemeClr val="accent5"/>
                 </a:solidFill>
@@ -12074,7 +11848,7 @@
               <a:t>dupACK</a:t>
             </a:r>
             <a:r>
-              <a:rPr lang="en-US" i="1" dirty="0" smtClean="0">
+              <a:rPr lang="en-US" i="1" dirty="0">
                 <a:solidFill>
                   <a:schemeClr val="accent5"/>
                 </a:solidFill>
@@ -12082,12 +11856,6 @@
               </a:rPr>
               <a:t>=3</a:t>
             </a:r>
-            <a:endParaRPr lang="en-US" i="1" dirty="0">
-              <a:solidFill>
-                <a:schemeClr val="accent5"/>
-              </a:solidFill>
-              <a:latin typeface="+mn-lt"/>
-            </a:endParaRPr>
           </a:p>
         </p:txBody>
       </p:sp>
@@ -12114,14 +11882,11 @@
           <a:lstStyle/>
           <a:p>
             <a:r>
-              <a:rPr lang="en-US" b="0" i="1" dirty="0" smtClean="0">
+              <a:rPr lang="en-US" b="0" i="1" dirty="0">
                 <a:latin typeface="+mn-lt"/>
               </a:rPr>
               <a:t>new ACK</a:t>
             </a:r>
-            <a:endParaRPr lang="en-US" b="0" i="1" dirty="0">
-              <a:latin typeface="+mn-lt"/>
-            </a:endParaRPr>
           </a:p>
         </p:txBody>
       </p:sp>
@@ -12245,7 +12010,7 @@
           <a:lstStyle/>
           <a:p>
             <a:r>
-              <a:rPr lang="en-US" i="1" dirty="0" smtClean="0">
+              <a:rPr lang="en-US" i="1" dirty="0">
                 <a:solidFill>
                   <a:schemeClr val="accent5"/>
                 </a:solidFill>
@@ -12253,12 +12018,6 @@
               </a:rPr>
               <a:t>dupACK</a:t>
             </a:r>
-            <a:endParaRPr lang="en-US" i="1" dirty="0">
-              <a:solidFill>
-                <a:schemeClr val="accent5"/>
-              </a:solidFill>
-              <a:latin typeface="+mn-lt"/>
-            </a:endParaRPr>
           </a:p>
         </p:txBody>
       </p:sp>
@@ -12382,14 +12141,11 @@
           <a:lstStyle/>
           <a:p>
             <a:r>
-              <a:rPr lang="en-US" b="0" i="1" dirty="0" smtClean="0">
+              <a:rPr lang="en-US" b="0" i="1" dirty="0">
                 <a:latin typeface="+mn-lt"/>
               </a:rPr>
               <a:t>new ACK</a:t>
             </a:r>
-            <a:endParaRPr lang="en-US" b="0" i="1" dirty="0">
-              <a:latin typeface="+mn-lt"/>
-            </a:endParaRPr>
           </a:p>
         </p:txBody>
       </p:sp>
@@ -12513,14 +12269,11 @@
           <a:lstStyle/>
           <a:p>
             <a:r>
-              <a:rPr lang="en-US" b="0" i="1" dirty="0" smtClean="0">
+              <a:rPr lang="en-US" b="0" i="1" dirty="0">
                 <a:latin typeface="+mn-lt"/>
               </a:rPr>
               <a:t>timeout</a:t>
             </a:r>
-            <a:endParaRPr lang="en-US" b="0" i="1" dirty="0">
-              <a:latin typeface="+mn-lt"/>
-            </a:endParaRPr>
           </a:p>
         </p:txBody>
       </p:sp>
@@ -12644,25 +12397,22 @@
           <a:lstStyle/>
           <a:p>
             <a:r>
-              <a:rPr lang="en-US" b="0" i="1" dirty="0" smtClean="0">
+              <a:rPr lang="en-US" b="0" i="1" dirty="0">
                 <a:latin typeface="+mn-lt"/>
               </a:rPr>
               <a:t>new </a:t>
             </a:r>
             <a:br>
-              <a:rPr lang="en-US" b="0" i="1" dirty="0" smtClean="0">
+              <a:rPr lang="en-US" b="0" i="1" dirty="0">
                 <a:latin typeface="+mn-lt"/>
               </a:rPr>
             </a:br>
             <a:r>
-              <a:rPr lang="en-US" b="0" i="1" dirty="0" smtClean="0">
+              <a:rPr lang="en-US" b="0" i="1" dirty="0">
                 <a:latin typeface="+mn-lt"/>
               </a:rPr>
               <a:t>ACK</a:t>
             </a:r>
-            <a:endParaRPr lang="en-US" b="0" i="1" dirty="0">
-              <a:latin typeface="+mn-lt"/>
-            </a:endParaRPr>
           </a:p>
         </p:txBody>
       </p:sp>
@@ -12786,7 +12536,7 @@
           <a:lstStyle/>
           <a:p>
             <a:r>
-              <a:rPr lang="en-US" i="1" dirty="0" err="1" smtClean="0">
+              <a:rPr lang="en-US" i="1" dirty="0" err="1">
                 <a:solidFill>
                   <a:schemeClr val="accent5"/>
                 </a:solidFill>
@@ -12923,7 +12673,7 @@
           <a:lstStyle/>
           <a:p>
             <a:r>
-              <a:rPr lang="en-US" i="1" dirty="0" smtClean="0">
+              <a:rPr lang="en-US" i="1" dirty="0">
                 <a:solidFill>
                   <a:schemeClr val="accent5"/>
                 </a:solidFill>
@@ -12931,12 +12681,6 @@
               </a:rPr>
               <a:t>dupACK</a:t>
             </a:r>
-            <a:endParaRPr lang="en-US" i="1" dirty="0">
-              <a:solidFill>
-                <a:schemeClr val="accent5"/>
-              </a:solidFill>
-              <a:latin typeface="+mn-lt"/>
-            </a:endParaRPr>
           </a:p>
         </p:txBody>
       </p:sp>
@@ -12950,13 +12694,6 @@
   <p:clrMapOvr>
     <a:masterClrMapping/>
   </p:clrMapOvr>
-  <p:timing>
-    <p:tnLst>
-      <p:par>
-        <p:cTn id="1" dur="indefinite" restart="never" nodeType="tmRoot"/>
-      </p:par>
-    </p:tnLst>
-  </p:timing>
 </p:sld>
 </file>
 
@@ -12994,13 +12731,8 @@
           <a:p>
             <a:r>
               <a:rPr lang="en-US" dirty="0"/>
-              <a:t>N</a:t>
-            </a:r>
-            <a:r>
-              <a:rPr lang="en-US" dirty="0" smtClean="0"/>
-              <a:t>ew ACK changes state ONLY from Fast Recovery</a:t>
-            </a:r>
-            <a:endParaRPr lang="en-US" dirty="0"/>
+              <a:t>New ACK changes state ONLY from Fast Recovery</a:t>
+            </a:r>
           </a:p>
         </p:txBody>
       </p:sp>
@@ -13088,7 +12820,7 @@
               <a:t>S</a:t>
             </a:r>
             <a:r>
-              <a:rPr kumimoji="0" lang="en-US" sz="2000" i="0" u="none" strike="noStrike" cap="none" normalizeH="0" baseline="0" dirty="0" smtClean="0">
+              <a:rPr kumimoji="0" lang="en-US" sz="2000" i="0" u="none" strike="noStrike" cap="none" normalizeH="0" baseline="0" dirty="0">
                 <a:ln>
                   <a:noFill/>
                 </a:ln>
@@ -13102,7 +12834,7 @@
               <a:t>low </a:t>
             </a:r>
             <a:br>
-              <a:rPr kumimoji="0" lang="en-US" sz="2000" i="0" u="none" strike="noStrike" cap="none" normalizeH="0" baseline="0" dirty="0" smtClean="0">
+              <a:rPr kumimoji="0" lang="en-US" sz="2000" i="0" u="none" strike="noStrike" cap="none" normalizeH="0" baseline="0" dirty="0">
                 <a:ln>
                   <a:noFill/>
                 </a:ln>
@@ -13115,7 +12847,7 @@
               </a:rPr>
             </a:br>
             <a:r>
-              <a:rPr kumimoji="0" lang="en-US" sz="2000" i="0" u="none" strike="noStrike" cap="none" normalizeH="0" baseline="0" dirty="0" smtClean="0">
+              <a:rPr kumimoji="0" lang="en-US" sz="2000" i="0" u="none" strike="noStrike" cap="none" normalizeH="0" baseline="0" dirty="0">
                 <a:ln>
                   <a:noFill/>
                 </a:ln>
@@ -13128,17 +12860,6 @@
               </a:rPr>
               <a:t>Start</a:t>
             </a:r>
-            <a:endParaRPr kumimoji="0" lang="en-US" sz="2000" i="0" u="none" strike="noStrike" cap="none" normalizeH="0" baseline="0" dirty="0">
-              <a:ln>
-                <a:noFill/>
-              </a:ln>
-              <a:solidFill>
-                <a:schemeClr val="tx1"/>
-              </a:solidFill>
-              <a:effectLst/>
-              <a:ea typeface="Arial" charset="0"/>
-              <a:cs typeface="Arial" charset="0"/>
-            </a:endParaRPr>
           </a:p>
         </p:txBody>
       </p:sp>
@@ -13195,14 +12916,14 @@
               <a:tabLst/>
             </a:pPr>
             <a:r>
-              <a:rPr lang="en-US" sz="2000" dirty="0" smtClean="0">
+              <a:rPr lang="en-US" sz="2000" dirty="0">
                 <a:ea typeface="Arial" charset="0"/>
                 <a:cs typeface="Arial" charset="0"/>
               </a:rPr>
               <a:t>C</a:t>
             </a:r>
             <a:r>
-              <a:rPr kumimoji="0" lang="en-US" sz="2000" i="0" u="none" strike="noStrike" cap="none" normalizeH="0" baseline="0" dirty="0" smtClean="0">
+              <a:rPr kumimoji="0" lang="en-US" sz="2000" i="0" u="none" strike="noStrike" cap="none" normalizeH="0" baseline="0" dirty="0">
                 <a:ln>
                   <a:noFill/>
                 </a:ln>
@@ -13216,7 +12937,7 @@
               <a:t>ong. </a:t>
             </a:r>
             <a:br>
-              <a:rPr kumimoji="0" lang="en-US" sz="2000" i="0" u="none" strike="noStrike" cap="none" normalizeH="0" baseline="0" dirty="0" smtClean="0">
+              <a:rPr kumimoji="0" lang="en-US" sz="2000" i="0" u="none" strike="noStrike" cap="none" normalizeH="0" baseline="0" dirty="0">
                 <a:ln>
                   <a:noFill/>
                 </a:ln>
@@ -13229,7 +12950,7 @@
               </a:rPr>
             </a:br>
             <a:r>
-              <a:rPr kumimoji="0" lang="en-US" sz="2000" i="0" u="none" strike="noStrike" cap="none" normalizeH="0" baseline="0" dirty="0" smtClean="0">
+              <a:rPr kumimoji="0" lang="en-US" sz="2000" i="0" u="none" strike="noStrike" cap="none" normalizeH="0" baseline="0" dirty="0">
                 <a:ln>
                   <a:noFill/>
                 </a:ln>
@@ -13323,7 +13044,7 @@
               <a:t>F</a:t>
             </a:r>
             <a:r>
-              <a:rPr kumimoji="0" lang="en-US" sz="2000" i="0" u="none" strike="noStrike" cap="none" normalizeH="0" baseline="0" dirty="0" smtClean="0">
+              <a:rPr kumimoji="0" lang="en-US" sz="2000" i="0" u="none" strike="noStrike" cap="none" normalizeH="0" baseline="0" dirty="0">
                 <a:ln>
                   <a:noFill/>
                 </a:ln>
@@ -13337,7 +13058,7 @@
               <a:t>ast </a:t>
             </a:r>
             <a:br>
-              <a:rPr kumimoji="0" lang="en-US" sz="2000" i="0" u="none" strike="noStrike" cap="none" normalizeH="0" baseline="0" dirty="0" smtClean="0">
+              <a:rPr kumimoji="0" lang="en-US" sz="2000" i="0" u="none" strike="noStrike" cap="none" normalizeH="0" baseline="0" dirty="0">
                 <a:ln>
                   <a:noFill/>
                 </a:ln>
@@ -13350,7 +13071,7 @@
               </a:rPr>
             </a:br>
             <a:r>
-              <a:rPr kumimoji="0" lang="en-US" sz="2000" i="0" u="none" strike="noStrike" cap="none" normalizeH="0" baseline="0" dirty="0" smtClean="0">
+              <a:rPr kumimoji="0" lang="en-US" sz="2000" i="0" u="none" strike="noStrike" cap="none" normalizeH="0" baseline="0" dirty="0">
                 <a:ln>
                   <a:noFill/>
                 </a:ln>
@@ -13363,17 +13084,6 @@
               </a:rPr>
               <a:t>Recovery</a:t>
             </a:r>
-            <a:endParaRPr kumimoji="0" lang="en-US" sz="2000" i="0" u="none" strike="noStrike" cap="none" normalizeH="0" baseline="0" dirty="0">
-              <a:ln>
-                <a:noFill/>
-              </a:ln>
-              <a:solidFill>
-                <a:schemeClr val="tx1"/>
-              </a:solidFill>
-              <a:effectLst/>
-              <a:ea typeface="Arial" charset="0"/>
-              <a:cs typeface="Arial" charset="0"/>
-            </a:endParaRPr>
           </a:p>
         </p:txBody>
       </p:sp>
@@ -13430,13 +13140,13 @@
           <a:lstStyle/>
           <a:p>
             <a:r>
-              <a:rPr lang="en-US" b="0" i="1" dirty="0" smtClean="0">
+              <a:rPr lang="en-US" b="0" i="1" dirty="0">
                 <a:latin typeface="+mn-lt"/>
               </a:rPr>
               <a:t>CWND &gt; </a:t>
             </a:r>
             <a:r>
-              <a:rPr lang="en-US" b="0" i="1" dirty="0" err="1" smtClean="0">
+              <a:rPr lang="en-US" b="0" i="1" dirty="0" err="1">
                 <a:latin typeface="+mn-lt"/>
               </a:rPr>
               <a:t>ssthresh</a:t>
@@ -13470,14 +13180,11 @@
           <a:lstStyle/>
           <a:p>
             <a:r>
-              <a:rPr lang="en-US" b="0" i="1" dirty="0" smtClean="0">
+              <a:rPr lang="en-US" b="0" i="1" dirty="0">
                 <a:latin typeface="+mn-lt"/>
               </a:rPr>
               <a:t>timeout</a:t>
             </a:r>
-            <a:endParaRPr lang="en-US" b="0" i="1" dirty="0">
-              <a:latin typeface="+mn-lt"/>
-            </a:endParaRPr>
           </a:p>
         </p:txBody>
       </p:sp>
@@ -13641,20 +13348,17 @@
           <a:lstStyle/>
           <a:p>
             <a:r>
-              <a:rPr lang="en-US" b="0" i="1" dirty="0" err="1" smtClean="0">
+              <a:rPr lang="en-US" b="0" i="1" dirty="0" err="1">
                 <a:latin typeface="+mn-lt"/>
               </a:rPr>
               <a:t>dupACK</a:t>
             </a:r>
             <a:r>
-              <a:rPr lang="en-US" b="0" i="1" dirty="0" smtClean="0">
+              <a:rPr lang="en-US" b="0" i="1" dirty="0">
                 <a:latin typeface="+mn-lt"/>
               </a:rPr>
               <a:t>=3</a:t>
             </a:r>
-            <a:endParaRPr lang="en-US" b="0" i="1" dirty="0">
-              <a:latin typeface="+mn-lt"/>
-            </a:endParaRPr>
           </a:p>
         </p:txBody>
       </p:sp>
@@ -13681,14 +13385,11 @@
           <a:lstStyle/>
           <a:p>
             <a:r>
-              <a:rPr lang="en-US" b="0" i="1" dirty="0" smtClean="0">
+              <a:rPr lang="en-US" b="0" i="1" dirty="0">
                 <a:latin typeface="+mn-lt"/>
               </a:rPr>
               <a:t>timeout</a:t>
             </a:r>
-            <a:endParaRPr lang="en-US" b="0" i="1" dirty="0">
-              <a:latin typeface="+mn-lt"/>
-            </a:endParaRPr>
           </a:p>
         </p:txBody>
       </p:sp>
@@ -13715,20 +13416,17 @@
           <a:lstStyle/>
           <a:p>
             <a:r>
-              <a:rPr lang="en-US" b="0" i="1" dirty="0" err="1" smtClean="0">
+              <a:rPr lang="en-US" b="0" i="1" dirty="0" err="1">
                 <a:latin typeface="+mn-lt"/>
               </a:rPr>
               <a:t>dupACK</a:t>
             </a:r>
             <a:r>
-              <a:rPr lang="en-US" b="0" i="1" dirty="0" smtClean="0">
+              <a:rPr lang="en-US" b="0" i="1" dirty="0">
                 <a:latin typeface="+mn-lt"/>
               </a:rPr>
               <a:t>=3</a:t>
             </a:r>
-            <a:endParaRPr lang="en-US" b="0" i="1" dirty="0">
-              <a:latin typeface="+mn-lt"/>
-            </a:endParaRPr>
           </a:p>
         </p:txBody>
       </p:sp>
@@ -13755,7 +13453,7 @@
           <a:lstStyle/>
           <a:p>
             <a:r>
-              <a:rPr lang="en-US" i="1" dirty="0" smtClean="0">
+              <a:rPr lang="en-US" i="1" dirty="0">
                 <a:solidFill>
                   <a:schemeClr val="accent5"/>
                 </a:solidFill>
@@ -13763,12 +13461,6 @@
               </a:rPr>
               <a:t>new ACK</a:t>
             </a:r>
-            <a:endParaRPr lang="en-US" i="1" dirty="0">
-              <a:solidFill>
-                <a:schemeClr val="accent5"/>
-              </a:solidFill>
-              <a:latin typeface="+mn-lt"/>
-            </a:endParaRPr>
           </a:p>
         </p:txBody>
       </p:sp>
@@ -13892,14 +13584,11 @@
           <a:lstStyle/>
           <a:p>
             <a:r>
-              <a:rPr lang="en-US" b="0" i="1" dirty="0" smtClean="0">
+              <a:rPr lang="en-US" b="0" i="1" dirty="0">
                 <a:latin typeface="+mn-lt"/>
               </a:rPr>
               <a:t>dupACK</a:t>
             </a:r>
-            <a:endParaRPr lang="en-US" b="0" i="1" dirty="0">
-              <a:latin typeface="+mn-lt"/>
-            </a:endParaRPr>
           </a:p>
         </p:txBody>
       </p:sp>
@@ -14023,7 +13712,7 @@
           <a:lstStyle/>
           <a:p>
             <a:r>
-              <a:rPr lang="en-US" i="1" dirty="0" smtClean="0">
+              <a:rPr lang="en-US" i="1" dirty="0">
                 <a:solidFill>
                   <a:schemeClr val="accent5"/>
                 </a:solidFill>
@@ -14031,12 +13720,6 @@
               </a:rPr>
               <a:t>new ACK</a:t>
             </a:r>
-            <a:endParaRPr lang="en-US" i="1" dirty="0">
-              <a:solidFill>
-                <a:schemeClr val="accent5"/>
-              </a:solidFill>
-              <a:latin typeface="+mn-lt"/>
-            </a:endParaRPr>
           </a:p>
         </p:txBody>
       </p:sp>
@@ -14160,14 +13843,11 @@
           <a:lstStyle/>
           <a:p>
             <a:r>
-              <a:rPr lang="en-US" b="0" i="1" dirty="0" smtClean="0">
+              <a:rPr lang="en-US" b="0" i="1" dirty="0">
                 <a:latin typeface="+mn-lt"/>
               </a:rPr>
               <a:t>timeout</a:t>
             </a:r>
-            <a:endParaRPr lang="en-US" b="0" i="1" dirty="0">
-              <a:latin typeface="+mn-lt"/>
-            </a:endParaRPr>
           </a:p>
         </p:txBody>
       </p:sp>
@@ -14291,7 +13971,7 @@
           <a:lstStyle/>
           <a:p>
             <a:r>
-              <a:rPr lang="en-US" i="1" dirty="0" smtClean="0">
+              <a:rPr lang="en-US" i="1" dirty="0">
                 <a:solidFill>
                   <a:schemeClr val="accent5"/>
                 </a:solidFill>
@@ -14300,7 +13980,7 @@
               <a:t>new </a:t>
             </a:r>
             <a:br>
-              <a:rPr lang="en-US" i="1" dirty="0" smtClean="0">
+              <a:rPr lang="en-US" i="1" dirty="0">
                 <a:solidFill>
                   <a:schemeClr val="accent5"/>
                 </a:solidFill>
@@ -14308,7 +13988,7 @@
               </a:rPr>
             </a:br>
             <a:r>
-              <a:rPr lang="en-US" i="1" dirty="0" smtClean="0">
+              <a:rPr lang="en-US" i="1" dirty="0">
                 <a:solidFill>
                   <a:schemeClr val="accent5"/>
                 </a:solidFill>
@@ -14316,12 +13996,6 @@
               </a:rPr>
               <a:t>ACK</a:t>
             </a:r>
-            <a:endParaRPr lang="en-US" i="1" dirty="0">
-              <a:solidFill>
-                <a:schemeClr val="accent5"/>
-              </a:solidFill>
-              <a:latin typeface="+mn-lt"/>
-            </a:endParaRPr>
           </a:p>
         </p:txBody>
       </p:sp>
@@ -14445,7 +14119,7 @@
           <a:lstStyle/>
           <a:p>
             <a:r>
-              <a:rPr lang="en-US" b="0" i="1" smtClean="0">
+              <a:rPr lang="en-US" b="0" i="1">
                 <a:latin typeface="+mn-lt"/>
               </a:rPr>
               <a:t>dupACK</a:t>
@@ -14576,14 +14250,11 @@
           <a:lstStyle/>
           <a:p>
             <a:r>
-              <a:rPr lang="en-US" b="0" i="1" dirty="0" smtClean="0">
+              <a:rPr lang="en-US" b="0" i="1" dirty="0">
                 <a:latin typeface="+mn-lt"/>
               </a:rPr>
               <a:t>dupACK</a:t>
             </a:r>
-            <a:endParaRPr lang="en-US" b="0" i="1" dirty="0">
-              <a:latin typeface="+mn-lt"/>
-            </a:endParaRPr>
           </a:p>
         </p:txBody>
       </p:sp>
@@ -14597,13 +14268,6 @@
   <p:clrMapOvr>
     <a:masterClrMapping/>
   </p:clrMapOvr>
-  <p:timing>
-    <p:tnLst>
-      <p:par>
-        <p:cTn id="1" dur="indefinite" restart="never" nodeType="tmRoot"/>
-      </p:par>
-    </p:tnLst>
-  </p:timing>
 </p:sld>
 </file>
 
@@ -14640,10 +14304,9 @@
           <a:lstStyle/>
           <a:p>
             <a:r>
-              <a:rPr lang="en-US" dirty="0" smtClean="0"/>
+              <a:rPr lang="en-US" dirty="0"/>
               <a:t>Agenda</a:t>
             </a:r>
-            <a:endParaRPr lang="en-US" dirty="0"/>
           </a:p>
         </p:txBody>
       </p:sp>
@@ -14663,22 +14326,21 @@
           <a:lstStyle/>
           <a:p>
             <a:r>
-              <a:rPr lang="en-US" dirty="0" smtClean="0"/>
+              <a:rPr lang="en-US" dirty="0"/>
               <a:t>TCP congestion control wrap-up</a:t>
             </a:r>
           </a:p>
           <a:p>
             <a:r>
-              <a:rPr lang="en-US" dirty="0" smtClean="0"/>
+              <a:rPr lang="en-US" dirty="0"/>
               <a:t>TCP throughput equation</a:t>
             </a:r>
           </a:p>
           <a:p>
             <a:r>
-              <a:rPr lang="en-US" dirty="0" smtClean="0"/>
+              <a:rPr lang="en-US" dirty="0"/>
               <a:t>Problems with congestion control</a:t>
             </a:r>
-            <a:endParaRPr lang="en-US" dirty="0"/>
           </a:p>
         </p:txBody>
       </p:sp>
@@ -14716,13 +14378,6 @@
   <p:clrMapOvr>
     <a:masterClrMapping/>
   </p:clrMapOvr>
-  <p:timing>
-    <p:tnLst>
-      <p:par>
-        <p:cTn id="1" dur="indefinite" restart="never" nodeType="tmRoot"/>
-      </p:par>
-    </p:tnLst>
-  </p:timing>
 </p:sld>
 </file>
 
@@ -14759,10 +14414,9 @@
           <a:lstStyle/>
           <a:p>
             <a:r>
-              <a:rPr lang="en-US" dirty="0" smtClean="0"/>
+              <a:rPr lang="en-US" dirty="0"/>
               <a:t> TCP state machine</a:t>
             </a:r>
-            <a:endParaRPr lang="en-US" dirty="0"/>
           </a:p>
         </p:txBody>
       </p:sp>
@@ -14850,7 +14504,7 @@
               <a:t>S</a:t>
             </a:r>
             <a:r>
-              <a:rPr kumimoji="0" lang="en-US" sz="2000" i="0" u="none" strike="noStrike" cap="none" normalizeH="0" baseline="0" dirty="0" smtClean="0">
+              <a:rPr kumimoji="0" lang="en-US" sz="2000" i="0" u="none" strike="noStrike" cap="none" normalizeH="0" baseline="0" dirty="0">
                 <a:ln>
                   <a:noFill/>
                 </a:ln>
@@ -14864,7 +14518,7 @@
               <a:t>low </a:t>
             </a:r>
             <a:br>
-              <a:rPr kumimoji="0" lang="en-US" sz="2000" i="0" u="none" strike="noStrike" cap="none" normalizeH="0" baseline="0" dirty="0" smtClean="0">
+              <a:rPr kumimoji="0" lang="en-US" sz="2000" i="0" u="none" strike="noStrike" cap="none" normalizeH="0" baseline="0" dirty="0">
                 <a:ln>
                   <a:noFill/>
                 </a:ln>
@@ -14877,7 +14531,7 @@
               </a:rPr>
             </a:br>
             <a:r>
-              <a:rPr kumimoji="0" lang="en-US" sz="2000" i="0" u="none" strike="noStrike" cap="none" normalizeH="0" baseline="0" dirty="0" smtClean="0">
+              <a:rPr kumimoji="0" lang="en-US" sz="2000" i="0" u="none" strike="noStrike" cap="none" normalizeH="0" baseline="0" dirty="0">
                 <a:ln>
                   <a:noFill/>
                 </a:ln>
@@ -14890,17 +14544,6 @@
               </a:rPr>
               <a:t>Start</a:t>
             </a:r>
-            <a:endParaRPr kumimoji="0" lang="en-US" sz="2000" i="0" u="none" strike="noStrike" cap="none" normalizeH="0" baseline="0" dirty="0">
-              <a:ln>
-                <a:noFill/>
-              </a:ln>
-              <a:solidFill>
-                <a:schemeClr val="tx1"/>
-              </a:solidFill>
-              <a:effectLst/>
-              <a:ea typeface="Arial" charset="0"/>
-              <a:cs typeface="Arial" charset="0"/>
-            </a:endParaRPr>
           </a:p>
         </p:txBody>
       </p:sp>
@@ -14957,14 +14600,14 @@
               <a:tabLst/>
             </a:pPr>
             <a:r>
-              <a:rPr lang="en-US" sz="2000" dirty="0" smtClean="0">
+              <a:rPr lang="en-US" sz="2000" dirty="0">
                 <a:ea typeface="Arial" charset="0"/>
                 <a:cs typeface="Arial" charset="0"/>
               </a:rPr>
               <a:t>C</a:t>
             </a:r>
             <a:r>
-              <a:rPr kumimoji="0" lang="en-US" sz="2000" i="0" u="none" strike="noStrike" cap="none" normalizeH="0" baseline="0" dirty="0" smtClean="0">
+              <a:rPr kumimoji="0" lang="en-US" sz="2000" i="0" u="none" strike="noStrike" cap="none" normalizeH="0" baseline="0" dirty="0">
                 <a:ln>
                   <a:noFill/>
                 </a:ln>
@@ -14978,7 +14621,7 @@
               <a:t>ong. </a:t>
             </a:r>
             <a:br>
-              <a:rPr kumimoji="0" lang="en-US" sz="2000" i="0" u="none" strike="noStrike" cap="none" normalizeH="0" baseline="0" dirty="0" smtClean="0">
+              <a:rPr kumimoji="0" lang="en-US" sz="2000" i="0" u="none" strike="noStrike" cap="none" normalizeH="0" baseline="0" dirty="0">
                 <a:ln>
                   <a:noFill/>
                 </a:ln>
@@ -14991,7 +14634,7 @@
               </a:rPr>
             </a:br>
             <a:r>
-              <a:rPr kumimoji="0" lang="en-US" sz="2000" i="0" u="none" strike="noStrike" cap="none" normalizeH="0" baseline="0" dirty="0" smtClean="0">
+              <a:rPr kumimoji="0" lang="en-US" sz="2000" i="0" u="none" strike="noStrike" cap="none" normalizeH="0" baseline="0" dirty="0">
                 <a:ln>
                   <a:noFill/>
                 </a:ln>
@@ -15085,7 +14728,7 @@
               <a:t>F</a:t>
             </a:r>
             <a:r>
-              <a:rPr kumimoji="0" lang="en-US" sz="2000" i="0" u="none" strike="noStrike" cap="none" normalizeH="0" baseline="0" dirty="0" smtClean="0">
+              <a:rPr kumimoji="0" lang="en-US" sz="2000" i="0" u="none" strike="noStrike" cap="none" normalizeH="0" baseline="0" dirty="0">
                 <a:ln>
                   <a:noFill/>
                 </a:ln>
@@ -15099,7 +14742,7 @@
               <a:t>ast </a:t>
             </a:r>
             <a:br>
-              <a:rPr kumimoji="0" lang="en-US" sz="2000" i="0" u="none" strike="noStrike" cap="none" normalizeH="0" baseline="0" dirty="0" smtClean="0">
+              <a:rPr kumimoji="0" lang="en-US" sz="2000" i="0" u="none" strike="noStrike" cap="none" normalizeH="0" baseline="0" dirty="0">
                 <a:ln>
                   <a:noFill/>
                 </a:ln>
@@ -15112,7 +14755,7 @@
               </a:rPr>
             </a:br>
             <a:r>
-              <a:rPr kumimoji="0" lang="en-US" sz="2000" i="0" u="none" strike="noStrike" cap="none" normalizeH="0" baseline="0" dirty="0" smtClean="0">
+              <a:rPr kumimoji="0" lang="en-US" sz="2000" i="0" u="none" strike="noStrike" cap="none" normalizeH="0" baseline="0" dirty="0">
                 <a:ln>
                   <a:noFill/>
                 </a:ln>
@@ -15125,17 +14768,6 @@
               </a:rPr>
               <a:t>Recovery</a:t>
             </a:r>
-            <a:endParaRPr kumimoji="0" lang="en-US" sz="2000" i="0" u="none" strike="noStrike" cap="none" normalizeH="0" baseline="0" dirty="0">
-              <a:ln>
-                <a:noFill/>
-              </a:ln>
-              <a:solidFill>
-                <a:schemeClr val="tx1"/>
-              </a:solidFill>
-              <a:effectLst/>
-              <a:ea typeface="Arial" charset="0"/>
-              <a:cs typeface="Arial" charset="0"/>
-            </a:endParaRPr>
           </a:p>
         </p:txBody>
       </p:sp>
@@ -15192,7 +14824,7 @@
           <a:lstStyle/>
           <a:p>
             <a:r>
-              <a:rPr lang="en-US" i="1" dirty="0" smtClean="0">
+              <a:rPr lang="en-US" i="1" dirty="0">
                 <a:solidFill>
                   <a:schemeClr val="accent5"/>
                 </a:solidFill>
@@ -15201,7 +14833,7 @@
               <a:t>CWND &gt; </a:t>
             </a:r>
             <a:r>
-              <a:rPr lang="en-US" i="1" dirty="0" err="1" smtClean="0">
+              <a:rPr lang="en-US" i="1" dirty="0" err="1">
                 <a:solidFill>
                   <a:schemeClr val="accent5"/>
                 </a:solidFill>
@@ -15241,14 +14873,11 @@
           <a:lstStyle/>
           <a:p>
             <a:r>
-              <a:rPr lang="en-US" b="0" i="1" dirty="0" smtClean="0">
+              <a:rPr lang="en-US" b="0" i="1" dirty="0">
                 <a:latin typeface="+mn-lt"/>
               </a:rPr>
               <a:t>timeout</a:t>
             </a:r>
-            <a:endParaRPr lang="en-US" b="0" i="1" dirty="0">
-              <a:latin typeface="+mn-lt"/>
-            </a:endParaRPr>
           </a:p>
         </p:txBody>
       </p:sp>
@@ -15412,20 +15041,17 @@
           <a:lstStyle/>
           <a:p>
             <a:r>
-              <a:rPr lang="en-US" b="0" i="1" dirty="0" err="1" smtClean="0">
+              <a:rPr lang="en-US" b="0" i="1" dirty="0" err="1">
                 <a:latin typeface="+mn-lt"/>
               </a:rPr>
               <a:t>dupACK</a:t>
             </a:r>
             <a:r>
-              <a:rPr lang="en-US" b="0" i="1" dirty="0" smtClean="0">
+              <a:rPr lang="en-US" b="0" i="1" dirty="0">
                 <a:latin typeface="+mn-lt"/>
               </a:rPr>
               <a:t>=3</a:t>
             </a:r>
-            <a:endParaRPr lang="en-US" b="0" i="1" dirty="0">
-              <a:latin typeface="+mn-lt"/>
-            </a:endParaRPr>
           </a:p>
         </p:txBody>
       </p:sp>
@@ -15452,14 +15078,11 @@
           <a:lstStyle/>
           <a:p>
             <a:r>
-              <a:rPr lang="en-US" b="0" i="1" dirty="0" smtClean="0">
+              <a:rPr lang="en-US" b="0" i="1" dirty="0">
                 <a:latin typeface="+mn-lt"/>
               </a:rPr>
               <a:t>timeout</a:t>
             </a:r>
-            <a:endParaRPr lang="en-US" b="0" i="1" dirty="0">
-              <a:latin typeface="+mn-lt"/>
-            </a:endParaRPr>
           </a:p>
         </p:txBody>
       </p:sp>
@@ -15486,20 +15109,17 @@
           <a:lstStyle/>
           <a:p>
             <a:r>
-              <a:rPr lang="en-US" b="0" i="1" dirty="0" err="1" smtClean="0">
+              <a:rPr lang="en-US" b="0" i="1" dirty="0" err="1">
                 <a:latin typeface="+mn-lt"/>
               </a:rPr>
               <a:t>dupACK</a:t>
             </a:r>
             <a:r>
-              <a:rPr lang="en-US" b="0" i="1" dirty="0" smtClean="0">
+              <a:rPr lang="en-US" b="0" i="1" dirty="0">
                 <a:latin typeface="+mn-lt"/>
               </a:rPr>
               <a:t>=3</a:t>
             </a:r>
-            <a:endParaRPr lang="en-US" b="0" i="1" dirty="0">
-              <a:latin typeface="+mn-lt"/>
-            </a:endParaRPr>
           </a:p>
         </p:txBody>
       </p:sp>
@@ -15526,14 +15146,11 @@
           <a:lstStyle/>
           <a:p>
             <a:r>
-              <a:rPr lang="en-US" b="0" i="1" dirty="0" smtClean="0">
+              <a:rPr lang="en-US" b="0" i="1" dirty="0">
                 <a:latin typeface="+mn-lt"/>
               </a:rPr>
               <a:t>new ACK</a:t>
             </a:r>
-            <a:endParaRPr lang="en-US" b="0" i="1" dirty="0">
-              <a:latin typeface="+mn-lt"/>
-            </a:endParaRPr>
           </a:p>
         </p:txBody>
       </p:sp>
@@ -15657,14 +15274,11 @@
           <a:lstStyle/>
           <a:p>
             <a:r>
-              <a:rPr lang="en-US" b="0" i="1" dirty="0" smtClean="0">
+              <a:rPr lang="en-US" b="0" i="1" dirty="0">
                 <a:latin typeface="+mn-lt"/>
               </a:rPr>
               <a:t>dupACK</a:t>
             </a:r>
-            <a:endParaRPr lang="en-US" b="0" i="1" dirty="0">
-              <a:latin typeface="+mn-lt"/>
-            </a:endParaRPr>
           </a:p>
         </p:txBody>
       </p:sp>
@@ -15788,14 +15402,11 @@
           <a:lstStyle/>
           <a:p>
             <a:r>
-              <a:rPr lang="en-US" b="0" i="1" dirty="0" smtClean="0">
+              <a:rPr lang="en-US" b="0" i="1" dirty="0">
                 <a:latin typeface="+mn-lt"/>
               </a:rPr>
               <a:t>new ACK</a:t>
             </a:r>
-            <a:endParaRPr lang="en-US" b="0" i="1" dirty="0">
-              <a:latin typeface="+mn-lt"/>
-            </a:endParaRPr>
           </a:p>
         </p:txBody>
       </p:sp>
@@ -15919,14 +15530,11 @@
           <a:lstStyle/>
           <a:p>
             <a:r>
-              <a:rPr lang="en-US" b="0" i="1" dirty="0" smtClean="0">
+              <a:rPr lang="en-US" b="0" i="1" dirty="0">
                 <a:latin typeface="+mn-lt"/>
               </a:rPr>
               <a:t>timeout</a:t>
             </a:r>
-            <a:endParaRPr lang="en-US" b="0" i="1" dirty="0">
-              <a:latin typeface="+mn-lt"/>
-            </a:endParaRPr>
           </a:p>
         </p:txBody>
       </p:sp>
@@ -16050,25 +15658,22 @@
           <a:lstStyle/>
           <a:p>
             <a:r>
-              <a:rPr lang="en-US" b="0" i="1" dirty="0" smtClean="0">
+              <a:rPr lang="en-US" b="0" i="1" dirty="0">
                 <a:latin typeface="+mn-lt"/>
               </a:rPr>
               <a:t>new </a:t>
             </a:r>
             <a:br>
-              <a:rPr lang="en-US" b="0" i="1" dirty="0" smtClean="0">
+              <a:rPr lang="en-US" b="0" i="1" dirty="0">
                 <a:latin typeface="+mn-lt"/>
               </a:rPr>
             </a:br>
             <a:r>
-              <a:rPr lang="en-US" b="0" i="1" dirty="0" smtClean="0">
+              <a:rPr lang="en-US" b="0" i="1" dirty="0">
                 <a:latin typeface="+mn-lt"/>
               </a:rPr>
               <a:t>ACK</a:t>
             </a:r>
-            <a:endParaRPr lang="en-US" b="0" i="1" dirty="0">
-              <a:latin typeface="+mn-lt"/>
-            </a:endParaRPr>
           </a:p>
         </p:txBody>
       </p:sp>
@@ -16192,7 +15797,7 @@
           <a:lstStyle/>
           <a:p>
             <a:r>
-              <a:rPr lang="en-US" b="0" i="1" smtClean="0">
+              <a:rPr lang="en-US" b="0" i="1">
                 <a:latin typeface="+mn-lt"/>
               </a:rPr>
               <a:t>dupACK</a:t>
@@ -16323,14 +15928,11 @@
           <a:lstStyle/>
           <a:p>
             <a:r>
-              <a:rPr lang="en-US" b="0" i="1" dirty="0" smtClean="0">
+              <a:rPr lang="en-US" b="0" i="1" dirty="0">
                 <a:latin typeface="+mn-lt"/>
               </a:rPr>
               <a:t>dupACK</a:t>
             </a:r>
-            <a:endParaRPr lang="en-US" b="0" i="1" dirty="0">
-              <a:latin typeface="+mn-lt"/>
-            </a:endParaRPr>
           </a:p>
         </p:txBody>
       </p:sp>
@@ -16344,13 +15946,6 @@
   <p:clrMapOvr>
     <a:masterClrMapping/>
   </p:clrMapOvr>
-  <p:timing>
-    <p:tnLst>
-      <p:par>
-        <p:cTn id="1" dur="indefinite" restart="never" nodeType="tmRoot"/>
-      </p:par>
-    </p:tnLst>
-  </p:timing>
 </p:sld>
 </file>
 
@@ -16387,10 +15982,9 @@
           <a:lstStyle/>
           <a:p>
             <a:r>
-              <a:rPr lang="en-US" dirty="0" smtClean="0"/>
+              <a:rPr lang="en-US" dirty="0"/>
               <a:t>TCP flavors </a:t>
             </a:r>
-            <a:endParaRPr lang="en-US" dirty="0"/>
           </a:p>
         </p:txBody>
       </p:sp>
@@ -16410,58 +16004,58 @@
           <a:lstStyle/>
           <a:p>
             <a:r>
-              <a:rPr lang="en-US" dirty="0" smtClean="0"/>
+              <a:rPr lang="en-US" dirty="0"/>
               <a:t>TCP-Tahoe</a:t>
             </a:r>
           </a:p>
           <a:p>
             <a:pPr lvl="1"/>
             <a:r>
-              <a:rPr lang="en-US" dirty="0" smtClean="0"/>
+              <a:rPr lang="en-US" dirty="0"/>
               <a:t>CWND =1 on 3 dupACKs</a:t>
             </a:r>
           </a:p>
           <a:p>
             <a:r>
-              <a:rPr lang="en-US" dirty="0" smtClean="0"/>
+              <a:rPr lang="en-US" dirty="0"/>
               <a:t>TCP-Reno</a:t>
             </a:r>
           </a:p>
           <a:p>
             <a:pPr lvl="1"/>
             <a:r>
-              <a:rPr lang="en-US" dirty="0" smtClean="0"/>
+              <a:rPr lang="en-US" dirty="0"/>
               <a:t>CWND =1 on timeout</a:t>
             </a:r>
           </a:p>
           <a:p>
             <a:pPr lvl="1"/>
             <a:r>
-              <a:rPr lang="en-US" dirty="0" smtClean="0"/>
+              <a:rPr lang="en-US" dirty="0"/>
               <a:t>CWND = CWND/2 on 3 dupACKs</a:t>
             </a:r>
           </a:p>
           <a:p>
             <a:r>
-              <a:rPr lang="en-US" dirty="0" smtClean="0"/>
+              <a:rPr lang="en-US" dirty="0"/>
               <a:t>TCP-</a:t>
             </a:r>
             <a:r>
-              <a:rPr lang="en-US" dirty="0" err="1" smtClean="0"/>
+              <a:rPr lang="en-US" dirty="0" err="1"/>
               <a:t>newReno</a:t>
             </a:r>
-            <a:endParaRPr lang="en-US" dirty="0" smtClean="0"/>
+            <a:endParaRPr lang="en-US" dirty="0"/>
           </a:p>
           <a:p>
             <a:pPr lvl="1"/>
             <a:r>
-              <a:rPr lang="en-US" dirty="0" smtClean="0"/>
+              <a:rPr lang="en-US" dirty="0"/>
               <a:t>TCP-Reno + improved fast recovery</a:t>
             </a:r>
           </a:p>
           <a:p>
             <a:r>
-              <a:rPr lang="en-US" dirty="0" smtClean="0"/>
+              <a:rPr lang="en-US" dirty="0"/>
               <a:t>TCP-SACK</a:t>
             </a:r>
           </a:p>
@@ -16469,13 +16063,8 @@
             <a:pPr lvl="1"/>
             <a:r>
               <a:rPr lang="en-US" dirty="0"/>
-              <a:t>I</a:t>
-            </a:r>
-            <a:r>
-              <a:rPr lang="en-US" dirty="0" smtClean="0"/>
-              <a:t>ncorporates selective acknowledgements </a:t>
-            </a:r>
-            <a:endParaRPr lang="en-US" dirty="0"/>
+              <a:t>Incorporates selective acknowledgements </a:t>
+            </a:r>
           </a:p>
         </p:txBody>
       </p:sp>
@@ -16596,25 +16185,22 @@
           <a:p>
             <a:pPr algn="l"/>
             <a:r>
-              <a:rPr lang="en-US" sz="2400" dirty="0" smtClean="0">
+              <a:rPr lang="en-US" sz="2400" dirty="0">
                 <a:latin typeface="+mn-lt"/>
               </a:rPr>
               <a:t>Our default </a:t>
             </a:r>
             <a:br>
-              <a:rPr lang="en-US" sz="2400" dirty="0" smtClean="0">
+              <a:rPr lang="en-US" sz="2400" dirty="0">
                 <a:latin typeface="+mn-lt"/>
               </a:rPr>
             </a:br>
             <a:r>
-              <a:rPr lang="en-US" sz="2400" dirty="0" smtClean="0">
+              <a:rPr lang="en-US" sz="2400" dirty="0">
                 <a:latin typeface="+mn-lt"/>
               </a:rPr>
               <a:t>assumption</a:t>
             </a:r>
-            <a:endParaRPr lang="en-US" sz="2400" dirty="0">
-              <a:latin typeface="+mn-lt"/>
-            </a:endParaRPr>
           </a:p>
         </p:txBody>
       </p:sp>
@@ -17123,15 +16709,7 @@
           <a:p>
             <a:r>
               <a:rPr lang="en-US" dirty="0"/>
-              <a:t>How can </a:t>
-            </a:r>
-            <a:r>
-              <a:rPr lang="en-US" dirty="0" smtClean="0"/>
-              <a:t>they coexist</a:t>
-            </a:r>
-            <a:r>
-              <a:rPr lang="en-US" dirty="0"/>
-              <a:t>? </a:t>
+              <a:t>How can they coexist? </a:t>
             </a:r>
           </a:p>
         </p:txBody>
@@ -17152,7 +16730,7 @@
           <a:lstStyle/>
           <a:p>
             <a:r>
-              <a:rPr lang="en-US" dirty="0" smtClean="0"/>
+              <a:rPr lang="en-US" dirty="0"/>
               <a:t>All follow the same principle</a:t>
             </a:r>
           </a:p>
@@ -17160,17 +16738,13 @@
             <a:pPr lvl="1"/>
             <a:r>
               <a:rPr lang="en-US" dirty="0"/>
-              <a:t>I</a:t>
-            </a:r>
-            <a:r>
-              <a:rPr lang="en-US" dirty="0" smtClean="0"/>
-              <a:t>ncrease CWND on good news</a:t>
+              <a:t>Increase CWND on good news</a:t>
             </a:r>
           </a:p>
           <a:p>
             <a:pPr lvl="1"/>
             <a:r>
-              <a:rPr lang="en-US" dirty="0" smtClean="0"/>
+              <a:rPr lang="en-US" dirty="0"/>
               <a:t>Decrease CWND on bad news</a:t>
             </a:r>
           </a:p>
@@ -17410,10 +16984,9 @@
           <a:lstStyle/>
           <a:p>
             <a:r>
-              <a:rPr lang="en-US" dirty="0" smtClean="0"/>
+              <a:rPr lang="en-US" dirty="0"/>
               <a:t>TCP Throughput Equation</a:t>
             </a:r>
-            <a:endParaRPr lang="en-US" dirty="0"/>
           </a:p>
         </p:txBody>
       </p:sp>
@@ -17470,13 +17043,6 @@
   <p:clrMapOvr>
     <a:masterClrMapping/>
   </p:clrMapOvr>
-  <p:timing>
-    <p:tnLst>
-      <p:par>
-        <p:cTn id="1" dur="indefinite" restart="never" nodeType="tmRoot"/>
-      </p:par>
-    </p:tnLst>
-  </p:timing>
 </p:sld>
 </file>
 
@@ -17588,7 +17154,7 @@
               <a:defRPr/>
             </a:pPr>
             <a:r>
-              <a:rPr lang="en-US" sz="2800" dirty="0" smtClean="0">
+              <a:rPr lang="en-US" sz="2800" dirty="0">
                 <a:solidFill>
                   <a:schemeClr val="tx1"/>
                 </a:solidFill>
@@ -17596,12 +17162,6 @@
               </a:rPr>
               <a:t>A</a:t>
             </a:r>
-            <a:endParaRPr lang="en-US" sz="2800" dirty="0">
-              <a:solidFill>
-                <a:schemeClr val="tx1"/>
-              </a:solidFill>
-              <a:latin typeface="Arial" pitchFamily="-65" charset="0"/>
-            </a:endParaRPr>
           </a:p>
         </p:txBody>
       </p:sp>
@@ -17626,10 +17186,9 @@
           <a:lstStyle/>
           <a:p>
             <a:r>
-              <a:rPr lang="en-US" dirty="0" smtClean="0"/>
+              <a:rPr lang="en-US" dirty="0"/>
               <a:t>A simple model for TCP throughput</a:t>
             </a:r>
-            <a:endParaRPr lang="en-US" dirty="0"/>
           </a:p>
         </p:txBody>
       </p:sp>
@@ -17913,10 +17472,9 @@
           <a:p>
             <a:pPr eaLnBrk="1" hangingPunct="1"/>
             <a:r>
-              <a:rPr lang="en-US" dirty="0" smtClean="0"/>
+              <a:rPr lang="en-US" dirty="0"/>
               <a:t>Loss</a:t>
             </a:r>
-            <a:endParaRPr lang="en-US" dirty="0"/>
           </a:p>
         </p:txBody>
       </p:sp>
@@ -18185,14 +17743,11 @@
           <a:p>
             <a:pPr eaLnBrk="1" hangingPunct="1"/>
             <a:r>
-              <a:rPr lang="en-US" i="1" dirty="0" smtClean="0">
+              <a:rPr lang="en-US" i="1" dirty="0">
                 <a:latin typeface="Times New Roman" charset="0"/>
               </a:rPr>
               <a:t>time</a:t>
             </a:r>
-            <a:endParaRPr lang="en-US" i="1" dirty="0">
-              <a:latin typeface="Times New Roman" charset="0"/>
-            </a:endParaRPr>
           </a:p>
         </p:txBody>
       </p:sp>
@@ -19842,7 +19397,7 @@
           <a:graphicData uri="http://schemas.openxmlformats.org/presentationml/2006/ole">
             <mc:AlternateContent xmlns:mc="http://schemas.openxmlformats.org/markup-compatibility/2006">
               <mc:Choice xmlns:v="urn:schemas-microsoft-com:vml" Requires="v">
-                <p:oleObj spid="_x0000_s3130" name="Equation" r:id="rId3" imgW="317362" imgH="228501" progId="Equation.3">
+                <p:oleObj spid="_x0000_s3190" name="Equation" r:id="rId3" imgW="317362" imgH="228501" progId="Equation.3">
                   <p:embed/>
                 </p:oleObj>
               </mc:Choice>
@@ -19937,7 +19492,7 @@
           <a:graphicData uri="http://schemas.openxmlformats.org/presentationml/2006/ole">
             <mc:AlternateContent xmlns:mc="http://schemas.openxmlformats.org/markup-compatibility/2006">
               <mc:Choice xmlns:v="urn:schemas-microsoft-com:vml" Requires="v">
-                <p:oleObj spid="_x0000_s3131" name="Equation" r:id="rId5" imgW="355292" imgH="393359" progId="Equation.3">
+                <p:oleObj spid="_x0000_s3191" name="Equation" r:id="rId5" imgW="355292" imgH="393359" progId="Equation.3">
                   <p:embed/>
                 </p:oleObj>
               </mc:Choice>
@@ -20155,25 +19710,25 @@
             <a:lstStyle/>
             <a:p>
               <a:r>
-                <a:rPr lang="en-US" sz="1800" b="0" dirty="0" smtClean="0">
+                <a:rPr lang="en-US" sz="1800" b="0" dirty="0">
                   <a:latin typeface="+mn-lt"/>
                 </a:rPr>
                 <a:t>½ </a:t>
               </a:r>
               <a:r>
-                <a:rPr lang="en-US" sz="1800" b="0" dirty="0" err="1" smtClean="0">
+                <a:rPr lang="en-US" sz="1800" b="0" dirty="0" err="1">
                   <a:latin typeface="+mn-lt"/>
                 </a:rPr>
                 <a:t>W</a:t>
               </a:r>
               <a:r>
-                <a:rPr lang="en-US" sz="1800" b="0" baseline="-25000" dirty="0" err="1" smtClean="0">
+                <a:rPr lang="en-US" sz="1800" b="0" baseline="-25000" dirty="0" err="1">
                   <a:latin typeface="+mn-lt"/>
                 </a:rPr>
                 <a:t>max</a:t>
               </a:r>
               <a:r>
-                <a:rPr lang="en-US" sz="1800" b="0" dirty="0" smtClean="0">
+                <a:rPr lang="en-US" sz="1800" b="0" dirty="0">
                   <a:latin typeface="+mn-lt"/>
                 </a:rPr>
                 <a:t> RTTs between drops</a:t>
@@ -20181,14 +19736,11 @@
             </a:p>
             <a:p>
               <a:r>
-                <a:rPr lang="en-US" sz="1800" b="0" dirty="0" smtClean="0">
+                <a:rPr lang="en-US" sz="1800" b="0" dirty="0">
                   <a:latin typeface="+mn-lt"/>
                 </a:rPr>
                 <a:t> </a:t>
               </a:r>
-              <a:endParaRPr lang="en-US" sz="1800" b="0" dirty="0">
-                <a:latin typeface="+mn-lt"/>
-              </a:endParaRPr>
             </a:p>
           </p:txBody>
         </p:sp>
@@ -20332,32 +19884,29 @@
             <a:lstStyle/>
             <a:p>
               <a:r>
-                <a:rPr lang="en-US" sz="1800" b="0" dirty="0" smtClean="0">
+                <a:rPr lang="en-US" sz="1800" b="0" dirty="0">
                   <a:latin typeface="+mn-lt"/>
                 </a:rPr>
                 <a:t>Avg. ¾ </a:t>
               </a:r>
               <a:r>
-                <a:rPr lang="en-US" sz="1800" b="0" dirty="0" err="1" smtClean="0">
+                <a:rPr lang="en-US" sz="1800" b="0" dirty="0" err="1">
                   <a:latin typeface="+mn-lt"/>
                 </a:rPr>
                 <a:t>W</a:t>
               </a:r>
               <a:r>
-                <a:rPr lang="en-US" sz="1800" b="0" baseline="-25000" dirty="0" err="1" smtClean="0">
+                <a:rPr lang="en-US" sz="1800" b="0" baseline="-25000" dirty="0" err="1">
                   <a:latin typeface="+mn-lt"/>
                 </a:rPr>
                 <a:t>max</a:t>
               </a:r>
               <a:r>
-                <a:rPr lang="en-US" sz="1800" b="0" dirty="0" smtClean="0">
+                <a:rPr lang="en-US" sz="1800" b="0" dirty="0">
                   <a:latin typeface="+mn-lt"/>
                 </a:rPr>
                 <a:t> packets per RTTs</a:t>
               </a:r>
-              <a:endParaRPr lang="en-US" sz="1800" b="0" dirty="0">
-                <a:latin typeface="+mn-lt"/>
-              </a:endParaRPr>
             </a:p>
           </p:txBody>
         </p:sp>
@@ -21062,10 +20611,9 @@
           <a:p>
             <a:pPr eaLnBrk="1" hangingPunct="1"/>
             <a:r>
-              <a:rPr lang="en-US" dirty="0" smtClean="0"/>
+              <a:rPr lang="en-US" dirty="0"/>
               <a:t>Loss</a:t>
             </a:r>
-            <a:endParaRPr lang="en-US" dirty="0"/>
           </a:p>
         </p:txBody>
       </p:sp>
@@ -21334,14 +20882,11 @@
           <a:p>
             <a:pPr eaLnBrk="1" hangingPunct="1"/>
             <a:r>
-              <a:rPr lang="en-US" i="1" dirty="0" smtClean="0">
+              <a:rPr lang="en-US" i="1" dirty="0">
                 <a:latin typeface="Times New Roman" charset="0"/>
               </a:rPr>
               <a:t>time</a:t>
             </a:r>
-            <a:endParaRPr lang="en-US" i="1" dirty="0">
-              <a:latin typeface="Times New Roman" charset="0"/>
-            </a:endParaRPr>
           </a:p>
         </p:txBody>
       </p:sp>
@@ -22044,7 +21589,7 @@
           <a:graphicData uri="http://schemas.openxmlformats.org/presentationml/2006/ole">
             <mc:AlternateContent xmlns:mc="http://schemas.openxmlformats.org/markup-compatibility/2006">
               <mc:Choice xmlns:v="urn:schemas-microsoft-com:vml" Requires="v">
-                <p:oleObj spid="_x0000_s4179" name="Equation" r:id="rId3" imgW="317362" imgH="228501" progId="Equation.3">
+                <p:oleObj spid="_x0000_s4269" name="Equation" r:id="rId3" imgW="317362" imgH="228501" progId="Equation.3">
                   <p:embed/>
                 </p:oleObj>
               </mc:Choice>
@@ -22139,7 +21684,7 @@
           <a:graphicData uri="http://schemas.openxmlformats.org/presentationml/2006/ole">
             <mc:AlternateContent xmlns:mc="http://schemas.openxmlformats.org/markup-compatibility/2006">
               <mc:Choice xmlns:v="urn:schemas-microsoft-com:vml" Requires="v">
-                <p:oleObj spid="_x0000_s4180" name="Equation" r:id="rId5" imgW="355292" imgH="393359" progId="Equation.3">
+                <p:oleObj spid="_x0000_s4270" name="Equation" r:id="rId5" imgW="355292" imgH="393359" progId="Equation.3">
                   <p:embed/>
                 </p:oleObj>
               </mc:Choice>
@@ -22224,9 +21769,7 @@
           <p:cNvGraphicFramePr>
             <a:graphicFrameLocks noChangeAspect="1"/>
           </p:cNvGraphicFramePr>
-          <p:nvPr>
-            <p:extLst/>
-          </p:nvPr>
+          <p:nvPr/>
         </p:nvGraphicFramePr>
         <p:xfrm>
           <a:off x="3057525" y="4495800"/>
@@ -22236,7 +21779,7 @@
           <a:graphicData uri="http://schemas.openxmlformats.org/presentationml/2006/ole">
             <mc:AlternateContent xmlns:mc="http://schemas.openxmlformats.org/markup-compatibility/2006">
               <mc:Choice xmlns:v="urn:schemas-microsoft-com:vml" Requires="v">
-                <p:oleObj spid="_x0000_s4181" name="Equation" r:id="rId7" imgW="2717800" imgH="1511300" progId="Equation.3">
+                <p:oleObj spid="_x0000_s4271" name="Equation" r:id="rId7" imgW="2717800" imgH="1511300" progId="Equation.3">
                   <p:embed/>
                 </p:oleObj>
               </mc:Choice>
@@ -22270,7 +21813,6 @@
                       <a:ln>
                         <a:noFill/>
                       </a:ln>
-                      <a:extLst/>
                     </p:spPr>
                   </p:pic>
                 </p:oleObj>
@@ -22542,25 +22084,25 @@
             <a:lstStyle/>
             <a:p>
               <a:r>
-                <a:rPr lang="en-US" sz="1800" b="0" dirty="0" smtClean="0">
+                <a:rPr lang="en-US" sz="1800" b="0" dirty="0">
                   <a:latin typeface="+mn-lt"/>
                 </a:rPr>
                 <a:t>½ </a:t>
               </a:r>
               <a:r>
-                <a:rPr lang="en-US" sz="1800" b="0" dirty="0" err="1" smtClean="0">
+                <a:rPr lang="en-US" sz="1800" b="0" dirty="0" err="1">
                   <a:latin typeface="+mn-lt"/>
                 </a:rPr>
                 <a:t>W</a:t>
               </a:r>
               <a:r>
-                <a:rPr lang="en-US" sz="1800" b="0" baseline="-25000" dirty="0" err="1" smtClean="0">
+                <a:rPr lang="en-US" sz="1800" b="0" baseline="-25000" dirty="0" err="1">
                   <a:latin typeface="+mn-lt"/>
                 </a:rPr>
                 <a:t>max</a:t>
               </a:r>
               <a:r>
-                <a:rPr lang="en-US" sz="1800" b="0" dirty="0" smtClean="0">
+                <a:rPr lang="en-US" sz="1800" b="0" dirty="0">
                   <a:latin typeface="+mn-lt"/>
                 </a:rPr>
                 <a:t> RTTs between drops</a:t>
@@ -22568,14 +22110,11 @@
             </a:p>
             <a:p>
               <a:r>
-                <a:rPr lang="en-US" sz="1800" b="0" dirty="0" smtClean="0">
+                <a:rPr lang="en-US" sz="1800" b="0" dirty="0">
                   <a:latin typeface="+mn-lt"/>
                 </a:rPr>
                 <a:t> </a:t>
               </a:r>
-              <a:endParaRPr lang="en-US" sz="1800" b="0" dirty="0">
-                <a:latin typeface="+mn-lt"/>
-              </a:endParaRPr>
             </a:p>
           </p:txBody>
         </p:sp>
@@ -22713,32 +22252,29 @@
             <a:lstStyle/>
             <a:p>
               <a:r>
-                <a:rPr lang="en-US" sz="1800" b="0" dirty="0" smtClean="0">
+                <a:rPr lang="en-US" sz="1800" b="0" dirty="0">
                   <a:latin typeface="+mn-lt"/>
                 </a:rPr>
                 <a:t>Avg. ¾ </a:t>
               </a:r>
               <a:r>
-                <a:rPr lang="en-US" sz="1800" b="0" dirty="0" err="1" smtClean="0">
+                <a:rPr lang="en-US" sz="1800" b="0" dirty="0" err="1">
                   <a:latin typeface="+mn-lt"/>
                 </a:rPr>
                 <a:t>W</a:t>
               </a:r>
               <a:r>
-                <a:rPr lang="en-US" sz="1800" b="0" baseline="-25000" dirty="0" err="1" smtClean="0">
+                <a:rPr lang="en-US" sz="1800" b="0" baseline="-25000" dirty="0" err="1">
                   <a:latin typeface="+mn-lt"/>
                 </a:rPr>
                 <a:t>max</a:t>
               </a:r>
               <a:r>
-                <a:rPr lang="en-US" sz="1800" b="0" dirty="0" smtClean="0">
+                <a:rPr lang="en-US" sz="1800" b="0" dirty="0">
                   <a:latin typeface="+mn-lt"/>
                 </a:rPr>
                 <a:t> packets per RTTs</a:t>
               </a:r>
-              <a:endParaRPr lang="en-US" sz="1800" b="0" dirty="0">
-                <a:latin typeface="+mn-lt"/>
-              </a:endParaRPr>
             </a:p>
           </p:txBody>
         </p:sp>
@@ -22937,17 +22473,16 @@
           <a:lstStyle/>
           <a:p>
             <a:r>
-              <a:rPr lang="en-US" dirty="0" smtClean="0"/>
+              <a:rPr lang="en-US" dirty="0"/>
               <a:t>Implications (1): </a:t>
             </a:r>
             <a:br>
-              <a:rPr lang="en-US" dirty="0" smtClean="0"/>
+              <a:rPr lang="en-US" dirty="0"/>
             </a:br>
             <a:r>
-              <a:rPr lang="en-US" dirty="0" smtClean="0"/>
+              <a:rPr lang="en-US" dirty="0"/>
               <a:t>Different RTTs</a:t>
             </a:r>
-            <a:endParaRPr lang="en-US" dirty="0"/>
           </a:p>
         </p:txBody>
       </p:sp>
@@ -22972,20 +22507,20 @@
           <a:lstStyle/>
           <a:p>
             <a:r>
-              <a:rPr lang="en-US" sz="2400" dirty="0" smtClean="0"/>
+              <a:rPr lang="en-US" sz="2400" dirty="0"/>
               <a:t>Flows get throughput inversely proportional to RTT</a:t>
             </a:r>
           </a:p>
           <a:p>
             <a:r>
-              <a:rPr lang="en-US" sz="2400" dirty="0" smtClean="0">
+              <a:rPr lang="en-US" sz="2400" dirty="0">
                 <a:solidFill>
                   <a:schemeClr val="accent5"/>
                 </a:solidFill>
               </a:rPr>
               <a:t>TCP unfair in the face of heterogeneous RTTs!</a:t>
             </a:r>
-            <a:endParaRPr lang="en-US" sz="2000" dirty="0" smtClean="0">
+            <a:endParaRPr lang="en-US" sz="2000" dirty="0">
               <a:solidFill>
                 <a:schemeClr val="accent5"/>
               </a:solidFill>
@@ -22993,79 +22528,18 @@
           </a:p>
           <a:p>
             <a:pPr lvl="1"/>
-            <a:endParaRPr lang="en-US" sz="2000" dirty="0" smtClean="0"/>
+            <a:endParaRPr lang="en-US" sz="2000" dirty="0"/>
           </a:p>
           <a:p>
             <a:pPr lvl="1"/>
-            <a:endParaRPr lang="en-US" dirty="0" smtClean="0"/>
+            <a:endParaRPr lang="en-US" dirty="0"/>
           </a:p>
           <a:p>
             <a:pPr lvl="1"/>
-            <a:endParaRPr lang="en-US" dirty="0" smtClean="0"/>
+            <a:endParaRPr lang="en-US" dirty="0"/>
           </a:p>
         </p:txBody>
       </p:sp>
-      <p:graphicFrame>
-        <p:nvGraphicFramePr>
-          <p:cNvPr id="5" name="Object 4"/>
-          <p:cNvGraphicFramePr>
-            <a:graphicFrameLocks noChangeAspect="1"/>
-          </p:cNvGraphicFramePr>
-          <p:nvPr>
-            <p:extLst/>
-          </p:nvPr>
-        </p:nvGraphicFramePr>
-        <p:xfrm>
-          <a:off x="2828925" y="1600200"/>
-          <a:ext cx="3268663" cy="923925"/>
-        </p:xfrm>
-        <a:graphic>
-          <a:graphicData uri="http://schemas.openxmlformats.org/presentationml/2006/ole">
-            <mc:AlternateContent xmlns:mc="http://schemas.openxmlformats.org/markup-compatibility/2006">
-              <mc:Choice xmlns:v="urn:schemas-microsoft-com:vml" Requires="v">
-                <p:oleObj spid="_x0000_s5153" name="Equation" r:id="rId3" imgW="1663700" imgH="469900" progId="Equation.3">
-                  <p:embed/>
-                </p:oleObj>
-              </mc:Choice>
-              <mc:Fallback>
-                <p:oleObj name="Equation" r:id="rId3" imgW="1663700" imgH="469900" progId="Equation.3">
-                  <p:embed/>
-                  <p:pic>
-                    <p:nvPicPr>
-                      <p:cNvPr id="0" name=""/>
-                      <p:cNvPicPr>
-                        <a:picLocks noChangeAspect="1" noChangeArrowheads="1"/>
-                      </p:cNvPicPr>
-                      <p:nvPr/>
-                    </p:nvPicPr>
-                    <p:blipFill>
-                      <a:blip r:embed="rId4"/>
-                      <a:srcRect/>
-                      <a:stretch>
-                        <a:fillRect/>
-                      </a:stretch>
-                    </p:blipFill>
-                    <p:spPr bwMode="auto">
-                      <a:xfrm>
-                        <a:off x="2828925" y="1600200"/>
-                        <a:ext cx="3268663" cy="923925"/>
-                      </a:xfrm>
-                      <a:prstGeom prst="rect">
-                        <a:avLst/>
-                      </a:prstGeom>
-                      <a:noFill/>
-                      <a:ln>
-                        <a:noFill/>
-                      </a:ln>
-                      <a:extLst/>
-                    </p:spPr>
-                  </p:pic>
-                </p:oleObj>
-              </mc:Fallback>
-            </mc:AlternateContent>
-          </a:graphicData>
-        </a:graphic>
-      </p:graphicFrame>
       <p:grpSp>
         <p:nvGrpSpPr>
           <p:cNvPr id="7" name="Group 41"/>
@@ -23302,14 +22776,11 @@
             <a:p>
               <a:pPr algn="ctr"/>
               <a:r>
-                <a:rPr lang="en-US" sz="2800" b="0" dirty="0" smtClean="0">
+                <a:rPr lang="en-US" sz="2800" b="0" dirty="0">
                   <a:latin typeface="Tahoma" charset="0"/>
                 </a:rPr>
                 <a:t>A2</a:t>
               </a:r>
-              <a:endParaRPr lang="en-US" sz="2800" b="0" dirty="0">
-                <a:latin typeface="Tahoma" charset="0"/>
-              </a:endParaRPr>
             </a:p>
           </p:txBody>
         </p:sp>
@@ -23361,14 +22832,11 @@
             <a:p>
               <a:pPr algn="ctr"/>
               <a:r>
-                <a:rPr lang="en-US" sz="2800" b="0" dirty="0" smtClean="0">
+                <a:rPr lang="en-US" sz="2800" b="0" dirty="0">
                   <a:latin typeface="Tahoma" charset="0"/>
                 </a:rPr>
                 <a:t>B2</a:t>
               </a:r>
-              <a:endParaRPr lang="en-US" sz="2800" b="0" dirty="0">
-                <a:latin typeface="Tahoma" charset="0"/>
-              </a:endParaRPr>
             </a:p>
           </p:txBody>
         </p:sp>
@@ -23492,7 +22960,7 @@
           <p:nvPr/>
         </p:nvPicPr>
         <p:blipFill>
-          <a:blip r:embed="rId5">
+          <a:blip r:embed="rId2">
             <a:extLst>
               <a:ext uri="{28A0092B-C50C-407E-A947-70E740481C1C}">
                 <a14:useLocalDpi xmlns:a14="http://schemas.microsoft.com/office/drawing/2010/main" val="0"/>
@@ -23558,7 +23026,7 @@
           <p:nvPr/>
         </p:nvPicPr>
         <p:blipFill>
-          <a:blip r:embed="rId5">
+          <a:blip r:embed="rId2">
             <a:extLst>
               <a:ext uri="{28A0092B-C50C-407E-A947-70E740481C1C}">
                 <a14:useLocalDpi xmlns:a14="http://schemas.microsoft.com/office/drawing/2010/main" val="0"/>
@@ -23639,7 +23107,7 @@
           <a:p>
             <a:pPr algn="ctr"/>
             <a:r>
-              <a:rPr lang="en-US" sz="1800" b="0" i="1" dirty="0" smtClean="0">
+              <a:rPr lang="en-US" sz="1800" b="0" i="1" dirty="0">
                 <a:latin typeface="+mn-lt"/>
               </a:rPr>
               <a:t>bottleneck</a:t>
@@ -23648,14 +23116,11 @@
           <a:p>
             <a:pPr algn="ctr"/>
             <a:r>
-              <a:rPr lang="en-US" sz="1800" b="0" i="1" dirty="0" smtClean="0">
+              <a:rPr lang="en-US" sz="1800" b="0" i="1" dirty="0">
                 <a:latin typeface="+mn-lt"/>
               </a:rPr>
               <a:t>link</a:t>
             </a:r>
-            <a:endParaRPr lang="en-US" sz="1800" b="0" i="1" dirty="0">
-              <a:latin typeface="+mn-lt"/>
-            </a:endParaRPr>
           </a:p>
         </p:txBody>
       </p:sp>
@@ -23877,7 +23342,7 @@
           <a:p>
             <a:pPr algn="ctr"/>
             <a:r>
-              <a:rPr lang="en-US" sz="1800" i="1" dirty="0" smtClean="0">
+              <a:rPr lang="en-US" sz="1800" i="1" dirty="0">
                 <a:solidFill>
                   <a:schemeClr val="accent5"/>
                 </a:solidFill>
@@ -23885,12 +23350,6 @@
               </a:rPr>
               <a:t>100ms</a:t>
             </a:r>
-            <a:endParaRPr lang="en-US" sz="1800" i="1" dirty="0">
-              <a:solidFill>
-                <a:schemeClr val="accent5"/>
-              </a:solidFill>
-              <a:latin typeface="+mn-lt"/>
-            </a:endParaRPr>
           </a:p>
         </p:txBody>
       </p:sp>
@@ -23918,7 +23377,7 @@
           <a:p>
             <a:pPr algn="ctr"/>
             <a:r>
-              <a:rPr lang="en-US" sz="1800" i="1" dirty="0" smtClean="0">
+              <a:rPr lang="en-US" sz="1800" i="1" dirty="0">
                 <a:solidFill>
                   <a:schemeClr val="accent4"/>
                 </a:solidFill>
@@ -23926,12 +23385,6 @@
               </a:rPr>
               <a:t>200ms</a:t>
             </a:r>
-            <a:endParaRPr lang="en-US" sz="1800" i="1" dirty="0">
-              <a:solidFill>
-                <a:schemeClr val="accent4"/>
-              </a:solidFill>
-              <a:latin typeface="+mn-lt"/>
-            </a:endParaRPr>
           </a:p>
         </p:txBody>
       </p:sp>
@@ -23959,6 +23412,217 @@
           </a:p>
         </p:txBody>
       </p:sp>
+      <mc:AlternateContent xmlns:mc="http://schemas.openxmlformats.org/markup-compatibility/2006" xmlns:a14="http://schemas.microsoft.com/office/drawing/2010/main">
+        <mc:Choice Requires="a14">
+          <p:sp>
+            <p:nvSpPr>
+              <p:cNvPr id="6" name="TextBox 5">
+                <a:extLst>
+                  <a:ext uri="{FF2B5EF4-FFF2-40B4-BE49-F238E27FC236}">
+                    <a16:creationId xmlns:a16="http://schemas.microsoft.com/office/drawing/2014/main" id="{0BA9D5A8-2D17-B947-AEC9-952AD99DC41D}"/>
+                  </a:ext>
+                </a:extLst>
+              </p:cNvPr>
+              <p:cNvSpPr txBox="1"/>
+              <p:nvPr/>
+            </p:nvSpPr>
+            <p:spPr>
+              <a:xfrm>
+                <a:off x="2743200" y="1678276"/>
+                <a:ext cx="3666388" cy="909352"/>
+              </a:xfrm>
+              <a:prstGeom prst="rect">
+                <a:avLst/>
+              </a:prstGeom>
+              <a:noFill/>
+            </p:spPr>
+            <p:txBody>
+              <a:bodyPr wrap="none" lIns="0" tIns="0" rIns="0" bIns="0" rtlCol="0">
+                <a:spAutoFit/>
+              </a:bodyPr>
+              <a:lstStyle/>
+              <a:p>
+                <a:pPr/>
+                <a14:m>
+                  <m:oMathPara xmlns:m="http://schemas.openxmlformats.org/officeDocument/2006/math">
+                    <m:oMathParaPr>
+                      <m:jc m:val="centerGroup"/>
+                    </m:oMathParaPr>
+                    <m:oMath xmlns:m="http://schemas.openxmlformats.org/officeDocument/2006/math">
+                      <m:r>
+                        <m:rPr>
+                          <m:sty m:val="p"/>
+                        </m:rPr>
+                        <a:rPr lang="en-US" altLang="zh-CN" sz="2000" i="1" smtClean="0">
+                          <a:latin typeface="Cambria Math" panose="02040503050406030204" pitchFamily="18" charset="0"/>
+                        </a:rPr>
+                        <m:t>T</m:t>
+                      </m:r>
+                      <m:r>
+                        <a:rPr lang="en-US" altLang="zh-CN" sz="2000" b="0" i="1" smtClean="0">
+                          <a:latin typeface="Cambria Math" panose="02040503050406030204" pitchFamily="18" charset="0"/>
+                        </a:rPr>
+                        <m:t>h𝑟𝑜𝑢𝑔h𝑝𝑢𝑡</m:t>
+                      </m:r>
+                      <m:r>
+                        <a:rPr lang="en-US" altLang="zh-CN" sz="2000" b="0" i="1" smtClean="0">
+                          <a:latin typeface="Cambria Math" panose="02040503050406030204" pitchFamily="18" charset="0"/>
+                        </a:rPr>
+                        <m:t>= </m:t>
+                      </m:r>
+                      <m:rad>
+                        <m:radPr>
+                          <m:degHide m:val="on"/>
+                          <m:ctrlPr>
+                            <a:rPr lang="en-US" altLang="zh-CN" sz="2000" b="0" i="1" smtClean="0">
+                              <a:latin typeface="Cambria Math" panose="02040503050406030204" pitchFamily="18" charset="0"/>
+                            </a:rPr>
+                          </m:ctrlPr>
+                        </m:radPr>
+                        <m:deg/>
+                        <m:e>
+                          <m:f>
+                            <m:fPr>
+                              <m:ctrlPr>
+                                <a:rPr lang="en-US" altLang="zh-CN" sz="2000" b="0" i="1" smtClean="0">
+                                  <a:latin typeface="Cambria Math" panose="02040503050406030204" pitchFamily="18" charset="0"/>
+                                </a:rPr>
+                              </m:ctrlPr>
+                            </m:fPr>
+                            <m:num>
+                              <m:r>
+                                <a:rPr lang="en-US" altLang="zh-CN" sz="2000" b="0" i="1" smtClean="0">
+                                  <a:latin typeface="Cambria Math" panose="02040503050406030204" pitchFamily="18" charset="0"/>
+                                </a:rPr>
+                                <m:t>3</m:t>
+                              </m:r>
+                            </m:num>
+                            <m:den>
+                              <m:r>
+                                <a:rPr lang="en-US" altLang="zh-CN" sz="2000" b="0" i="1" smtClean="0">
+                                  <a:latin typeface="Cambria Math" panose="02040503050406030204" pitchFamily="18" charset="0"/>
+                                </a:rPr>
+                                <m:t>2</m:t>
+                              </m:r>
+                            </m:den>
+                          </m:f>
+                        </m:e>
+                      </m:rad>
+                      <m:r>
+                        <a:rPr lang="en-US" altLang="zh-CN" sz="2000" b="0" i="1" smtClean="0">
+                          <a:latin typeface="Cambria Math" panose="02040503050406030204" pitchFamily="18" charset="0"/>
+                        </a:rPr>
+                        <m:t> </m:t>
+                      </m:r>
+                      <m:f>
+                        <m:fPr>
+                          <m:ctrlPr>
+                            <a:rPr lang="en-US" altLang="zh-CN" sz="2000" b="0" i="1" smtClean="0">
+                              <a:latin typeface="Cambria Math" panose="02040503050406030204" pitchFamily="18" charset="0"/>
+                            </a:rPr>
+                          </m:ctrlPr>
+                        </m:fPr>
+                        <m:num>
+                          <m:r>
+                            <a:rPr lang="en-US" altLang="zh-CN" sz="2000" b="0" i="1" smtClean="0">
+                              <a:latin typeface="Cambria Math" panose="02040503050406030204" pitchFamily="18" charset="0"/>
+                            </a:rPr>
+                            <m:t>1</m:t>
+                          </m:r>
+                        </m:num>
+                        <m:den>
+                          <m:r>
+                            <a:rPr lang="en-US" altLang="zh-CN" sz="2000" b="0" i="1" smtClean="0">
+                              <a:latin typeface="Cambria Math" panose="02040503050406030204" pitchFamily="18" charset="0"/>
+                            </a:rPr>
+                            <m:t>𝑅𝑇𝑇</m:t>
+                          </m:r>
+                          <m:rad>
+                            <m:radPr>
+                              <m:degHide m:val="on"/>
+                              <m:ctrlPr>
+                                <a:rPr lang="en-US" altLang="zh-CN" sz="2000" b="0" i="1" smtClean="0">
+                                  <a:latin typeface="Cambria Math" panose="02040503050406030204" pitchFamily="18" charset="0"/>
+                                </a:rPr>
+                              </m:ctrlPr>
+                            </m:radPr>
+                            <m:deg/>
+                            <m:e>
+                              <m:r>
+                                <a:rPr lang="en-US" altLang="zh-CN" sz="2000" b="0" i="1" smtClean="0">
+                                  <a:latin typeface="Cambria Math" panose="02040503050406030204" pitchFamily="18" charset="0"/>
+                                </a:rPr>
+                                <m:t>𝑝</m:t>
+                              </m:r>
+                            </m:e>
+                          </m:rad>
+                        </m:den>
+                      </m:f>
+                      <m:r>
+                        <a:rPr lang="en-US" altLang="zh-CN" sz="2000" b="0" i="1" smtClean="0">
+                          <a:latin typeface="Cambria Math" panose="02040503050406030204" pitchFamily="18" charset="0"/>
+                        </a:rPr>
+                        <m:t> </m:t>
+                      </m:r>
+                      <m:r>
+                        <a:rPr lang="en-US" altLang="zh-CN" sz="2000" b="0" i="1" smtClean="0">
+                          <a:latin typeface="Cambria Math" panose="02040503050406030204" pitchFamily="18" charset="0"/>
+                        </a:rPr>
+                        <m:t>𝑀𝑆𝑆</m:t>
+                      </m:r>
+                    </m:oMath>
+                  </m:oMathPara>
+                </a14:m>
+                <a:endParaRPr lang="en-US" sz="2000" dirty="0"/>
+              </a:p>
+            </p:txBody>
+          </p:sp>
+        </mc:Choice>
+        <mc:Fallback xmlns="">
+          <p:sp>
+            <p:nvSpPr>
+              <p:cNvPr id="6" name="TextBox 5">
+                <a:extLst>
+                  <a:ext uri="{FF2B5EF4-FFF2-40B4-BE49-F238E27FC236}">
+                    <a16:creationId xmlns:a16="http://schemas.microsoft.com/office/drawing/2014/main" id="{0BA9D5A8-2D17-B947-AEC9-952AD99DC41D}"/>
+                  </a:ext>
+                </a:extLst>
+              </p:cNvPr>
+              <p:cNvSpPr txBox="1">
+                <a:spLocks noRot="1" noChangeAspect="1" noMove="1" noResize="1" noEditPoints="1" noAdjustHandles="1" noChangeArrowheads="1" noChangeShapeType="1" noTextEdit="1"/>
+              </p:cNvSpPr>
+              <p:nvPr/>
+            </p:nvSpPr>
+            <p:spPr>
+              <a:xfrm>
+                <a:off x="2743200" y="1678276"/>
+                <a:ext cx="3666388" cy="909352"/>
+              </a:xfrm>
+              <a:prstGeom prst="rect">
+                <a:avLst/>
+              </a:prstGeom>
+              <a:blipFill>
+                <a:blip r:embed="rId3"/>
+                <a:stretch>
+                  <a:fillRect l="-1384" r="-692"/>
+                </a:stretch>
+              </a:blipFill>
+            </p:spPr>
+            <p:txBody>
+              <a:bodyPr/>
+              <a:lstStyle/>
+              <a:p>
+                <a:r>
+                  <a:rPr lang="en-US">
+                    <a:noFill/>
+                  </a:rPr>
+                  <a:t> </a:t>
+                </a:r>
+              </a:p>
+            </p:txBody>
+          </p:sp>
+        </mc:Fallback>
+      </mc:AlternateContent>
     </p:spTree>
     <p:extLst>
       <p:ext uri="{BB962C8B-B14F-4D97-AF65-F5344CB8AC3E}">
@@ -24136,14 +23800,14 @@
           <a:lstStyle/>
           <a:p>
             <a:r>
-              <a:rPr lang="en-US" smtClean="0"/>
+              <a:rPr lang="en-US"/>
               <a:t>Implications (2): </a:t>
             </a:r>
             <a:br>
-              <a:rPr lang="en-US" smtClean="0"/>
+              <a:rPr lang="en-US"/>
             </a:br>
             <a:r>
-              <a:rPr lang="en-US" smtClean="0"/>
+              <a:rPr lang="en-US"/>
               <a:t>High-speed TCP</a:t>
             </a:r>
             <a:endParaRPr lang="en-US" dirty="0"/>
@@ -24166,121 +23830,60 @@
           <a:lstStyle/>
           <a:p>
             <a:r>
-              <a:rPr lang="en-US" dirty="0" smtClean="0"/>
+              <a:rPr lang="en-US" dirty="0"/>
               <a:t>Assume RTT = 100ms, MSS=1500bytes, BW=100Gbps</a:t>
             </a:r>
           </a:p>
           <a:p>
             <a:r>
-              <a:rPr lang="en-US" dirty="0" smtClean="0"/>
+              <a:rPr lang="en-US" dirty="0"/>
               <a:t>What value of p is required to reach 100Gbps throughput?</a:t>
             </a:r>
           </a:p>
           <a:p>
             <a:pPr lvl="1"/>
             <a:r>
-              <a:rPr lang="en-US" dirty="0" smtClean="0"/>
+              <a:rPr lang="en-US" dirty="0"/>
               <a:t>~ 2 x 10</a:t>
             </a:r>
             <a:r>
-              <a:rPr lang="en-US" baseline="30000" dirty="0" smtClean="0"/>
+              <a:rPr lang="en-US" baseline="30000" dirty="0"/>
               <a:t>-12</a:t>
             </a:r>
           </a:p>
           <a:p>
             <a:r>
-              <a:rPr lang="en-US" dirty="0" smtClean="0"/>
+              <a:rPr lang="en-US" dirty="0"/>
               <a:t>How long between drops?</a:t>
             </a:r>
           </a:p>
           <a:p>
             <a:pPr lvl="1"/>
             <a:r>
-              <a:rPr lang="en-US" dirty="0" smtClean="0"/>
+              <a:rPr lang="en-US" dirty="0"/>
               <a:t>~ 16.6 hours</a:t>
             </a:r>
           </a:p>
           <a:p>
             <a:r>
-              <a:rPr lang="en-US" dirty="0" smtClean="0"/>
+              <a:rPr lang="en-US" dirty="0"/>
               <a:t>How much data has been sent in this time?</a:t>
             </a:r>
           </a:p>
           <a:p>
             <a:pPr lvl="1"/>
             <a:r>
-              <a:rPr lang="en-US" dirty="0" smtClean="0"/>
+              <a:rPr lang="en-US" dirty="0"/>
               <a:t>~ 6 </a:t>
             </a:r>
             <a:r>
-              <a:rPr lang="en-US" dirty="0" err="1" smtClean="0"/>
+              <a:rPr lang="en-US" dirty="0" err="1"/>
               <a:t>petabits</a:t>
             </a:r>
-            <a:endParaRPr lang="en-US" dirty="0" smtClean="0"/>
+            <a:endParaRPr lang="en-US" dirty="0"/>
           </a:p>
         </p:txBody>
       </p:sp>
-      <p:graphicFrame>
-        <p:nvGraphicFramePr>
-          <p:cNvPr id="4" name="Object 3"/>
-          <p:cNvGraphicFramePr>
-            <a:graphicFrameLocks noChangeAspect="1"/>
-          </p:cNvGraphicFramePr>
-          <p:nvPr>
-            <p:extLst/>
-          </p:nvPr>
-        </p:nvGraphicFramePr>
-        <p:xfrm>
-          <a:off x="5715000" y="261937"/>
-          <a:ext cx="3268663" cy="923925"/>
-        </p:xfrm>
-        <a:graphic>
-          <a:graphicData uri="http://schemas.openxmlformats.org/presentationml/2006/ole">
-            <mc:AlternateContent xmlns:mc="http://schemas.openxmlformats.org/markup-compatibility/2006">
-              <mc:Choice xmlns:v="urn:schemas-microsoft-com:vml" Requires="v">
-                <p:oleObj spid="_x0000_s6177" name="Equation" r:id="rId3" imgW="1663700" imgH="469900" progId="Equation.3">
-                  <p:embed/>
-                </p:oleObj>
-              </mc:Choice>
-              <mc:Fallback>
-                <p:oleObj name="Equation" r:id="rId3" imgW="1663700" imgH="469900" progId="Equation.3">
-                  <p:embed/>
-                  <p:pic>
-                    <p:nvPicPr>
-                      <p:cNvPr id="0" name=""/>
-                      <p:cNvPicPr>
-                        <a:picLocks noChangeAspect="1" noChangeArrowheads="1"/>
-                      </p:cNvPicPr>
-                      <p:nvPr/>
-                    </p:nvPicPr>
-                    <p:blipFill>
-                      <a:blip r:embed="rId4"/>
-                      <a:srcRect/>
-                      <a:stretch>
-                        <a:fillRect/>
-                      </a:stretch>
-                    </p:blipFill>
-                    <p:spPr bwMode="auto">
-                      <a:xfrm>
-                        <a:off x="5715000" y="261937"/>
-                        <a:ext cx="3268663" cy="923925"/>
-                      </a:xfrm>
-                      <a:prstGeom prst="rect">
-                        <a:avLst/>
-                      </a:prstGeom>
-                      <a:noFill/>
-                      <a:ln>
-                        <a:noFill/>
-                      </a:ln>
-                      <a:extLst/>
-                    </p:spPr>
-                  </p:pic>
-                </p:oleObj>
-              </mc:Fallback>
-            </mc:AlternateContent>
-          </a:graphicData>
-        </a:graphic>
-      </p:graphicFrame>
       <p:sp>
         <p:nvSpPr>
           <p:cNvPr id="11" name="Slide Number Placeholder 10"/>
@@ -24305,6 +23908,663 @@
           </a:p>
         </p:txBody>
       </p:sp>
+      <mc:AlternateContent xmlns:mc="http://schemas.openxmlformats.org/markup-compatibility/2006" xmlns:a14="http://schemas.microsoft.com/office/drawing/2010/main">
+        <mc:Choice Requires="a14">
+          <p:sp>
+            <p:nvSpPr>
+              <p:cNvPr id="6" name="TextBox 5">
+                <a:extLst>
+                  <a:ext uri="{FF2B5EF4-FFF2-40B4-BE49-F238E27FC236}">
+                    <a16:creationId xmlns:a16="http://schemas.microsoft.com/office/drawing/2014/main" id="{3F929B39-5CE0-9B42-9094-6885063937D4}"/>
+                  </a:ext>
+                </a:extLst>
+              </p:cNvPr>
+              <p:cNvSpPr txBox="1"/>
+              <p:nvPr/>
+            </p:nvSpPr>
+            <p:spPr>
+              <a:xfrm>
+                <a:off x="5257800" y="438898"/>
+                <a:ext cx="3666388" cy="909352"/>
+              </a:xfrm>
+              <a:prstGeom prst="rect">
+                <a:avLst/>
+              </a:prstGeom>
+              <a:noFill/>
+            </p:spPr>
+            <p:txBody>
+              <a:bodyPr wrap="none" lIns="0" tIns="0" rIns="0" bIns="0" rtlCol="0">
+                <a:spAutoFit/>
+              </a:bodyPr>
+              <a:lstStyle/>
+              <a:p>
+                <a:pPr/>
+                <a14:m>
+                  <m:oMathPara xmlns:m="http://schemas.openxmlformats.org/officeDocument/2006/math">
+                    <m:oMathParaPr>
+                      <m:jc m:val="centerGroup"/>
+                    </m:oMathParaPr>
+                    <m:oMath xmlns:m="http://schemas.openxmlformats.org/officeDocument/2006/math">
+                      <m:r>
+                        <m:rPr>
+                          <m:sty m:val="p"/>
+                        </m:rPr>
+                        <a:rPr lang="en-US" altLang="zh-CN" sz="2000" i="1" smtClean="0">
+                          <a:latin typeface="Cambria Math" panose="02040503050406030204" pitchFamily="18" charset="0"/>
+                        </a:rPr>
+                        <m:t>T</m:t>
+                      </m:r>
+                      <m:r>
+                        <a:rPr lang="en-US" altLang="zh-CN" sz="2000" b="0" i="1" smtClean="0">
+                          <a:latin typeface="Cambria Math" panose="02040503050406030204" pitchFamily="18" charset="0"/>
+                        </a:rPr>
+                        <m:t>h𝑟𝑜𝑢𝑔h𝑝𝑢𝑡</m:t>
+                      </m:r>
+                      <m:r>
+                        <a:rPr lang="en-US" altLang="zh-CN" sz="2000" b="0" i="1" smtClean="0">
+                          <a:latin typeface="Cambria Math" panose="02040503050406030204" pitchFamily="18" charset="0"/>
+                        </a:rPr>
+                        <m:t>= </m:t>
+                      </m:r>
+                      <m:rad>
+                        <m:radPr>
+                          <m:degHide m:val="on"/>
+                          <m:ctrlPr>
+                            <a:rPr lang="en-US" altLang="zh-CN" sz="2000" b="0" i="1" smtClean="0">
+                              <a:latin typeface="Cambria Math" panose="02040503050406030204" pitchFamily="18" charset="0"/>
+                            </a:rPr>
+                          </m:ctrlPr>
+                        </m:radPr>
+                        <m:deg/>
+                        <m:e>
+                          <m:f>
+                            <m:fPr>
+                              <m:ctrlPr>
+                                <a:rPr lang="en-US" altLang="zh-CN" sz="2000" b="0" i="1" smtClean="0">
+                                  <a:latin typeface="Cambria Math" panose="02040503050406030204" pitchFamily="18" charset="0"/>
+                                </a:rPr>
+                              </m:ctrlPr>
+                            </m:fPr>
+                            <m:num>
+                              <m:r>
+                                <a:rPr lang="en-US" altLang="zh-CN" sz="2000" b="0" i="1" smtClean="0">
+                                  <a:latin typeface="Cambria Math" panose="02040503050406030204" pitchFamily="18" charset="0"/>
+                                </a:rPr>
+                                <m:t>3</m:t>
+                              </m:r>
+                            </m:num>
+                            <m:den>
+                              <m:r>
+                                <a:rPr lang="en-US" altLang="zh-CN" sz="2000" b="0" i="1" smtClean="0">
+                                  <a:latin typeface="Cambria Math" panose="02040503050406030204" pitchFamily="18" charset="0"/>
+                                </a:rPr>
+                                <m:t>2</m:t>
+                              </m:r>
+                            </m:den>
+                          </m:f>
+                        </m:e>
+                      </m:rad>
+                      <m:r>
+                        <a:rPr lang="en-US" altLang="zh-CN" sz="2000" b="0" i="1" smtClean="0">
+                          <a:latin typeface="Cambria Math" panose="02040503050406030204" pitchFamily="18" charset="0"/>
+                        </a:rPr>
+                        <m:t> </m:t>
+                      </m:r>
+                      <m:f>
+                        <m:fPr>
+                          <m:ctrlPr>
+                            <a:rPr lang="en-US" altLang="zh-CN" sz="2000" b="0" i="1" smtClean="0">
+                              <a:latin typeface="Cambria Math" panose="02040503050406030204" pitchFamily="18" charset="0"/>
+                            </a:rPr>
+                          </m:ctrlPr>
+                        </m:fPr>
+                        <m:num>
+                          <m:r>
+                            <a:rPr lang="en-US" altLang="zh-CN" sz="2000" b="0" i="1" smtClean="0">
+                              <a:latin typeface="Cambria Math" panose="02040503050406030204" pitchFamily="18" charset="0"/>
+                            </a:rPr>
+                            <m:t>1</m:t>
+                          </m:r>
+                        </m:num>
+                        <m:den>
+                          <m:r>
+                            <a:rPr lang="en-US" altLang="zh-CN" sz="2000" b="0" i="1" smtClean="0">
+                              <a:latin typeface="Cambria Math" panose="02040503050406030204" pitchFamily="18" charset="0"/>
+                            </a:rPr>
+                            <m:t>𝑅𝑇𝑇</m:t>
+                          </m:r>
+                          <m:rad>
+                            <m:radPr>
+                              <m:degHide m:val="on"/>
+                              <m:ctrlPr>
+                                <a:rPr lang="en-US" altLang="zh-CN" sz="2000" b="0" i="1" smtClean="0">
+                                  <a:latin typeface="Cambria Math" panose="02040503050406030204" pitchFamily="18" charset="0"/>
+                                </a:rPr>
+                              </m:ctrlPr>
+                            </m:radPr>
+                            <m:deg/>
+                            <m:e>
+                              <m:r>
+                                <a:rPr lang="en-US" altLang="zh-CN" sz="2000" b="0" i="1" smtClean="0">
+                                  <a:latin typeface="Cambria Math" panose="02040503050406030204" pitchFamily="18" charset="0"/>
+                                </a:rPr>
+                                <m:t>𝑝</m:t>
+                              </m:r>
+                            </m:e>
+                          </m:rad>
+                        </m:den>
+                      </m:f>
+                      <m:r>
+                        <a:rPr lang="en-US" altLang="zh-CN" sz="2000" b="0" i="1" smtClean="0">
+                          <a:latin typeface="Cambria Math" panose="02040503050406030204" pitchFamily="18" charset="0"/>
+                        </a:rPr>
+                        <m:t> </m:t>
+                      </m:r>
+                      <m:r>
+                        <a:rPr lang="en-US" altLang="zh-CN" sz="2000" b="0" i="1" smtClean="0">
+                          <a:latin typeface="Cambria Math" panose="02040503050406030204" pitchFamily="18" charset="0"/>
+                        </a:rPr>
+                        <m:t>𝑀𝑆𝑆</m:t>
+                      </m:r>
+                    </m:oMath>
+                  </m:oMathPara>
+                </a14:m>
+                <a:endParaRPr lang="en-US" sz="2000" dirty="0"/>
+              </a:p>
+            </p:txBody>
+          </p:sp>
+        </mc:Choice>
+        <mc:Fallback xmlns="">
+          <p:sp>
+            <p:nvSpPr>
+              <p:cNvPr id="6" name="TextBox 5">
+                <a:extLst>
+                  <a:ext uri="{FF2B5EF4-FFF2-40B4-BE49-F238E27FC236}">
+                    <a16:creationId xmlns:a16="http://schemas.microsoft.com/office/drawing/2014/main" id="{3F929B39-5CE0-9B42-9094-6885063937D4}"/>
+                  </a:ext>
+                </a:extLst>
+              </p:cNvPr>
+              <p:cNvSpPr txBox="1">
+                <a:spLocks noRot="1" noChangeAspect="1" noMove="1" noResize="1" noEditPoints="1" noAdjustHandles="1" noChangeArrowheads="1" noChangeShapeType="1" noTextEdit="1"/>
+              </p:cNvSpPr>
+              <p:nvPr/>
+            </p:nvSpPr>
+            <p:spPr>
+              <a:xfrm>
+                <a:off x="5257800" y="438898"/>
+                <a:ext cx="3666388" cy="909352"/>
+              </a:xfrm>
+              <a:prstGeom prst="rect">
+                <a:avLst/>
+              </a:prstGeom>
+              <a:blipFill>
+                <a:blip r:embed="rId2"/>
+                <a:stretch>
+                  <a:fillRect l="-1034" r="-690"/>
+                </a:stretch>
+              </a:blipFill>
+            </p:spPr>
+            <p:txBody>
+              <a:bodyPr/>
+              <a:lstStyle/>
+              <a:p>
+                <a:r>
+                  <a:rPr lang="en-US">
+                    <a:noFill/>
+                  </a:rPr>
+                  <a:t> </a:t>
+                </a:r>
+              </a:p>
+            </p:txBody>
+          </p:sp>
+        </mc:Fallback>
+      </mc:AlternateContent>
+      <mc:AlternateContent xmlns:mc="http://schemas.openxmlformats.org/markup-compatibility/2006" xmlns:a14="http://schemas.microsoft.com/office/drawing/2010/main">
+        <mc:Choice Requires="a14">
+          <p:sp>
+            <p:nvSpPr>
+              <p:cNvPr id="8" name="TextBox 7">
+                <a:extLst>
+                  <a:ext uri="{FF2B5EF4-FFF2-40B4-BE49-F238E27FC236}">
+                    <a16:creationId xmlns:a16="http://schemas.microsoft.com/office/drawing/2014/main" id="{E89DEA33-EA1F-174D-BBE3-CDF9A7E275B0}"/>
+                  </a:ext>
+                </a:extLst>
+              </p:cNvPr>
+              <p:cNvSpPr txBox="1"/>
+              <p:nvPr/>
+            </p:nvSpPr>
+            <p:spPr>
+              <a:xfrm>
+                <a:off x="3124200" y="3200400"/>
+                <a:ext cx="2690673" cy="909352"/>
+              </a:xfrm>
+              <a:prstGeom prst="rect">
+                <a:avLst/>
+              </a:prstGeom>
+              <a:noFill/>
+            </p:spPr>
+            <p:txBody>
+              <a:bodyPr wrap="none" lIns="0" tIns="0" rIns="0" bIns="0" rtlCol="0">
+                <a:spAutoFit/>
+              </a:bodyPr>
+              <a:lstStyle/>
+              <a:p>
+                <a:pPr/>
+                <a14:m>
+                  <m:oMathPara xmlns:m="http://schemas.openxmlformats.org/officeDocument/2006/math">
+                    <m:oMathParaPr>
+                      <m:jc m:val="centerGroup"/>
+                    </m:oMathParaPr>
+                    <m:oMath xmlns:m="http://schemas.openxmlformats.org/officeDocument/2006/math">
+                      <m:r>
+                        <a:rPr lang="en-US" altLang="zh-CN" sz="2000" i="1" smtClean="0">
+                          <a:latin typeface="Cambria Math" panose="02040503050406030204" pitchFamily="18" charset="0"/>
+                        </a:rPr>
+                        <m:t>𝐵</m:t>
+                      </m:r>
+                      <m:r>
+                        <a:rPr lang="en-US" altLang="zh-CN" sz="2000" b="0" i="1" smtClean="0">
+                          <a:latin typeface="Cambria Math" panose="02040503050406030204" pitchFamily="18" charset="0"/>
+                        </a:rPr>
+                        <m:t>𝑊</m:t>
+                      </m:r>
+                      <m:r>
+                        <a:rPr lang="en-US" altLang="zh-CN" sz="2000" b="0" i="1" smtClean="0">
+                          <a:latin typeface="Cambria Math" panose="02040503050406030204" pitchFamily="18" charset="0"/>
+                        </a:rPr>
+                        <m:t>= </m:t>
+                      </m:r>
+                      <m:rad>
+                        <m:radPr>
+                          <m:degHide m:val="on"/>
+                          <m:ctrlPr>
+                            <a:rPr lang="en-US" altLang="zh-CN" sz="2000" b="0" i="1" smtClean="0">
+                              <a:latin typeface="Cambria Math" panose="02040503050406030204" pitchFamily="18" charset="0"/>
+                            </a:rPr>
+                          </m:ctrlPr>
+                        </m:radPr>
+                        <m:deg/>
+                        <m:e>
+                          <m:f>
+                            <m:fPr>
+                              <m:ctrlPr>
+                                <a:rPr lang="en-US" altLang="zh-CN" sz="2000" b="0" i="1" smtClean="0">
+                                  <a:latin typeface="Cambria Math" panose="02040503050406030204" pitchFamily="18" charset="0"/>
+                                </a:rPr>
+                              </m:ctrlPr>
+                            </m:fPr>
+                            <m:num>
+                              <m:r>
+                                <a:rPr lang="en-US" altLang="zh-CN" sz="2000" b="0" i="1" smtClean="0">
+                                  <a:latin typeface="Cambria Math" panose="02040503050406030204" pitchFamily="18" charset="0"/>
+                                </a:rPr>
+                                <m:t>3</m:t>
+                              </m:r>
+                            </m:num>
+                            <m:den>
+                              <m:r>
+                                <a:rPr lang="en-US" altLang="zh-CN" sz="2000" b="0" i="1" smtClean="0">
+                                  <a:latin typeface="Cambria Math" panose="02040503050406030204" pitchFamily="18" charset="0"/>
+                                </a:rPr>
+                                <m:t>2</m:t>
+                              </m:r>
+                            </m:den>
+                          </m:f>
+                        </m:e>
+                      </m:rad>
+                      <m:r>
+                        <a:rPr lang="en-US" altLang="zh-CN" sz="2000" b="0" i="1" smtClean="0">
+                          <a:latin typeface="Cambria Math" panose="02040503050406030204" pitchFamily="18" charset="0"/>
+                        </a:rPr>
+                        <m:t> </m:t>
+                      </m:r>
+                      <m:f>
+                        <m:fPr>
+                          <m:ctrlPr>
+                            <a:rPr lang="en-US" altLang="zh-CN" sz="2000" b="0" i="1" smtClean="0">
+                              <a:latin typeface="Cambria Math" panose="02040503050406030204" pitchFamily="18" charset="0"/>
+                            </a:rPr>
+                          </m:ctrlPr>
+                        </m:fPr>
+                        <m:num>
+                          <m:r>
+                            <a:rPr lang="en-US" altLang="zh-CN" sz="2000" b="0" i="1" smtClean="0">
+                              <a:latin typeface="Cambria Math" panose="02040503050406030204" pitchFamily="18" charset="0"/>
+                            </a:rPr>
+                            <m:t>1</m:t>
+                          </m:r>
+                        </m:num>
+                        <m:den>
+                          <m:r>
+                            <a:rPr lang="en-US" altLang="zh-CN" sz="2000" b="0" i="1" smtClean="0">
+                              <a:latin typeface="Cambria Math" panose="02040503050406030204" pitchFamily="18" charset="0"/>
+                            </a:rPr>
+                            <m:t>𝑅𝑇𝑇</m:t>
+                          </m:r>
+                          <m:rad>
+                            <m:radPr>
+                              <m:degHide m:val="on"/>
+                              <m:ctrlPr>
+                                <a:rPr lang="en-US" altLang="zh-CN" sz="2000" b="0" i="1" smtClean="0">
+                                  <a:latin typeface="Cambria Math" panose="02040503050406030204" pitchFamily="18" charset="0"/>
+                                </a:rPr>
+                              </m:ctrlPr>
+                            </m:radPr>
+                            <m:deg/>
+                            <m:e>
+                              <m:r>
+                                <a:rPr lang="en-US" altLang="zh-CN" sz="2000" b="0" i="1" smtClean="0">
+                                  <a:latin typeface="Cambria Math" panose="02040503050406030204" pitchFamily="18" charset="0"/>
+                                </a:rPr>
+                                <m:t>𝑝</m:t>
+                              </m:r>
+                            </m:e>
+                          </m:rad>
+                        </m:den>
+                      </m:f>
+                      <m:r>
+                        <a:rPr lang="en-US" altLang="zh-CN" sz="2000" b="0" i="1" smtClean="0">
+                          <a:latin typeface="Cambria Math" panose="02040503050406030204" pitchFamily="18" charset="0"/>
+                        </a:rPr>
+                        <m:t> </m:t>
+                      </m:r>
+                      <m:r>
+                        <a:rPr lang="en-US" altLang="zh-CN" sz="2000" b="0" i="1" smtClean="0">
+                          <a:latin typeface="Cambria Math" panose="02040503050406030204" pitchFamily="18" charset="0"/>
+                        </a:rPr>
+                        <m:t>𝑀𝑆𝑆</m:t>
+                      </m:r>
+                    </m:oMath>
+                  </m:oMathPara>
+                </a14:m>
+                <a:endParaRPr lang="en-US" sz="2000" dirty="0"/>
+              </a:p>
+            </p:txBody>
+          </p:sp>
+        </mc:Choice>
+        <mc:Fallback xmlns="">
+          <p:sp>
+            <p:nvSpPr>
+              <p:cNvPr id="8" name="TextBox 7">
+                <a:extLst>
+                  <a:ext uri="{FF2B5EF4-FFF2-40B4-BE49-F238E27FC236}">
+                    <a16:creationId xmlns:a16="http://schemas.microsoft.com/office/drawing/2014/main" id="{E89DEA33-EA1F-174D-BBE3-CDF9A7E275B0}"/>
+                  </a:ext>
+                </a:extLst>
+              </p:cNvPr>
+              <p:cNvSpPr txBox="1">
+                <a:spLocks noRot="1" noChangeAspect="1" noMove="1" noResize="1" noEditPoints="1" noAdjustHandles="1" noChangeArrowheads="1" noChangeShapeType="1" noTextEdit="1"/>
+              </p:cNvSpPr>
+              <p:nvPr/>
+            </p:nvSpPr>
+            <p:spPr>
+              <a:xfrm>
+                <a:off x="3124200" y="3200400"/>
+                <a:ext cx="2690673" cy="909352"/>
+              </a:xfrm>
+              <a:prstGeom prst="rect">
+                <a:avLst/>
+              </a:prstGeom>
+              <a:blipFill>
+                <a:blip r:embed="rId3"/>
+                <a:stretch>
+                  <a:fillRect l="-1408" r="-939"/>
+                </a:stretch>
+              </a:blipFill>
+            </p:spPr>
+            <p:txBody>
+              <a:bodyPr/>
+              <a:lstStyle/>
+              <a:p>
+                <a:r>
+                  <a:rPr lang="en-US">
+                    <a:noFill/>
+                  </a:rPr>
+                  <a:t> </a:t>
+                </a:r>
+              </a:p>
+            </p:txBody>
+          </p:sp>
+        </mc:Fallback>
+      </mc:AlternateContent>
+      <mc:AlternateContent xmlns:mc="http://schemas.openxmlformats.org/markup-compatibility/2006" xmlns:a14="http://schemas.microsoft.com/office/drawing/2010/main">
+        <mc:Choice Requires="a14">
+          <p:sp>
+            <p:nvSpPr>
+              <p:cNvPr id="9" name="TextBox 8">
+                <a:extLst>
+                  <a:ext uri="{FF2B5EF4-FFF2-40B4-BE49-F238E27FC236}">
+                    <a16:creationId xmlns:a16="http://schemas.microsoft.com/office/drawing/2014/main" id="{0C6ED648-228F-EB46-8C1A-1C8A8241C2D4}"/>
+                  </a:ext>
+                </a:extLst>
+              </p:cNvPr>
+              <p:cNvSpPr txBox="1"/>
+              <p:nvPr/>
+            </p:nvSpPr>
+            <p:spPr>
+              <a:xfrm>
+                <a:off x="4267200" y="4419600"/>
+                <a:ext cx="811632" cy="630044"/>
+              </a:xfrm>
+              <a:prstGeom prst="rect">
+                <a:avLst/>
+              </a:prstGeom>
+              <a:noFill/>
+            </p:spPr>
+            <p:txBody>
+              <a:bodyPr wrap="none" lIns="0" tIns="0" rIns="0" bIns="0" rtlCol="0">
+                <a:spAutoFit/>
+              </a:bodyPr>
+              <a:lstStyle/>
+              <a:p>
+                <a:pPr/>
+                <a14:m>
+                  <m:oMathPara xmlns:m="http://schemas.openxmlformats.org/officeDocument/2006/math">
+                    <m:oMathParaPr>
+                      <m:jc m:val="centerGroup"/>
+                    </m:oMathParaPr>
+                    <m:oMath xmlns:m="http://schemas.openxmlformats.org/officeDocument/2006/math">
+                      <m:f>
+                        <m:fPr>
+                          <m:ctrlPr>
+                            <a:rPr lang="en-US" altLang="zh-CN" sz="2000" b="0" i="1" smtClean="0">
+                              <a:latin typeface="Cambria Math" panose="02040503050406030204" pitchFamily="18" charset="0"/>
+                            </a:rPr>
+                          </m:ctrlPr>
+                        </m:fPr>
+                        <m:num>
+                          <m:r>
+                            <a:rPr lang="en-US" altLang="zh-CN" sz="2000" b="0" i="1" smtClean="0">
+                              <a:latin typeface="Cambria Math" panose="02040503050406030204" pitchFamily="18" charset="0"/>
+                            </a:rPr>
+                            <m:t>𝑀𝑆𝑆</m:t>
+                          </m:r>
+                        </m:num>
+                        <m:den>
+                          <m:r>
+                            <a:rPr lang="en-US" altLang="zh-CN" sz="2000" b="0" i="1" smtClean="0">
+                              <a:latin typeface="Cambria Math" panose="02040503050406030204" pitchFamily="18" charset="0"/>
+                            </a:rPr>
+                            <m:t>𝐵𝑊</m:t>
+                          </m:r>
+                          <m:r>
+                            <a:rPr lang="en-US" altLang="zh-CN" sz="2000" b="0" i="1" smtClean="0">
+                              <a:latin typeface="Cambria Math" panose="02040503050406030204" pitchFamily="18" charset="0"/>
+                              <a:ea typeface="Cambria Math" panose="02040503050406030204" pitchFamily="18" charset="0"/>
+                            </a:rPr>
+                            <m:t>∙</m:t>
+                          </m:r>
+                          <m:r>
+                            <a:rPr lang="en-US" altLang="zh-CN" sz="2000" b="0" i="1" smtClean="0">
+                              <a:latin typeface="Cambria Math" panose="02040503050406030204" pitchFamily="18" charset="0"/>
+                              <a:ea typeface="Cambria Math" panose="02040503050406030204" pitchFamily="18" charset="0"/>
+                            </a:rPr>
+                            <m:t>𝑝</m:t>
+                          </m:r>
+                        </m:den>
+                      </m:f>
+                    </m:oMath>
+                  </m:oMathPara>
+                </a14:m>
+                <a:endParaRPr lang="en-US" sz="2000" dirty="0"/>
+              </a:p>
+            </p:txBody>
+          </p:sp>
+        </mc:Choice>
+        <mc:Fallback xmlns="">
+          <p:sp>
+            <p:nvSpPr>
+              <p:cNvPr id="9" name="TextBox 8">
+                <a:extLst>
+                  <a:ext uri="{FF2B5EF4-FFF2-40B4-BE49-F238E27FC236}">
+                    <a16:creationId xmlns:a16="http://schemas.microsoft.com/office/drawing/2014/main" id="{0C6ED648-228F-EB46-8C1A-1C8A8241C2D4}"/>
+                  </a:ext>
+                </a:extLst>
+              </p:cNvPr>
+              <p:cNvSpPr txBox="1">
+                <a:spLocks noRot="1" noChangeAspect="1" noMove="1" noResize="1" noEditPoints="1" noAdjustHandles="1" noChangeArrowheads="1" noChangeShapeType="1" noTextEdit="1"/>
+              </p:cNvSpPr>
+              <p:nvPr/>
+            </p:nvSpPr>
+            <p:spPr>
+              <a:xfrm>
+                <a:off x="4267200" y="4419600"/>
+                <a:ext cx="811632" cy="630044"/>
+              </a:xfrm>
+              <a:prstGeom prst="rect">
+                <a:avLst/>
+              </a:prstGeom>
+              <a:blipFill>
+                <a:blip r:embed="rId4"/>
+                <a:stretch>
+                  <a:fillRect l="-7813" r="-6250" b="-12000"/>
+                </a:stretch>
+              </a:blipFill>
+            </p:spPr>
+            <p:txBody>
+              <a:bodyPr/>
+              <a:lstStyle/>
+              <a:p>
+                <a:r>
+                  <a:rPr lang="en-US">
+                    <a:noFill/>
+                  </a:rPr>
+                  <a:t> </a:t>
+                </a:r>
+              </a:p>
+            </p:txBody>
+          </p:sp>
+        </mc:Fallback>
+      </mc:AlternateContent>
+      <mc:AlternateContent xmlns:mc="http://schemas.openxmlformats.org/markup-compatibility/2006" xmlns:a14="http://schemas.microsoft.com/office/drawing/2010/main">
+        <mc:Choice Requires="a14">
+          <p:sp>
+            <p:nvSpPr>
+              <p:cNvPr id="7" name="TextBox 6">
+                <a:extLst>
+                  <a:ext uri="{FF2B5EF4-FFF2-40B4-BE49-F238E27FC236}">
+                    <a16:creationId xmlns:a16="http://schemas.microsoft.com/office/drawing/2014/main" id="{FCDBE4AC-CB32-9449-8037-374087D7DC59}"/>
+                  </a:ext>
+                </a:extLst>
+              </p:cNvPr>
+              <p:cNvSpPr txBox="1"/>
+              <p:nvPr/>
+            </p:nvSpPr>
+            <p:spPr>
+              <a:xfrm>
+                <a:off x="3880592" y="5484527"/>
+                <a:ext cx="1177887" cy="276999"/>
+              </a:xfrm>
+              <a:prstGeom prst="rect">
+                <a:avLst/>
+              </a:prstGeom>
+              <a:noFill/>
+            </p:spPr>
+            <p:txBody>
+              <a:bodyPr wrap="none" lIns="0" tIns="0" rIns="0" bIns="0" rtlCol="0">
+                <a:spAutoFit/>
+              </a:bodyPr>
+              <a:lstStyle/>
+              <a:p>
+                <a:pPr/>
+                <a14:m>
+                  <m:oMathPara xmlns:m="http://schemas.openxmlformats.org/officeDocument/2006/math">
+                    <m:oMathParaPr>
+                      <m:jc m:val="centerGroup"/>
+                    </m:oMathParaPr>
+                    <m:oMath xmlns:m="http://schemas.openxmlformats.org/officeDocument/2006/math">
+                      <m:r>
+                        <a:rPr lang="en-US" b="0" i="1" smtClean="0">
+                          <a:latin typeface="Cambria Math" panose="02040503050406030204" pitchFamily="18" charset="0"/>
+                        </a:rPr>
+                        <m:t>𝐵𝑊</m:t>
+                      </m:r>
+                      <m:r>
+                        <a:rPr lang="en-US" b="0" i="1" smtClean="0">
+                          <a:latin typeface="Cambria Math" panose="02040503050406030204" pitchFamily="18" charset="0"/>
+                        </a:rPr>
+                        <m:t> ∙</m:t>
+                      </m:r>
+                      <m:r>
+                        <a:rPr lang="en-US" b="0" i="1" smtClean="0">
+                          <a:latin typeface="Cambria Math" panose="02040503050406030204" pitchFamily="18" charset="0"/>
+                          <a:ea typeface="Cambria Math" panose="02040503050406030204" pitchFamily="18" charset="0"/>
+                        </a:rPr>
+                        <m:t>𝑇𝑖𝑚𝑒</m:t>
+                      </m:r>
+                    </m:oMath>
+                  </m:oMathPara>
+                </a14:m>
+                <a:endParaRPr lang="en-US" dirty="0"/>
+              </a:p>
+            </p:txBody>
+          </p:sp>
+        </mc:Choice>
+        <mc:Fallback xmlns="">
+          <p:sp>
+            <p:nvSpPr>
+              <p:cNvPr id="7" name="TextBox 6">
+                <a:extLst>
+                  <a:ext uri="{FF2B5EF4-FFF2-40B4-BE49-F238E27FC236}">
+                    <a16:creationId xmlns:a16="http://schemas.microsoft.com/office/drawing/2014/main" id="{FCDBE4AC-CB32-9449-8037-374087D7DC59}"/>
+                  </a:ext>
+                </a:extLst>
+              </p:cNvPr>
+              <p:cNvSpPr txBox="1">
+                <a:spLocks noRot="1" noChangeAspect="1" noMove="1" noResize="1" noEditPoints="1" noAdjustHandles="1" noChangeArrowheads="1" noChangeShapeType="1" noTextEdit="1"/>
+              </p:cNvSpPr>
+              <p:nvPr/>
+            </p:nvSpPr>
+            <p:spPr>
+              <a:xfrm>
+                <a:off x="3880592" y="5484527"/>
+                <a:ext cx="1177887" cy="276999"/>
+              </a:xfrm>
+              <a:prstGeom prst="rect">
+                <a:avLst/>
+              </a:prstGeom>
+              <a:blipFill>
+                <a:blip r:embed="rId5"/>
+                <a:stretch>
+                  <a:fillRect l="-4301" t="-9091" r="-3226" b="-36364"/>
+                </a:stretch>
+              </a:blipFill>
+            </p:spPr>
+            <p:txBody>
+              <a:bodyPr/>
+              <a:lstStyle/>
+              <a:p>
+                <a:r>
+                  <a:rPr lang="en-US">
+                    <a:noFill/>
+                  </a:rPr>
+                  <a:t> </a:t>
+                </a:r>
+              </a:p>
+            </p:txBody>
+          </p:sp>
+        </mc:Fallback>
+      </mc:AlternateContent>
     </p:spTree>
     <p:extLst>
       <p:ext uri="{BB962C8B-B14F-4D97-AF65-F5344CB8AC3E}">
@@ -24478,6 +24738,51 @@
                                           </p:stCondLst>
                                         </p:cTn>
                                         <p:tgtEl>
+                                          <p:spTgt spid="8"/>
+                                        </p:tgtEl>
+                                        <p:attrNameLst>
+                                          <p:attrName>style.visibility</p:attrName>
+                                        </p:attrNameLst>
+                                      </p:cBhvr>
+                                      <p:to>
+                                        <p:strVal val="visible"/>
+                                      </p:to>
+                                    </p:set>
+                                  </p:childTnLst>
+                                </p:cTn>
+                              </p:par>
+                            </p:childTnLst>
+                          </p:cTn>
+                        </p:par>
+                      </p:childTnLst>
+                    </p:cTn>
+                  </p:par>
+                  <p:par>
+                    <p:cTn id="17" fill="hold">
+                      <p:stCondLst>
+                        <p:cond delay="indefinite"/>
+                      </p:stCondLst>
+                      <p:childTnLst>
+                        <p:par>
+                          <p:cTn id="18" fill="hold">
+                            <p:stCondLst>
+                              <p:cond delay="0"/>
+                            </p:stCondLst>
+                            <p:childTnLst>
+                              <p:par>
+                                <p:cTn id="19" presetID="1" presetClass="entr" presetSubtype="0" fill="hold" grpId="0" nodeType="clickEffect">
+                                  <p:stCondLst>
+                                    <p:cond delay="0"/>
+                                  </p:stCondLst>
+                                  <p:childTnLst>
+                                    <p:set>
+                                      <p:cBhvr>
+                                        <p:cTn id="20" dur="1" fill="hold">
+                                          <p:stCondLst>
+                                            <p:cond delay="0"/>
+                                          </p:stCondLst>
+                                        </p:cTn>
+                                        <p:tgtEl>
                                           <p:spTgt spid="3">
                                             <p:txEl>
                                               <p:pRg st="3" end="3"/>
@@ -24496,14 +24801,14 @@
                                 </p:cTn>
                               </p:par>
                               <p:par>
-                                <p:cTn id="17" presetID="1" presetClass="entr" presetSubtype="0" fill="hold" grpId="0" nodeType="withEffect">
+                                <p:cTn id="21" presetID="1" presetClass="entr" presetSubtype="0" fill="hold" grpId="0" nodeType="withEffect">
                                   <p:stCondLst>
                                     <p:cond delay="0"/>
                                   </p:stCondLst>
                                   <p:childTnLst>
                                     <p:set>
                                       <p:cBhvr>
-                                        <p:cTn id="18" dur="1" fill="hold">
+                                        <p:cTn id="22" dur="1" fill="hold">
                                           <p:stCondLst>
                                             <p:cond delay="0"/>
                                           </p:stCondLst>
@@ -24533,26 +24838,71 @@
                     </p:cTn>
                   </p:par>
                   <p:par>
-                    <p:cTn id="19" fill="hold">
+                    <p:cTn id="23" fill="hold">
                       <p:stCondLst>
                         <p:cond delay="indefinite"/>
                       </p:stCondLst>
                       <p:childTnLst>
                         <p:par>
-                          <p:cTn id="20" fill="hold">
+                          <p:cTn id="24" fill="hold">
                             <p:stCondLst>
                               <p:cond delay="0"/>
                             </p:stCondLst>
                             <p:childTnLst>
                               <p:par>
-                                <p:cTn id="21" presetID="1" presetClass="entr" presetSubtype="0" fill="hold" grpId="0" nodeType="clickEffect">
+                                <p:cTn id="25" presetID="1" presetClass="entr" presetSubtype="0" fill="hold" grpId="0" nodeType="clickEffect">
                                   <p:stCondLst>
                                     <p:cond delay="0"/>
                                   </p:stCondLst>
                                   <p:childTnLst>
                                     <p:set>
                                       <p:cBhvr>
-                                        <p:cTn id="22" dur="1" fill="hold">
+                                        <p:cTn id="26" dur="1" fill="hold">
+                                          <p:stCondLst>
+                                            <p:cond delay="0"/>
+                                          </p:stCondLst>
+                                        </p:cTn>
+                                        <p:tgtEl>
+                                          <p:spTgt spid="9"/>
+                                        </p:tgtEl>
+                                        <p:attrNameLst>
+                                          <p:attrName>style.visibility</p:attrName>
+                                        </p:attrNameLst>
+                                      </p:cBhvr>
+                                      <p:to>
+                                        <p:strVal val="visible"/>
+                                      </p:to>
+                                    </p:set>
+                                  </p:childTnLst>
+                                </p:cTn>
+                              </p:par>
+                            </p:childTnLst>
+                          </p:cTn>
+                        </p:par>
+                      </p:childTnLst>
+                    </p:cTn>
+                  </p:par>
+                  <p:par>
+                    <p:cTn id="27" fill="hold">
+                      <p:stCondLst>
+                        <p:cond delay="indefinite"/>
+                      </p:stCondLst>
+                      <p:childTnLst>
+                        <p:par>
+                          <p:cTn id="28" fill="hold">
+                            <p:stCondLst>
+                              <p:cond delay="0"/>
+                            </p:stCondLst>
+                            <p:childTnLst>
+                              <p:par>
+                                <p:cTn id="29" presetID="1" presetClass="entr" presetSubtype="0" fill="hold" grpId="0" nodeType="clickEffect">
+                                  <p:stCondLst>
+                                    <p:cond delay="0"/>
+                                  </p:stCondLst>
+                                  <p:childTnLst>
+                                    <p:set>
+                                      <p:cBhvr>
+                                        <p:cTn id="30" dur="1" fill="hold">
                                           <p:stCondLst>
                                             <p:cond delay="0"/>
                                           </p:stCondLst>
@@ -24576,14 +24926,14 @@
                                 </p:cTn>
                               </p:par>
                               <p:par>
-                                <p:cTn id="23" presetID="1" presetClass="entr" presetSubtype="0" fill="hold" grpId="0" nodeType="withEffect">
+                                <p:cTn id="31" presetID="1" presetClass="entr" presetSubtype="0" fill="hold" grpId="0" nodeType="withEffect">
                                   <p:stCondLst>
                                     <p:cond delay="0"/>
                                   </p:stCondLst>
                                   <p:childTnLst>
                                     <p:set>
                                       <p:cBhvr>
-                                        <p:cTn id="24" dur="1" fill="hold">
+                                        <p:cTn id="32" dur="1" fill="hold">
                                           <p:stCondLst>
                                             <p:cond delay="0"/>
                                           </p:stCondLst>
@@ -24594,6 +24944,51 @@
                                               <p:pRg st="6" end="6"/>
                                             </p:txEl>
                                           </p:spTgt>
+                                        </p:tgtEl>
+                                        <p:attrNameLst>
+                                          <p:attrName>style.visibility</p:attrName>
+                                        </p:attrNameLst>
+                                      </p:cBhvr>
+                                      <p:to>
+                                        <p:strVal val="visible"/>
+                                      </p:to>
+                                    </p:set>
+                                  </p:childTnLst>
+                                </p:cTn>
+                              </p:par>
+                            </p:childTnLst>
+                          </p:cTn>
+                        </p:par>
+                      </p:childTnLst>
+                    </p:cTn>
+                  </p:par>
+                  <p:par>
+                    <p:cTn id="33" fill="hold">
+                      <p:stCondLst>
+                        <p:cond delay="indefinite"/>
+                      </p:stCondLst>
+                      <p:childTnLst>
+                        <p:par>
+                          <p:cTn id="34" fill="hold">
+                            <p:stCondLst>
+                              <p:cond delay="0"/>
+                            </p:stCondLst>
+                            <p:childTnLst>
+                              <p:par>
+                                <p:cTn id="35" presetID="1" presetClass="entr" presetSubtype="0" fill="hold" grpId="0" nodeType="clickEffect">
+                                  <p:stCondLst>
+                                    <p:cond delay="0"/>
+                                  </p:stCondLst>
+                                  <p:childTnLst>
+                                    <p:set>
+                                      <p:cBhvr>
+                                        <p:cTn id="36" dur="1" fill="hold">
+                                          <p:stCondLst>
+                                            <p:cond delay="0"/>
+                                          </p:stCondLst>
+                                        </p:cTn>
+                                        <p:tgtEl>
+                                          <p:spTgt spid="7"/>
                                         </p:tgtEl>
                                         <p:attrNameLst>
                                           <p:attrName>style.visibility</p:attrName>
@@ -24634,7 +25029,10 @@
       </p:par>
     </p:tnLst>
     <p:bldLst>
-      <p:bldP spid="3" grpId="0" build="p"/>
+      <p:bldP spid="3" grpId="0" uiExpand="1" build="p"/>
+      <p:bldP spid="8" grpId="0"/>
+      <p:bldP spid="9" grpId="0"/>
+      <p:bldP spid="7" grpId="0"/>
     </p:bldLst>
   </p:timing>
 </p:sld>
@@ -24673,10 +25071,9 @@
           <a:lstStyle/>
           <a:p>
             <a:r>
-              <a:rPr lang="en-US" dirty="0" smtClean="0"/>
+              <a:rPr lang="en-US" dirty="0"/>
               <a:t>Adapting TCP to high speed</a:t>
             </a:r>
-            <a:endParaRPr lang="en-US" dirty="0"/>
           </a:p>
         </p:txBody>
       </p:sp>
@@ -24696,38 +25093,38 @@
           <a:lstStyle/>
           <a:p>
             <a:r>
-              <a:rPr lang="en-US" dirty="0" smtClean="0"/>
+              <a:rPr lang="en-US" dirty="0"/>
               <a:t>Once past a threshold speed, increase CWND faster </a:t>
             </a:r>
           </a:p>
           <a:p>
             <a:pPr lvl="1"/>
             <a:r>
-              <a:rPr lang="en-US" dirty="0" smtClean="0"/>
+              <a:rPr lang="en-US" dirty="0"/>
               <a:t>A proposed standard [Floyd’03]</a:t>
             </a:r>
           </a:p>
           <a:p>
             <a:pPr lvl="1"/>
             <a:r>
-              <a:rPr lang="en-US" dirty="0" smtClean="0"/>
+              <a:rPr lang="en-US" dirty="0"/>
               <a:t>Let the additive constant in AIMD depend on CWND</a:t>
             </a:r>
           </a:p>
           <a:p>
             <a:r>
-              <a:rPr lang="en-US" dirty="0" smtClean="0"/>
+              <a:rPr lang="en-US" dirty="0"/>
               <a:t>Other approaches?</a:t>
             </a:r>
           </a:p>
           <a:p>
             <a:pPr lvl="1"/>
             <a:r>
-              <a:rPr lang="en-US" dirty="0" smtClean="0"/>
+              <a:rPr lang="en-US" dirty="0"/>
               <a:t>Multiple simultaneous connections (</a:t>
             </a:r>
             <a:r>
-              <a:rPr lang="en-US" dirty="0" smtClean="0">
+              <a:rPr lang="en-US" dirty="0">
                 <a:solidFill>
                   <a:schemeClr val="accent5"/>
                 </a:solidFill>
@@ -24735,14 +25132,14 @@
               <a:t>hack but works today</a:t>
             </a:r>
             <a:r>
-              <a:rPr lang="en-US" dirty="0" smtClean="0"/>
+              <a:rPr lang="en-US" dirty="0"/>
               <a:t>)</a:t>
             </a:r>
           </a:p>
           <a:p>
             <a:pPr lvl="1"/>
             <a:r>
-              <a:rPr lang="en-US" dirty="0" smtClean="0"/>
+              <a:rPr lang="en-US" dirty="0"/>
               <a:t>Router-assisted approaches </a:t>
             </a:r>
           </a:p>
@@ -24962,17 +25359,16 @@
           <a:lstStyle/>
           <a:p>
             <a:r>
-              <a:rPr lang="en-US" dirty="0" smtClean="0"/>
+              <a:rPr lang="en-US" dirty="0"/>
               <a:t>Implications (3): </a:t>
             </a:r>
             <a:br>
-              <a:rPr lang="en-US" dirty="0" smtClean="0"/>
+              <a:rPr lang="en-US" dirty="0"/>
             </a:br>
             <a:r>
-              <a:rPr lang="en-US" dirty="0" smtClean="0"/>
+              <a:rPr lang="en-US" dirty="0"/>
               <a:t>Rate-based CC</a:t>
             </a:r>
-            <a:endParaRPr lang="en-US" dirty="0"/>
           </a:p>
         </p:txBody>
       </p:sp>
@@ -24992,31 +25388,31 @@
           <a:lstStyle/>
           <a:p>
             <a:r>
-              <a:rPr lang="en-US" dirty="0" smtClean="0"/>
+              <a:rPr lang="en-US" dirty="0"/>
               <a:t>TCP </a:t>
             </a:r>
             <a:r>
-              <a:rPr lang="en-US" smtClean="0"/>
+              <a:rPr lang="en-US"/>
               <a:t>throughput swings </a:t>
             </a:r>
             <a:r>
-              <a:rPr lang="en-US" dirty="0" smtClean="0"/>
+              <a:rPr lang="en-US" dirty="0"/>
               <a:t>between W/2 to W</a:t>
             </a:r>
           </a:p>
           <a:p>
             <a:r>
-              <a:rPr lang="en-US" dirty="0" smtClean="0"/>
+              <a:rPr lang="en-US" dirty="0"/>
               <a:t>Apps may prefer steady rates (e.g., streaming)</a:t>
             </a:r>
           </a:p>
           <a:p>
             <a:r>
-              <a:rPr lang="en-US" dirty="0" smtClean="0"/>
+              <a:rPr lang="en-US" dirty="0"/>
               <a:t>“</a:t>
             </a:r>
             <a:r>
-              <a:rPr lang="en-US" dirty="0" smtClean="0">
+              <a:rPr lang="en-US" dirty="0">
                 <a:solidFill>
                   <a:schemeClr val="accent5"/>
                 </a:solidFill>
@@ -25024,14 +25420,14 @@
               <a:t>Equation-Based Congestion Control</a:t>
             </a:r>
             <a:r>
-              <a:rPr lang="en-US" dirty="0" smtClean="0"/>
+              <a:rPr lang="en-US" dirty="0"/>
               <a:t>” </a:t>
             </a:r>
           </a:p>
           <a:p>
             <a:pPr lvl="1"/>
             <a:r>
-              <a:rPr lang="en-US" dirty="0" smtClean="0"/>
+              <a:rPr lang="en-US" dirty="0"/>
               <a:t>Ignore TCP’s increase/decrease rules and just follow the equation</a:t>
             </a:r>
           </a:p>
@@ -25039,100 +25435,35 @@
             <a:pPr lvl="1"/>
             <a:r>
               <a:rPr lang="en-US" dirty="0"/>
-              <a:t>M</a:t>
-            </a:r>
-            <a:r>
-              <a:rPr lang="en-US" dirty="0" smtClean="0"/>
-              <a:t>easure drop percentage p, and set rate accordingly</a:t>
-            </a:r>
-          </a:p>
-          <a:p>
-            <a:r>
-              <a:rPr lang="en-US" dirty="0" smtClean="0"/>
+              <a:t>Measure drop percentage p, and set rate accordingly</a:t>
+            </a:r>
+          </a:p>
+          <a:p>
+            <a:r>
+              <a:rPr lang="en-US" dirty="0"/>
               <a:t>Following the TCP equation ensures “TCP friendliness”</a:t>
             </a:r>
           </a:p>
           <a:p>
             <a:pPr lvl="1"/>
             <a:r>
-              <a:rPr lang="en-US" dirty="0" smtClean="0"/>
+              <a:rPr lang="en-US" dirty="0"/>
               <a:t>i.e., use no more than TCP does in similar setting</a:t>
             </a:r>
           </a:p>
           <a:p>
-            <a:endParaRPr lang="en-US" dirty="0" smtClean="0"/>
+            <a:endParaRPr lang="en-US" dirty="0"/>
           </a:p>
           <a:p>
             <a:pPr lvl="1"/>
-            <a:endParaRPr lang="en-US" dirty="0" smtClean="0"/>
+            <a:endParaRPr lang="en-US" dirty="0"/>
           </a:p>
           <a:p>
             <a:pPr lvl="1"/>
-            <a:endParaRPr lang="en-US" dirty="0" smtClean="0"/>
+            <a:endParaRPr lang="en-US" dirty="0"/>
           </a:p>
         </p:txBody>
       </p:sp>
-      <p:graphicFrame>
-        <p:nvGraphicFramePr>
-          <p:cNvPr id="7" name="Object 6"/>
-          <p:cNvGraphicFramePr>
-            <a:graphicFrameLocks noChangeAspect="1"/>
-          </p:cNvGraphicFramePr>
-          <p:nvPr>
-            <p:extLst/>
-          </p:nvPr>
-        </p:nvGraphicFramePr>
-        <p:xfrm>
-          <a:off x="5715000" y="261937"/>
-          <a:ext cx="3268663" cy="923925"/>
-        </p:xfrm>
-        <a:graphic>
-          <a:graphicData uri="http://schemas.openxmlformats.org/presentationml/2006/ole">
-            <mc:AlternateContent xmlns:mc="http://schemas.openxmlformats.org/markup-compatibility/2006">
-              <mc:Choice xmlns:v="urn:schemas-microsoft-com:vml" Requires="v">
-                <p:oleObj spid="_x0000_s7201" name="Equation" r:id="rId3" imgW="1663700" imgH="469900" progId="Equation.3">
-                  <p:embed/>
-                </p:oleObj>
-              </mc:Choice>
-              <mc:Fallback>
-                <p:oleObj name="Equation" r:id="rId3" imgW="1663700" imgH="469900" progId="Equation.3">
-                  <p:embed/>
-                  <p:pic>
-                    <p:nvPicPr>
-                      <p:cNvPr id="0" name=""/>
-                      <p:cNvPicPr>
-                        <a:picLocks noChangeAspect="1" noChangeArrowheads="1"/>
-                      </p:cNvPicPr>
-                      <p:nvPr/>
-                    </p:nvPicPr>
-                    <p:blipFill>
-                      <a:blip r:embed="rId4"/>
-                      <a:srcRect/>
-                      <a:stretch>
-                        <a:fillRect/>
-                      </a:stretch>
-                    </p:blipFill>
-                    <p:spPr bwMode="auto">
-                      <a:xfrm>
-                        <a:off x="5715000" y="261937"/>
-                        <a:ext cx="3268663" cy="923925"/>
-                      </a:xfrm>
-                      <a:prstGeom prst="rect">
-                        <a:avLst/>
-                      </a:prstGeom>
-                      <a:noFill/>
-                      <a:ln>
-                        <a:noFill/>
-                      </a:ln>
-                      <a:extLst/>
-                    </p:spPr>
-                  </p:pic>
-                </p:oleObj>
-              </mc:Fallback>
-            </mc:AlternateContent>
-          </a:graphicData>
-        </a:graphic>
-      </p:graphicFrame>
       <p:sp>
         <p:nvSpPr>
           <p:cNvPr id="10" name="Slide Number Placeholder 9"/>
@@ -25157,6 +25488,217 @@
           </a:p>
         </p:txBody>
       </p:sp>
+      <mc:AlternateContent xmlns:mc="http://schemas.openxmlformats.org/markup-compatibility/2006">
+        <mc:Choice xmlns:a14="http://schemas.microsoft.com/office/drawing/2010/main" Requires="a14">
+          <p:sp>
+            <p:nvSpPr>
+              <p:cNvPr id="6" name="TextBox 5">
+                <a:extLst>
+                  <a:ext uri="{FF2B5EF4-FFF2-40B4-BE49-F238E27FC236}">
+                    <a16:creationId xmlns:a16="http://schemas.microsoft.com/office/drawing/2014/main" id="{B4AD8F02-4F0C-F14E-9458-4DD8DECFC103}"/>
+                  </a:ext>
+                </a:extLst>
+              </p:cNvPr>
+              <p:cNvSpPr txBox="1"/>
+              <p:nvPr/>
+            </p:nvSpPr>
+            <p:spPr>
+              <a:xfrm>
+                <a:off x="5257800" y="438898"/>
+                <a:ext cx="3666388" cy="909352"/>
+              </a:xfrm>
+              <a:prstGeom prst="rect">
+                <a:avLst/>
+              </a:prstGeom>
+              <a:noFill/>
+            </p:spPr>
+            <p:txBody>
+              <a:bodyPr wrap="none" lIns="0" tIns="0" rIns="0" bIns="0" rtlCol="0">
+                <a:spAutoFit/>
+              </a:bodyPr>
+              <a:lstStyle/>
+              <a:p>
+                <a:pPr/>
+                <a14:m>
+                  <m:oMathPara xmlns:m="http://schemas.openxmlformats.org/officeDocument/2006/math">
+                    <m:oMathParaPr>
+                      <m:jc m:val="centerGroup"/>
+                    </m:oMathParaPr>
+                    <m:oMath xmlns:m="http://schemas.openxmlformats.org/officeDocument/2006/math">
+                      <m:r>
+                        <m:rPr>
+                          <m:sty m:val="p"/>
+                        </m:rPr>
+                        <a:rPr lang="en-US" altLang="zh-CN" sz="2000" i="1" smtClean="0">
+                          <a:latin typeface="Cambria Math" panose="02040503050406030204" pitchFamily="18" charset="0"/>
+                        </a:rPr>
+                        <m:t>T</m:t>
+                      </m:r>
+                      <m:r>
+                        <a:rPr lang="en-US" altLang="zh-CN" sz="2000" b="0" i="1" smtClean="0">
+                          <a:latin typeface="Cambria Math" panose="02040503050406030204" pitchFamily="18" charset="0"/>
+                        </a:rPr>
+                        <m:t>h𝑟𝑜𝑢𝑔h𝑝𝑢𝑡</m:t>
+                      </m:r>
+                      <m:r>
+                        <a:rPr lang="en-US" altLang="zh-CN" sz="2000" b="0" i="1" smtClean="0">
+                          <a:latin typeface="Cambria Math" panose="02040503050406030204" pitchFamily="18" charset="0"/>
+                        </a:rPr>
+                        <m:t>= </m:t>
+                      </m:r>
+                      <m:rad>
+                        <m:radPr>
+                          <m:degHide m:val="on"/>
+                          <m:ctrlPr>
+                            <a:rPr lang="en-US" altLang="zh-CN" sz="2000" b="0" i="1" smtClean="0">
+                              <a:latin typeface="Cambria Math" panose="02040503050406030204" pitchFamily="18" charset="0"/>
+                            </a:rPr>
+                          </m:ctrlPr>
+                        </m:radPr>
+                        <m:deg/>
+                        <m:e>
+                          <m:f>
+                            <m:fPr>
+                              <m:ctrlPr>
+                                <a:rPr lang="en-US" altLang="zh-CN" sz="2000" b="0" i="1" smtClean="0">
+                                  <a:latin typeface="Cambria Math" panose="02040503050406030204" pitchFamily="18" charset="0"/>
+                                </a:rPr>
+                              </m:ctrlPr>
+                            </m:fPr>
+                            <m:num>
+                              <m:r>
+                                <a:rPr lang="en-US" altLang="zh-CN" sz="2000" b="0" i="1" smtClean="0">
+                                  <a:latin typeface="Cambria Math" panose="02040503050406030204" pitchFamily="18" charset="0"/>
+                                </a:rPr>
+                                <m:t>3</m:t>
+                              </m:r>
+                            </m:num>
+                            <m:den>
+                              <m:r>
+                                <a:rPr lang="en-US" altLang="zh-CN" sz="2000" b="0" i="1" smtClean="0">
+                                  <a:latin typeface="Cambria Math" panose="02040503050406030204" pitchFamily="18" charset="0"/>
+                                </a:rPr>
+                                <m:t>2</m:t>
+                              </m:r>
+                            </m:den>
+                          </m:f>
+                        </m:e>
+                      </m:rad>
+                      <m:r>
+                        <a:rPr lang="en-US" altLang="zh-CN" sz="2000" b="0" i="1" smtClean="0">
+                          <a:latin typeface="Cambria Math" panose="02040503050406030204" pitchFamily="18" charset="0"/>
+                        </a:rPr>
+                        <m:t> </m:t>
+                      </m:r>
+                      <m:f>
+                        <m:fPr>
+                          <m:ctrlPr>
+                            <a:rPr lang="en-US" altLang="zh-CN" sz="2000" b="0" i="1" smtClean="0">
+                              <a:latin typeface="Cambria Math" panose="02040503050406030204" pitchFamily="18" charset="0"/>
+                            </a:rPr>
+                          </m:ctrlPr>
+                        </m:fPr>
+                        <m:num>
+                          <m:r>
+                            <a:rPr lang="en-US" altLang="zh-CN" sz="2000" b="0" i="1" smtClean="0">
+                              <a:latin typeface="Cambria Math" panose="02040503050406030204" pitchFamily="18" charset="0"/>
+                            </a:rPr>
+                            <m:t>1</m:t>
+                          </m:r>
+                        </m:num>
+                        <m:den>
+                          <m:r>
+                            <a:rPr lang="en-US" altLang="zh-CN" sz="2000" b="0" i="1" smtClean="0">
+                              <a:latin typeface="Cambria Math" panose="02040503050406030204" pitchFamily="18" charset="0"/>
+                            </a:rPr>
+                            <m:t>𝑅𝑇𝑇</m:t>
+                          </m:r>
+                          <m:rad>
+                            <m:radPr>
+                              <m:degHide m:val="on"/>
+                              <m:ctrlPr>
+                                <a:rPr lang="en-US" altLang="zh-CN" sz="2000" b="0" i="1" smtClean="0">
+                                  <a:latin typeface="Cambria Math" panose="02040503050406030204" pitchFamily="18" charset="0"/>
+                                </a:rPr>
+                              </m:ctrlPr>
+                            </m:radPr>
+                            <m:deg/>
+                            <m:e>
+                              <m:r>
+                                <a:rPr lang="en-US" altLang="zh-CN" sz="2000" b="0" i="1" smtClean="0">
+                                  <a:latin typeface="Cambria Math" panose="02040503050406030204" pitchFamily="18" charset="0"/>
+                                </a:rPr>
+                                <m:t>𝑝</m:t>
+                              </m:r>
+                            </m:e>
+                          </m:rad>
+                        </m:den>
+                      </m:f>
+                      <m:r>
+                        <a:rPr lang="en-US" altLang="zh-CN" sz="2000" b="0" i="1" smtClean="0">
+                          <a:latin typeface="Cambria Math" panose="02040503050406030204" pitchFamily="18" charset="0"/>
+                        </a:rPr>
+                        <m:t> </m:t>
+                      </m:r>
+                      <m:r>
+                        <a:rPr lang="en-US" altLang="zh-CN" sz="2000" b="0" i="1" smtClean="0">
+                          <a:latin typeface="Cambria Math" panose="02040503050406030204" pitchFamily="18" charset="0"/>
+                        </a:rPr>
+                        <m:t>𝑀𝑆𝑆</m:t>
+                      </m:r>
+                    </m:oMath>
+                  </m:oMathPara>
+                </a14:m>
+                <a:endParaRPr lang="en-US" sz="2000" dirty="0"/>
+              </a:p>
+            </p:txBody>
+          </p:sp>
+        </mc:Choice>
+        <mc:Fallback>
+          <p:sp>
+            <p:nvSpPr>
+              <p:cNvPr id="6" name="TextBox 5">
+                <a:extLst>
+                  <a:ext uri="{FF2B5EF4-FFF2-40B4-BE49-F238E27FC236}">
+                    <a16:creationId xmlns:a16="http://schemas.microsoft.com/office/drawing/2014/main" id="{B4AD8F02-4F0C-F14E-9458-4DD8DECFC103}"/>
+                  </a:ext>
+                </a:extLst>
+              </p:cNvPr>
+              <p:cNvSpPr txBox="1">
+                <a:spLocks noRot="1" noChangeAspect="1" noMove="1" noResize="1" noEditPoints="1" noAdjustHandles="1" noChangeArrowheads="1" noChangeShapeType="1" noTextEdit="1"/>
+              </p:cNvSpPr>
+              <p:nvPr/>
+            </p:nvSpPr>
+            <p:spPr>
+              <a:xfrm>
+                <a:off x="5257800" y="438898"/>
+                <a:ext cx="3666388" cy="909352"/>
+              </a:xfrm>
+              <a:prstGeom prst="rect">
+                <a:avLst/>
+              </a:prstGeom>
+              <a:blipFill>
+                <a:blip r:embed="rId2"/>
+                <a:stretch>
+                  <a:fillRect l="-1384" r="-1038"/>
+                </a:stretch>
+              </a:blipFill>
+            </p:spPr>
+            <p:txBody>
+              <a:bodyPr/>
+              <a:lstStyle/>
+              <a:p>
+                <a:r>
+                  <a:rPr lang="en-US">
+                    <a:noFill/>
+                  </a:rPr>
+                  <a:t> </a:t>
+                </a:r>
+              </a:p>
+            </p:txBody>
+          </p:sp>
+        </mc:Fallback>
+      </mc:AlternateContent>
     </p:spTree>
     <p:extLst>
       <p:ext uri="{BB962C8B-B14F-4D97-AF65-F5344CB8AC3E}">
@@ -25525,10 +26067,9 @@
           <a:lstStyle/>
           <a:p>
             <a:r>
-              <a:rPr lang="en-US" dirty="0" smtClean="0"/>
+              <a:rPr lang="en-US" dirty="0"/>
               <a:t>Recap</a:t>
             </a:r>
-            <a:endParaRPr lang="en-US" dirty="0"/>
           </a:p>
         </p:txBody>
       </p:sp>
@@ -25548,83 +26089,42 @@
           <a:lstStyle/>
           <a:p>
             <a:r>
-              <a:rPr lang="en-US" dirty="0" smtClean="0"/>
+              <a:rPr lang="en-US" dirty="0"/>
               <a:t>Flow Control</a:t>
             </a:r>
           </a:p>
           <a:p>
             <a:pPr lvl="1"/>
             <a:r>
-              <a:rPr lang="en-US" dirty="0" smtClean="0"/>
+              <a:rPr lang="en-US" dirty="0"/>
               <a:t>Restrict window to RWND to make sure that the receiver isn’t overwhelmed</a:t>
             </a:r>
           </a:p>
           <a:p>
             <a:r>
-              <a:rPr lang="en-US" dirty="0" smtClean="0"/>
+              <a:rPr lang="en-US" dirty="0"/>
               <a:t>Congestion Control</a:t>
             </a:r>
           </a:p>
           <a:p>
             <a:pPr lvl="1"/>
             <a:r>
-              <a:rPr lang="en-US" dirty="0" smtClean="0"/>
-              <a:t>Restrict </a:t>
-            </a:r>
-            <a:r>
               <a:rPr lang="en-US" dirty="0"/>
-              <a:t>window to </a:t>
-            </a:r>
-            <a:r>
-              <a:rPr lang="en-US" dirty="0" smtClean="0"/>
-              <a:t>CWND </a:t>
-            </a:r>
+              <a:t>Restrict window to CWND to make sure that the network isn’t overwhelmed</a:t>
+            </a:r>
+          </a:p>
+          <a:p>
             <a:r>
               <a:rPr lang="en-US" dirty="0"/>
-              <a:t>to make sure that the </a:t>
-            </a:r>
-            <a:r>
-              <a:rPr lang="en-US" dirty="0" smtClean="0"/>
-              <a:t>network isn’t </a:t>
-            </a:r>
+              <a:t>Together</a:t>
+            </a:r>
+          </a:p>
+          <a:p>
+            <a:pPr lvl="1"/>
             <a:r>
               <a:rPr lang="en-US" dirty="0"/>
-              <a:t>overwhelmed</a:t>
-            </a:r>
-          </a:p>
-          <a:p>
-            <a:r>
-              <a:rPr lang="en-US" dirty="0" smtClean="0"/>
-              <a:t>Together</a:t>
-            </a:r>
-          </a:p>
-          <a:p>
-            <a:pPr lvl="1"/>
-            <a:r>
-              <a:rPr lang="en-US" dirty="0"/>
-              <a:t>Restrict window to </a:t>
-            </a:r>
-            <a:r>
-              <a:rPr lang="en-US" dirty="0" smtClean="0"/>
-              <a:t>min{RWND, CWND} </a:t>
-            </a:r>
-            <a:r>
-              <a:rPr lang="en-US" dirty="0"/>
-              <a:t>to make sure that </a:t>
-            </a:r>
-            <a:r>
-              <a:rPr lang="en-US" dirty="0" smtClean="0"/>
-              <a:t>neither the </a:t>
-            </a:r>
-            <a:r>
-              <a:rPr lang="en-US" dirty="0"/>
-              <a:t>receiver </a:t>
-            </a:r>
-            <a:r>
-              <a:rPr lang="en-US" dirty="0" smtClean="0"/>
-              <a:t>nor the network are overwhelmed</a:t>
-            </a:r>
-            <a:endParaRPr lang="en-US" dirty="0"/>
+              <a:t>Restrict window to min{RWND, CWND} to make sure that neither the receiver nor the network are overwhelmed</a:t>
+            </a:r>
           </a:p>
         </p:txBody>
       </p:sp>
@@ -25969,22 +26469,14 @@
           <a:p>
             <a:r>
               <a:rPr lang="en-US" dirty="0"/>
-              <a:t>Implications </a:t>
-            </a:r>
-            <a:r>
-              <a:rPr lang="en-US" dirty="0" smtClean="0"/>
-              <a:t>(4): </a:t>
+              <a:t>Implications (4): </a:t>
             </a:r>
             <a:br>
-              <a:rPr lang="en-US" dirty="0" smtClean="0"/>
+              <a:rPr lang="en-US" dirty="0"/>
             </a:br>
             <a:r>
-              <a:rPr lang="en-US" dirty="0" smtClean="0"/>
-              <a:t>Loss </a:t>
-            </a:r>
-            <a:r>
               <a:rPr lang="en-US" dirty="0"/>
-              <a:t>not due to congestion?</a:t>
+              <a:t>Loss not due to congestion?</a:t>
             </a:r>
           </a:p>
         </p:txBody>
@@ -26005,40 +26497,40 @@
           <a:lstStyle/>
           <a:p>
             <a:r>
-              <a:rPr lang="en-US" dirty="0" smtClean="0"/>
+              <a:rPr lang="en-US" dirty="0"/>
               <a:t>TCP will confuse corruption with congestion</a:t>
             </a:r>
           </a:p>
           <a:p>
             <a:r>
-              <a:rPr lang="en-US" dirty="0" smtClean="0"/>
+              <a:rPr lang="en-US" dirty="0"/>
               <a:t>Flow will cut its rate</a:t>
             </a:r>
           </a:p>
           <a:p>
             <a:pPr lvl="1"/>
             <a:r>
-              <a:rPr lang="en-US" dirty="0" smtClean="0"/>
+              <a:rPr lang="en-US" dirty="0"/>
               <a:t>Throughput ~ 1/</a:t>
             </a:r>
             <a:r>
-              <a:rPr lang="en-US" dirty="0" err="1" smtClean="0"/>
+              <a:rPr lang="en-US" dirty="0" err="1"/>
               <a:t>sqrt</a:t>
             </a:r>
             <a:r>
-              <a:rPr lang="en-US" dirty="0" smtClean="0"/>
+              <a:rPr lang="en-US" dirty="0"/>
               <a:t>(p) where p is loss prob.</a:t>
             </a:r>
           </a:p>
           <a:p>
             <a:pPr lvl="1"/>
             <a:r>
-              <a:rPr lang="en-US" dirty="0" smtClean="0"/>
+              <a:rPr lang="en-US" dirty="0"/>
               <a:t>Applies even for non-congestion losses!</a:t>
             </a:r>
           </a:p>
           <a:p>
-            <a:endParaRPr lang="en-US" dirty="0" smtClean="0"/>
+            <a:endParaRPr lang="en-US" dirty="0"/>
           </a:p>
         </p:txBody>
       </p:sp>
@@ -26305,17 +26797,16 @@
           <a:lstStyle/>
           <a:p>
             <a:r>
-              <a:rPr lang="en-US" dirty="0" smtClean="0"/>
+              <a:rPr lang="en-US" dirty="0"/>
               <a:t>Implications (5): </a:t>
             </a:r>
             <a:br>
-              <a:rPr lang="en-US" dirty="0" smtClean="0"/>
+              <a:rPr lang="en-US" dirty="0"/>
             </a:br>
             <a:r>
-              <a:rPr lang="en-US" dirty="0" smtClean="0"/>
+              <a:rPr lang="en-US" dirty="0"/>
               <a:t>Short flows cannot ramp up</a:t>
             </a:r>
-            <a:endParaRPr lang="en-US" dirty="0"/>
           </a:p>
         </p:txBody>
       </p:sp>
@@ -26335,13 +26826,13 @@
           <a:lstStyle/>
           <a:p>
             <a:r>
-              <a:rPr lang="en-US" smtClean="0"/>
+              <a:rPr lang="en-US" dirty="0"/>
               <a:t>50% of flows have &lt; 1500B to send; 80% &lt; 100KB</a:t>
             </a:r>
           </a:p>
           <a:p>
             <a:r>
-              <a:rPr lang="en-US" smtClean="0">
+              <a:rPr lang="en-US" dirty="0">
                 <a:sym typeface="Wingdings"/>
               </a:rPr>
               <a:t>Implications </a:t>
@@ -26350,7 +26841,7 @@
           <a:p>
             <a:pPr lvl="1"/>
             <a:r>
-              <a:rPr lang="en-US" smtClean="0">
+              <a:rPr lang="en-US" dirty="0">
                 <a:sym typeface="Wingdings"/>
               </a:rPr>
               <a:t>Short flows never leave slow start!</a:t>
@@ -26359,7 +26850,7 @@
           <a:p>
             <a:pPr lvl="2"/>
             <a:r>
-              <a:rPr lang="en-US" smtClean="0">
+              <a:rPr lang="en-US" dirty="0">
                 <a:sym typeface="Wingdings"/>
               </a:rPr>
               <a:t>They never attain their fair share</a:t>
@@ -26368,16 +26859,28 @@
           <a:p>
             <a:pPr lvl="1"/>
             <a:r>
-              <a:rPr lang="en-US" smtClean="0">
+              <a:rPr lang="en-US" dirty="0">
                 <a:sym typeface="Wingdings"/>
               </a:rPr>
-              <a:t>Too few packets to trigger dupACKs </a:t>
+              <a:t>Too few packets to trigger </a:t>
+            </a:r>
+            <a:r>
+              <a:rPr lang="en-US" dirty="0" err="1">
+                <a:sym typeface="Wingdings"/>
+              </a:rPr>
+              <a:t>dupACKs</a:t>
+            </a:r>
+            <a:r>
+              <a:rPr lang="en-US" dirty="0">
+                <a:sym typeface="Wingdings"/>
+              </a:rPr>
+              <a:t> </a:t>
             </a:r>
           </a:p>
           <a:p>
             <a:pPr lvl="2"/>
             <a:r>
-              <a:rPr lang="en-US" smtClean="0">
+              <a:rPr lang="en-US" dirty="0">
                 <a:sym typeface="Wingdings"/>
               </a:rPr>
               <a:t>Isolated loss may lead to timeouts</a:t>
@@ -26386,21 +26889,21 @@
           <a:p>
             <a:pPr lvl="2"/>
             <a:r>
-              <a:rPr lang="en-US" smtClean="0">
+              <a:rPr lang="en-US" dirty="0">
                 <a:sym typeface="Wingdings"/>
               </a:rPr>
-              <a:t>At  typical timeout values of ~500ms, might severely impact flow completion time</a:t>
+              <a:t>At typical timeout values of ~500ms, might severely impact flow completion time</a:t>
             </a:r>
           </a:p>
           <a:p>
             <a:pPr lvl="1"/>
-            <a:endParaRPr lang="en-US" smtClean="0">
+            <a:endParaRPr lang="en-US" dirty="0">
               <a:sym typeface="Wingdings"/>
             </a:endParaRPr>
           </a:p>
           <a:p>
             <a:pPr lvl="1"/>
-            <a:endParaRPr lang="en-US" dirty="0" smtClean="0">
+            <a:endParaRPr lang="en-US" dirty="0">
               <a:sym typeface="Wingdings"/>
             </a:endParaRPr>
           </a:p>
@@ -26762,17 +27265,16 @@
           <a:lstStyle/>
           <a:p>
             <a:r>
-              <a:rPr lang="en-US" dirty="0" smtClean="0"/>
+              <a:rPr lang="en-US" dirty="0"/>
               <a:t>Implications (6): </a:t>
             </a:r>
             <a:br>
-              <a:rPr lang="en-US" dirty="0" smtClean="0"/>
+              <a:rPr lang="en-US" dirty="0"/>
             </a:br>
             <a:r>
-              <a:rPr lang="en-US" dirty="0" smtClean="0"/>
+              <a:rPr lang="en-US" dirty="0"/>
               <a:t>Short flows share long delays</a:t>
             </a:r>
-            <a:endParaRPr lang="en-US" dirty="0"/>
           </a:p>
         </p:txBody>
       </p:sp>
@@ -26792,34 +27294,34 @@
           <a:lstStyle/>
           <a:p>
             <a:r>
-              <a:rPr lang="en-US" dirty="0" smtClean="0"/>
+              <a:rPr lang="en-US" dirty="0"/>
               <a:t>A flow deliberately overshoots capacity, until it experiences a drop</a:t>
             </a:r>
           </a:p>
           <a:p>
             <a:r>
-              <a:rPr lang="en-US" dirty="0" smtClean="0"/>
+              <a:rPr lang="en-US" dirty="0"/>
               <a:t>Means that delays are large, and are large for everyone</a:t>
             </a:r>
           </a:p>
           <a:p>
             <a:pPr lvl="1"/>
             <a:r>
-              <a:rPr lang="en-US" dirty="0" smtClean="0"/>
+              <a:rPr lang="en-US" dirty="0"/>
               <a:t>Consider a flow transferring a 10GB file sharing a  </a:t>
             </a:r>
             <a:br>
-              <a:rPr lang="en-US" dirty="0" smtClean="0"/>
+              <a:rPr lang="en-US" dirty="0"/>
             </a:br>
             <a:r>
-              <a:rPr lang="en-US" dirty="0" smtClean="0"/>
+              <a:rPr lang="en-US" dirty="0"/>
               <a:t>bottleneck link with 10 flows transferring 100B</a:t>
             </a:r>
           </a:p>
           <a:p>
             <a:pPr lvl="1"/>
             <a:r>
-              <a:rPr lang="en-US" dirty="0" smtClean="0">
+              <a:rPr lang="en-US" dirty="0">
                 <a:solidFill>
                   <a:schemeClr val="accent5"/>
                 </a:solidFill>
@@ -26828,7 +27330,7 @@
             </a:r>
           </a:p>
           <a:p>
-            <a:endParaRPr lang="en-US" dirty="0" smtClean="0"/>
+            <a:endParaRPr lang="en-US" dirty="0"/>
           </a:p>
           <a:p>
             <a:pPr lvl="3"/>
@@ -27100,15 +27602,7 @@
           <a:p>
             <a:r>
               <a:rPr lang="en-US" dirty="0"/>
-              <a:t>Implications </a:t>
-            </a:r>
-            <a:r>
-              <a:rPr lang="en-US" dirty="0" smtClean="0"/>
-              <a:t>(7): </a:t>
-            </a:r>
-            <a:r>
-              <a:rPr lang="en-US" dirty="0"/>
-              <a:t/>
+              <a:t>Implications (7): </a:t>
             </a:r>
             <a:br>
               <a:rPr lang="en-US" dirty="0"/>
@@ -27136,20 +27630,20 @@
           <a:lstStyle/>
           <a:p>
             <a:r>
-              <a:rPr lang="en-US" dirty="0" smtClean="0"/>
+              <a:rPr lang="en-US" dirty="0"/>
               <a:t>Three easy ways to cheat</a:t>
             </a:r>
           </a:p>
           <a:p>
             <a:pPr lvl="1"/>
             <a:r>
-              <a:rPr lang="en-US" dirty="0" smtClean="0"/>
+              <a:rPr lang="en-US" dirty="0"/>
               <a:t>Increasing CWND faster than +1 MSS per RTT</a:t>
             </a:r>
           </a:p>
           <a:p>
             <a:pPr lvl="1"/>
-            <a:endParaRPr lang="en-US" dirty="0" smtClean="0"/>
+            <a:endParaRPr lang="en-US" dirty="0"/>
           </a:p>
         </p:txBody>
       </p:sp>
@@ -27187,13 +27681,6 @@
   <p:clrMapOvr>
     <a:masterClrMapping/>
   </p:clrMapOvr>
-  <p:timing>
-    <p:tnLst>
-      <p:par>
-        <p:cTn id="1" dur="indefinite" restart="never" nodeType="tmRoot"/>
-      </p:par>
-    </p:tnLst>
-  </p:timing>
 </p:sld>
 </file>
 
@@ -27230,14 +27717,14 @@
           <a:lstStyle/>
           <a:p>
             <a:r>
-              <a:rPr lang="en-US" smtClean="0"/>
+              <a:rPr lang="en-US"/>
               <a:t>Implications (7): </a:t>
             </a:r>
             <a:br>
-              <a:rPr lang="en-US" smtClean="0"/>
+              <a:rPr lang="en-US"/>
             </a:br>
             <a:r>
-              <a:rPr lang="en-US" smtClean="0"/>
+              <a:rPr lang="en-US"/>
               <a:t>Cheating</a:t>
             </a:r>
             <a:endParaRPr lang="en-US" dirty="0"/>
@@ -27260,31 +27747,30 @@
           <a:lstStyle/>
           <a:p>
             <a:r>
-              <a:rPr lang="en-US" dirty="0" smtClean="0"/>
+              <a:rPr lang="en-US" dirty="0"/>
               <a:t>Three easy ways to cheat</a:t>
             </a:r>
           </a:p>
           <a:p>
             <a:pPr lvl="1"/>
             <a:r>
-              <a:rPr lang="en-US" dirty="0" smtClean="0"/>
+              <a:rPr lang="en-US" dirty="0"/>
               <a:t>Increasing CWND faster than +1 MSS per RTT</a:t>
             </a:r>
           </a:p>
           <a:p>
             <a:pPr lvl="1"/>
             <a:r>
-              <a:rPr lang="en-US" dirty="0" smtClean="0"/>
+              <a:rPr lang="en-US" dirty="0"/>
               <a:t>Using large initial CWND</a:t>
             </a:r>
           </a:p>
           <a:p>
             <a:pPr lvl="2"/>
             <a:r>
-              <a:rPr lang="en-US" dirty="0" smtClean="0"/>
+              <a:rPr lang="en-US" dirty="0"/>
               <a:t>Common practice by many companies</a:t>
             </a:r>
-            <a:endParaRPr lang="en-US" dirty="0"/>
           </a:p>
         </p:txBody>
       </p:sp>
@@ -27466,14 +27952,14 @@
           <a:lstStyle/>
           <a:p>
             <a:r>
-              <a:rPr lang="en-US" dirty="0" smtClean="0"/>
+              <a:rPr lang="en-US" dirty="0"/>
               <a:t>Three easy ways to cheat</a:t>
             </a:r>
           </a:p>
           <a:p>
             <a:pPr lvl="1"/>
             <a:r>
-              <a:rPr lang="en-US" dirty="0" smtClean="0"/>
+              <a:rPr lang="en-US" dirty="0"/>
               <a:t>Increasing CWND faster than +1 MSS per RTT</a:t>
             </a:r>
           </a:p>
@@ -27494,13 +27980,13 @@
           <a:p>
             <a:pPr lvl="1"/>
             <a:r>
-              <a:rPr lang="en-US" dirty="0" smtClean="0"/>
+              <a:rPr lang="en-US" dirty="0"/>
               <a:t>Opening many connections</a:t>
             </a:r>
           </a:p>
           <a:p>
             <a:pPr lvl="1"/>
-            <a:endParaRPr lang="en-US" dirty="0" smtClean="0"/>
+            <a:endParaRPr lang="en-US" dirty="0"/>
           </a:p>
         </p:txBody>
       </p:sp>
@@ -27538,13 +28024,6 @@
   <p:clrMapOvr>
     <a:masterClrMapping/>
   </p:clrMapOvr>
-  <p:timing>
-    <p:tnLst>
-      <p:par>
-        <p:cTn id="1" dur="indefinite" restart="never" nodeType="tmRoot"/>
-      </p:par>
-    </p:tnLst>
-  </p:timing>
 </p:sld>
 </file>
 
@@ -27581,7 +28060,7 @@
           <a:lstStyle/>
           <a:p>
             <a:r>
-              <a:rPr lang="en-US" dirty="0" smtClean="0"/>
+              <a:rPr lang="en-US" dirty="0"/>
               <a:t>Open many connections</a:t>
             </a:r>
           </a:p>
@@ -27602,47 +28081,47 @@
           <a:bodyPr/>
           <a:lstStyle/>
           <a:p>
-            <a:endParaRPr lang="en-US" dirty="0" smtClean="0"/>
-          </a:p>
-          <a:p>
             <a:endParaRPr lang="en-US" dirty="0"/>
           </a:p>
           <a:p>
-            <a:endParaRPr lang="en-US" dirty="0" smtClean="0"/>
-          </a:p>
-          <a:p>
-            <a:r>
-              <a:rPr lang="en-US" dirty="0" smtClean="0"/>
+            <a:endParaRPr lang="en-US" dirty="0"/>
+          </a:p>
+          <a:p>
+            <a:endParaRPr lang="en-US" dirty="0"/>
+          </a:p>
+          <a:p>
+            <a:r>
+              <a:rPr lang="en-US" dirty="0"/>
               <a:t>Assume </a:t>
             </a:r>
           </a:p>
           <a:p>
             <a:pPr lvl="1"/>
             <a:r>
-              <a:rPr lang="en-US" dirty="0" smtClean="0"/>
+              <a:rPr lang="en-US" dirty="0"/>
               <a:t> A starts 10 connections to B</a:t>
             </a:r>
           </a:p>
           <a:p>
             <a:pPr lvl="1"/>
             <a:r>
-              <a:rPr lang="en-US" dirty="0" smtClean="0"/>
+              <a:rPr lang="en-US" dirty="0"/>
               <a:t>D starts 1 connection to E</a:t>
             </a:r>
           </a:p>
           <a:p>
             <a:pPr lvl="1"/>
             <a:r>
-              <a:rPr lang="en-US" dirty="0" smtClean="0"/>
+              <a:rPr lang="en-US" dirty="0"/>
               <a:t>Each connection gets about the same throughput</a:t>
             </a:r>
           </a:p>
           <a:p>
-            <a:endParaRPr lang="en-US" dirty="0" smtClean="0"/>
-          </a:p>
-          <a:p>
-            <a:r>
-              <a:rPr lang="en-US" dirty="0" smtClean="0">
+            <a:endParaRPr lang="en-US" dirty="0"/>
+          </a:p>
+          <a:p>
+            <a:r>
+              <a:rPr lang="en-US" dirty="0">
                 <a:solidFill>
                   <a:schemeClr val="accent5"/>
                 </a:solidFill>
@@ -28170,7 +28649,7 @@
               <a:pPr eaLnBrk="1" hangingPunct="1">
                 <a:defRPr/>
               </a:pPr>
-              <a:endParaRPr lang="en-US" sz="2200" b="0" smtClean="0">
+              <a:endParaRPr lang="en-US" sz="2200" b="0">
                 <a:latin typeface="Tahoma" charset="0"/>
                 <a:cs typeface="+mn-cs"/>
               </a:endParaRPr>
@@ -28343,7 +28822,7 @@
                 <a:defRPr/>
               </a:pPr>
               <a:r>
-                <a:rPr lang="en-US" sz="2900" b="0" dirty="0" smtClean="0">
+                <a:rPr lang="en-US" sz="2900" b="0" dirty="0">
                   <a:solidFill>
                     <a:schemeClr val="accent5"/>
                   </a:solidFill>
@@ -28754,7 +29233,7 @@
               <a:pPr eaLnBrk="1" hangingPunct="1">
                 <a:defRPr/>
               </a:pPr>
-              <a:endParaRPr lang="en-US" sz="2900" b="0" smtClean="0">
+              <a:endParaRPr lang="en-US" sz="2900" b="0">
                 <a:latin typeface="Tahoma" charset="0"/>
                 <a:cs typeface="+mn-cs"/>
               </a:endParaRPr>
@@ -28927,7 +29406,7 @@
                 <a:defRPr/>
               </a:pPr>
               <a:r>
-                <a:rPr lang="en-US" sz="2900" b="0" dirty="0" smtClean="0">
+                <a:rPr lang="en-US" sz="2900" b="0" dirty="0">
                   <a:solidFill>
                     <a:schemeClr val="accent4"/>
                   </a:solidFill>
@@ -28974,13 +29453,6 @@
   <p:clrMapOvr>
     <a:masterClrMapping/>
   </p:clrMapOvr>
-  <p:timing>
-    <p:tnLst>
-      <p:par>
-        <p:cTn id="1" dur="indefinite" restart="never" nodeType="tmRoot"/>
-      </p:par>
-    </p:tnLst>
-  </p:timing>
 </p:sld>
 </file>
 
@@ -29046,63 +29518,63 @@
           <a:lstStyle/>
           <a:p>
             <a:r>
-              <a:rPr lang="en-US" dirty="0" smtClean="0"/>
+              <a:rPr lang="en-US" dirty="0"/>
               <a:t>CWND adjusted based on ACKs and timeouts</a:t>
             </a:r>
           </a:p>
           <a:p>
             <a:r>
-              <a:rPr lang="en-US" dirty="0" smtClean="0"/>
+              <a:rPr lang="en-US" dirty="0"/>
               <a:t>Cumulative ACKs and fast retransmit/recovery rules</a:t>
             </a:r>
           </a:p>
           <a:p>
             <a:r>
-              <a:rPr lang="en-US" dirty="0" smtClean="0"/>
+              <a:rPr lang="en-US" dirty="0"/>
               <a:t>Complicates evolution </a:t>
             </a:r>
           </a:p>
           <a:p>
             <a:pPr lvl="1"/>
             <a:r>
-              <a:rPr lang="en-US" dirty="0" smtClean="0"/>
+              <a:rPr lang="en-US" dirty="0"/>
               <a:t>Changing from cumulative to selective ACKs is hard</a:t>
             </a:r>
           </a:p>
           <a:p>
             <a:r>
-              <a:rPr lang="en-US" dirty="0" smtClean="0"/>
+              <a:rPr lang="en-US" dirty="0"/>
               <a:t>Sometimes we want CC but not reliability </a:t>
             </a:r>
           </a:p>
           <a:p>
             <a:pPr lvl="1"/>
             <a:r>
-              <a:rPr lang="en-US" dirty="0" smtClean="0"/>
+              <a:rPr lang="en-US" dirty="0"/>
               <a:t>e.g., real-time applications</a:t>
             </a:r>
           </a:p>
           <a:p>
             <a:r>
-              <a:rPr lang="en-US" dirty="0" smtClean="0"/>
+              <a:rPr lang="en-US" dirty="0"/>
               <a:t>We may also want </a:t>
             </a:r>
             <a:r>
-              <a:rPr lang="en-US" smtClean="0"/>
+              <a:rPr lang="en-US"/>
               <a:t>reliability without CC</a:t>
             </a:r>
-            <a:endParaRPr lang="en-US" dirty="0" smtClean="0"/>
+            <a:endParaRPr lang="en-US" dirty="0"/>
           </a:p>
           <a:p>
             <a:pPr lvl="1"/>
-            <a:endParaRPr lang="en-US" dirty="0" smtClean="0"/>
-          </a:p>
-          <a:p>
-            <a:endParaRPr lang="en-US" dirty="0" smtClean="0"/>
+            <a:endParaRPr lang="en-US" dirty="0"/>
+          </a:p>
+          <a:p>
+            <a:endParaRPr lang="en-US" dirty="0"/>
           </a:p>
           <a:p>
             <a:pPr lvl="1"/>
-            <a:endParaRPr lang="en-US" dirty="0" smtClean="0"/>
+            <a:endParaRPr lang="en-US" dirty="0"/>
           </a:p>
           <a:p>
             <a:endParaRPr lang="en-US" dirty="0"/>
@@ -29588,7 +30060,7 @@
           <a:lstStyle/>
           <a:p>
             <a:r>
-              <a:rPr lang="en-US" smtClean="0"/>
+              <a:rPr lang="en-US"/>
               <a:t>Recap: TCP problems</a:t>
             </a:r>
             <a:endParaRPr lang="en-US" dirty="0"/>
@@ -29611,49 +30083,49 @@
           <a:lstStyle/>
           <a:p>
             <a:r>
-              <a:rPr lang="en-US" sz="2400" dirty="0" smtClean="0"/>
+              <a:rPr lang="en-US" sz="2400" dirty="0"/>
               <a:t>Misled by non-congestion losses</a:t>
             </a:r>
           </a:p>
           <a:p>
             <a:r>
-              <a:rPr lang="en-US" sz="2400" dirty="0" smtClean="0"/>
+              <a:rPr lang="en-US" sz="2400" dirty="0"/>
               <a:t>Fills up queues leading to high delays</a:t>
             </a:r>
           </a:p>
           <a:p>
             <a:r>
-              <a:rPr lang="en-US" sz="2400" dirty="0" smtClean="0"/>
+              <a:rPr lang="en-US" sz="2400" dirty="0"/>
               <a:t>Short flows complete before discovering available capacity</a:t>
             </a:r>
           </a:p>
           <a:p>
             <a:r>
-              <a:rPr lang="en-US" sz="2400" dirty="0" smtClean="0"/>
+              <a:rPr lang="en-US" sz="2400" dirty="0"/>
               <a:t>AIMD impractical for high speed links </a:t>
             </a:r>
           </a:p>
           <a:p>
             <a:r>
-              <a:rPr lang="en-US" sz="2400" dirty="0" smtClean="0"/>
+              <a:rPr lang="en-US" sz="2400" dirty="0"/>
               <a:t>Saw tooth discovery too choppy for some apps</a:t>
             </a:r>
           </a:p>
           <a:p>
             <a:r>
-              <a:rPr lang="en-US" sz="2400" dirty="0" smtClean="0"/>
+              <a:rPr lang="en-US" sz="2400" dirty="0"/>
               <a:t>Unfair under heterogeneous RTTs</a:t>
             </a:r>
           </a:p>
           <a:p>
             <a:r>
-              <a:rPr lang="en-US" sz="2400" dirty="0" smtClean="0"/>
+              <a:rPr lang="en-US" sz="2400" dirty="0"/>
               <a:t>Tight coupling with reliability mechanisms</a:t>
             </a:r>
           </a:p>
           <a:p>
             <a:r>
-              <a:rPr lang="en-US" sz="2400" dirty="0" smtClean="0"/>
+              <a:rPr lang="en-US" sz="2400" dirty="0"/>
               <a:t>End hosts can cheat</a:t>
             </a:r>
           </a:p>
@@ -29778,25 +30250,22 @@
             <a:p>
               <a:pPr algn="ctr"/>
               <a:r>
-                <a:rPr lang="en-US" b="0" dirty="0" smtClean="0">
+                <a:rPr lang="en-US" b="0" dirty="0">
                   <a:latin typeface="+mn-lt"/>
                 </a:rPr>
                 <a:t>Routers tell endpoints </a:t>
               </a:r>
               <a:br>
-                <a:rPr lang="en-US" b="0" dirty="0" smtClean="0">
+                <a:rPr lang="en-US" b="0" dirty="0">
                   <a:latin typeface="+mn-lt"/>
                 </a:rPr>
               </a:br>
               <a:r>
-                <a:rPr lang="en-US" b="0" dirty="0" smtClean="0">
+                <a:rPr lang="en-US" b="0" dirty="0">
                   <a:latin typeface="+mn-lt"/>
                 </a:rPr>
                 <a:t>  if they’re congested</a:t>
               </a:r>
-              <a:endParaRPr lang="en-US" b="0" dirty="0">
-                <a:latin typeface="+mn-lt"/>
-              </a:endParaRPr>
             </a:p>
           </p:txBody>
         </p:sp>
@@ -29905,36 +30374,33 @@
             <a:p>
               <a:pPr algn="ctr"/>
               <a:r>
-                <a:rPr lang="en-US" b="0" dirty="0" smtClean="0">
+                <a:rPr lang="en-US" b="0" dirty="0">
                   <a:latin typeface="+mn-lt"/>
                 </a:rPr>
                 <a:t>Routers tell</a:t>
               </a:r>
               <a:br>
-                <a:rPr lang="en-US" b="0" dirty="0" smtClean="0">
+                <a:rPr lang="en-US" b="0" dirty="0">
                   <a:latin typeface="+mn-lt"/>
                 </a:rPr>
               </a:br>
               <a:r>
-                <a:rPr lang="en-US" b="0" dirty="0" smtClean="0">
+                <a:rPr lang="en-US" b="0" dirty="0">
                   <a:latin typeface="+mn-lt"/>
                 </a:rPr>
                 <a:t> endpoints what </a:t>
               </a:r>
               <a:br>
-                <a:rPr lang="en-US" b="0" dirty="0" smtClean="0">
+                <a:rPr lang="en-US" b="0" dirty="0">
                   <a:latin typeface="+mn-lt"/>
                 </a:rPr>
               </a:br>
               <a:r>
-                <a:rPr lang="en-US" b="0" dirty="0" smtClean="0">
+                <a:rPr lang="en-US" b="0" dirty="0">
                   <a:latin typeface="+mn-lt"/>
                 </a:rPr>
                 <a:t>rate to send at</a:t>
               </a:r>
-              <a:endParaRPr lang="en-US" b="0" dirty="0">
-                <a:latin typeface="+mn-lt"/>
-              </a:endParaRPr>
             </a:p>
           </p:txBody>
         </p:sp>
@@ -30152,25 +30618,22 @@
           <a:p>
             <a:pPr algn="ctr"/>
             <a:r>
-              <a:rPr lang="en-US" b="0" dirty="0" smtClean="0">
+              <a:rPr lang="en-US" b="0" dirty="0">
                 <a:latin typeface="+mn-lt"/>
               </a:rPr>
               <a:t>Routers enforce</a:t>
             </a:r>
             <a:br>
-              <a:rPr lang="en-US" b="0" dirty="0" smtClean="0">
+              <a:rPr lang="en-US" b="0" dirty="0">
                 <a:latin typeface="+mn-lt"/>
               </a:rPr>
             </a:br>
             <a:r>
-              <a:rPr lang="en-US" b="0" dirty="0" smtClean="0">
+              <a:rPr lang="en-US" b="0" dirty="0">
                 <a:latin typeface="+mn-lt"/>
               </a:rPr>
               <a:t>fair sharing</a:t>
             </a:r>
-            <a:endParaRPr lang="en-US" b="0" dirty="0">
-              <a:latin typeface="+mn-lt"/>
-            </a:endParaRPr>
           </a:p>
         </p:txBody>
       </p:sp>
@@ -30304,7 +30767,7 @@
             <a:lstStyle/>
             <a:p>
               <a:r>
-                <a:rPr lang="en-US" sz="2400" b="0" dirty="0" smtClean="0">
+                <a:rPr lang="en-US" sz="2400" b="0" dirty="0">
                   <a:solidFill>
                     <a:schemeClr val="accent5"/>
                   </a:solidFill>
@@ -30312,12 +30775,6 @@
                 </a:rPr>
                 <a:t>Could fix many of these with some help from routers!</a:t>
               </a:r>
-              <a:endParaRPr lang="en-US" sz="2400" b="0" dirty="0">
-                <a:solidFill>
-                  <a:schemeClr val="accent5"/>
-                </a:solidFill>
-                <a:latin typeface="+mn-lt"/>
-              </a:endParaRPr>
             </a:p>
           </p:txBody>
         </p:sp>
@@ -31072,7 +31529,13 @@
       </p:grpSpPr>
       <p:sp>
         <p:nvSpPr>
-          <p:cNvPr id="2" name="Title 1"/>
+          <p:cNvPr id="2" name="Title 1">
+            <a:extLst>
+              <a:ext uri="{FF2B5EF4-FFF2-40B4-BE49-F238E27FC236}">
+                <a16:creationId xmlns:a16="http://schemas.microsoft.com/office/drawing/2014/main" id="{406DF9CF-A5B6-D949-8A11-32073B6F40AE}"/>
+              </a:ext>
+            </a:extLst>
+          </p:cNvPr>
           <p:cNvSpPr>
             <a:spLocks noGrp="1"/>
           </p:cNvSpPr>
@@ -31086,16 +31549,21 @@
           <a:lstStyle/>
           <a:p>
             <a:r>
-              <a:rPr lang="en-US" dirty="0" smtClean="0"/>
-              <a:t>Summary</a:t>
-            </a:r>
-            <a:endParaRPr lang="en-US" dirty="0"/>
+              <a:rPr lang="en-US" dirty="0"/>
+              <a:t>Group Discussion</a:t>
+            </a:r>
           </a:p>
         </p:txBody>
       </p:sp>
       <p:sp>
         <p:nvSpPr>
-          <p:cNvPr id="3" name="Content Placeholder 2"/>
+          <p:cNvPr id="3" name="Content Placeholder 2">
+            <a:extLst>
+              <a:ext uri="{FF2B5EF4-FFF2-40B4-BE49-F238E27FC236}">
+                <a16:creationId xmlns:a16="http://schemas.microsoft.com/office/drawing/2014/main" id="{D19BF912-8CBA-794C-B435-EC8716EF11B5}"/>
+              </a:ext>
+            </a:extLst>
+          </p:cNvPr>
           <p:cNvSpPr>
             <a:spLocks noGrp="1"/>
           </p:cNvSpPr>
@@ -31103,45 +31571,64 @@
             <p:ph idx="1"/>
           </p:nvPr>
         </p:nvSpPr>
-        <p:spPr/>
+        <p:spPr>
+          <a:xfrm>
+            <a:off x="628650" y="1825624"/>
+            <a:ext cx="7886700" cy="4667249"/>
+          </a:xfrm>
+        </p:spPr>
         <p:txBody>
-          <a:bodyPr/>
+          <a:bodyPr>
+            <a:normAutofit/>
+          </a:bodyPr>
           <a:lstStyle/>
           <a:p>
             <a:r>
-              <a:rPr lang="en-US" dirty="0" smtClean="0"/>
-              <a:t>TCP works even though it has many flaws</a:t>
-            </a:r>
-          </a:p>
-          <a:p>
-            <a:r>
-              <a:rPr lang="en-US" dirty="0" smtClean="0"/>
-              <a:t>Many of them can be fixed via assistance from the network</a:t>
-            </a:r>
-          </a:p>
-          <a:p>
-            <a:endParaRPr lang="en-US" dirty="0" smtClean="0"/>
-          </a:p>
-          <a:p>
-            <a:r>
-              <a:rPr lang="en-US" dirty="0" smtClean="0">
-                <a:solidFill>
-                  <a:schemeClr val="accent5"/>
-                </a:solidFill>
-              </a:rPr>
-              <a:t>Next few lectures: The Network Layer</a:t>
-            </a:r>
-            <a:endParaRPr lang="en-US" dirty="0">
-              <a:solidFill>
-                <a:schemeClr val="accent5"/>
-              </a:solidFill>
-            </a:endParaRPr>
+              <a:rPr lang="en-US" dirty="0"/>
+              <a:t>Topic: fairness in congestion control</a:t>
+            </a:r>
+          </a:p>
+          <a:p>
+            <a:pPr lvl="1"/>
+            <a:r>
+              <a:rPr lang="en-US" altLang="zh-CN" dirty="0"/>
+              <a:t>When we say TCP congestion control may not be fair in some conditions, what are we really talking about? What is a good definition of fairness? How can we enforce it?</a:t>
+            </a:r>
+          </a:p>
+          <a:p>
+            <a:endParaRPr lang="en-US" dirty="0"/>
+          </a:p>
+          <a:p>
+            <a:r>
+              <a:rPr lang="en-US" dirty="0"/>
+              <a:t>Discuss in groups, and each group chooses a leader to summarize the discussion</a:t>
+            </a:r>
+          </a:p>
+          <a:p>
+            <a:pPr lvl="1"/>
+            <a:r>
+              <a:rPr lang="en-US" dirty="0"/>
+              <a:t>In your group discussion, please do not dominate the discussion, and give everyone a chance to speak</a:t>
+            </a:r>
+          </a:p>
+          <a:p>
+            <a:pPr lvl="1"/>
+            <a:r>
+              <a:rPr lang="en-US" dirty="0"/>
+              <a:t>Turn on your video if you can</a:t>
+            </a:r>
           </a:p>
         </p:txBody>
       </p:sp>
       <p:sp>
         <p:nvSpPr>
-          <p:cNvPr id="6" name="Slide Number Placeholder 5"/>
+          <p:cNvPr id="4" name="Slide Number Placeholder 3">
+            <a:extLst>
+              <a:ext uri="{FF2B5EF4-FFF2-40B4-BE49-F238E27FC236}">
+                <a16:creationId xmlns:a16="http://schemas.microsoft.com/office/drawing/2014/main" id="{75559D9B-0B3C-C844-9E4B-D8E267CCA32B}"/>
+              </a:ext>
+            </a:extLst>
+          </p:cNvPr>
           <p:cNvSpPr>
             <a:spLocks noGrp="1"/>
           </p:cNvSpPr>
@@ -31154,9 +31641,8 @@
           <a:bodyPr/>
           <a:lstStyle/>
           <a:p>
-            <a:fld id="{A190D881-957A-7944-A8D0-1584E528B88F}" type="slidenum">
+            <a:fld id="{1C91BF9F-A6D6-9C44-9AC2-A799D1CC7BF8}" type="slidenum">
               <a:rPr lang="en-US" smtClean="0"/>
-              <a:pPr/>
               <a:t>39</a:t>
             </a:fld>
             <a:endParaRPr lang="en-US"/>
@@ -31166,92 +31652,13 @@
     </p:spTree>
     <p:extLst>
       <p:ext uri="{BB962C8B-B14F-4D97-AF65-F5344CB8AC3E}">
-        <p14:creationId xmlns:p14="http://schemas.microsoft.com/office/powerpoint/2010/main" val="1727698318"/>
+        <p14:creationId xmlns:p14="http://schemas.microsoft.com/office/powerpoint/2010/main" val="2439159402"/>
       </p:ext>
     </p:extLst>
   </p:cSld>
   <p:clrMapOvr>
     <a:masterClrMapping/>
   </p:clrMapOvr>
-  <p:timing>
-    <p:tnLst>
-      <p:par>
-        <p:cTn id="1" dur="indefinite" restart="never" nodeType="tmRoot">
-          <p:childTnLst>
-            <p:seq concurrent="1" nextAc="seek">
-              <p:cTn id="2" dur="indefinite" nodeType="mainSeq">
-                <p:childTnLst>
-                  <p:par>
-                    <p:cTn id="3" fill="hold">
-                      <p:stCondLst>
-                        <p:cond delay="indefinite"/>
-                      </p:stCondLst>
-                      <p:childTnLst>
-                        <p:par>
-                          <p:cTn id="4" fill="hold">
-                            <p:stCondLst>
-                              <p:cond delay="0"/>
-                            </p:stCondLst>
-                            <p:childTnLst>
-                              <p:par>
-                                <p:cTn id="5" presetID="1" presetClass="entr" presetSubtype="0" fill="hold" nodeType="clickEffect">
-                                  <p:stCondLst>
-                                    <p:cond delay="0"/>
-                                  </p:stCondLst>
-                                  <p:childTnLst>
-                                    <p:set>
-                                      <p:cBhvr>
-                                        <p:cTn id="6" dur="1" fill="hold">
-                                          <p:stCondLst>
-                                            <p:cond delay="0"/>
-                                          </p:stCondLst>
-                                        </p:cTn>
-                                        <p:tgtEl>
-                                          <p:spTgt spid="3">
-                                            <p:txEl>
-                                              <p:pRg st="3" end="3"/>
-                                            </p:txEl>
-                                          </p:spTgt>
-                                        </p:tgtEl>
-                                        <p:attrNameLst>
-                                          <p:attrName>style.visibility</p:attrName>
-                                        </p:attrNameLst>
-                                      </p:cBhvr>
-                                      <p:to>
-                                        <p:strVal val="visible"/>
-                                      </p:to>
-                                    </p:set>
-                                  </p:childTnLst>
-                                </p:cTn>
-                              </p:par>
-                            </p:childTnLst>
-                          </p:cTn>
-                        </p:par>
-                      </p:childTnLst>
-                    </p:cTn>
-                  </p:par>
-                </p:childTnLst>
-              </p:cTn>
-              <p:prevCondLst>
-                <p:cond evt="onPrev" delay="0">
-                  <p:tgtEl>
-                    <p:sldTgt/>
-                  </p:tgtEl>
-                </p:cond>
-              </p:prevCondLst>
-              <p:nextCondLst>
-                <p:cond evt="onNext" delay="0">
-                  <p:tgtEl>
-                    <p:sldTgt/>
-                  </p:tgtEl>
-                </p:cond>
-              </p:nextCondLst>
-            </p:seq>
-          </p:childTnLst>
-        </p:cTn>
-      </p:par>
-    </p:tnLst>
-  </p:timing>
 </p:sld>
 </file>
 
@@ -31288,10 +31695,9 @@
           <a:lstStyle/>
           <a:p>
             <a:r>
-              <a:rPr lang="en-US" dirty="0" smtClean="0"/>
+              <a:rPr lang="en-US" dirty="0"/>
               <a:t>CC Implementation</a:t>
             </a:r>
-            <a:endParaRPr lang="en-US" dirty="0"/>
           </a:p>
         </p:txBody>
       </p:sp>
@@ -31311,14 +31717,14 @@
           <a:lstStyle/>
           <a:p>
             <a:r>
-              <a:rPr lang="en-US" dirty="0" smtClean="0"/>
+              <a:rPr lang="en-US" dirty="0"/>
               <a:t>States at sender</a:t>
             </a:r>
           </a:p>
           <a:p>
             <a:pPr lvl="1"/>
             <a:r>
-              <a:rPr lang="en-US" dirty="0" smtClean="0">
+              <a:rPr lang="en-US" dirty="0">
                 <a:solidFill>
                   <a:schemeClr val="accent5"/>
                 </a:solidFill>
@@ -31326,14 +31732,14 @@
               <a:t>CWND </a:t>
             </a:r>
             <a:r>
-              <a:rPr lang="en-US" dirty="0" smtClean="0"/>
+              <a:rPr lang="en-US" dirty="0"/>
               <a:t>(initialized to a small constant)</a:t>
             </a:r>
           </a:p>
           <a:p>
             <a:pPr lvl="1"/>
             <a:r>
-              <a:rPr lang="en-US" dirty="0" err="1" smtClean="0">
+              <a:rPr lang="en-US" dirty="0" err="1">
                 <a:solidFill>
                   <a:schemeClr val="accent5"/>
                 </a:solidFill>
@@ -31341,7 +31747,7 @@
               <a:t>ssthresh</a:t>
             </a:r>
             <a:r>
-              <a:rPr lang="en-US" dirty="0" smtClean="0">
+              <a:rPr lang="en-US" dirty="0">
                 <a:solidFill>
                   <a:schemeClr val="accent5"/>
                 </a:solidFill>
@@ -31349,14 +31755,14 @@
               <a:t> </a:t>
             </a:r>
             <a:r>
-              <a:rPr lang="en-US" dirty="0" smtClean="0"/>
+              <a:rPr lang="en-US" dirty="0"/>
               <a:t>(initialized to a large constant)</a:t>
             </a:r>
           </a:p>
           <a:p>
             <a:pPr lvl="1"/>
             <a:r>
-              <a:rPr lang="en-US" dirty="0" err="1" smtClean="0">
+              <a:rPr lang="en-US" dirty="0" err="1">
                 <a:solidFill>
                   <a:schemeClr val="accent5"/>
                 </a:solidFill>
@@ -31364,7 +31770,7 @@
               <a:t>dupACKcount</a:t>
             </a:r>
             <a:r>
-              <a:rPr lang="en-US" dirty="0" smtClean="0">
+              <a:rPr lang="en-US" dirty="0">
                 <a:solidFill>
                   <a:schemeClr val="accent5"/>
                 </a:solidFill>
@@ -31372,11 +31778,11 @@
               <a:t> </a:t>
             </a:r>
             <a:r>
-              <a:rPr lang="en-US" dirty="0" smtClean="0"/>
+              <a:rPr lang="en-US" dirty="0"/>
               <a:t>and </a:t>
             </a:r>
             <a:r>
-              <a:rPr lang="en-US" dirty="0" smtClean="0">
+              <a:rPr lang="en-US" dirty="0">
                 <a:solidFill>
                   <a:schemeClr val="accent5"/>
                 </a:solidFill>
@@ -31386,14 +31792,14 @@
           </a:p>
           <a:p>
             <a:r>
-              <a:rPr lang="en-US" dirty="0" smtClean="0"/>
+              <a:rPr lang="en-US" dirty="0"/>
               <a:t>Events </a:t>
             </a:r>
           </a:p>
           <a:p>
             <a:pPr lvl="1"/>
             <a:r>
-              <a:rPr lang="en-US" dirty="0" smtClean="0">
+              <a:rPr lang="en-US" dirty="0">
                 <a:solidFill>
                   <a:schemeClr val="accent5"/>
                 </a:solidFill>
@@ -31401,14 +31807,14 @@
               <a:t>ACK </a:t>
             </a:r>
             <a:r>
-              <a:rPr lang="en-US" dirty="0" smtClean="0"/>
+              <a:rPr lang="en-US" dirty="0"/>
               <a:t>(new data) </a:t>
             </a:r>
           </a:p>
           <a:p>
             <a:pPr lvl="1"/>
             <a:r>
-              <a:rPr lang="en-US" dirty="0" smtClean="0">
+              <a:rPr lang="en-US" dirty="0">
                 <a:solidFill>
                   <a:schemeClr val="accent5"/>
                 </a:solidFill>
@@ -31416,25 +31822,20 @@
               <a:t>dupACK </a:t>
             </a:r>
             <a:r>
-              <a:rPr lang="en-US" dirty="0" smtClean="0"/>
+              <a:rPr lang="en-US" dirty="0"/>
               <a:t>(duplicate ACK for old data)</a:t>
             </a:r>
           </a:p>
           <a:p>
             <a:pPr lvl="1"/>
             <a:r>
-              <a:rPr lang="en-US" dirty="0" smtClean="0">
+              <a:rPr lang="en-US" dirty="0">
                 <a:solidFill>
                   <a:schemeClr val="accent5"/>
                 </a:solidFill>
               </a:rPr>
               <a:t>Timeout </a:t>
             </a:r>
-            <a:endParaRPr lang="en-US" dirty="0">
-              <a:solidFill>
-                <a:schemeClr val="accent5"/>
-              </a:solidFill>
-            </a:endParaRPr>
           </a:p>
         </p:txBody>
       </p:sp>
@@ -31819,6 +32220,202 @@
             <p:ph type="title"/>
           </p:nvPr>
         </p:nvSpPr>
+        <p:spPr/>
+        <p:txBody>
+          <a:bodyPr/>
+          <a:lstStyle/>
+          <a:p>
+            <a:r>
+              <a:rPr lang="en-US" dirty="0"/>
+              <a:t>Summary</a:t>
+            </a:r>
+          </a:p>
+        </p:txBody>
+      </p:sp>
+      <p:sp>
+        <p:nvSpPr>
+          <p:cNvPr id="3" name="Content Placeholder 2"/>
+          <p:cNvSpPr>
+            <a:spLocks noGrp="1"/>
+          </p:cNvSpPr>
+          <p:nvPr>
+            <p:ph idx="1"/>
+          </p:nvPr>
+        </p:nvSpPr>
+        <p:spPr/>
+        <p:txBody>
+          <a:bodyPr/>
+          <a:lstStyle/>
+          <a:p>
+            <a:r>
+              <a:rPr lang="en-US" dirty="0"/>
+              <a:t>TCP works even though it has many flaws</a:t>
+            </a:r>
+          </a:p>
+          <a:p>
+            <a:r>
+              <a:rPr lang="en-US" dirty="0"/>
+              <a:t>Many of them can be fixed via assistance from the network</a:t>
+            </a:r>
+          </a:p>
+          <a:p>
+            <a:endParaRPr lang="en-US" dirty="0"/>
+          </a:p>
+          <a:p>
+            <a:r>
+              <a:rPr lang="en-US" dirty="0">
+                <a:solidFill>
+                  <a:schemeClr val="accent5"/>
+                </a:solidFill>
+              </a:rPr>
+              <a:t>Next few lectures: The Network Layer</a:t>
+            </a:r>
+          </a:p>
+        </p:txBody>
+      </p:sp>
+      <p:sp>
+        <p:nvSpPr>
+          <p:cNvPr id="6" name="Slide Number Placeholder 5"/>
+          <p:cNvSpPr>
+            <a:spLocks noGrp="1"/>
+          </p:cNvSpPr>
+          <p:nvPr>
+            <p:ph type="sldNum" sz="quarter" idx="12"/>
+          </p:nvPr>
+        </p:nvSpPr>
+        <p:spPr/>
+        <p:txBody>
+          <a:bodyPr/>
+          <a:lstStyle/>
+          <a:p>
+            <a:fld id="{A190D881-957A-7944-A8D0-1584E528B88F}" type="slidenum">
+              <a:rPr lang="en-US" smtClean="0"/>
+              <a:pPr/>
+              <a:t>40</a:t>
+            </a:fld>
+            <a:endParaRPr lang="en-US"/>
+          </a:p>
+        </p:txBody>
+      </p:sp>
+    </p:spTree>
+    <p:extLst>
+      <p:ext uri="{BB962C8B-B14F-4D97-AF65-F5344CB8AC3E}">
+        <p14:creationId xmlns:p14="http://schemas.microsoft.com/office/powerpoint/2010/main" val="1727698318"/>
+      </p:ext>
+    </p:extLst>
+  </p:cSld>
+  <p:clrMapOvr>
+    <a:masterClrMapping/>
+  </p:clrMapOvr>
+  <p:timing>
+    <p:tnLst>
+      <p:par>
+        <p:cTn id="1" dur="indefinite" restart="never" nodeType="tmRoot">
+          <p:childTnLst>
+            <p:seq concurrent="1" nextAc="seek">
+              <p:cTn id="2" dur="indefinite" nodeType="mainSeq">
+                <p:childTnLst>
+                  <p:par>
+                    <p:cTn id="3" fill="hold">
+                      <p:stCondLst>
+                        <p:cond delay="indefinite"/>
+                      </p:stCondLst>
+                      <p:childTnLst>
+                        <p:par>
+                          <p:cTn id="4" fill="hold">
+                            <p:stCondLst>
+                              <p:cond delay="0"/>
+                            </p:stCondLst>
+                            <p:childTnLst>
+                              <p:par>
+                                <p:cTn id="5" presetID="1" presetClass="entr" presetSubtype="0" fill="hold" nodeType="clickEffect">
+                                  <p:stCondLst>
+                                    <p:cond delay="0"/>
+                                  </p:stCondLst>
+                                  <p:childTnLst>
+                                    <p:set>
+                                      <p:cBhvr>
+                                        <p:cTn id="6" dur="1" fill="hold">
+                                          <p:stCondLst>
+                                            <p:cond delay="0"/>
+                                          </p:stCondLst>
+                                        </p:cTn>
+                                        <p:tgtEl>
+                                          <p:spTgt spid="3">
+                                            <p:txEl>
+                                              <p:pRg st="3" end="3"/>
+                                            </p:txEl>
+                                          </p:spTgt>
+                                        </p:tgtEl>
+                                        <p:attrNameLst>
+                                          <p:attrName>style.visibility</p:attrName>
+                                        </p:attrNameLst>
+                                      </p:cBhvr>
+                                      <p:to>
+                                        <p:strVal val="visible"/>
+                                      </p:to>
+                                    </p:set>
+                                  </p:childTnLst>
+                                </p:cTn>
+                              </p:par>
+                            </p:childTnLst>
+                          </p:cTn>
+                        </p:par>
+                      </p:childTnLst>
+                    </p:cTn>
+                  </p:par>
+                </p:childTnLst>
+              </p:cTn>
+              <p:prevCondLst>
+                <p:cond evt="onPrev" delay="0">
+                  <p:tgtEl>
+                    <p:sldTgt/>
+                  </p:tgtEl>
+                </p:cond>
+              </p:prevCondLst>
+              <p:nextCondLst>
+                <p:cond evt="onNext" delay="0">
+                  <p:tgtEl>
+                    <p:sldTgt/>
+                  </p:tgtEl>
+                </p:cond>
+              </p:nextCondLst>
+            </p:seq>
+          </p:childTnLst>
+        </p:cTn>
+      </p:par>
+    </p:tnLst>
+  </p:timing>
+</p:sld>
+</file>
+
+<file path=ppt/slides/slide41.xml><?xml version="1.0" encoding="utf-8"?>
+<p:sld xmlns:a="http://schemas.openxmlformats.org/drawingml/2006/main" xmlns:r="http://schemas.openxmlformats.org/officeDocument/2006/relationships" xmlns:p="http://schemas.openxmlformats.org/presentationml/2006/main">
+  <p:cSld>
+    <p:spTree>
+      <p:nvGrpSpPr>
+        <p:cNvPr id="1" name=""/>
+        <p:cNvGrpSpPr/>
+        <p:nvPr/>
+      </p:nvGrpSpPr>
+      <p:grpSpPr>
+        <a:xfrm>
+          <a:off x="0" y="0"/>
+          <a:ext cx="0" cy="0"/>
+          <a:chOff x="0" y="0"/>
+          <a:chExt cx="0" cy="0"/>
+        </a:xfrm>
+      </p:grpSpPr>
+      <p:sp>
+        <p:nvSpPr>
+          <p:cNvPr id="2" name="Title 1"/>
+          <p:cNvSpPr>
+            <a:spLocks noGrp="1"/>
+          </p:cNvSpPr>
+          <p:nvPr>
+            <p:ph type="title"/>
+          </p:nvPr>
+        </p:nvSpPr>
         <p:spPr>
           <a:xfrm>
             <a:off x="628650" y="2179637"/>
@@ -31831,17 +32428,16 @@
           <a:p>
             <a:pPr algn="ctr"/>
             <a:r>
-              <a:rPr lang="en-US" smtClean="0"/>
+              <a:rPr lang="en-US"/>
               <a:t>Thanks!</a:t>
             </a:r>
             <a:br>
-              <a:rPr lang="en-US" smtClean="0"/>
+              <a:rPr lang="en-US"/>
             </a:br>
             <a:r>
-              <a:rPr lang="en-US" dirty="0" smtClean="0"/>
+              <a:rPr lang="en-US" dirty="0"/>
               <a:t>Q&amp;A</a:t>
             </a:r>
-            <a:endParaRPr lang="en-US" dirty="0"/>
           </a:p>
         </p:txBody>
       </p:sp>
@@ -31862,7 +32458,7 @@
           <a:p>
             <a:fld id="{1C91BF9F-A6D6-9C44-9AC2-A799D1CC7BF8}" type="slidenum">
               <a:rPr lang="en-US" smtClean="0"/>
-              <a:t>40</a:t>
+              <a:t>41</a:t>
             </a:fld>
             <a:endParaRPr lang="en-US"/>
           </a:p>
@@ -31878,13 +32474,6 @@
   <p:clrMapOvr>
     <a:masterClrMapping/>
   </p:clrMapOvr>
-  <p:timing>
-    <p:tnLst>
-      <p:par>
-        <p:cTn id="1" dur="indefinite" restart="never" nodeType="tmRoot"/>
-      </p:par>
-    </p:tnLst>
-  </p:timing>
 </p:sld>
 </file>
 
@@ -31921,7 +32510,7 @@
           <a:lstStyle/>
           <a:p>
             <a:r>
-              <a:rPr lang="en-US" smtClean="0"/>
+              <a:rPr lang="en-US"/>
               <a:t>Event: ACK (new data)</a:t>
             </a:r>
             <a:endParaRPr lang="en-US" dirty="0"/>
@@ -31944,24 +32533,24 @@
           <a:lstStyle/>
           <a:p>
             <a:r>
-              <a:rPr lang="en-US" smtClean="0"/>
+              <a:rPr lang="en-US"/>
               <a:t>If CWND &lt; ssthresh</a:t>
             </a:r>
           </a:p>
           <a:p>
             <a:pPr lvl="1"/>
             <a:r>
-              <a:rPr lang="en-US" smtClean="0"/>
+              <a:rPr lang="en-US"/>
               <a:t>CWND += 1</a:t>
             </a:r>
           </a:p>
           <a:p>
             <a:pPr lvl="1"/>
-            <a:endParaRPr lang="en-US" smtClean="0"/>
+            <a:endParaRPr lang="en-US"/>
           </a:p>
           <a:p>
             <a:pPr lvl="1"/>
-            <a:endParaRPr lang="en-US" smtClean="0"/>
+            <a:endParaRPr lang="en-US"/>
           </a:p>
           <a:p>
             <a:pPr lvl="1"/>
@@ -32065,14 +32654,11 @@
               <a:buChar char="•"/>
             </a:pPr>
             <a:r>
-              <a:rPr lang="en-US" b="0" i="1" dirty="0" smtClean="0">
+              <a:rPr lang="en-US" b="0" i="1" dirty="0">
                 <a:latin typeface="+mn-lt"/>
               </a:rPr>
               <a:t>CWND packets per RTT </a:t>
             </a:r>
-            <a:endParaRPr lang="en-US" b="0" i="1" dirty="0">
-              <a:latin typeface="+mn-lt"/>
-            </a:endParaRPr>
           </a:p>
           <a:p>
             <a:pPr marL="285750" indent="-285750" algn="l">
@@ -32080,29 +32666,29 @@
               <a:buChar char="•"/>
             </a:pPr>
             <a:r>
-              <a:rPr lang="en-US" b="0" i="1" dirty="0" smtClean="0">
+              <a:rPr lang="en-US" b="0" i="1" dirty="0">
                 <a:latin typeface="+mn-lt"/>
               </a:rPr>
               <a:t>Hence, after one RTT </a:t>
             </a:r>
             <a:br>
-              <a:rPr lang="en-US" b="0" i="1" dirty="0" smtClean="0">
+              <a:rPr lang="en-US" b="0" i="1" dirty="0">
                 <a:latin typeface="+mn-lt"/>
               </a:rPr>
             </a:br>
             <a:r>
-              <a:rPr lang="en-US" b="0" i="1" dirty="0" smtClean="0">
+              <a:rPr lang="en-US" b="0" i="1" dirty="0">
                 <a:latin typeface="+mn-lt"/>
               </a:rPr>
               <a:t>with no drops:</a:t>
             </a:r>
             <a:br>
-              <a:rPr lang="en-US" b="0" i="1" dirty="0" smtClean="0">
+              <a:rPr lang="en-US" b="0" i="1" dirty="0">
                 <a:latin typeface="+mn-lt"/>
               </a:rPr>
             </a:br>
             <a:r>
-              <a:rPr lang="en-US" b="0" i="1" dirty="0" smtClean="0">
+              <a:rPr lang="en-US" b="0" i="1" dirty="0">
                 <a:solidFill>
                   <a:srgbClr val="0000FF"/>
                 </a:solidFill>
@@ -32111,7 +32697,7 @@
               <a:t>    </a:t>
             </a:r>
             <a:r>
-              <a:rPr lang="en-US" b="0" i="1" dirty="0" smtClean="0">
+              <a:rPr lang="en-US" b="0" i="1" dirty="0">
                 <a:solidFill>
                   <a:schemeClr val="accent5"/>
                 </a:solidFill>
@@ -32119,12 +32705,6 @@
               </a:rPr>
               <a:t>CWND = 2xCWND</a:t>
             </a:r>
-            <a:endParaRPr lang="en-US" b="0" i="1" dirty="0">
-              <a:solidFill>
-                <a:schemeClr val="accent5"/>
-              </a:solidFill>
-              <a:latin typeface="+mn-lt"/>
-            </a:endParaRPr>
           </a:p>
         </p:txBody>
       </p:sp>
@@ -32304,7 +32884,7 @@
           <a:lstStyle/>
           <a:p>
             <a:r>
-              <a:rPr lang="en-US" smtClean="0"/>
+              <a:rPr lang="en-US"/>
               <a:t>Event: ACK (new data)</a:t>
             </a:r>
             <a:endParaRPr lang="en-US" dirty="0"/>
@@ -32327,50 +32907,50 @@
           <a:lstStyle/>
           <a:p>
             <a:r>
-              <a:rPr lang="en-US" dirty="0" smtClean="0"/>
+              <a:rPr lang="en-US" dirty="0"/>
               <a:t>If CWND &lt; </a:t>
             </a:r>
             <a:r>
-              <a:rPr lang="en-US" dirty="0" err="1" smtClean="0"/>
+              <a:rPr lang="en-US" dirty="0" err="1"/>
               <a:t>ssthresh</a:t>
             </a:r>
-            <a:endParaRPr lang="en-US" dirty="0" smtClean="0"/>
+            <a:endParaRPr lang="en-US" dirty="0"/>
           </a:p>
           <a:p>
             <a:pPr lvl="1"/>
             <a:r>
-              <a:rPr lang="en-US" dirty="0" smtClean="0"/>
+              <a:rPr lang="en-US" dirty="0"/>
               <a:t>CWND += 1</a:t>
             </a:r>
           </a:p>
           <a:p>
             <a:pPr lvl="1"/>
-            <a:endParaRPr lang="en-US" dirty="0" smtClean="0"/>
-          </a:p>
-          <a:p>
-            <a:r>
-              <a:rPr lang="en-US" dirty="0" smtClean="0"/>
+            <a:endParaRPr lang="en-US" dirty="0"/>
+          </a:p>
+          <a:p>
+            <a:r>
+              <a:rPr lang="en-US" dirty="0"/>
               <a:t>Else </a:t>
             </a:r>
           </a:p>
           <a:p>
             <a:pPr lvl="1"/>
             <a:r>
-              <a:rPr lang="en-US" dirty="0" smtClean="0"/>
+              <a:rPr lang="en-US" dirty="0"/>
               <a:t>CWND = CWND + 1/CWND</a:t>
             </a:r>
           </a:p>
           <a:p>
             <a:pPr lvl="1"/>
-            <a:endParaRPr lang="en-US" dirty="0" smtClean="0"/>
+            <a:endParaRPr lang="en-US" dirty="0"/>
           </a:p>
           <a:p>
             <a:pPr lvl="1"/>
-            <a:endParaRPr lang="en-US" dirty="0" smtClean="0"/>
+            <a:endParaRPr lang="en-US" dirty="0"/>
           </a:p>
           <a:p>
             <a:pPr lvl="1"/>
-            <a:endParaRPr lang="en-US" dirty="0" smtClean="0"/>
+            <a:endParaRPr lang="en-US" dirty="0"/>
           </a:p>
           <a:p>
             <a:pPr lvl="1"/>
@@ -32464,7 +33044,7 @@
           <a:lstStyle/>
           <a:p>
             <a:r>
-              <a:rPr lang="en-US" sz="2400" i="1" dirty="0" smtClean="0">
+              <a:rPr lang="en-US" sz="2400" i="1" dirty="0">
                 <a:solidFill>
                   <a:schemeClr val="accent5"/>
                 </a:solidFill>
@@ -32472,12 +33052,6 @@
               </a:rPr>
               <a:t>Slow start phase</a:t>
             </a:r>
-            <a:endParaRPr lang="en-US" sz="2400" i="1" dirty="0">
-              <a:solidFill>
-                <a:schemeClr val="accent5"/>
-              </a:solidFill>
-              <a:latin typeface="+mn-lt"/>
-            </a:endParaRPr>
           </a:p>
         </p:txBody>
       </p:sp>
@@ -32591,14 +33165,11 @@
                 <a:buChar char="•"/>
               </a:pPr>
               <a:r>
-                <a:rPr lang="en-US" b="0" i="1" dirty="0" smtClean="0">
+                <a:rPr lang="en-US" b="0" i="1" dirty="0">
                   <a:latin typeface="+mn-lt"/>
                 </a:rPr>
                 <a:t>CWND packets per RTT </a:t>
               </a:r>
-              <a:endParaRPr lang="en-US" b="0" i="1" dirty="0">
-                <a:latin typeface="+mn-lt"/>
-              </a:endParaRPr>
             </a:p>
             <a:p>
               <a:pPr marL="285750" indent="-285750" algn="l">
@@ -32606,29 +33177,29 @@
                 <a:buChar char="•"/>
               </a:pPr>
               <a:r>
-                <a:rPr lang="en-US" b="0" i="1" dirty="0" smtClean="0">
+                <a:rPr lang="en-US" b="0" i="1" dirty="0">
                   <a:latin typeface="+mn-lt"/>
                 </a:rPr>
                 <a:t>Hence, after one RTT </a:t>
               </a:r>
               <a:br>
-                <a:rPr lang="en-US" b="0" i="1" dirty="0" smtClean="0">
+                <a:rPr lang="en-US" b="0" i="1" dirty="0">
                   <a:latin typeface="+mn-lt"/>
                 </a:rPr>
               </a:br>
               <a:r>
-                <a:rPr lang="en-US" b="0" i="1" dirty="0" smtClean="0">
+                <a:rPr lang="en-US" b="0" i="1" dirty="0">
                   <a:latin typeface="+mn-lt"/>
                 </a:rPr>
                 <a:t>with no drops:</a:t>
               </a:r>
               <a:br>
-                <a:rPr lang="en-US" b="0" i="1" dirty="0" smtClean="0">
+                <a:rPr lang="en-US" b="0" i="1" dirty="0">
                   <a:latin typeface="+mn-lt"/>
                 </a:rPr>
               </a:br>
               <a:r>
-                <a:rPr lang="en-US" b="0" i="1" dirty="0" smtClean="0">
+                <a:rPr lang="en-US" b="0" i="1" dirty="0">
                   <a:solidFill>
                     <a:srgbClr val="0000FF"/>
                   </a:solidFill>
@@ -32637,7 +33208,7 @@
                 <a:t>    </a:t>
               </a:r>
               <a:r>
-                <a:rPr lang="en-US" b="0" i="1" dirty="0" smtClean="0">
+                <a:rPr lang="en-US" b="0" i="1" dirty="0">
                   <a:solidFill>
                     <a:schemeClr val="accent5"/>
                   </a:solidFill>
@@ -32645,12 +33216,6 @@
                 </a:rPr>
                 <a:t>CWND = CWND + 1</a:t>
               </a:r>
-              <a:endParaRPr lang="en-US" b="0" i="1" dirty="0">
-                <a:solidFill>
-                  <a:schemeClr val="accent5"/>
-                </a:solidFill>
-                <a:latin typeface="+mn-lt"/>
-              </a:endParaRPr>
             </a:p>
           </p:txBody>
         </p:sp>
@@ -32742,7 +33307,7 @@
           <a:p>
             <a:pPr algn="l"/>
             <a:r>
-              <a:rPr lang="en-US" sz="2400" i="1" dirty="0" smtClean="0">
+              <a:rPr lang="en-US" sz="2400" i="1" dirty="0">
                 <a:solidFill>
                   <a:schemeClr val="accent5"/>
                 </a:solidFill>
@@ -32751,7 +33316,7 @@
               <a:t>Congestion </a:t>
             </a:r>
             <a:br>
-              <a:rPr lang="en-US" sz="2400" i="1" dirty="0" smtClean="0">
+              <a:rPr lang="en-US" sz="2400" i="1" dirty="0">
                 <a:solidFill>
                   <a:schemeClr val="accent5"/>
                 </a:solidFill>
@@ -32765,23 +33330,8 @@
                 </a:solidFill>
                 <a:latin typeface="+mn-lt"/>
               </a:rPr>
-              <a:t>a</a:t>
-            </a:r>
-            <a:r>
-              <a:rPr lang="en-US" sz="2400" i="1" dirty="0" smtClean="0">
-                <a:solidFill>
-                  <a:schemeClr val="accent5"/>
-                </a:solidFill>
-                <a:latin typeface="+mn-lt"/>
-              </a:rPr>
-              <a:t>voidance phase</a:t>
-            </a:r>
-            <a:endParaRPr lang="en-US" sz="2400" i="1" dirty="0">
-              <a:solidFill>
-                <a:schemeClr val="accent5"/>
-              </a:solidFill>
-              <a:latin typeface="+mn-lt"/>
-            </a:endParaRPr>
+              <a:t>avoidance phase</a:t>
+            </a:r>
           </a:p>
         </p:txBody>
       </p:sp>
@@ -33113,7 +33663,7 @@
           <a:lstStyle/>
           <a:p>
             <a:r>
-              <a:rPr lang="en-US" smtClean="0"/>
+              <a:rPr lang="en-US"/>
               <a:t>Event: TimeOut</a:t>
             </a:r>
             <a:endParaRPr lang="en-US" dirty="0"/>
@@ -33136,35 +33686,35 @@
           <a:lstStyle/>
           <a:p>
             <a:r>
-              <a:rPr lang="en-US" dirty="0" smtClean="0"/>
+              <a:rPr lang="en-US" dirty="0"/>
               <a:t>On Timeout </a:t>
             </a:r>
           </a:p>
           <a:p>
             <a:pPr lvl="1"/>
             <a:r>
-              <a:rPr lang="en-US" dirty="0" err="1" smtClean="0"/>
+              <a:rPr lang="en-US" dirty="0" err="1"/>
               <a:t>ssthresh</a:t>
             </a:r>
             <a:r>
-              <a:rPr lang="en-US" dirty="0" smtClean="0"/>
+              <a:rPr lang="en-US" dirty="0"/>
               <a:t> </a:t>
             </a:r>
             <a:r>
-              <a:rPr lang="en-US" dirty="0" smtClean="0">
+              <a:rPr lang="en-US" dirty="0">
                 <a:sym typeface="Wingdings"/>
               </a:rPr>
               <a:t></a:t>
             </a:r>
             <a:r>
-              <a:rPr lang="en-US" dirty="0" smtClean="0"/>
+              <a:rPr lang="en-US" dirty="0"/>
               <a:t> CWND/2</a:t>
             </a:r>
           </a:p>
           <a:p>
             <a:pPr lvl="1"/>
             <a:r>
-              <a:rPr lang="en-US" dirty="0" smtClean="0">
+              <a:rPr lang="en-US" dirty="0">
                 <a:solidFill>
                   <a:schemeClr val="accent5"/>
                 </a:solidFill>
@@ -33172,7 +33722,7 @@
               <a:t>CWND </a:t>
             </a:r>
             <a:r>
-              <a:rPr lang="en-US" dirty="0" smtClean="0">
+              <a:rPr lang="en-US" dirty="0">
                 <a:solidFill>
                   <a:schemeClr val="accent5"/>
                 </a:solidFill>
@@ -33181,7 +33731,7 @@
               <a:t></a:t>
             </a:r>
             <a:r>
-              <a:rPr lang="en-US" dirty="0" smtClean="0">
+              <a:rPr lang="en-US" dirty="0">
                 <a:solidFill>
                   <a:schemeClr val="accent5"/>
                 </a:solidFill>
@@ -33191,17 +33741,17 @@
           </a:p>
           <a:p>
             <a:pPr lvl="1"/>
-            <a:endParaRPr lang="en-US" dirty="0" smtClean="0"/>
-          </a:p>
-          <a:p>
-            <a:endParaRPr lang="en-US" dirty="0" smtClean="0"/>
-          </a:p>
-          <a:p>
-            <a:endParaRPr lang="en-US" dirty="0" smtClean="0"/>
+            <a:endParaRPr lang="en-US" dirty="0"/>
+          </a:p>
+          <a:p>
+            <a:endParaRPr lang="en-US" dirty="0"/>
+          </a:p>
+          <a:p>
+            <a:endParaRPr lang="en-US" dirty="0"/>
           </a:p>
           <a:p>
             <a:pPr lvl="1"/>
-            <a:endParaRPr lang="en-US" dirty="0" smtClean="0"/>
+            <a:endParaRPr lang="en-US" dirty="0"/>
           </a:p>
           <a:p>
             <a:pPr lvl="1"/>
@@ -33243,13 +33793,6 @@
   <p:clrMapOvr>
     <a:masterClrMapping/>
   </p:clrMapOvr>
-  <p:timing>
-    <p:tnLst>
-      <p:par>
-        <p:cTn id="1" dur="indefinite" restart="never" nodeType="tmRoot"/>
-      </p:par>
-    </p:tnLst>
-  </p:timing>
 </p:sld>
 </file>
 
@@ -33286,10 +33829,9 @@
           <a:lstStyle/>
           <a:p>
             <a:r>
-              <a:rPr lang="en-US" dirty="0" smtClean="0"/>
+              <a:rPr lang="en-US" dirty="0"/>
               <a:t>Event: dupACK</a:t>
             </a:r>
-            <a:endParaRPr lang="en-US" dirty="0"/>
           </a:p>
         </p:txBody>
       </p:sp>
@@ -33309,29 +33851,29 @@
           <a:lstStyle/>
           <a:p>
             <a:r>
-              <a:rPr lang="en-US" dirty="0" err="1" smtClean="0"/>
+              <a:rPr lang="en-US" dirty="0" err="1"/>
               <a:t>dupACKcount</a:t>
             </a:r>
             <a:r>
-              <a:rPr lang="en-US" dirty="0" smtClean="0"/>
+              <a:rPr lang="en-US" dirty="0"/>
               <a:t> ++ </a:t>
             </a:r>
           </a:p>
           <a:p>
             <a:r>
-              <a:rPr lang="en-US" dirty="0" smtClean="0"/>
+              <a:rPr lang="en-US" dirty="0"/>
               <a:t>If </a:t>
             </a:r>
             <a:r>
-              <a:rPr lang="en-US" dirty="0" err="1" smtClean="0"/>
+              <a:rPr lang="en-US" dirty="0" err="1"/>
               <a:t>dupACKcount</a:t>
             </a:r>
             <a:r>
-              <a:rPr lang="en-US" dirty="0" smtClean="0"/>
+              <a:rPr lang="en-US" dirty="0"/>
               <a:t> = 3 </a:t>
             </a:r>
             <a:r>
-              <a:rPr lang="en-US" dirty="0" smtClean="0">
+              <a:rPr lang="en-US" dirty="0">
                 <a:solidFill>
                   <a:schemeClr val="accent5"/>
                 </a:solidFill>
@@ -33342,18 +33884,18 @@
           <a:p>
             <a:pPr lvl="1"/>
             <a:r>
-              <a:rPr lang="en-US" dirty="0" err="1" smtClean="0"/>
+              <a:rPr lang="en-US" dirty="0" err="1"/>
               <a:t>ssthresh</a:t>
             </a:r>
             <a:r>
-              <a:rPr lang="en-US" dirty="0" smtClean="0"/>
+              <a:rPr lang="en-US" dirty="0"/>
               <a:t> = CWND/2</a:t>
             </a:r>
           </a:p>
           <a:p>
             <a:pPr lvl="1"/>
             <a:r>
-              <a:rPr lang="en-US" dirty="0" smtClean="0">
+              <a:rPr lang="en-US" dirty="0">
                 <a:solidFill>
                   <a:schemeClr val="accent5"/>
                 </a:solidFill>
@@ -33363,11 +33905,11 @@
           </a:p>
           <a:p>
             <a:pPr lvl="1"/>
-            <a:endParaRPr lang="en-US" dirty="0" smtClean="0"/>
+            <a:endParaRPr lang="en-US" dirty="0"/>
           </a:p>
           <a:p>
             <a:pPr lvl="1"/>
-            <a:endParaRPr lang="en-US" dirty="0" smtClean="0"/>
+            <a:endParaRPr lang="en-US" dirty="0"/>
           </a:p>
         </p:txBody>
       </p:sp>
@@ -33585,7 +34127,7 @@
           <a:lstStyle/>
           <a:p>
             <a:r>
-              <a:rPr lang="en-US" smtClean="0"/>
+              <a:rPr lang="en-US"/>
               <a:t>Example</a:t>
             </a:r>
             <a:endParaRPr lang="en-US" dirty="0"/>
@@ -34270,29 +34812,8 @@
               <a:rPr lang="en-US" sz="2400" b="0" dirty="0">
                 <a:latin typeface="Arial" charset="0"/>
               </a:rPr>
-              <a:t>Slow-start restart: Go back to CWND =</a:t>
-            </a:r>
-            <a:r>
-              <a:rPr lang="en-US" sz="2400" b="0" dirty="0" smtClean="0">
-                <a:latin typeface="Arial" charset="0"/>
-              </a:rPr>
-              <a:t> </a:t>
-            </a:r>
-            <a:r>
-              <a:rPr lang="en-US" sz="2400" b="0" dirty="0">
-                <a:latin typeface="Arial" charset="0"/>
-              </a:rPr>
-              <a:t>1 MSS, but take advantage of knowing the previous value of </a:t>
-            </a:r>
-            <a:r>
-              <a:rPr lang="en-US" sz="2400" b="0" dirty="0" smtClean="0">
-                <a:latin typeface="Arial" charset="0"/>
-              </a:rPr>
-              <a:t>CWND</a:t>
-            </a:r>
-            <a:endParaRPr lang="en-US" sz="2400" b="0" dirty="0">
-              <a:latin typeface="Arial" charset="0"/>
-            </a:endParaRPr>
+              <a:t>Slow-start restart: Go back to CWND = 1 MSS, but take advantage of knowing the previous value of CWND</a:t>
+            </a:r>
           </a:p>
         </p:txBody>
       </p:sp>
@@ -34609,21 +35130,7 @@
                   <a:ea typeface="Arial" charset="0"/>
                   <a:cs typeface="Arial" charset="0"/>
                 </a:rPr>
-                <a:t>Slow start in operation until it reaches half of previous CWND, </a:t>
-              </a:r>
-              <a:r>
-                <a:rPr lang="en-US" sz="1600" b="0" dirty="0" smtClean="0">
-                  <a:ea typeface="Arial" charset="0"/>
-                  <a:cs typeface="Arial" charset="0"/>
-                </a:rPr>
-                <a:t>i.e</a:t>
-              </a:r>
-              <a:r>
-                <a:rPr lang="en-US" sz="1600" b="0" dirty="0">
-                  <a:ea typeface="Arial" charset="0"/>
-                  <a:cs typeface="Arial" charset="0"/>
-                </a:rPr>
-                <a:t>., </a:t>
+                <a:t>Slow start in operation until it reaches half of previous CWND, i.e., </a:t>
               </a:r>
               <a:r>
                 <a:rPr lang="en-US" sz="1600" b="0" i="1" dirty="0">
